--- a/presentations/mri_lecture.pptx
+++ b/presentations/mri_lecture.pptx
@@ -7,7 +7,7 @@
     <p:sldMasterId id="2147483776" r:id="rId3"/>
   </p:sldMasterIdLst>
   <p:notesMasterIdLst>
-    <p:notesMasterId r:id="rId14"/>
+    <p:notesMasterId r:id="rId16"/>
   </p:notesMasterIdLst>
   <p:sldIdLst>
     <p:sldId id="257" r:id="rId4"/>
@@ -18,8 +18,10 @@
     <p:sldId id="306" r:id="rId9"/>
     <p:sldId id="310" r:id="rId10"/>
     <p:sldId id="307" r:id="rId11"/>
-    <p:sldId id="311" r:id="rId12"/>
-    <p:sldId id="302" r:id="rId13"/>
+    <p:sldId id="312" r:id="rId12"/>
+    <p:sldId id="313" r:id="rId13"/>
+    <p:sldId id="311" r:id="rId14"/>
+    <p:sldId id="302" r:id="rId15"/>
   </p:sldIdLst>
   <p:sldSz cx="12192000" cy="6858000"/>
   <p:notesSz cx="6858000" cy="9144000"/>
@@ -7061,7 +7063,7 @@
           </a:lstStyle>
           <a:p>
             <a:fld id="{69732D9D-C667-489A-831F-0E01110209EA}" type="datetimeFigureOut">
-              <a:t>08/26/2024</a:t>
+              <a:t>09/07/2024</a:t>
             </a:fld>
             <a:endParaRPr lang="en-US"/>
           </a:p>
@@ -7574,7 +7576,7 @@
           <a:p>
             <a:fld id="{846CE7D5-CF57-46EF-B807-FDD0502418D4}" type="datetimeFigureOut">
               <a:rPr lang="en-US" smtClean="0"/>
-              <a:t>8/26/2024</a:t>
+              <a:t>9/7/2024</a:t>
             </a:fld>
             <a:endParaRPr lang="en-US"/>
           </a:p>
@@ -7744,7 +7746,7 @@
           <a:p>
             <a:fld id="{846CE7D5-CF57-46EF-B807-FDD0502418D4}" type="datetimeFigureOut">
               <a:rPr lang="en-US" smtClean="0"/>
-              <a:t>8/26/2024</a:t>
+              <a:t>9/7/2024</a:t>
             </a:fld>
             <a:endParaRPr lang="en-US"/>
           </a:p>
@@ -7924,7 +7926,7 @@
           <a:p>
             <a:fld id="{846CE7D5-CF57-46EF-B807-FDD0502418D4}" type="datetimeFigureOut">
               <a:rPr lang="en-US" smtClean="0"/>
-              <a:t>8/26/2024</a:t>
+              <a:t>9/7/2024</a:t>
             </a:fld>
             <a:endParaRPr lang="en-US"/>
           </a:p>
@@ -9409,7 +9411,7 @@
           <a:p>
             <a:fld id="{846CE7D5-CF57-46EF-B807-FDD0502418D4}" type="datetimeFigureOut">
               <a:rPr lang="en-US" smtClean="0"/>
-              <a:t>8/26/2024</a:t>
+              <a:t>9/7/2024</a:t>
             </a:fld>
             <a:endParaRPr lang="en-US"/>
           </a:p>
@@ -11535,7 +11537,7 @@
           <a:p>
             <a:fld id="{846CE7D5-CF57-46EF-B807-FDD0502418D4}" type="datetimeFigureOut">
               <a:rPr lang="en-US" smtClean="0"/>
-              <a:t>8/26/2024</a:t>
+              <a:t>9/7/2024</a:t>
             </a:fld>
             <a:endParaRPr lang="en-US"/>
           </a:p>
@@ -13252,7 +13254,7 @@
           <a:p>
             <a:fld id="{846CE7D5-CF57-46EF-B807-FDD0502418D4}" type="datetimeFigureOut">
               <a:rPr lang="en-US" smtClean="0"/>
-              <a:t>8/26/2024</a:t>
+              <a:t>9/7/2024</a:t>
             </a:fld>
             <a:endParaRPr lang="en-US"/>
           </a:p>
@@ -13619,7 +13621,7 @@
           <a:p>
             <a:fld id="{846CE7D5-CF57-46EF-B807-FDD0502418D4}" type="datetimeFigureOut">
               <a:rPr lang="en-US" smtClean="0"/>
-              <a:t>8/26/2024</a:t>
+              <a:t>9/7/2024</a:t>
             </a:fld>
             <a:endParaRPr lang="en-US"/>
           </a:p>
@@ -13737,7 +13739,7 @@
           <a:p>
             <a:fld id="{846CE7D5-CF57-46EF-B807-FDD0502418D4}" type="datetimeFigureOut">
               <a:rPr lang="en-US" smtClean="0"/>
-              <a:t>8/26/2024</a:t>
+              <a:t>9/7/2024</a:t>
             </a:fld>
             <a:endParaRPr lang="en-US"/>
           </a:p>
@@ -13832,7 +13834,7 @@
           <a:p>
             <a:fld id="{846CE7D5-CF57-46EF-B807-FDD0502418D4}" type="datetimeFigureOut">
               <a:rPr lang="en-US" smtClean="0"/>
-              <a:t>8/26/2024</a:t>
+              <a:t>9/7/2024</a:t>
             </a:fld>
             <a:endParaRPr lang="en-US"/>
           </a:p>
@@ -14109,7 +14111,7 @@
           <a:p>
             <a:fld id="{846CE7D5-CF57-46EF-B807-FDD0502418D4}" type="datetimeFigureOut">
               <a:rPr lang="en-US" smtClean="0"/>
-              <a:t>8/26/2024</a:t>
+              <a:t>9/7/2024</a:t>
             </a:fld>
             <a:endParaRPr lang="en-US"/>
           </a:p>
@@ -14366,7 +14368,7 @@
           <a:p>
             <a:fld id="{846CE7D5-CF57-46EF-B807-FDD0502418D4}" type="datetimeFigureOut">
               <a:rPr lang="en-US" smtClean="0"/>
-              <a:t>8/26/2024</a:t>
+              <a:t>9/7/2024</a:t>
             </a:fld>
             <a:endParaRPr lang="en-US"/>
           </a:p>
@@ -14579,7 +14581,7 @@
           <a:p>
             <a:fld id="{846CE7D5-CF57-46EF-B807-FDD0502418D4}" type="datetimeFigureOut">
               <a:rPr lang="en-US" smtClean="0"/>
-              <a:t>8/26/2024</a:t>
+              <a:t>9/7/2024</a:t>
             </a:fld>
             <a:endParaRPr lang="en-US"/>
           </a:p>
@@ -16552,6 +16554,448 @@
 </file>
 
 <file path=ppt/slides/slide10.xml><?xml version="1.0" encoding="utf-8"?>
+<p:sld xmlns:a="http://schemas.openxmlformats.org/drawingml/2006/main" xmlns:r="http://schemas.openxmlformats.org/officeDocument/2006/relationships" xmlns:p="http://schemas.openxmlformats.org/presentationml/2006/main">
+  <p:cSld>
+    <p:spTree>
+      <p:nvGrpSpPr>
+        <p:cNvPr id="1" name=""/>
+        <p:cNvGrpSpPr/>
+        <p:nvPr/>
+      </p:nvGrpSpPr>
+      <p:grpSpPr>
+        <a:xfrm>
+          <a:off x="0" y="0"/>
+          <a:ext cx="0" cy="0"/>
+          <a:chOff x="0" y="0"/>
+          <a:chExt cx="0" cy="0"/>
+        </a:xfrm>
+      </p:grpSpPr>
+      <p:sp>
+        <p:nvSpPr>
+          <p:cNvPr id="11" name="Title 1">
+            <a:extLst>
+              <a:ext uri="{FF2B5EF4-FFF2-40B4-BE49-F238E27FC236}">
+                <a16:creationId xmlns:a16="http://schemas.microsoft.com/office/drawing/2014/main" id="{B2A99C44-0FF0-7D73-9F27-6EEA0C5C5DDC}"/>
+              </a:ext>
+            </a:extLst>
+          </p:cNvPr>
+          <p:cNvSpPr>
+            <a:spLocks noGrp="1"/>
+          </p:cNvSpPr>
+          <p:nvPr>
+            <p:ph type="title"/>
+          </p:nvPr>
+        </p:nvSpPr>
+        <p:spPr>
+          <a:xfrm>
+            <a:off x="2324106" y="190500"/>
+            <a:ext cx="10972440" cy="1144800"/>
+          </a:xfrm>
+        </p:spPr>
+        <p:txBody>
+          <a:bodyPr/>
+          <a:lstStyle/>
+          <a:p>
+            <a:r>
+              <a:rPr lang="en-US" dirty="0"/>
+              <a:t>MRI:  Nomenclature in general</a:t>
+            </a:r>
+            <a:endParaRPr lang="LID4096" dirty="0"/>
+          </a:p>
+        </p:txBody>
+      </p:sp>
+      <p:sp>
+        <p:nvSpPr>
+          <p:cNvPr id="2" name="TextBox 1">
+            <a:extLst>
+              <a:ext uri="{FF2B5EF4-FFF2-40B4-BE49-F238E27FC236}">
+                <a16:creationId xmlns:a16="http://schemas.microsoft.com/office/drawing/2014/main" id="{DC8BA26C-E16D-053E-1BBF-4BE06714E1D3}"/>
+              </a:ext>
+            </a:extLst>
+          </p:cNvPr>
+          <p:cNvSpPr txBox="1"/>
+          <p:nvPr/>
+        </p:nvSpPr>
+        <p:spPr>
+          <a:xfrm>
+            <a:off x="1043374" y="1184585"/>
+            <a:ext cx="8743178" cy="1754326"/>
+          </a:xfrm>
+          <a:prstGeom prst="rect">
+            <a:avLst/>
+          </a:prstGeom>
+          <a:noFill/>
+        </p:spPr>
+        <p:txBody>
+          <a:bodyPr wrap="square" rtlCol="0">
+            <a:spAutoFit/>
+          </a:bodyPr>
+          <a:lstStyle/>
+          <a:p>
+            <a:r>
+              <a:rPr lang="en-US" dirty="0"/>
+              <a:t>It may be safe to use property and attribute interchangeably. </a:t>
+            </a:r>
+          </a:p>
+          <a:p>
+            <a:r>
+              <a:rPr lang="en-US" dirty="0"/>
+              <a:t>Maybe… or maybe we are all Robert Hooke</a:t>
+            </a:r>
+          </a:p>
+          <a:p>
+            <a:endParaRPr lang="en-US" dirty="0"/>
+          </a:p>
+          <a:p>
+            <a:endParaRPr lang="en-US" dirty="0"/>
+          </a:p>
+          <a:p>
+            <a:endParaRPr lang="en-US" dirty="0"/>
+          </a:p>
+          <a:p>
+            <a:r>
+              <a:rPr lang="en-US" dirty="0"/>
+              <a:t> </a:t>
+            </a:r>
+            <a:endParaRPr lang="LID4096" dirty="0"/>
+          </a:p>
+        </p:txBody>
+      </p:sp>
+      <p:pic>
+        <p:nvPicPr>
+          <p:cNvPr id="4" name="Picture 3">
+            <a:extLst>
+              <a:ext uri="{FF2B5EF4-FFF2-40B4-BE49-F238E27FC236}">
+                <a16:creationId xmlns:a16="http://schemas.microsoft.com/office/drawing/2014/main" id="{7CEA10DF-D540-D607-19C4-238F0C9A7C8D}"/>
+              </a:ext>
+            </a:extLst>
+          </p:cNvPr>
+          <p:cNvPicPr>
+            <a:picLocks noChangeAspect="1"/>
+          </p:cNvPicPr>
+          <p:nvPr/>
+        </p:nvPicPr>
+        <p:blipFill>
+          <a:blip r:embed="rId2"/>
+          <a:stretch>
+            <a:fillRect/>
+          </a:stretch>
+        </p:blipFill>
+        <p:spPr>
+          <a:xfrm>
+            <a:off x="1200150" y="2061748"/>
+            <a:ext cx="4477175" cy="3113036"/>
+          </a:xfrm>
+          <a:prstGeom prst="rect">
+            <a:avLst/>
+          </a:prstGeom>
+        </p:spPr>
+      </p:pic>
+      <p:pic>
+        <p:nvPicPr>
+          <p:cNvPr id="8" name="Picture 7">
+            <a:extLst>
+              <a:ext uri="{FF2B5EF4-FFF2-40B4-BE49-F238E27FC236}">
+                <a16:creationId xmlns:a16="http://schemas.microsoft.com/office/drawing/2014/main" id="{1ED4DE54-A432-9F99-6BB6-1827F825D9A9}"/>
+              </a:ext>
+            </a:extLst>
+          </p:cNvPr>
+          <p:cNvPicPr>
+            <a:picLocks noChangeAspect="1"/>
+          </p:cNvPicPr>
+          <p:nvPr/>
+        </p:nvPicPr>
+        <p:blipFill>
+          <a:blip r:embed="rId3"/>
+          <a:stretch>
+            <a:fillRect/>
+          </a:stretch>
+        </p:blipFill>
+        <p:spPr>
+          <a:xfrm>
+            <a:off x="5834101" y="3011299"/>
+            <a:ext cx="3952451" cy="3261179"/>
+          </a:xfrm>
+          <a:prstGeom prst="rect">
+            <a:avLst/>
+          </a:prstGeom>
+        </p:spPr>
+      </p:pic>
+    </p:spTree>
+    <p:extLst>
+      <p:ext uri="{BB962C8B-B14F-4D97-AF65-F5344CB8AC3E}">
+        <p14:creationId xmlns:p14="http://schemas.microsoft.com/office/powerpoint/2010/main" val="950569203"/>
+      </p:ext>
+    </p:extLst>
+  </p:cSld>
+  <p:clrMapOvr>
+    <a:masterClrMapping/>
+  </p:clrMapOvr>
+</p:sld>
+</file>
+
+<file path=ppt/slides/slide11.xml><?xml version="1.0" encoding="utf-8"?>
+<p:sld xmlns:a="http://schemas.openxmlformats.org/drawingml/2006/main" xmlns:r="http://schemas.openxmlformats.org/officeDocument/2006/relationships" xmlns:p="http://schemas.openxmlformats.org/presentationml/2006/main">
+  <p:cSld>
+    <p:spTree>
+      <p:nvGrpSpPr>
+        <p:cNvPr id="1" name=""/>
+        <p:cNvGrpSpPr/>
+        <p:nvPr/>
+      </p:nvGrpSpPr>
+      <p:grpSpPr>
+        <a:xfrm>
+          <a:off x="0" y="0"/>
+          <a:ext cx="0" cy="0"/>
+          <a:chOff x="0" y="0"/>
+          <a:chExt cx="0" cy="0"/>
+        </a:xfrm>
+      </p:grpSpPr>
+      <p:sp>
+        <p:nvSpPr>
+          <p:cNvPr id="11" name="Title 1">
+            <a:extLst>
+              <a:ext uri="{FF2B5EF4-FFF2-40B4-BE49-F238E27FC236}">
+                <a16:creationId xmlns:a16="http://schemas.microsoft.com/office/drawing/2014/main" id="{B2A99C44-0FF0-7D73-9F27-6EEA0C5C5DDC}"/>
+              </a:ext>
+            </a:extLst>
+          </p:cNvPr>
+          <p:cNvSpPr>
+            <a:spLocks noGrp="1"/>
+          </p:cNvSpPr>
+          <p:nvPr>
+            <p:ph type="title"/>
+          </p:nvPr>
+        </p:nvSpPr>
+        <p:spPr>
+          <a:xfrm>
+            <a:off x="2503926" y="0"/>
+            <a:ext cx="10972440" cy="1144800"/>
+          </a:xfrm>
+        </p:spPr>
+        <p:txBody>
+          <a:bodyPr/>
+          <a:lstStyle/>
+          <a:p>
+            <a:r>
+              <a:rPr lang="en-US" dirty="0"/>
+              <a:t>MRI: coding along</a:t>
+            </a:r>
+            <a:endParaRPr lang="LID4096" dirty="0"/>
+          </a:p>
+        </p:txBody>
+      </p:sp>
+      <p:sp>
+        <p:nvSpPr>
+          <p:cNvPr id="17" name="Rectangle 14">
+            <a:extLst>
+              <a:ext uri="{FF2B5EF4-FFF2-40B4-BE49-F238E27FC236}">
+                <a16:creationId xmlns:a16="http://schemas.microsoft.com/office/drawing/2014/main" id="{5FD13D6E-C67F-3A56-EFD2-DD7B92E6255E}"/>
+              </a:ext>
+            </a:extLst>
+          </p:cNvPr>
+          <p:cNvSpPr>
+            <a:spLocks noChangeArrowheads="1"/>
+          </p:cNvSpPr>
+          <p:nvPr/>
+        </p:nvSpPr>
+        <p:spPr bwMode="auto">
+          <a:xfrm>
+            <a:off x="1334530" y="5527243"/>
+            <a:ext cx="582831732" cy="923330"/>
+          </a:xfrm>
+          <a:prstGeom prst="rect">
+            <a:avLst/>
+          </a:prstGeom>
+          <a:noFill/>
+          <a:ln>
+            <a:noFill/>
+          </a:ln>
+          <a:effectLst/>
+          <a:extLst>
+            <a:ext uri="{909E8E84-426E-40DD-AFC4-6F175D3DCCD1}">
+              <a14:hiddenFill xmlns:a14="http://schemas.microsoft.com/office/drawing/2010/main">
+                <a:solidFill>
+                  <a:schemeClr val="accent1"/>
+                </a:solidFill>
+              </a14:hiddenFill>
+            </a:ext>
+            <a:ext uri="{91240B29-F687-4F45-9708-019B960494DF}">
+              <a14:hiddenLine xmlns:a14="http://schemas.microsoft.com/office/drawing/2010/main" w="9525">
+                <a:solidFill>
+                  <a:schemeClr val="tx1"/>
+                </a:solidFill>
+                <a:miter lim="800000"/>
+                <a:headEnd/>
+                <a:tailEnd/>
+              </a14:hiddenLine>
+            </a:ext>
+            <a:ext uri="{AF507438-7753-43E0-B8FC-AC1667EBCBE1}">
+              <a14:hiddenEffects xmlns:a14="http://schemas.microsoft.com/office/drawing/2010/main">
+                <a:effectLst>
+                  <a:outerShdw dist="35921" dir="2700000" algn="ctr" rotWithShape="0">
+                    <a:schemeClr val="bg2"/>
+                  </a:outerShdw>
+                </a:effectLst>
+              </a14:hiddenEffects>
+            </a:ext>
+          </a:extLst>
+        </p:spPr>
+        <p:txBody>
+          <a:bodyPr vert="horz" wrap="square" lIns="91440" tIns="45720" rIns="91440" bIns="45720" numCol="1" anchor="ctr" anchorCtr="0" compatLnSpc="1">
+            <a:prstTxWarp prst="textNoShape">
+              <a:avLst/>
+            </a:prstTxWarp>
+            <a:spAutoFit/>
+          </a:bodyPr>
+          <a:lstStyle/>
+          <a:p>
+            <a:pPr marL="0" marR="0" lvl="0" indent="0" algn="l" defTabSz="914400" rtl="0" eaLnBrk="0" fontAlgn="base" latinLnBrk="0" hangingPunct="0">
+              <a:lnSpc>
+                <a:spcPct val="100000"/>
+              </a:lnSpc>
+              <a:spcBef>
+                <a:spcPct val="0"/>
+              </a:spcBef>
+              <a:spcAft>
+                <a:spcPct val="0"/>
+              </a:spcAft>
+              <a:buClrTx/>
+              <a:buSzTx/>
+              <a:buFontTx/>
+              <a:buNone/>
+              <a:tabLst/>
+            </a:pPr>
+            <a:endParaRPr kumimoji="0" lang="LID4096" altLang="LID4096" sz="1800" b="0" i="0" u="none" strike="noStrike" cap="none" normalizeH="0" baseline="0" dirty="0">
+              <a:ln>
+                <a:noFill/>
+              </a:ln>
+              <a:solidFill>
+                <a:schemeClr val="tx1"/>
+              </a:solidFill>
+              <a:effectLst/>
+              <a:latin typeface="Arial" panose="020B0604020202020204" pitchFamily="34" charset="0"/>
+            </a:endParaRPr>
+          </a:p>
+          <a:p>
+            <a:pPr marL="0" marR="0" lvl="0" indent="0" algn="l" defTabSz="914400" rtl="0" eaLnBrk="0" fontAlgn="base" latinLnBrk="0" hangingPunct="0">
+              <a:lnSpc>
+                <a:spcPct val="100000"/>
+              </a:lnSpc>
+              <a:spcBef>
+                <a:spcPct val="0"/>
+              </a:spcBef>
+              <a:spcAft>
+                <a:spcPct val="0"/>
+              </a:spcAft>
+              <a:buClrTx/>
+              <a:buSzTx/>
+              <a:tabLst/>
+            </a:pPr>
+            <a:r>
+              <a:rPr lang="en-US" altLang="LID4096" dirty="0">
+                <a:latin typeface="Arial" panose="020B0604020202020204" pitchFamily="34" charset="0"/>
+              </a:rPr>
+              <a:t>Online materials at </a:t>
+            </a:r>
+            <a:r>
+              <a:rPr lang="en-US" altLang="LID4096" dirty="0">
+                <a:solidFill>
+                  <a:schemeClr val="accent1">
+                    <a:lumMod val="75000"/>
+                  </a:schemeClr>
+                </a:solidFill>
+                <a:latin typeface="Arial" panose="020B0604020202020204" pitchFamily="34" charset="0"/>
+              </a:rPr>
+              <a:t>https://esciencecenter-digital-skills.github.io/medical-image-processing/mri.html</a:t>
+            </a:r>
+            <a:endParaRPr kumimoji="0" lang="LID4096" altLang="LID4096" sz="1800" b="0" i="0" u="none" strike="noStrike" cap="none" normalizeH="0" baseline="0" dirty="0">
+              <a:ln>
+                <a:noFill/>
+              </a:ln>
+              <a:solidFill>
+                <a:schemeClr val="accent1">
+                  <a:lumMod val="75000"/>
+                </a:schemeClr>
+              </a:solidFill>
+              <a:effectLst/>
+              <a:latin typeface="Arial" panose="020B0604020202020204" pitchFamily="34" charset="0"/>
+            </a:endParaRPr>
+          </a:p>
+          <a:p>
+            <a:pPr marL="0" marR="0" lvl="0" indent="0" algn="l" defTabSz="914400" rtl="0" eaLnBrk="0" fontAlgn="base" latinLnBrk="0" hangingPunct="0">
+              <a:lnSpc>
+                <a:spcPct val="100000"/>
+              </a:lnSpc>
+              <a:spcBef>
+                <a:spcPct val="0"/>
+              </a:spcBef>
+              <a:spcAft>
+                <a:spcPct val="0"/>
+              </a:spcAft>
+              <a:buClrTx/>
+              <a:buSzTx/>
+              <a:buFontTx/>
+              <a:buNone/>
+              <a:tabLst/>
+            </a:pPr>
+            <a:endParaRPr kumimoji="0" lang="LID4096" altLang="LID4096" sz="1800" b="0" i="0" u="none" strike="noStrike" cap="none" normalizeH="0" baseline="0" dirty="0">
+              <a:ln>
+                <a:noFill/>
+              </a:ln>
+              <a:solidFill>
+                <a:schemeClr val="tx1"/>
+              </a:solidFill>
+              <a:effectLst/>
+              <a:latin typeface="Arial" panose="020B0604020202020204" pitchFamily="34" charset="0"/>
+            </a:endParaRPr>
+          </a:p>
+        </p:txBody>
+      </p:sp>
+      <p:pic>
+        <p:nvPicPr>
+          <p:cNvPr id="4" name="Picture 3">
+            <a:extLst>
+              <a:ext uri="{FF2B5EF4-FFF2-40B4-BE49-F238E27FC236}">
+                <a16:creationId xmlns:a16="http://schemas.microsoft.com/office/drawing/2014/main" id="{102A5496-CECF-F590-1A9D-043C7F55D8A3}"/>
+              </a:ext>
+            </a:extLst>
+          </p:cNvPr>
+          <p:cNvPicPr>
+            <a:picLocks noChangeAspect="1"/>
+          </p:cNvPicPr>
+          <p:nvPr/>
+        </p:nvPicPr>
+        <p:blipFill>
+          <a:blip r:embed="rId2"/>
+          <a:stretch>
+            <a:fillRect/>
+          </a:stretch>
+        </p:blipFill>
+        <p:spPr>
+          <a:xfrm>
+            <a:off x="2682889" y="1381125"/>
+            <a:ext cx="6659298" cy="3752850"/>
+          </a:xfrm>
+          <a:prstGeom prst="rect">
+            <a:avLst/>
+          </a:prstGeom>
+        </p:spPr>
+      </p:pic>
+    </p:spTree>
+    <p:extLst>
+      <p:ext uri="{BB962C8B-B14F-4D97-AF65-F5344CB8AC3E}">
+        <p14:creationId xmlns:p14="http://schemas.microsoft.com/office/powerpoint/2010/main" val="695071872"/>
+      </p:ext>
+    </p:extLst>
+  </p:cSld>
+  <p:clrMapOvr>
+    <a:masterClrMapping/>
+  </p:clrMapOvr>
+</p:sld>
+</file>
+
+<file path=ppt/slides/slide12.xml><?xml version="1.0" encoding="utf-8"?>
 <p:sld xmlns:a="http://schemas.openxmlformats.org/drawingml/2006/main" xmlns:r="http://schemas.openxmlformats.org/officeDocument/2006/relationships" xmlns:p="http://schemas.openxmlformats.org/presentationml/2006/main">
   <p:cSld>
     <p:spTree>
@@ -21578,7 +22022,7 @@
           <a:p>
             <a:r>
               <a:rPr lang="en-US" dirty="0"/>
-              <a:t>MRI: coding along</a:t>
+              <a:t>MRI: programming nomenclature</a:t>
             </a:r>
             <a:endParaRPr lang="LID4096" dirty="0"/>
           </a:p>
@@ -21586,177 +22030,58 @@
       </p:sp>
       <p:sp>
         <p:nvSpPr>
-          <p:cNvPr id="17" name="Rectangle 14">
+          <p:cNvPr id="2" name="TextBox 1">
             <a:extLst>
               <a:ext uri="{FF2B5EF4-FFF2-40B4-BE49-F238E27FC236}">
-                <a16:creationId xmlns:a16="http://schemas.microsoft.com/office/drawing/2014/main" id="{5FD13D6E-C67F-3A56-EFD2-DD7B92E6255E}"/>
+                <a16:creationId xmlns:a16="http://schemas.microsoft.com/office/drawing/2014/main" id="{DC8BA26C-E16D-053E-1BBF-4BE06714E1D3}"/>
               </a:ext>
             </a:extLst>
           </p:cNvPr>
-          <p:cNvSpPr>
-            <a:spLocks noChangeArrowheads="1"/>
-          </p:cNvSpPr>
+          <p:cNvSpPr txBox="1"/>
           <p:nvPr/>
         </p:nvSpPr>
-        <p:spPr bwMode="auto">
+        <p:spPr>
           <a:xfrm>
-            <a:off x="1334530" y="5527243"/>
-            <a:ext cx="582831732" cy="923330"/>
+            <a:off x="1043374" y="879969"/>
+            <a:ext cx="8743178" cy="923330"/>
           </a:xfrm>
           <a:prstGeom prst="rect">
             <a:avLst/>
           </a:prstGeom>
           <a:noFill/>
-          <a:ln>
-            <a:noFill/>
-          </a:ln>
-          <a:effectLst/>
-          <a:extLst>
-            <a:ext uri="{909E8E84-426E-40DD-AFC4-6F175D3DCCD1}">
-              <a14:hiddenFill xmlns:a14="http://schemas.microsoft.com/office/drawing/2010/main">
-                <a:solidFill>
-                  <a:schemeClr val="accent1"/>
-                </a:solidFill>
-              </a14:hiddenFill>
-            </a:ext>
-            <a:ext uri="{91240B29-F687-4F45-9708-019B960494DF}">
-              <a14:hiddenLine xmlns:a14="http://schemas.microsoft.com/office/drawing/2010/main" w="9525">
-                <a:solidFill>
-                  <a:schemeClr val="tx1"/>
-                </a:solidFill>
-                <a:miter lim="800000"/>
-                <a:headEnd/>
-                <a:tailEnd/>
-              </a14:hiddenLine>
-            </a:ext>
-            <a:ext uri="{AF507438-7753-43E0-B8FC-AC1667EBCBE1}">
-              <a14:hiddenEffects xmlns:a14="http://schemas.microsoft.com/office/drawing/2010/main">
-                <a:effectLst>
-                  <a:outerShdw dist="35921" dir="2700000" algn="ctr" rotWithShape="0">
-                    <a:schemeClr val="bg2"/>
-                  </a:outerShdw>
-                </a:effectLst>
-              </a14:hiddenEffects>
-            </a:ext>
-          </a:extLst>
         </p:spPr>
         <p:txBody>
-          <a:bodyPr vert="horz" wrap="square" lIns="91440" tIns="45720" rIns="91440" bIns="45720" numCol="1" anchor="ctr" anchorCtr="0" compatLnSpc="1">
-            <a:prstTxWarp prst="textNoShape">
-              <a:avLst/>
-            </a:prstTxWarp>
+          <a:bodyPr wrap="square" rtlCol="0">
             <a:spAutoFit/>
           </a:bodyPr>
           <a:lstStyle/>
           <a:p>
-            <a:pPr marL="0" marR="0" lvl="0" indent="0" algn="l" defTabSz="914400" rtl="0" eaLnBrk="0" fontAlgn="base" latinLnBrk="0" hangingPunct="0">
-              <a:lnSpc>
-                <a:spcPct val="100000"/>
-              </a:lnSpc>
-              <a:spcBef>
-                <a:spcPct val="0"/>
-              </a:spcBef>
-              <a:spcAft>
-                <a:spcPct val="0"/>
-              </a:spcAft>
-              <a:buClrTx/>
-              <a:buSzTx/>
-              <a:buFontTx/>
-              <a:buNone/>
-              <a:tabLst/>
-            </a:pPr>
-            <a:endParaRPr kumimoji="0" lang="LID4096" altLang="LID4096" sz="1800" b="0" i="0" u="none" strike="noStrike" cap="none" normalizeH="0" baseline="0" dirty="0">
-              <a:ln>
-                <a:noFill/>
-              </a:ln>
-              <a:solidFill>
-                <a:schemeClr val="tx1"/>
-              </a:solidFill>
-              <a:effectLst/>
-              <a:latin typeface="Arial" panose="020B0604020202020204" pitchFamily="34" charset="0"/>
-            </a:endParaRPr>
-          </a:p>
-          <a:p>
-            <a:pPr marL="0" marR="0" lvl="0" indent="0" algn="l" defTabSz="914400" rtl="0" eaLnBrk="0" fontAlgn="base" latinLnBrk="0" hangingPunct="0">
-              <a:lnSpc>
-                <a:spcPct val="100000"/>
-              </a:lnSpc>
-              <a:spcBef>
-                <a:spcPct val="0"/>
-              </a:spcBef>
-              <a:spcAft>
-                <a:spcPct val="0"/>
-              </a:spcAft>
-              <a:buClrTx/>
-              <a:buSzTx/>
-              <a:tabLst/>
-            </a:pPr>
             <a:r>
-              <a:rPr lang="en-US" altLang="LID4096" dirty="0">
-                <a:latin typeface="Arial" panose="020B0604020202020204" pitchFamily="34" charset="0"/>
-              </a:rPr>
-              <a:t>Online materials at </a:t>
+              <a:rPr lang="en-US" dirty="0"/>
+              <a:t>Properties, Method  and Attributes in Python: </a:t>
             </a:r>
+          </a:p>
+          <a:p>
             <a:r>
-              <a:rPr lang="en-US" altLang="LID4096" dirty="0">
-                <a:solidFill>
-                  <a:schemeClr val="accent1">
-                    <a:lumMod val="75000"/>
-                  </a:schemeClr>
-                </a:solidFill>
-                <a:latin typeface="Arial" panose="020B0604020202020204" pitchFamily="34" charset="0"/>
-              </a:rPr>
-              <a:t>https://esciencecenter-digital-skills.github.io/medical-image-processing/mri.html</a:t>
+              <a:rPr lang="en-US" dirty="0"/>
+              <a:t>For precise definitions use the Python docs glossary</a:t>
             </a:r>
-            <a:endParaRPr kumimoji="0" lang="LID4096" altLang="LID4096" sz="1800" b="0" i="0" u="none" strike="noStrike" cap="none" normalizeH="0" baseline="0" dirty="0">
-              <a:ln>
-                <a:noFill/>
-              </a:ln>
-              <a:solidFill>
-                <a:schemeClr val="accent1">
-                  <a:lumMod val="75000"/>
-                </a:schemeClr>
-              </a:solidFill>
-              <a:effectLst/>
-              <a:latin typeface="Arial" panose="020B0604020202020204" pitchFamily="34" charset="0"/>
-            </a:endParaRPr>
-          </a:p>
-          <a:p>
-            <a:pPr marL="0" marR="0" lvl="0" indent="0" algn="l" defTabSz="914400" rtl="0" eaLnBrk="0" fontAlgn="base" latinLnBrk="0" hangingPunct="0">
-              <a:lnSpc>
-                <a:spcPct val="100000"/>
-              </a:lnSpc>
-              <a:spcBef>
-                <a:spcPct val="0"/>
-              </a:spcBef>
-              <a:spcAft>
-                <a:spcPct val="0"/>
-              </a:spcAft>
-              <a:buClrTx/>
-              <a:buSzTx/>
-              <a:buFontTx/>
-              <a:buNone/>
-              <a:tabLst/>
-            </a:pPr>
-            <a:endParaRPr kumimoji="0" lang="LID4096" altLang="LID4096" sz="1800" b="0" i="0" u="none" strike="noStrike" cap="none" normalizeH="0" baseline="0" dirty="0">
-              <a:ln>
-                <a:noFill/>
-              </a:ln>
-              <a:solidFill>
-                <a:schemeClr val="tx1"/>
-              </a:solidFill>
-              <a:effectLst/>
-              <a:latin typeface="Arial" panose="020B0604020202020204" pitchFamily="34" charset="0"/>
-            </a:endParaRPr>
+          </a:p>
+          <a:p>
+            <a:r>
+              <a:rPr lang="en-US" dirty="0"/>
+              <a:t> </a:t>
+            </a:r>
+            <a:endParaRPr lang="LID4096" dirty="0"/>
           </a:p>
         </p:txBody>
       </p:sp>
       <p:pic>
         <p:nvPicPr>
-          <p:cNvPr id="3" name="Graphic 2" descr="Infinity with solid fill">
+          <p:cNvPr id="5" name="Picture 4">
             <a:extLst>
               <a:ext uri="{FF2B5EF4-FFF2-40B4-BE49-F238E27FC236}">
-                <a16:creationId xmlns:a16="http://schemas.microsoft.com/office/drawing/2014/main" id="{99F1FBFF-00FA-017E-C340-562B0EF96BCC}"/>
+                <a16:creationId xmlns:a16="http://schemas.microsoft.com/office/drawing/2014/main" id="{B18B5A29-920D-88D1-9FF3-86AF43325A52}"/>
               </a:ext>
             </a:extLst>
           </p:cNvPr>
@@ -21766,31 +22091,80 @@
           <p:nvPr/>
         </p:nvPicPr>
         <p:blipFill>
-          <a:blip r:embed="rId2">
-            <a:extLst>
-              <a:ext uri="{96DAC541-7B7A-43D3-8B79-37D633B846F1}">
-                <asvg:svgBlip xmlns:asvg="http://schemas.microsoft.com/office/drawing/2016/SVG/main" r:embed="rId3"/>
-              </a:ext>
-            </a:extLst>
-          </a:blip>
+          <a:blip r:embed="rId2"/>
           <a:stretch>
             <a:fillRect/>
           </a:stretch>
         </p:blipFill>
         <p:spPr>
           <a:xfrm>
-            <a:off x="2503926" y="284551"/>
-            <a:ext cx="6166022" cy="6166022"/>
+            <a:off x="1043374" y="1678648"/>
+            <a:ext cx="6332067" cy="3765534"/>
           </a:xfrm>
           <a:prstGeom prst="rect">
             <a:avLst/>
           </a:prstGeom>
         </p:spPr>
       </p:pic>
+      <p:sp>
+        <p:nvSpPr>
+          <p:cNvPr id="6" name="TextBox 5">
+            <a:extLst>
+              <a:ext uri="{FF2B5EF4-FFF2-40B4-BE49-F238E27FC236}">
+                <a16:creationId xmlns:a16="http://schemas.microsoft.com/office/drawing/2014/main" id="{29A3C94B-7B24-50BB-0D0D-9E5529A7D662}"/>
+              </a:ext>
+            </a:extLst>
+          </p:cNvPr>
+          <p:cNvSpPr txBox="1"/>
+          <p:nvPr/>
+        </p:nvSpPr>
+        <p:spPr>
+          <a:xfrm>
+            <a:off x="1043374" y="5516365"/>
+            <a:ext cx="8743178" cy="923330"/>
+          </a:xfrm>
+          <a:prstGeom prst="rect">
+            <a:avLst/>
+          </a:prstGeom>
+          <a:noFill/>
+        </p:spPr>
+        <p:txBody>
+          <a:bodyPr wrap="square" rtlCol="0">
+            <a:spAutoFit/>
+          </a:bodyPr>
+          <a:lstStyle/>
+          <a:p>
+            <a:r>
+              <a:rPr lang="en-US" dirty="0"/>
+              <a:t>Methods can be exposed as properties i.e. array is value stored in property in </a:t>
+            </a:r>
+            <a:r>
+              <a:rPr lang="en-US" dirty="0" err="1"/>
+              <a:t>get_fdata</a:t>
+            </a:r>
+            <a:r>
+              <a:rPr lang="en-US" dirty="0"/>
+              <a:t>() method of </a:t>
+            </a:r>
+            <a:r>
+              <a:rPr lang="en-US" dirty="0" err="1"/>
+              <a:t>nibabel</a:t>
+            </a:r>
+            <a:endParaRPr lang="en-US" dirty="0"/>
+          </a:p>
+          <a:p>
+            <a:r>
+              <a:rPr lang="en-US" dirty="0"/>
+              <a:t> </a:t>
+            </a:r>
+            <a:endParaRPr lang="LID4096" dirty="0"/>
+          </a:p>
+        </p:txBody>
+      </p:sp>
     </p:spTree>
     <p:extLst>
       <p:ext uri="{BB962C8B-B14F-4D97-AF65-F5344CB8AC3E}">
-        <p14:creationId xmlns:p14="http://schemas.microsoft.com/office/powerpoint/2010/main" val="695071872"/>
+        <p14:creationId xmlns:p14="http://schemas.microsoft.com/office/powerpoint/2010/main" val="259808165"/>
       </p:ext>
     </p:extLst>
   </p:cSld>

--- a/presentations/mri_lecture.pptx
+++ b/presentations/mri_lecture.pptx
@@ -7,21 +7,28 @@
     <p:sldMasterId id="2147483776" r:id="rId3"/>
   </p:sldMasterIdLst>
   <p:notesMasterIdLst>
-    <p:notesMasterId r:id="rId16"/>
+    <p:notesMasterId r:id="rId23"/>
   </p:notesMasterIdLst>
   <p:sldIdLst>
     <p:sldId id="257" r:id="rId4"/>
     <p:sldId id="293" r:id="rId5"/>
-    <p:sldId id="305" r:id="rId6"/>
-    <p:sldId id="308" r:id="rId7"/>
-    <p:sldId id="309" r:id="rId8"/>
-    <p:sldId id="306" r:id="rId9"/>
-    <p:sldId id="310" r:id="rId10"/>
+    <p:sldId id="311" r:id="rId6"/>
+    <p:sldId id="305" r:id="rId7"/>
+    <p:sldId id="314" r:id="rId8"/>
+    <p:sldId id="308" r:id="rId9"/>
+    <p:sldId id="315" r:id="rId10"/>
     <p:sldId id="307" r:id="rId11"/>
-    <p:sldId id="312" r:id="rId12"/>
-    <p:sldId id="313" r:id="rId13"/>
-    <p:sldId id="311" r:id="rId14"/>
-    <p:sldId id="302" r:id="rId15"/>
+    <p:sldId id="316" r:id="rId12"/>
+    <p:sldId id="312" r:id="rId13"/>
+    <p:sldId id="313" r:id="rId14"/>
+    <p:sldId id="317" r:id="rId15"/>
+    <p:sldId id="318" r:id="rId16"/>
+    <p:sldId id="309" r:id="rId17"/>
+    <p:sldId id="320" r:id="rId18"/>
+    <p:sldId id="306" r:id="rId19"/>
+    <p:sldId id="310" r:id="rId20"/>
+    <p:sldId id="319" r:id="rId21"/>
+    <p:sldId id="302" r:id="rId22"/>
   </p:sldIdLst>
   <p:sldSz cx="12192000" cy="6858000"/>
   <p:notesSz cx="6858000" cy="9144000"/>
@@ -7063,7 +7070,7 @@
           </a:lstStyle>
           <a:p>
             <a:fld id="{69732D9D-C667-489A-831F-0E01110209EA}" type="datetimeFigureOut">
-              <a:t>09/07/2024</a:t>
+              <a:t>09/12/2024</a:t>
             </a:fld>
             <a:endParaRPr lang="en-US"/>
           </a:p>
@@ -7576,7 +7583,7 @@
           <a:p>
             <a:fld id="{846CE7D5-CF57-46EF-B807-FDD0502418D4}" type="datetimeFigureOut">
               <a:rPr lang="en-US" smtClean="0"/>
-              <a:t>9/7/2024</a:t>
+              <a:t>9/12/2024</a:t>
             </a:fld>
             <a:endParaRPr lang="en-US"/>
           </a:p>
@@ -7746,7 +7753,7 @@
           <a:p>
             <a:fld id="{846CE7D5-CF57-46EF-B807-FDD0502418D4}" type="datetimeFigureOut">
               <a:rPr lang="en-US" smtClean="0"/>
-              <a:t>9/7/2024</a:t>
+              <a:t>9/12/2024</a:t>
             </a:fld>
             <a:endParaRPr lang="en-US"/>
           </a:p>
@@ -7926,7 +7933,7 @@
           <a:p>
             <a:fld id="{846CE7D5-CF57-46EF-B807-FDD0502418D4}" type="datetimeFigureOut">
               <a:rPr lang="en-US" smtClean="0"/>
-              <a:t>9/7/2024</a:t>
+              <a:t>9/12/2024</a:t>
             </a:fld>
             <a:endParaRPr lang="en-US"/>
           </a:p>
@@ -9411,7 +9418,7 @@
           <a:p>
             <a:fld id="{846CE7D5-CF57-46EF-B807-FDD0502418D4}" type="datetimeFigureOut">
               <a:rPr lang="en-US" smtClean="0"/>
-              <a:t>9/7/2024</a:t>
+              <a:t>9/12/2024</a:t>
             </a:fld>
             <a:endParaRPr lang="en-US"/>
           </a:p>
@@ -11537,7 +11544,7 @@
           <a:p>
             <a:fld id="{846CE7D5-CF57-46EF-B807-FDD0502418D4}" type="datetimeFigureOut">
               <a:rPr lang="en-US" smtClean="0"/>
-              <a:t>9/7/2024</a:t>
+              <a:t>9/12/2024</a:t>
             </a:fld>
             <a:endParaRPr lang="en-US"/>
           </a:p>
@@ -13254,7 +13261,7 @@
           <a:p>
             <a:fld id="{846CE7D5-CF57-46EF-B807-FDD0502418D4}" type="datetimeFigureOut">
               <a:rPr lang="en-US" smtClean="0"/>
-              <a:t>9/7/2024</a:t>
+              <a:t>9/12/2024</a:t>
             </a:fld>
             <a:endParaRPr lang="en-US"/>
           </a:p>
@@ -13621,7 +13628,7 @@
           <a:p>
             <a:fld id="{846CE7D5-CF57-46EF-B807-FDD0502418D4}" type="datetimeFigureOut">
               <a:rPr lang="en-US" smtClean="0"/>
-              <a:t>9/7/2024</a:t>
+              <a:t>9/12/2024</a:t>
             </a:fld>
             <a:endParaRPr lang="en-US"/>
           </a:p>
@@ -13739,7 +13746,7 @@
           <a:p>
             <a:fld id="{846CE7D5-CF57-46EF-B807-FDD0502418D4}" type="datetimeFigureOut">
               <a:rPr lang="en-US" smtClean="0"/>
-              <a:t>9/7/2024</a:t>
+              <a:t>9/12/2024</a:t>
             </a:fld>
             <a:endParaRPr lang="en-US"/>
           </a:p>
@@ -13834,7 +13841,7 @@
           <a:p>
             <a:fld id="{846CE7D5-CF57-46EF-B807-FDD0502418D4}" type="datetimeFigureOut">
               <a:rPr lang="en-US" smtClean="0"/>
-              <a:t>9/7/2024</a:t>
+              <a:t>9/12/2024</a:t>
             </a:fld>
             <a:endParaRPr lang="en-US"/>
           </a:p>
@@ -14111,7 +14118,7 @@
           <a:p>
             <a:fld id="{846CE7D5-CF57-46EF-B807-FDD0502418D4}" type="datetimeFigureOut">
               <a:rPr lang="en-US" smtClean="0"/>
-              <a:t>9/7/2024</a:t>
+              <a:t>9/12/2024</a:t>
             </a:fld>
             <a:endParaRPr lang="en-US"/>
           </a:p>
@@ -14368,7 +14375,7 @@
           <a:p>
             <a:fld id="{846CE7D5-CF57-46EF-B807-FDD0502418D4}" type="datetimeFigureOut">
               <a:rPr lang="en-US" smtClean="0"/>
-              <a:t>9/7/2024</a:t>
+              <a:t>9/12/2024</a:t>
             </a:fld>
             <a:endParaRPr lang="en-US"/>
           </a:p>
@@ -14581,7 +14588,7 @@
           <a:p>
             <a:fld id="{846CE7D5-CF57-46EF-B807-FDD0502418D4}" type="datetimeFigureOut">
               <a:rPr lang="en-US" smtClean="0"/>
-              <a:t>9/7/2024</a:t>
+              <a:t>9/12/2024</a:t>
             </a:fld>
             <a:endParaRPr lang="en-US"/>
           </a:p>
@@ -16588,6 +16595,203 @@
         </p:nvSpPr>
         <p:spPr>
           <a:xfrm>
+            <a:off x="2503926" y="0"/>
+            <a:ext cx="10972440" cy="1144800"/>
+          </a:xfrm>
+        </p:spPr>
+        <p:txBody>
+          <a:bodyPr/>
+          <a:lstStyle/>
+          <a:p>
+            <a:r>
+              <a:rPr lang="en-US" dirty="0"/>
+              <a:t>MRI: programming nomenclature</a:t>
+            </a:r>
+            <a:endParaRPr lang="LID4096" dirty="0"/>
+          </a:p>
+        </p:txBody>
+      </p:sp>
+      <p:sp>
+        <p:nvSpPr>
+          <p:cNvPr id="2" name="TextBox 1">
+            <a:extLst>
+              <a:ext uri="{FF2B5EF4-FFF2-40B4-BE49-F238E27FC236}">
+                <a16:creationId xmlns:a16="http://schemas.microsoft.com/office/drawing/2014/main" id="{DC8BA26C-E16D-053E-1BBF-4BE06714E1D3}"/>
+              </a:ext>
+            </a:extLst>
+          </p:cNvPr>
+          <p:cNvSpPr txBox="1"/>
+          <p:nvPr/>
+        </p:nvSpPr>
+        <p:spPr>
+          <a:xfrm>
+            <a:off x="1043374" y="879969"/>
+            <a:ext cx="8743178" cy="923330"/>
+          </a:xfrm>
+          <a:prstGeom prst="rect">
+            <a:avLst/>
+          </a:prstGeom>
+          <a:noFill/>
+        </p:spPr>
+        <p:txBody>
+          <a:bodyPr wrap="square" rtlCol="0">
+            <a:spAutoFit/>
+          </a:bodyPr>
+          <a:lstStyle/>
+          <a:p>
+            <a:r>
+              <a:rPr lang="en-US" dirty="0"/>
+              <a:t>Properties, Method  and Attributes in Python: </a:t>
+            </a:r>
+          </a:p>
+          <a:p>
+            <a:r>
+              <a:rPr lang="en-US" dirty="0"/>
+              <a:t>For precise definitions use the Python docs glossary</a:t>
+            </a:r>
+          </a:p>
+          <a:p>
+            <a:r>
+              <a:rPr lang="en-US" dirty="0"/>
+              <a:t> </a:t>
+            </a:r>
+            <a:endParaRPr lang="LID4096" dirty="0"/>
+          </a:p>
+        </p:txBody>
+      </p:sp>
+      <p:pic>
+        <p:nvPicPr>
+          <p:cNvPr id="5" name="Picture 4">
+            <a:extLst>
+              <a:ext uri="{FF2B5EF4-FFF2-40B4-BE49-F238E27FC236}">
+                <a16:creationId xmlns:a16="http://schemas.microsoft.com/office/drawing/2014/main" id="{B18B5A29-920D-88D1-9FF3-86AF43325A52}"/>
+              </a:ext>
+            </a:extLst>
+          </p:cNvPr>
+          <p:cNvPicPr>
+            <a:picLocks noChangeAspect="1"/>
+          </p:cNvPicPr>
+          <p:nvPr/>
+        </p:nvPicPr>
+        <p:blipFill>
+          <a:blip r:embed="rId2"/>
+          <a:stretch>
+            <a:fillRect/>
+          </a:stretch>
+        </p:blipFill>
+        <p:spPr>
+          <a:xfrm>
+            <a:off x="1043374" y="1678648"/>
+            <a:ext cx="6332067" cy="3765534"/>
+          </a:xfrm>
+          <a:prstGeom prst="rect">
+            <a:avLst/>
+          </a:prstGeom>
+        </p:spPr>
+      </p:pic>
+      <p:sp>
+        <p:nvSpPr>
+          <p:cNvPr id="6" name="TextBox 5">
+            <a:extLst>
+              <a:ext uri="{FF2B5EF4-FFF2-40B4-BE49-F238E27FC236}">
+                <a16:creationId xmlns:a16="http://schemas.microsoft.com/office/drawing/2014/main" id="{29A3C94B-7B24-50BB-0D0D-9E5529A7D662}"/>
+              </a:ext>
+            </a:extLst>
+          </p:cNvPr>
+          <p:cNvSpPr txBox="1"/>
+          <p:nvPr/>
+        </p:nvSpPr>
+        <p:spPr>
+          <a:xfrm>
+            <a:off x="1043374" y="5516365"/>
+            <a:ext cx="8743178" cy="923330"/>
+          </a:xfrm>
+          <a:prstGeom prst="rect">
+            <a:avLst/>
+          </a:prstGeom>
+          <a:noFill/>
+        </p:spPr>
+        <p:txBody>
+          <a:bodyPr wrap="square" rtlCol="0">
+            <a:spAutoFit/>
+          </a:bodyPr>
+          <a:lstStyle/>
+          <a:p>
+            <a:r>
+              <a:rPr lang="en-US" dirty="0"/>
+              <a:t>Methods can be exposed as properties i.e. array is value stored in property in </a:t>
+            </a:r>
+            <a:r>
+              <a:rPr lang="en-US" dirty="0" err="1"/>
+              <a:t>get_fdata</a:t>
+            </a:r>
+            <a:r>
+              <a:rPr lang="en-US" dirty="0"/>
+              <a:t>() method of </a:t>
+            </a:r>
+            <a:r>
+              <a:rPr lang="en-US" dirty="0" err="1"/>
+              <a:t>nibabel</a:t>
+            </a:r>
+            <a:endParaRPr lang="en-US" dirty="0"/>
+          </a:p>
+          <a:p>
+            <a:r>
+              <a:rPr lang="en-US" dirty="0"/>
+              <a:t> </a:t>
+            </a:r>
+            <a:endParaRPr lang="LID4096" dirty="0"/>
+          </a:p>
+        </p:txBody>
+      </p:sp>
+    </p:spTree>
+    <p:extLst>
+      <p:ext uri="{BB962C8B-B14F-4D97-AF65-F5344CB8AC3E}">
+        <p14:creationId xmlns:p14="http://schemas.microsoft.com/office/powerpoint/2010/main" val="259808165"/>
+      </p:ext>
+    </p:extLst>
+  </p:cSld>
+  <p:clrMapOvr>
+    <a:masterClrMapping/>
+  </p:clrMapOvr>
+</p:sld>
+</file>
+
+<file path=ppt/slides/slide11.xml><?xml version="1.0" encoding="utf-8"?>
+<p:sld xmlns:a="http://schemas.openxmlformats.org/drawingml/2006/main" xmlns:r="http://schemas.openxmlformats.org/officeDocument/2006/relationships" xmlns:p="http://schemas.openxmlformats.org/presentationml/2006/main">
+  <p:cSld>
+    <p:spTree>
+      <p:nvGrpSpPr>
+        <p:cNvPr id="1" name=""/>
+        <p:cNvGrpSpPr/>
+        <p:nvPr/>
+      </p:nvGrpSpPr>
+      <p:grpSpPr>
+        <a:xfrm>
+          <a:off x="0" y="0"/>
+          <a:ext cx="0" cy="0"/>
+          <a:chOff x="0" y="0"/>
+          <a:chExt cx="0" cy="0"/>
+        </a:xfrm>
+      </p:grpSpPr>
+      <p:sp>
+        <p:nvSpPr>
+          <p:cNvPr id="11" name="Title 1">
+            <a:extLst>
+              <a:ext uri="{FF2B5EF4-FFF2-40B4-BE49-F238E27FC236}">
+                <a16:creationId xmlns:a16="http://schemas.microsoft.com/office/drawing/2014/main" id="{B2A99C44-0FF0-7D73-9F27-6EEA0C5C5DDC}"/>
+              </a:ext>
+            </a:extLst>
+          </p:cNvPr>
+          <p:cNvSpPr>
+            <a:spLocks noGrp="1"/>
+          </p:cNvSpPr>
+          <p:nvPr>
+            <p:ph type="title"/>
+          </p:nvPr>
+        </p:nvSpPr>
+        <p:spPr>
+          <a:xfrm>
             <a:off x="2324106" y="190500"/>
             <a:ext cx="10972440" cy="1144800"/>
           </a:xfrm>
@@ -16734,7 +16938,7 @@
 </p:sld>
 </file>
 
-<file path=ppt/slides/slide11.xml><?xml version="1.0" encoding="utf-8"?>
+<file path=ppt/slides/slide12.xml><?xml version="1.0" encoding="utf-8"?>
 <p:sld xmlns:a="http://schemas.openxmlformats.org/drawingml/2006/main" xmlns:r="http://schemas.openxmlformats.org/officeDocument/2006/relationships" xmlns:p="http://schemas.openxmlformats.org/presentationml/2006/main">
   <p:cSld>
     <p:spTree>
@@ -16769,6 +16973,1623 @@
         </p:nvSpPr>
         <p:spPr>
           <a:xfrm>
+            <a:off x="2324106" y="190500"/>
+            <a:ext cx="10972440" cy="1144800"/>
+          </a:xfrm>
+        </p:spPr>
+        <p:txBody>
+          <a:bodyPr/>
+          <a:lstStyle/>
+          <a:p>
+            <a:r>
+              <a:rPr lang="en-US" dirty="0"/>
+              <a:t>MRI:  Let’s get programming</a:t>
+            </a:r>
+            <a:endParaRPr lang="LID4096" dirty="0"/>
+          </a:p>
+        </p:txBody>
+      </p:sp>
+      <p:sp>
+        <p:nvSpPr>
+          <p:cNvPr id="2" name="TextBox 1">
+            <a:extLst>
+              <a:ext uri="{FF2B5EF4-FFF2-40B4-BE49-F238E27FC236}">
+                <a16:creationId xmlns:a16="http://schemas.microsoft.com/office/drawing/2014/main" id="{DC8BA26C-E16D-053E-1BBF-4BE06714E1D3}"/>
+              </a:ext>
+            </a:extLst>
+          </p:cNvPr>
+          <p:cNvSpPr txBox="1"/>
+          <p:nvPr/>
+        </p:nvSpPr>
+        <p:spPr>
+          <a:xfrm>
+            <a:off x="1043374" y="1184585"/>
+            <a:ext cx="8743178" cy="1477328"/>
+          </a:xfrm>
+          <a:prstGeom prst="rect">
+            <a:avLst/>
+          </a:prstGeom>
+          <a:noFill/>
+        </p:spPr>
+        <p:txBody>
+          <a:bodyPr wrap="square" rtlCol="0">
+            <a:spAutoFit/>
+          </a:bodyPr>
+          <a:lstStyle/>
+          <a:p>
+            <a:r>
+              <a:rPr lang="en-US" dirty="0" err="1"/>
+              <a:t>Jupyter</a:t>
+            </a:r>
+            <a:r>
+              <a:rPr lang="en-US" dirty="0"/>
+              <a:t> lab</a:t>
+            </a:r>
+          </a:p>
+          <a:p>
+            <a:endParaRPr lang="en-US" dirty="0"/>
+          </a:p>
+          <a:p>
+            <a:endParaRPr lang="en-US" dirty="0"/>
+          </a:p>
+          <a:p>
+            <a:endParaRPr lang="en-US" dirty="0"/>
+          </a:p>
+          <a:p>
+            <a:r>
+              <a:rPr lang="en-US" dirty="0"/>
+              <a:t> </a:t>
+            </a:r>
+            <a:endParaRPr lang="LID4096" dirty="0"/>
+          </a:p>
+        </p:txBody>
+      </p:sp>
+      <p:pic>
+        <p:nvPicPr>
+          <p:cNvPr id="5" name="Picture 4">
+            <a:extLst>
+              <a:ext uri="{FF2B5EF4-FFF2-40B4-BE49-F238E27FC236}">
+                <a16:creationId xmlns:a16="http://schemas.microsoft.com/office/drawing/2014/main" id="{6E1FD253-8EFF-9046-6B41-8F913AC1BE35}"/>
+              </a:ext>
+            </a:extLst>
+          </p:cNvPr>
+          <p:cNvPicPr>
+            <a:picLocks noChangeAspect="1"/>
+          </p:cNvPicPr>
+          <p:nvPr/>
+        </p:nvPicPr>
+        <p:blipFill>
+          <a:blip r:embed="rId2"/>
+          <a:stretch>
+            <a:fillRect/>
+          </a:stretch>
+        </p:blipFill>
+        <p:spPr>
+          <a:xfrm>
+            <a:off x="3272490" y="1462341"/>
+            <a:ext cx="5214285" cy="4795584"/>
+          </a:xfrm>
+          <a:prstGeom prst="rect">
+            <a:avLst/>
+          </a:prstGeom>
+        </p:spPr>
+      </p:pic>
+      <p:sp>
+        <p:nvSpPr>
+          <p:cNvPr id="3" name="Rectangle 1">
+            <a:extLst>
+              <a:ext uri="{FF2B5EF4-FFF2-40B4-BE49-F238E27FC236}">
+                <a16:creationId xmlns:a16="http://schemas.microsoft.com/office/drawing/2014/main" id="{3974E471-D103-F1DB-2813-37829B8C77A4}"/>
+              </a:ext>
+            </a:extLst>
+          </p:cNvPr>
+          <p:cNvSpPr>
+            <a:spLocks noChangeArrowheads="1"/>
+          </p:cNvSpPr>
+          <p:nvPr/>
+        </p:nvSpPr>
+        <p:spPr bwMode="auto">
+          <a:xfrm>
+            <a:off x="0" y="0"/>
+            <a:ext cx="12192000" cy="457200"/>
+          </a:xfrm>
+          <a:prstGeom prst="rect">
+            <a:avLst/>
+          </a:prstGeom>
+          <a:solidFill>
+            <a:srgbClr val="FFFFFF"/>
+          </a:solidFill>
+          <a:ln>
+            <a:noFill/>
+          </a:ln>
+          <a:effectLst/>
+          <a:extLst>
+            <a:ext uri="{91240B29-F687-4F45-9708-019B960494DF}">
+              <a14:hiddenLine xmlns:a14="http://schemas.microsoft.com/office/drawing/2010/main" w="9525">
+                <a:solidFill>
+                  <a:schemeClr val="tx1"/>
+                </a:solidFill>
+                <a:miter lim="800000"/>
+                <a:headEnd/>
+                <a:tailEnd/>
+              </a14:hiddenLine>
+            </a:ext>
+            <a:ext uri="{AF507438-7753-43E0-B8FC-AC1667EBCBE1}">
+              <a14:hiddenEffects xmlns:a14="http://schemas.microsoft.com/office/drawing/2010/main">
+                <a:effectLst>
+                  <a:outerShdw dist="35921" dir="2700000" algn="ctr" rotWithShape="0">
+                    <a:schemeClr val="bg2"/>
+                  </a:outerShdw>
+                </a:effectLst>
+              </a14:hiddenEffects>
+            </a:ext>
+          </a:extLst>
+        </p:spPr>
+        <p:txBody>
+          <a:bodyPr vert="horz" wrap="none" lIns="91440" tIns="0" rIns="91440" bIns="45720" numCol="1" anchor="ctr" anchorCtr="0" compatLnSpc="1">
+            <a:prstTxWarp prst="textNoShape">
+              <a:avLst/>
+            </a:prstTxWarp>
+            <a:spAutoFit/>
+          </a:bodyPr>
+          <a:lstStyle/>
+          <a:p>
+            <a:pPr marL="0" marR="0" lvl="0" indent="0" algn="l" defTabSz="914400" rtl="0" eaLnBrk="0" fontAlgn="base" latinLnBrk="0" hangingPunct="0">
+              <a:lnSpc>
+                <a:spcPct val="100000"/>
+              </a:lnSpc>
+              <a:spcBef>
+                <a:spcPct val="0"/>
+              </a:spcBef>
+              <a:spcAft>
+                <a:spcPct val="0"/>
+              </a:spcAft>
+              <a:buClrTx/>
+              <a:buSzTx/>
+              <a:buFontTx/>
+              <a:buNone/>
+              <a:tabLst/>
+            </a:pPr>
+            <a:r>
+              <a:rPr kumimoji="0" lang="LID4096" altLang="LID4096" sz="1200" b="0" i="0" u="none" strike="noStrike" cap="none" normalizeH="0" baseline="0">
+                <a:ln>
+                  <a:noFill/>
+                </a:ln>
+                <a:solidFill>
+                  <a:srgbClr val="383838"/>
+                </a:solidFill>
+                <a:effectLst/>
+                <a:latin typeface="Mulish"/>
+              </a:rPr>
+              <a:t>NIfTI images, by definition, have an affine with the voxel coordinates relating to the real world coordinates in RAS+ encoded space. So here the affine matrix we’ll be using will be encoded in </a:t>
+            </a:r>
+            <a:r>
+              <a:rPr kumimoji="0" lang="LID4096" altLang="LID4096" sz="1200" b="1" i="0" u="none" strike="noStrike" cap="none" normalizeH="0" baseline="0">
+                <a:ln>
+                  <a:noFill/>
+                </a:ln>
+                <a:solidFill>
+                  <a:srgbClr val="383838"/>
+                </a:solidFill>
+                <a:effectLst/>
+                <a:latin typeface="Mulish"/>
+              </a:rPr>
+              <a:t>RAS</a:t>
+            </a:r>
+            <a:r>
+              <a:rPr kumimoji="0" lang="LID4096" altLang="LID4096" sz="1200" b="0" i="0" u="none" strike="noStrike" cap="none" normalizeH="0" baseline="0">
+                <a:ln>
+                  <a:noFill/>
+                </a:ln>
+                <a:solidFill>
+                  <a:srgbClr val="383838"/>
+                </a:solidFill>
+                <a:effectLst/>
+                <a:latin typeface="Mulish"/>
+              </a:rPr>
+              <a:t>. That means once we apply the matrix our coordinates are </a:t>
+            </a:r>
+            <a:r>
+              <a:rPr kumimoji="0" lang="LID4096" altLang="LID4096" sz="1000" b="0" i="0" u="none" strike="noStrike" cap="none" normalizeH="0" baseline="0">
+                <a:ln>
+                  <a:noFill/>
+                </a:ln>
+                <a:solidFill>
+                  <a:srgbClr val="000000"/>
+                </a:solidFill>
+                <a:effectLst/>
+                <a:latin typeface="Source Code Pro" panose="020B0509030403020204" pitchFamily="49" charset="0"/>
+              </a:rPr>
+              <a:t>(Right, Anterior, Superior)</a:t>
+            </a:r>
+            <a:r>
+              <a:rPr kumimoji="0" lang="LID4096" altLang="LID4096" sz="1200" b="0" i="0" u="none" strike="noStrike" cap="none" normalizeH="0" baseline="0">
+                <a:ln>
+                  <a:noFill/>
+                </a:ln>
+                <a:solidFill>
+                  <a:srgbClr val="383838"/>
+                </a:solidFill>
+                <a:effectLst/>
+                <a:latin typeface="Mulish"/>
+              </a:rPr>
+              <a:t>.</a:t>
+            </a:r>
+            <a:endParaRPr kumimoji="0" lang="LID4096" altLang="LID4096" sz="800" b="0" i="0" u="none" strike="noStrike" cap="none" normalizeH="0" baseline="0">
+              <a:ln>
+                <a:noFill/>
+              </a:ln>
+              <a:solidFill>
+                <a:schemeClr val="tx1"/>
+              </a:solidFill>
+              <a:effectLst/>
+            </a:endParaRPr>
+          </a:p>
+          <a:p>
+            <a:pPr marL="0" marR="0" lvl="0" indent="0" algn="l" defTabSz="914400" rtl="0" eaLnBrk="0" fontAlgn="base" latinLnBrk="0" hangingPunct="0">
+              <a:lnSpc>
+                <a:spcPct val="100000"/>
+              </a:lnSpc>
+              <a:spcBef>
+                <a:spcPct val="0"/>
+              </a:spcBef>
+              <a:spcAft>
+                <a:spcPct val="0"/>
+              </a:spcAft>
+              <a:buClrTx/>
+              <a:buSzTx/>
+              <a:buFontTx/>
+              <a:buChar char="•"/>
+              <a:tabLst/>
+            </a:pPr>
+            <a:r>
+              <a:rPr kumimoji="0" lang="LID4096" altLang="LID4096" sz="1200" b="0" i="0" u="none" strike="noStrike" cap="none" normalizeH="0" baseline="0">
+                <a:ln>
+                  <a:noFill/>
+                </a:ln>
+                <a:solidFill>
+                  <a:srgbClr val="212529"/>
+                </a:solidFill>
+                <a:effectLst/>
+                <a:latin typeface="Mulish"/>
+              </a:rPr>
+              <a:t>In the R axis, positive values mean move right, negative values mean move left</a:t>
+            </a:r>
+          </a:p>
+          <a:p>
+            <a:pPr marL="0" marR="0" lvl="0" indent="0" algn="l" defTabSz="914400" rtl="0" eaLnBrk="0" fontAlgn="base" latinLnBrk="0" hangingPunct="0">
+              <a:lnSpc>
+                <a:spcPct val="100000"/>
+              </a:lnSpc>
+              <a:spcBef>
+                <a:spcPct val="0"/>
+              </a:spcBef>
+              <a:spcAft>
+                <a:spcPct val="0"/>
+              </a:spcAft>
+              <a:buClrTx/>
+              <a:buSzTx/>
+              <a:buFontTx/>
+              <a:buChar char="•"/>
+              <a:tabLst/>
+            </a:pPr>
+            <a:r>
+              <a:rPr kumimoji="0" lang="LID4096" altLang="LID4096" sz="1200" b="0" i="0" u="none" strike="noStrike" cap="none" normalizeH="0" baseline="0">
+                <a:ln>
+                  <a:noFill/>
+                </a:ln>
+                <a:solidFill>
+                  <a:srgbClr val="212529"/>
+                </a:solidFill>
+                <a:effectLst/>
+                <a:latin typeface="Mulish"/>
+              </a:rPr>
+              <a:t>In the A axis, positive values mean move forward, negative values mean move posterior</a:t>
+            </a:r>
+          </a:p>
+          <a:p>
+            <a:pPr marL="0" marR="0" lvl="0" indent="0" algn="l" defTabSz="914400" rtl="0" eaLnBrk="0" fontAlgn="base" latinLnBrk="0" hangingPunct="0">
+              <a:lnSpc>
+                <a:spcPct val="100000"/>
+              </a:lnSpc>
+              <a:spcBef>
+                <a:spcPct val="0"/>
+              </a:spcBef>
+              <a:spcAft>
+                <a:spcPct val="0"/>
+              </a:spcAft>
+              <a:buClrTx/>
+              <a:buSzTx/>
+              <a:buFontTx/>
+              <a:buChar char="•"/>
+              <a:tabLst/>
+            </a:pPr>
+            <a:r>
+              <a:rPr kumimoji="0" lang="LID4096" altLang="LID4096" sz="1200" b="0" i="0" u="none" strike="noStrike" cap="none" normalizeH="0" baseline="0">
+                <a:ln>
+                  <a:noFill/>
+                </a:ln>
+                <a:solidFill>
+                  <a:srgbClr val="212529"/>
+                </a:solidFill>
+                <a:effectLst/>
+                <a:latin typeface="Mulish"/>
+              </a:rPr>
+              <a:t>In the S axis, positive values mean move up, negative values mean move inferior</a:t>
+            </a:r>
+          </a:p>
+          <a:p>
+            <a:pPr marL="0" marR="0" lvl="0" indent="0" algn="l" defTabSz="914400" rtl="0" eaLnBrk="0" fontAlgn="base" latinLnBrk="0" hangingPunct="0">
+              <a:lnSpc>
+                <a:spcPct val="100000"/>
+              </a:lnSpc>
+              <a:spcBef>
+                <a:spcPct val="0"/>
+              </a:spcBef>
+              <a:spcAft>
+                <a:spcPct val="0"/>
+              </a:spcAft>
+              <a:buClrTx/>
+              <a:buSzTx/>
+              <a:buFontTx/>
+              <a:buNone/>
+              <a:tabLst/>
+            </a:pPr>
+            <a:endParaRPr kumimoji="0" lang="LID4096" altLang="LID4096" sz="1800" b="0" i="0" u="none" strike="noStrike" cap="none" normalizeH="0" baseline="0">
+              <a:ln>
+                <a:noFill/>
+              </a:ln>
+              <a:solidFill>
+                <a:schemeClr val="tx1"/>
+              </a:solidFill>
+              <a:effectLst/>
+              <a:latin typeface="Arial" panose="020B0604020202020204" pitchFamily="34" charset="0"/>
+            </a:endParaRPr>
+          </a:p>
+        </p:txBody>
+      </p:sp>
+    </p:spTree>
+    <p:extLst>
+      <p:ext uri="{BB962C8B-B14F-4D97-AF65-F5344CB8AC3E}">
+        <p14:creationId xmlns:p14="http://schemas.microsoft.com/office/powerpoint/2010/main" val="3186105521"/>
+      </p:ext>
+    </p:extLst>
+  </p:cSld>
+  <p:clrMapOvr>
+    <a:masterClrMapping/>
+  </p:clrMapOvr>
+</p:sld>
+</file>
+
+<file path=ppt/slides/slide13.xml><?xml version="1.0" encoding="utf-8"?>
+<p:sld xmlns:a="http://schemas.openxmlformats.org/drawingml/2006/main" xmlns:r="http://schemas.openxmlformats.org/officeDocument/2006/relationships" xmlns:p="http://schemas.openxmlformats.org/presentationml/2006/main">
+  <p:cSld>
+    <p:spTree>
+      <p:nvGrpSpPr>
+        <p:cNvPr id="1" name=""/>
+        <p:cNvGrpSpPr/>
+        <p:nvPr/>
+      </p:nvGrpSpPr>
+      <p:grpSpPr>
+        <a:xfrm>
+          <a:off x="0" y="0"/>
+          <a:ext cx="0" cy="0"/>
+          <a:chOff x="0" y="0"/>
+          <a:chExt cx="0" cy="0"/>
+        </a:xfrm>
+      </p:grpSpPr>
+      <p:sp>
+        <p:nvSpPr>
+          <p:cNvPr id="11" name="Title 1">
+            <a:extLst>
+              <a:ext uri="{FF2B5EF4-FFF2-40B4-BE49-F238E27FC236}">
+                <a16:creationId xmlns:a16="http://schemas.microsoft.com/office/drawing/2014/main" id="{B2A99C44-0FF0-7D73-9F27-6EEA0C5C5DDC}"/>
+              </a:ext>
+            </a:extLst>
+          </p:cNvPr>
+          <p:cNvSpPr>
+            <a:spLocks noGrp="1"/>
+          </p:cNvSpPr>
+          <p:nvPr>
+            <p:ph type="title"/>
+          </p:nvPr>
+        </p:nvSpPr>
+        <p:spPr>
+          <a:xfrm>
+            <a:off x="2324106" y="190500"/>
+            <a:ext cx="10972440" cy="1144800"/>
+          </a:xfrm>
+        </p:spPr>
+        <p:txBody>
+          <a:bodyPr/>
+          <a:lstStyle/>
+          <a:p>
+            <a:r>
+              <a:rPr lang="en-US" dirty="0"/>
+              <a:t>MRI:  RAS+</a:t>
+            </a:r>
+            <a:endParaRPr lang="LID4096" dirty="0"/>
+          </a:p>
+        </p:txBody>
+      </p:sp>
+      <p:sp>
+        <p:nvSpPr>
+          <p:cNvPr id="2" name="TextBox 1">
+            <a:extLst>
+              <a:ext uri="{FF2B5EF4-FFF2-40B4-BE49-F238E27FC236}">
+                <a16:creationId xmlns:a16="http://schemas.microsoft.com/office/drawing/2014/main" id="{DC8BA26C-E16D-053E-1BBF-4BE06714E1D3}"/>
+              </a:ext>
+            </a:extLst>
+          </p:cNvPr>
+          <p:cNvSpPr txBox="1"/>
+          <p:nvPr/>
+        </p:nvSpPr>
+        <p:spPr>
+          <a:xfrm>
+            <a:off x="1043374" y="1184585"/>
+            <a:ext cx="8743178" cy="1477328"/>
+          </a:xfrm>
+          <a:prstGeom prst="rect">
+            <a:avLst/>
+          </a:prstGeom>
+          <a:noFill/>
+        </p:spPr>
+        <p:txBody>
+          <a:bodyPr wrap="square" rtlCol="0">
+            <a:spAutoFit/>
+          </a:bodyPr>
+          <a:lstStyle/>
+          <a:p>
+            <a:endParaRPr lang="en-US" dirty="0"/>
+          </a:p>
+          <a:p>
+            <a:endParaRPr lang="en-US" dirty="0"/>
+          </a:p>
+          <a:p>
+            <a:endParaRPr lang="en-US" dirty="0"/>
+          </a:p>
+          <a:p>
+            <a:endParaRPr lang="en-US" dirty="0"/>
+          </a:p>
+          <a:p>
+            <a:r>
+              <a:rPr lang="en-US" dirty="0"/>
+              <a:t> </a:t>
+            </a:r>
+            <a:endParaRPr lang="LID4096" dirty="0"/>
+          </a:p>
+        </p:txBody>
+      </p:sp>
+      <p:sp>
+        <p:nvSpPr>
+          <p:cNvPr id="3" name="Rectangle 1">
+            <a:extLst>
+              <a:ext uri="{FF2B5EF4-FFF2-40B4-BE49-F238E27FC236}">
+                <a16:creationId xmlns:a16="http://schemas.microsoft.com/office/drawing/2014/main" id="{3974E471-D103-F1DB-2813-37829B8C77A4}"/>
+              </a:ext>
+            </a:extLst>
+          </p:cNvPr>
+          <p:cNvSpPr>
+            <a:spLocks noChangeArrowheads="1"/>
+          </p:cNvSpPr>
+          <p:nvPr/>
+        </p:nvSpPr>
+        <p:spPr bwMode="auto">
+          <a:xfrm>
+            <a:off x="494270" y="1335300"/>
+            <a:ext cx="10552670" cy="3123932"/>
+          </a:xfrm>
+          <a:prstGeom prst="rect">
+            <a:avLst/>
+          </a:prstGeom>
+          <a:solidFill>
+            <a:srgbClr val="FFFFFF"/>
+          </a:solidFill>
+          <a:ln>
+            <a:noFill/>
+          </a:ln>
+          <a:effectLst/>
+          <a:extLst>
+            <a:ext uri="{91240B29-F687-4F45-9708-019B960494DF}">
+              <a14:hiddenLine xmlns:a14="http://schemas.microsoft.com/office/drawing/2010/main" w="9525">
+                <a:solidFill>
+                  <a:schemeClr val="tx1"/>
+                </a:solidFill>
+                <a:miter lim="800000"/>
+                <a:headEnd/>
+                <a:tailEnd/>
+              </a14:hiddenLine>
+            </a:ext>
+            <a:ext uri="{AF507438-7753-43E0-B8FC-AC1667EBCBE1}">
+              <a14:hiddenEffects xmlns:a14="http://schemas.microsoft.com/office/drawing/2010/main">
+                <a:effectLst>
+                  <a:outerShdw dist="35921" dir="2700000" algn="ctr" rotWithShape="0">
+                    <a:schemeClr val="bg2"/>
+                  </a:outerShdw>
+                </a:effectLst>
+              </a14:hiddenEffects>
+            </a:ext>
+          </a:extLst>
+        </p:spPr>
+        <p:txBody>
+          <a:bodyPr vert="horz" wrap="square" lIns="91440" tIns="0" rIns="91440" bIns="45720" numCol="1" anchor="ctr" anchorCtr="0" compatLnSpc="1">
+            <a:prstTxWarp prst="textNoShape">
+              <a:avLst/>
+            </a:prstTxWarp>
+            <a:spAutoFit/>
+          </a:bodyPr>
+          <a:lstStyle/>
+          <a:p>
+            <a:pPr marL="0" marR="0" lvl="0" indent="0" algn="l" defTabSz="914400" rtl="0" eaLnBrk="0" fontAlgn="base" latinLnBrk="0" hangingPunct="0">
+              <a:lnSpc>
+                <a:spcPct val="100000"/>
+              </a:lnSpc>
+              <a:spcBef>
+                <a:spcPct val="0"/>
+              </a:spcBef>
+              <a:spcAft>
+                <a:spcPct val="0"/>
+              </a:spcAft>
+              <a:buClrTx/>
+              <a:buSzTx/>
+              <a:buFontTx/>
+              <a:buNone/>
+              <a:tabLst/>
+            </a:pPr>
+            <a:r>
+              <a:rPr kumimoji="0" lang="LID4096" altLang="LID4096" sz="2000" b="0" i="0" u="none" strike="noStrike" cap="none" normalizeH="0" baseline="0" dirty="0">
+                <a:ln>
+                  <a:noFill/>
+                </a:ln>
+                <a:solidFill>
+                  <a:srgbClr val="383838"/>
+                </a:solidFill>
+                <a:effectLst/>
+                <a:latin typeface="Mulish"/>
+              </a:rPr>
+              <a:t>NIfTI images</a:t>
+            </a:r>
+            <a:r>
+              <a:rPr kumimoji="0" lang="en-US" altLang="LID4096" sz="2000" b="0" i="0" u="none" strike="noStrike" cap="none" normalizeH="0" baseline="0" dirty="0">
+                <a:ln>
+                  <a:noFill/>
+                </a:ln>
+                <a:solidFill>
+                  <a:srgbClr val="383838"/>
+                </a:solidFill>
+                <a:effectLst/>
+                <a:latin typeface="Mulish"/>
+              </a:rPr>
+              <a:t> </a:t>
+            </a:r>
+            <a:r>
+              <a:rPr kumimoji="0" lang="LID4096" altLang="LID4096" sz="2000" b="0" i="0" u="none" strike="noStrike" cap="none" normalizeH="0" baseline="0" dirty="0">
+                <a:ln>
+                  <a:noFill/>
+                </a:ln>
+                <a:solidFill>
+                  <a:srgbClr val="383838"/>
+                </a:solidFill>
+                <a:effectLst/>
+                <a:latin typeface="Mulish"/>
+              </a:rPr>
+              <a:t>have an affine with the voxel coordinates relating to the real world coordinates in RAS+ encoded space.</a:t>
+            </a:r>
+            <a:endParaRPr kumimoji="0" lang="en-US" altLang="LID4096" sz="2000" b="0" i="0" u="none" strike="noStrike" cap="none" normalizeH="0" baseline="0" dirty="0">
+              <a:ln>
+                <a:noFill/>
+              </a:ln>
+              <a:solidFill>
+                <a:srgbClr val="383838"/>
+              </a:solidFill>
+              <a:effectLst/>
+              <a:latin typeface="Mulish"/>
+            </a:endParaRPr>
+          </a:p>
+          <a:p>
+            <a:pPr marL="0" marR="0" lvl="0" indent="0" algn="l" defTabSz="914400" rtl="0" eaLnBrk="0" fontAlgn="base" latinLnBrk="0" hangingPunct="0">
+              <a:lnSpc>
+                <a:spcPct val="100000"/>
+              </a:lnSpc>
+              <a:spcBef>
+                <a:spcPct val="0"/>
+              </a:spcBef>
+              <a:spcAft>
+                <a:spcPct val="0"/>
+              </a:spcAft>
+              <a:buClrTx/>
+              <a:buSzTx/>
+              <a:buFontTx/>
+              <a:buNone/>
+              <a:tabLst/>
+            </a:pPr>
+            <a:endParaRPr kumimoji="0" lang="en-US" altLang="LID4096" sz="2000" b="0" i="0" u="none" strike="noStrike" cap="none" normalizeH="0" baseline="0" dirty="0">
+              <a:ln>
+                <a:noFill/>
+              </a:ln>
+              <a:solidFill>
+                <a:srgbClr val="383838"/>
+              </a:solidFill>
+              <a:effectLst/>
+              <a:latin typeface="Mulish"/>
+            </a:endParaRPr>
+          </a:p>
+          <a:p>
+            <a:pPr marL="0" marR="0" lvl="0" indent="0" algn="l" defTabSz="914400" rtl="0" eaLnBrk="0" fontAlgn="base" latinLnBrk="0" hangingPunct="0">
+              <a:lnSpc>
+                <a:spcPct val="100000"/>
+              </a:lnSpc>
+              <a:spcBef>
+                <a:spcPct val="0"/>
+              </a:spcBef>
+              <a:spcAft>
+                <a:spcPct val="0"/>
+              </a:spcAft>
+              <a:buClrTx/>
+              <a:buSzTx/>
+              <a:buFontTx/>
+              <a:buNone/>
+              <a:tabLst/>
+            </a:pPr>
+            <a:r>
+              <a:rPr kumimoji="0" lang="LID4096" altLang="LID4096" sz="2000" b="0" i="0" u="none" strike="noStrike" cap="none" normalizeH="0" baseline="0" dirty="0">
+                <a:ln>
+                  <a:noFill/>
+                </a:ln>
+                <a:solidFill>
+                  <a:srgbClr val="383838"/>
+                </a:solidFill>
+                <a:effectLst/>
+                <a:latin typeface="Mulish"/>
+              </a:rPr>
+              <a:t>So here the affine matrix we</a:t>
+            </a:r>
+            <a:r>
+              <a:rPr kumimoji="0" lang="en-US" altLang="LID4096" sz="2000" b="0" i="0" u="none" strike="noStrike" cap="none" normalizeH="0" baseline="0" dirty="0">
+                <a:ln>
+                  <a:noFill/>
+                </a:ln>
+                <a:solidFill>
+                  <a:srgbClr val="383838"/>
+                </a:solidFill>
+                <a:effectLst/>
+                <a:latin typeface="Mulish"/>
+              </a:rPr>
+              <a:t> have seen</a:t>
+            </a:r>
+            <a:r>
+              <a:rPr kumimoji="0" lang="LID4096" altLang="LID4096" sz="2000" b="0" i="0" u="none" strike="noStrike" cap="none" normalizeH="0" baseline="0" dirty="0">
+                <a:ln>
+                  <a:noFill/>
+                </a:ln>
+                <a:solidFill>
+                  <a:srgbClr val="383838"/>
+                </a:solidFill>
+                <a:effectLst/>
+                <a:latin typeface="Mulish"/>
+              </a:rPr>
+              <a:t> be encoded in </a:t>
+            </a:r>
+            <a:r>
+              <a:rPr kumimoji="0" lang="LID4096" altLang="LID4096" sz="2000" b="1" i="0" u="none" strike="noStrike" cap="none" normalizeH="0" baseline="0" dirty="0">
+                <a:ln>
+                  <a:noFill/>
+                </a:ln>
+                <a:solidFill>
+                  <a:srgbClr val="383838"/>
+                </a:solidFill>
+                <a:effectLst/>
+                <a:latin typeface="Mulish"/>
+              </a:rPr>
+              <a:t>RAS</a:t>
+            </a:r>
+            <a:r>
+              <a:rPr kumimoji="0" lang="LID4096" altLang="LID4096" sz="2000" b="0" i="0" u="none" strike="noStrike" cap="none" normalizeH="0" baseline="0" dirty="0">
+                <a:ln>
+                  <a:noFill/>
+                </a:ln>
+                <a:solidFill>
+                  <a:srgbClr val="383838"/>
+                </a:solidFill>
+                <a:effectLst/>
+                <a:latin typeface="Mulish"/>
+              </a:rPr>
+              <a:t>. That means once we apply the matrix our coordinates are </a:t>
+            </a:r>
+            <a:r>
+              <a:rPr kumimoji="0" lang="LID4096" altLang="LID4096" sz="2000" b="0" i="0" u="none" strike="noStrike" cap="none" normalizeH="0" baseline="0" dirty="0">
+                <a:ln>
+                  <a:noFill/>
+                </a:ln>
+                <a:solidFill>
+                  <a:srgbClr val="000000"/>
+                </a:solidFill>
+                <a:effectLst/>
+                <a:latin typeface="Source Code Pro" panose="020B0509030403020204" pitchFamily="49" charset="0"/>
+              </a:rPr>
+              <a:t>(Right, Anterior, Superior)</a:t>
+            </a:r>
+            <a:r>
+              <a:rPr kumimoji="0" lang="LID4096" altLang="LID4096" sz="2000" b="0" i="0" u="none" strike="noStrike" cap="none" normalizeH="0" baseline="0" dirty="0">
+                <a:ln>
+                  <a:noFill/>
+                </a:ln>
+                <a:solidFill>
+                  <a:srgbClr val="383838"/>
+                </a:solidFill>
+                <a:effectLst/>
+                <a:latin typeface="Mulish"/>
+              </a:rPr>
+              <a:t>.</a:t>
+            </a:r>
+            <a:endParaRPr kumimoji="0" lang="en-US" altLang="LID4096" sz="2000" b="0" i="0" u="none" strike="noStrike" cap="none" normalizeH="0" baseline="0" dirty="0">
+              <a:ln>
+                <a:noFill/>
+              </a:ln>
+              <a:solidFill>
+                <a:srgbClr val="383838"/>
+              </a:solidFill>
+              <a:effectLst/>
+              <a:latin typeface="Mulish"/>
+            </a:endParaRPr>
+          </a:p>
+          <a:p>
+            <a:pPr marL="0" marR="0" lvl="0" indent="0" algn="l" defTabSz="914400" rtl="0" eaLnBrk="0" fontAlgn="base" latinLnBrk="0" hangingPunct="0">
+              <a:lnSpc>
+                <a:spcPct val="100000"/>
+              </a:lnSpc>
+              <a:spcBef>
+                <a:spcPct val="0"/>
+              </a:spcBef>
+              <a:spcAft>
+                <a:spcPct val="0"/>
+              </a:spcAft>
+              <a:buClrTx/>
+              <a:buSzTx/>
+              <a:buFontTx/>
+              <a:buNone/>
+              <a:tabLst/>
+            </a:pPr>
+            <a:endParaRPr kumimoji="0" lang="LID4096" altLang="LID4096" sz="2000" b="0" i="0" u="none" strike="noStrike" cap="none" normalizeH="0" baseline="0" dirty="0">
+              <a:ln>
+                <a:noFill/>
+              </a:ln>
+              <a:solidFill>
+                <a:schemeClr val="tx1"/>
+              </a:solidFill>
+              <a:effectLst/>
+            </a:endParaRPr>
+          </a:p>
+          <a:p>
+            <a:pPr marL="0" marR="0" lvl="0" indent="0" algn="l" defTabSz="914400" rtl="0" eaLnBrk="0" fontAlgn="base" latinLnBrk="0" hangingPunct="0">
+              <a:lnSpc>
+                <a:spcPct val="100000"/>
+              </a:lnSpc>
+              <a:spcBef>
+                <a:spcPct val="0"/>
+              </a:spcBef>
+              <a:spcAft>
+                <a:spcPct val="0"/>
+              </a:spcAft>
+              <a:buClrTx/>
+              <a:buSzTx/>
+              <a:buFontTx/>
+              <a:buChar char="•"/>
+              <a:tabLst/>
+            </a:pPr>
+            <a:r>
+              <a:rPr kumimoji="0" lang="LID4096" altLang="LID4096" sz="2000" b="0" i="0" u="none" strike="noStrike" cap="none" normalizeH="0" baseline="0" dirty="0">
+                <a:ln>
+                  <a:noFill/>
+                </a:ln>
+                <a:solidFill>
+                  <a:srgbClr val="212529"/>
+                </a:solidFill>
+                <a:effectLst/>
+                <a:latin typeface="Mulish"/>
+              </a:rPr>
+              <a:t>In the R axis, positive values mean move right, negative values mean move left</a:t>
+            </a:r>
+          </a:p>
+          <a:p>
+            <a:pPr marL="0" marR="0" lvl="0" indent="0" algn="l" defTabSz="914400" rtl="0" eaLnBrk="0" fontAlgn="base" latinLnBrk="0" hangingPunct="0">
+              <a:lnSpc>
+                <a:spcPct val="100000"/>
+              </a:lnSpc>
+              <a:spcBef>
+                <a:spcPct val="0"/>
+              </a:spcBef>
+              <a:spcAft>
+                <a:spcPct val="0"/>
+              </a:spcAft>
+              <a:buClrTx/>
+              <a:buSzTx/>
+              <a:buFontTx/>
+              <a:buChar char="•"/>
+              <a:tabLst/>
+            </a:pPr>
+            <a:r>
+              <a:rPr kumimoji="0" lang="LID4096" altLang="LID4096" sz="2000" b="0" i="0" u="none" strike="noStrike" cap="none" normalizeH="0" baseline="0" dirty="0">
+                <a:ln>
+                  <a:noFill/>
+                </a:ln>
+                <a:solidFill>
+                  <a:srgbClr val="212529"/>
+                </a:solidFill>
+                <a:effectLst/>
+                <a:latin typeface="Mulish"/>
+              </a:rPr>
+              <a:t>In the A axis, positive values mean move forward, negative values mean move posterior</a:t>
+            </a:r>
+          </a:p>
+          <a:p>
+            <a:pPr marL="0" marR="0" lvl="0" indent="0" algn="l" defTabSz="914400" rtl="0" eaLnBrk="0" fontAlgn="base" latinLnBrk="0" hangingPunct="0">
+              <a:lnSpc>
+                <a:spcPct val="100000"/>
+              </a:lnSpc>
+              <a:spcBef>
+                <a:spcPct val="0"/>
+              </a:spcBef>
+              <a:spcAft>
+                <a:spcPct val="0"/>
+              </a:spcAft>
+              <a:buClrTx/>
+              <a:buSzTx/>
+              <a:buFontTx/>
+              <a:buChar char="•"/>
+              <a:tabLst/>
+            </a:pPr>
+            <a:r>
+              <a:rPr kumimoji="0" lang="LID4096" altLang="LID4096" sz="2000" b="0" i="0" u="none" strike="noStrike" cap="none" normalizeH="0" baseline="0" dirty="0">
+                <a:ln>
+                  <a:noFill/>
+                </a:ln>
+                <a:solidFill>
+                  <a:srgbClr val="212529"/>
+                </a:solidFill>
+                <a:effectLst/>
+                <a:latin typeface="Mulish"/>
+              </a:rPr>
+              <a:t>In the S axis, positive values mean move up, negative values mean move inferior</a:t>
+            </a:r>
+          </a:p>
+          <a:p>
+            <a:pPr marL="0" marR="0" lvl="0" indent="0" algn="l" defTabSz="914400" rtl="0" eaLnBrk="0" fontAlgn="base" latinLnBrk="0" hangingPunct="0">
+              <a:lnSpc>
+                <a:spcPct val="100000"/>
+              </a:lnSpc>
+              <a:spcBef>
+                <a:spcPct val="0"/>
+              </a:spcBef>
+              <a:spcAft>
+                <a:spcPct val="0"/>
+              </a:spcAft>
+              <a:buClrTx/>
+              <a:buSzTx/>
+              <a:buFontTx/>
+              <a:buNone/>
+              <a:tabLst/>
+            </a:pPr>
+            <a:endParaRPr kumimoji="0" lang="LID4096" altLang="LID4096" sz="2000" b="0" i="0" u="none" strike="noStrike" cap="none" normalizeH="0" baseline="0" dirty="0">
+              <a:ln>
+                <a:noFill/>
+              </a:ln>
+              <a:solidFill>
+                <a:schemeClr val="tx1"/>
+              </a:solidFill>
+              <a:effectLst/>
+              <a:latin typeface="Arial" panose="020B0604020202020204" pitchFamily="34" charset="0"/>
+            </a:endParaRPr>
+          </a:p>
+        </p:txBody>
+      </p:sp>
+      <p:pic>
+        <p:nvPicPr>
+          <p:cNvPr id="6" name="Picture 5">
+            <a:extLst>
+              <a:ext uri="{FF2B5EF4-FFF2-40B4-BE49-F238E27FC236}">
+                <a16:creationId xmlns:a16="http://schemas.microsoft.com/office/drawing/2014/main" id="{A552DDEA-1302-6D86-F1D8-77B96F5F8838}"/>
+              </a:ext>
+            </a:extLst>
+          </p:cNvPr>
+          <p:cNvPicPr>
+            <a:picLocks noChangeAspect="1"/>
+          </p:cNvPicPr>
+          <p:nvPr/>
+        </p:nvPicPr>
+        <p:blipFill>
+          <a:blip r:embed="rId2"/>
+          <a:stretch>
+            <a:fillRect/>
+          </a:stretch>
+        </p:blipFill>
+        <p:spPr>
+          <a:xfrm>
+            <a:off x="3268263" y="4306044"/>
+            <a:ext cx="5776883" cy="2163205"/>
+          </a:xfrm>
+          <a:prstGeom prst="rect">
+            <a:avLst/>
+          </a:prstGeom>
+        </p:spPr>
+      </p:pic>
+    </p:spTree>
+    <p:extLst>
+      <p:ext uri="{BB962C8B-B14F-4D97-AF65-F5344CB8AC3E}">
+        <p14:creationId xmlns:p14="http://schemas.microsoft.com/office/powerpoint/2010/main" val="1192525675"/>
+      </p:ext>
+    </p:extLst>
+  </p:cSld>
+  <p:clrMapOvr>
+    <a:masterClrMapping/>
+  </p:clrMapOvr>
+</p:sld>
+</file>
+
+<file path=ppt/slides/slide14.xml><?xml version="1.0" encoding="utf-8"?>
+<p:sld xmlns:a="http://schemas.openxmlformats.org/drawingml/2006/main" xmlns:r="http://schemas.openxmlformats.org/officeDocument/2006/relationships" xmlns:p="http://schemas.openxmlformats.org/presentationml/2006/main">
+  <p:cSld>
+    <p:spTree>
+      <p:nvGrpSpPr>
+        <p:cNvPr id="1" name=""/>
+        <p:cNvGrpSpPr/>
+        <p:nvPr/>
+      </p:nvGrpSpPr>
+      <p:grpSpPr>
+        <a:xfrm>
+          <a:off x="0" y="0"/>
+          <a:ext cx="0" cy="0"/>
+          <a:chOff x="0" y="0"/>
+          <a:chExt cx="0" cy="0"/>
+        </a:xfrm>
+      </p:grpSpPr>
+      <p:sp>
+        <p:nvSpPr>
+          <p:cNvPr id="11" name="Title 1">
+            <a:extLst>
+              <a:ext uri="{FF2B5EF4-FFF2-40B4-BE49-F238E27FC236}">
+                <a16:creationId xmlns:a16="http://schemas.microsoft.com/office/drawing/2014/main" id="{B2A99C44-0FF0-7D73-9F27-6EEA0C5C5DDC}"/>
+              </a:ext>
+            </a:extLst>
+          </p:cNvPr>
+          <p:cNvSpPr>
+            <a:spLocks noGrp="1"/>
+          </p:cNvSpPr>
+          <p:nvPr>
+            <p:ph type="title"/>
+          </p:nvPr>
+        </p:nvSpPr>
+        <p:spPr>
+          <a:xfrm>
+            <a:off x="2682829" y="241702"/>
+            <a:ext cx="10972440" cy="1144800"/>
+          </a:xfrm>
+        </p:spPr>
+        <p:txBody>
+          <a:bodyPr/>
+          <a:lstStyle/>
+          <a:p>
+            <a:r>
+              <a:rPr lang="en-US" dirty="0"/>
+              <a:t>MRI: functional</a:t>
+            </a:r>
+            <a:endParaRPr lang="LID4096" dirty="0"/>
+          </a:p>
+        </p:txBody>
+      </p:sp>
+      <p:sp>
+        <p:nvSpPr>
+          <p:cNvPr id="13" name="Rectangle 11">
+            <a:extLst>
+              <a:ext uri="{FF2B5EF4-FFF2-40B4-BE49-F238E27FC236}">
+                <a16:creationId xmlns:a16="http://schemas.microsoft.com/office/drawing/2014/main" id="{5A0CA4F9-B3E7-6D70-52C2-E4145CA52BF0}"/>
+              </a:ext>
+            </a:extLst>
+          </p:cNvPr>
+          <p:cNvSpPr>
+            <a:spLocks noChangeArrowheads="1"/>
+          </p:cNvSpPr>
+          <p:nvPr/>
+        </p:nvSpPr>
+        <p:spPr bwMode="auto">
+          <a:xfrm>
+            <a:off x="1787612" y="1413287"/>
+            <a:ext cx="8618065" cy="4154984"/>
+          </a:xfrm>
+          <a:prstGeom prst="rect">
+            <a:avLst/>
+          </a:prstGeom>
+          <a:noFill/>
+          <a:ln>
+            <a:noFill/>
+          </a:ln>
+          <a:effectLst/>
+          <a:extLst>
+            <a:ext uri="{909E8E84-426E-40DD-AFC4-6F175D3DCCD1}">
+              <a14:hiddenFill xmlns:a14="http://schemas.microsoft.com/office/drawing/2010/main">
+                <a:solidFill>
+                  <a:schemeClr val="accent1"/>
+                </a:solidFill>
+              </a14:hiddenFill>
+            </a:ext>
+            <a:ext uri="{91240B29-F687-4F45-9708-019B960494DF}">
+              <a14:hiddenLine xmlns:a14="http://schemas.microsoft.com/office/drawing/2010/main" w="9525">
+                <a:solidFill>
+                  <a:schemeClr val="tx1"/>
+                </a:solidFill>
+                <a:miter lim="800000"/>
+                <a:headEnd/>
+                <a:tailEnd/>
+              </a14:hiddenLine>
+            </a:ext>
+            <a:ext uri="{AF507438-7753-43E0-B8FC-AC1667EBCBE1}">
+              <a14:hiddenEffects xmlns:a14="http://schemas.microsoft.com/office/drawing/2010/main">
+                <a:effectLst>
+                  <a:outerShdw dist="35921" dir="2700000" algn="ctr" rotWithShape="0">
+                    <a:schemeClr val="bg2"/>
+                  </a:outerShdw>
+                </a:effectLst>
+              </a14:hiddenEffects>
+            </a:ext>
+          </a:extLst>
+        </p:spPr>
+        <p:txBody>
+          <a:bodyPr vert="horz" wrap="none" lIns="91440" tIns="45720" rIns="91440" bIns="45720" numCol="1" anchor="ctr" anchorCtr="0" compatLnSpc="1">
+            <a:prstTxWarp prst="textNoShape">
+              <a:avLst/>
+            </a:prstTxWarp>
+            <a:spAutoFit/>
+          </a:bodyPr>
+          <a:lstStyle/>
+          <a:p>
+            <a:pPr marL="0" marR="0" lvl="0" indent="0" algn="l" defTabSz="914400" rtl="0" eaLnBrk="0" fontAlgn="base" latinLnBrk="0" hangingPunct="0">
+              <a:lnSpc>
+                <a:spcPct val="100000"/>
+              </a:lnSpc>
+              <a:spcBef>
+                <a:spcPct val="0"/>
+              </a:spcBef>
+              <a:spcAft>
+                <a:spcPct val="0"/>
+              </a:spcAft>
+              <a:buClrTx/>
+              <a:buSzTx/>
+              <a:buFontTx/>
+              <a:buNone/>
+              <a:tabLst/>
+            </a:pPr>
+            <a:r>
+              <a:rPr kumimoji="0" lang="LID4096" altLang="LID4096" sz="900" b="1" i="0" u="none" strike="noStrike" cap="none" normalizeH="0" baseline="0" dirty="0">
+                <a:ln>
+                  <a:noFill/>
+                </a:ln>
+                <a:solidFill>
+                  <a:schemeClr val="tx1"/>
+                </a:solidFill>
+                <a:effectLst/>
+                <a:latin typeface="Arial" panose="020B0604020202020204" pitchFamily="34" charset="0"/>
+              </a:rPr>
+              <a:t>Functional</a:t>
+            </a:r>
+          </a:p>
+          <a:p>
+            <a:pPr marL="0" marR="0" lvl="0" indent="0" algn="l" defTabSz="914400" rtl="0" eaLnBrk="0" fontAlgn="base" latinLnBrk="0" hangingPunct="0">
+              <a:lnSpc>
+                <a:spcPct val="100000"/>
+              </a:lnSpc>
+              <a:spcBef>
+                <a:spcPct val="0"/>
+              </a:spcBef>
+              <a:spcAft>
+                <a:spcPct val="0"/>
+              </a:spcAft>
+              <a:buClrTx/>
+              <a:buSzTx/>
+              <a:buFontTx/>
+              <a:buNone/>
+              <a:tabLst/>
+            </a:pPr>
+            <a:r>
+              <a:rPr kumimoji="0" lang="LID4096" altLang="LID4096" sz="800" b="0" i="0" u="none" strike="noStrike" cap="none" normalizeH="0" baseline="0" dirty="0">
+                <a:ln>
+                  <a:noFill/>
+                </a:ln>
+                <a:solidFill>
+                  <a:schemeClr val="tx1"/>
+                </a:solidFill>
+                <a:effectLst/>
+                <a:latin typeface="Arial" panose="020B0604020202020204" pitchFamily="34" charset="0"/>
+              </a:rPr>
+              <a:t>  </a:t>
+            </a:r>
+            <a:r>
+              <a:rPr kumimoji="0" lang="LID4096" altLang="LID4096" sz="12300" b="0" i="0" u="none" strike="noStrike" cap="none" normalizeH="0" baseline="0" dirty="0">
+                <a:ln>
+                  <a:noFill/>
+                </a:ln>
+                <a:solidFill>
+                  <a:schemeClr val="tx1"/>
+                </a:solidFill>
+                <a:effectLst/>
+                <a:latin typeface="Arial" panose="020B0604020202020204" pitchFamily="34" charset="0"/>
+              </a:rPr>
+              <a:t>         </a:t>
+            </a:r>
+            <a:r>
+              <a:rPr kumimoji="0" lang="LID4096" altLang="LID4096" sz="1800" b="0" i="0" u="none" strike="noStrike" cap="none" normalizeH="0" baseline="0" dirty="0">
+                <a:ln>
+                  <a:noFill/>
+                </a:ln>
+                <a:solidFill>
+                  <a:schemeClr val="tx1"/>
+                </a:solidFill>
+                <a:effectLst/>
+                <a:latin typeface="Arial" panose="020B0604020202020204" pitchFamily="34" charset="0"/>
+              </a:rPr>
+              <a:t>  </a:t>
+            </a:r>
+            <a:r>
+              <a:rPr kumimoji="0" lang="LID4096" altLang="LID4096" sz="15100" b="0" i="0" u="none" strike="noStrike" cap="none" normalizeH="0" baseline="0" dirty="0">
+                <a:ln>
+                  <a:noFill/>
+                </a:ln>
+                <a:solidFill>
+                  <a:schemeClr val="tx1"/>
+                </a:solidFill>
+                <a:effectLst/>
+                <a:latin typeface="Arial" panose="020B0604020202020204" pitchFamily="34" charset="0"/>
+              </a:rPr>
+              <a:t>        </a:t>
+            </a:r>
+            <a:endParaRPr kumimoji="0" lang="LID4096" altLang="LID4096" sz="1800" b="0" i="0" u="none" strike="noStrike" cap="none" normalizeH="0" baseline="0" dirty="0">
+              <a:ln>
+                <a:noFill/>
+              </a:ln>
+              <a:solidFill>
+                <a:schemeClr val="tx1"/>
+              </a:solidFill>
+              <a:effectLst/>
+              <a:latin typeface="Arial" panose="020B0604020202020204" pitchFamily="34" charset="0"/>
+            </a:endParaRPr>
+          </a:p>
+          <a:p>
+            <a:pPr marL="0" marR="0" lvl="0" indent="0" algn="l" defTabSz="914400" rtl="0" eaLnBrk="0" fontAlgn="base" latinLnBrk="0" hangingPunct="0">
+              <a:lnSpc>
+                <a:spcPct val="100000"/>
+              </a:lnSpc>
+              <a:spcBef>
+                <a:spcPct val="0"/>
+              </a:spcBef>
+              <a:spcAft>
+                <a:spcPct val="0"/>
+              </a:spcAft>
+              <a:buClrTx/>
+              <a:buSzTx/>
+              <a:buFontTx/>
+              <a:buNone/>
+              <a:tabLst/>
+            </a:pPr>
+            <a:r>
+              <a:rPr kumimoji="0" lang="LID4096" altLang="LID4096" sz="1400" b="0" i="1" u="none" strike="noStrike" cap="none" normalizeH="0" baseline="0" dirty="0">
+                <a:ln>
+                  <a:noFill/>
+                </a:ln>
+                <a:solidFill>
+                  <a:schemeClr val="tx1"/>
+                </a:solidFill>
+                <a:effectLst/>
+                <a:latin typeface="Arial" panose="020B0604020202020204" pitchFamily="34" charset="0"/>
+              </a:rPr>
+              <a:t>Sourced from Wagner and Lindquist,</a:t>
+            </a:r>
+            <a:r>
+              <a:rPr kumimoji="0" lang="en-US" altLang="LID4096" sz="1400" b="0" i="1" u="none" strike="noStrike" cap="none" normalizeH="0" baseline="0" dirty="0">
+                <a:ln>
+                  <a:noFill/>
+                </a:ln>
+                <a:solidFill>
+                  <a:schemeClr val="tx1"/>
+                </a:solidFill>
+                <a:effectLst/>
+                <a:latin typeface="Arial" panose="020B0604020202020204" pitchFamily="34" charset="0"/>
+              </a:rPr>
+              <a:t>2015</a:t>
+            </a:r>
+          </a:p>
+          <a:p>
+            <a:pPr marL="0" marR="0" lvl="0" indent="0" algn="l" defTabSz="914400" rtl="0" eaLnBrk="0" fontAlgn="base" latinLnBrk="0" hangingPunct="0">
+              <a:lnSpc>
+                <a:spcPct val="100000"/>
+              </a:lnSpc>
+              <a:spcBef>
+                <a:spcPct val="0"/>
+              </a:spcBef>
+              <a:spcAft>
+                <a:spcPct val="0"/>
+              </a:spcAft>
+              <a:buClrTx/>
+              <a:buSzTx/>
+              <a:buFontTx/>
+              <a:buNone/>
+              <a:tabLst/>
+            </a:pPr>
+            <a:endParaRPr lang="en-US" altLang="LID4096" i="1" dirty="0">
+              <a:latin typeface="Arial" panose="020B0604020202020204" pitchFamily="34" charset="0"/>
+            </a:endParaRPr>
+          </a:p>
+          <a:p>
+            <a:pPr>
+              <a:buFont typeface="Arial" panose="020B0604020202020204" pitchFamily="34" charset="0"/>
+              <a:buChar char="•"/>
+            </a:pPr>
+            <a:r>
+              <a:rPr lang="en-US" dirty="0"/>
+              <a:t>Reveals blood oxygen level-</a:t>
+            </a:r>
+            <a:r>
+              <a:rPr lang="en-US" dirty="0" err="1"/>
+              <a:t>dependant</a:t>
+            </a:r>
+            <a:r>
+              <a:rPr lang="en-US" dirty="0"/>
+              <a:t> (BOLD) signal</a:t>
+            </a:r>
+          </a:p>
+          <a:p>
+            <a:pPr>
+              <a:buFont typeface="Arial" panose="020B0604020202020204" pitchFamily="34" charset="0"/>
+              <a:buChar char="•"/>
+            </a:pPr>
+            <a:r>
+              <a:rPr lang="en-US" dirty="0"/>
+              <a:t>Four dimensional image (x, y, z and time)</a:t>
+            </a:r>
+          </a:p>
+          <a:p>
+            <a:pPr>
+              <a:buFont typeface="Arial" panose="020B0604020202020204" pitchFamily="34" charset="0"/>
+              <a:buChar char="•"/>
+            </a:pPr>
+            <a:r>
+              <a:rPr lang="en-US" dirty="0"/>
+              <a:t>Cleaning and denoising is </a:t>
+            </a:r>
+            <a:r>
+              <a:rPr lang="en-US" i="1" dirty="0"/>
+              <a:t>the battle </a:t>
+            </a:r>
+            <a:r>
+              <a:rPr lang="en-US" dirty="0" err="1"/>
+              <a:t>fMRIprep</a:t>
+            </a:r>
+            <a:r>
+              <a:rPr lang="en-US" dirty="0"/>
+              <a:t> , then </a:t>
+            </a:r>
+            <a:r>
+              <a:rPr lang="en-US" dirty="0" err="1"/>
+              <a:t>nilearn</a:t>
+            </a:r>
+            <a:r>
+              <a:rPr lang="en-US" dirty="0"/>
+              <a:t> (</a:t>
+            </a:r>
+            <a:r>
+              <a:rPr lang="en-US" dirty="0" err="1"/>
+              <a:t>nipreps</a:t>
+            </a:r>
+            <a:r>
+              <a:rPr lang="en-US" dirty="0"/>
+              <a:t>)</a:t>
+            </a:r>
+          </a:p>
+          <a:p>
+            <a:pPr marL="0" marR="0" lvl="0" indent="0" algn="l" defTabSz="914400" rtl="0" eaLnBrk="0" fontAlgn="base" latinLnBrk="0" hangingPunct="0">
+              <a:lnSpc>
+                <a:spcPct val="100000"/>
+              </a:lnSpc>
+              <a:spcBef>
+                <a:spcPct val="0"/>
+              </a:spcBef>
+              <a:spcAft>
+                <a:spcPct val="0"/>
+              </a:spcAft>
+              <a:buClrTx/>
+              <a:buSzTx/>
+              <a:buFontTx/>
+              <a:buNone/>
+              <a:tabLst/>
+            </a:pPr>
+            <a:endParaRPr kumimoji="0" lang="LID4096" altLang="LID4096" sz="1800" b="0" i="0" u="none" strike="noStrike" cap="none" normalizeH="0" baseline="0" dirty="0">
+              <a:ln>
+                <a:noFill/>
+              </a:ln>
+              <a:solidFill>
+                <a:schemeClr val="tx1"/>
+              </a:solidFill>
+              <a:effectLst/>
+              <a:latin typeface="Arial" panose="020B0604020202020204" pitchFamily="34" charset="0"/>
+            </a:endParaRPr>
+          </a:p>
+        </p:txBody>
+      </p:sp>
+      <p:pic>
+        <p:nvPicPr>
+          <p:cNvPr id="2060" name="Picture 12" descr="FMRI">
+            <a:extLst>
+              <a:ext uri="{FF2B5EF4-FFF2-40B4-BE49-F238E27FC236}">
+                <a16:creationId xmlns:a16="http://schemas.microsoft.com/office/drawing/2014/main" id="{6A285644-E4A3-DA04-5C0A-ECA7FE15068B}"/>
+              </a:ext>
+            </a:extLst>
+          </p:cNvPr>
+          <p:cNvPicPr>
+            <a:picLocks noChangeAspect="1" noChangeArrowheads="1"/>
+          </p:cNvPicPr>
+          <p:nvPr/>
+        </p:nvPicPr>
+        <p:blipFill>
+          <a:blip r:embed="rId2">
+            <a:extLst>
+              <a:ext uri="{28A0092B-C50C-407E-A947-70E740481C1C}">
+                <a14:useLocalDpi xmlns:a14="http://schemas.microsoft.com/office/drawing/2010/main" val="0"/>
+              </a:ext>
+            </a:extLst>
+          </a:blip>
+          <a:srcRect/>
+          <a:stretch>
+            <a:fillRect/>
+          </a:stretch>
+        </p:blipFill>
+        <p:spPr bwMode="auto">
+          <a:xfrm>
+            <a:off x="1844762" y="2042978"/>
+            <a:ext cx="3524250" cy="1952625"/>
+          </a:xfrm>
+          <a:prstGeom prst="rect">
+            <a:avLst/>
+          </a:prstGeom>
+          <a:noFill/>
+          <a:extLst>
+            <a:ext uri="{909E8E84-426E-40DD-AFC4-6F175D3DCCD1}">
+              <a14:hiddenFill xmlns:a14="http://schemas.microsoft.com/office/drawing/2010/main">
+                <a:solidFill>
+                  <a:srgbClr val="FFFFFF"/>
+                </a:solidFill>
+              </a14:hiddenFill>
+            </a:ext>
+          </a:extLst>
+        </p:spPr>
+      </p:pic>
+      <p:pic>
+        <p:nvPicPr>
+          <p:cNvPr id="2061" name="Picture 13" descr="FMRI timeseries">
+            <a:extLst>
+              <a:ext uri="{FF2B5EF4-FFF2-40B4-BE49-F238E27FC236}">
+                <a16:creationId xmlns:a16="http://schemas.microsoft.com/office/drawing/2014/main" id="{BB5223A7-8843-A0AC-225F-AED2DD75F56C}"/>
+              </a:ext>
+            </a:extLst>
+          </p:cNvPr>
+          <p:cNvPicPr>
+            <a:picLocks noChangeAspect="1" noChangeArrowheads="1"/>
+          </p:cNvPicPr>
+          <p:nvPr/>
+        </p:nvPicPr>
+        <p:blipFill>
+          <a:blip r:embed="rId3">
+            <a:extLst>
+              <a:ext uri="{28A0092B-C50C-407E-A947-70E740481C1C}">
+                <a14:useLocalDpi xmlns:a14="http://schemas.microsoft.com/office/drawing/2010/main" val="0"/>
+              </a:ext>
+            </a:extLst>
+          </a:blip>
+          <a:srcRect/>
+          <a:stretch>
+            <a:fillRect/>
+          </a:stretch>
+        </p:blipFill>
+        <p:spPr bwMode="auto">
+          <a:xfrm>
+            <a:off x="5872250" y="2042978"/>
+            <a:ext cx="4048125" cy="2409825"/>
+          </a:xfrm>
+          <a:prstGeom prst="rect">
+            <a:avLst/>
+          </a:prstGeom>
+          <a:noFill/>
+          <a:extLst>
+            <a:ext uri="{909E8E84-426E-40DD-AFC4-6F175D3DCCD1}">
+              <a14:hiddenFill xmlns:a14="http://schemas.microsoft.com/office/drawing/2010/main">
+                <a:solidFill>
+                  <a:srgbClr val="FFFFFF"/>
+                </a:solidFill>
+              </a14:hiddenFill>
+            </a:ext>
+          </a:extLst>
+        </p:spPr>
+      </p:pic>
+    </p:spTree>
+    <p:extLst>
+      <p:ext uri="{BB962C8B-B14F-4D97-AF65-F5344CB8AC3E}">
+        <p14:creationId xmlns:p14="http://schemas.microsoft.com/office/powerpoint/2010/main" val="2020524529"/>
+      </p:ext>
+    </p:extLst>
+  </p:cSld>
+  <p:clrMapOvr>
+    <a:masterClrMapping/>
+  </p:clrMapOvr>
+</p:sld>
+</file>
+
+<file path=ppt/slides/slide15.xml><?xml version="1.0" encoding="utf-8"?>
+<p:sld xmlns:a="http://schemas.openxmlformats.org/drawingml/2006/main" xmlns:r="http://schemas.openxmlformats.org/officeDocument/2006/relationships" xmlns:p="http://schemas.openxmlformats.org/presentationml/2006/main">
+  <p:cSld>
+    <p:spTree>
+      <p:nvGrpSpPr>
+        <p:cNvPr id="1" name=""/>
+        <p:cNvGrpSpPr/>
+        <p:nvPr/>
+      </p:nvGrpSpPr>
+      <p:grpSpPr>
+        <a:xfrm>
+          <a:off x="0" y="0"/>
+          <a:ext cx="0" cy="0"/>
+          <a:chOff x="0" y="0"/>
+          <a:chExt cx="0" cy="0"/>
+        </a:xfrm>
+      </p:grpSpPr>
+      <p:sp>
+        <p:nvSpPr>
+          <p:cNvPr id="11" name="Title 1">
+            <a:extLst>
+              <a:ext uri="{FF2B5EF4-FFF2-40B4-BE49-F238E27FC236}">
+                <a16:creationId xmlns:a16="http://schemas.microsoft.com/office/drawing/2014/main" id="{B2A99C44-0FF0-7D73-9F27-6EEA0C5C5DDC}"/>
+              </a:ext>
+            </a:extLst>
+          </p:cNvPr>
+          <p:cNvSpPr>
+            <a:spLocks noGrp="1"/>
+          </p:cNvSpPr>
+          <p:nvPr>
+            <p:ph type="title"/>
+          </p:nvPr>
+        </p:nvSpPr>
+        <p:spPr>
+          <a:xfrm>
+            <a:off x="2077453" y="328862"/>
+            <a:ext cx="3507801" cy="5021180"/>
+          </a:xfrm>
+        </p:spPr>
+        <p:txBody>
+          <a:bodyPr/>
+          <a:lstStyle/>
+          <a:p>
+            <a:r>
+              <a:rPr lang="en-US" dirty="0"/>
+              <a:t>MRI:</a:t>
+            </a:r>
+            <a:br>
+              <a:rPr lang="en-US" dirty="0"/>
+            </a:br>
+            <a:br>
+              <a:rPr lang="en-US" dirty="0"/>
+            </a:br>
+            <a:r>
+              <a:rPr lang="en-US" dirty="0"/>
+              <a:t>In code</a:t>
+            </a:r>
+            <a:br>
+              <a:rPr lang="en-US" dirty="0"/>
+            </a:br>
+            <a:r>
+              <a:rPr lang="en-US" dirty="0"/>
+              <a:t>go* with</a:t>
+            </a:r>
+            <a:br>
+              <a:rPr lang="en-US" dirty="0"/>
+            </a:br>
+            <a:br>
+              <a:rPr lang="en-US" dirty="0"/>
+            </a:br>
+            <a:r>
+              <a:rPr lang="en-US" dirty="0"/>
+              <a:t>functional</a:t>
+            </a:r>
+            <a:br>
+              <a:rPr lang="en-US" dirty="0"/>
+            </a:br>
+            <a:r>
+              <a:rPr lang="en-US" dirty="0"/>
+              <a:t>maintained </a:t>
+            </a:r>
+            <a:br>
+              <a:rPr lang="en-US" dirty="0"/>
+            </a:br>
+            <a:r>
+              <a:rPr lang="en-US" dirty="0"/>
+              <a:t>popular</a:t>
+            </a:r>
+            <a:endParaRPr lang="LID4096" dirty="0"/>
+          </a:p>
+        </p:txBody>
+      </p:sp>
+      <p:pic>
+        <p:nvPicPr>
+          <p:cNvPr id="3" name="Picture 2">
+            <a:extLst>
+              <a:ext uri="{FF2B5EF4-FFF2-40B4-BE49-F238E27FC236}">
+                <a16:creationId xmlns:a16="http://schemas.microsoft.com/office/drawing/2014/main" id="{6CA2CD71-7977-849D-B70F-32C40093A21D}"/>
+              </a:ext>
+            </a:extLst>
+          </p:cNvPr>
+          <p:cNvPicPr>
+            <a:picLocks noChangeAspect="1"/>
+          </p:cNvPicPr>
+          <p:nvPr/>
+        </p:nvPicPr>
+        <p:blipFill>
+          <a:blip r:embed="rId2"/>
+          <a:stretch>
+            <a:fillRect/>
+          </a:stretch>
+        </p:blipFill>
+        <p:spPr>
+          <a:xfrm>
+            <a:off x="5870112" y="1070918"/>
+            <a:ext cx="5151739" cy="5276335"/>
+          </a:xfrm>
+          <a:prstGeom prst="rect">
+            <a:avLst/>
+          </a:prstGeom>
+        </p:spPr>
+      </p:pic>
+    </p:spTree>
+    <p:extLst>
+      <p:ext uri="{BB962C8B-B14F-4D97-AF65-F5344CB8AC3E}">
+        <p14:creationId xmlns:p14="http://schemas.microsoft.com/office/powerpoint/2010/main" val="2245872120"/>
+      </p:ext>
+    </p:extLst>
+  </p:cSld>
+  <p:clrMapOvr>
+    <a:masterClrMapping/>
+  </p:clrMapOvr>
+</p:sld>
+</file>
+
+<file path=ppt/slides/slide16.xml><?xml version="1.0" encoding="utf-8"?>
+<p:sld xmlns:a="http://schemas.openxmlformats.org/drawingml/2006/main" xmlns:r="http://schemas.openxmlformats.org/officeDocument/2006/relationships" xmlns:p="http://schemas.openxmlformats.org/presentationml/2006/main">
+  <p:cSld>
+    <p:spTree>
+      <p:nvGrpSpPr>
+        <p:cNvPr id="1" name=""/>
+        <p:cNvGrpSpPr/>
+        <p:nvPr/>
+      </p:nvGrpSpPr>
+      <p:grpSpPr>
+        <a:xfrm>
+          <a:off x="0" y="0"/>
+          <a:ext cx="0" cy="0"/>
+          <a:chOff x="0" y="0"/>
+          <a:chExt cx="0" cy="0"/>
+        </a:xfrm>
+      </p:grpSpPr>
+      <p:sp>
+        <p:nvSpPr>
+          <p:cNvPr id="11" name="Title 1">
+            <a:extLst>
+              <a:ext uri="{FF2B5EF4-FFF2-40B4-BE49-F238E27FC236}">
+                <a16:creationId xmlns:a16="http://schemas.microsoft.com/office/drawing/2014/main" id="{B2A99C44-0FF0-7D73-9F27-6EEA0C5C5DDC}"/>
+              </a:ext>
+            </a:extLst>
+          </p:cNvPr>
+          <p:cNvSpPr>
+            <a:spLocks noGrp="1"/>
+          </p:cNvSpPr>
+          <p:nvPr>
+            <p:ph type="title"/>
+          </p:nvPr>
+        </p:nvSpPr>
+        <p:spPr>
+          <a:xfrm>
             <a:off x="2503926" y="0"/>
             <a:ext cx="10972440" cy="1144800"/>
           </a:xfrm>
@@ -16779,7 +18600,385 @@
           <a:p>
             <a:r>
               <a:rPr lang="en-US" dirty="0"/>
-              <a:t>MRI: coding along</a:t>
+              <a:t>MRI: diffusion</a:t>
+            </a:r>
+            <a:endParaRPr lang="LID4096" dirty="0"/>
+          </a:p>
+        </p:txBody>
+      </p:sp>
+      <p:pic>
+        <p:nvPicPr>
+          <p:cNvPr id="15" name="Picture 14">
+            <a:extLst>
+              <a:ext uri="{FF2B5EF4-FFF2-40B4-BE49-F238E27FC236}">
+                <a16:creationId xmlns:a16="http://schemas.microsoft.com/office/drawing/2014/main" id="{8F4F3435-CB45-3AA7-9DD9-F820283CF9F7}"/>
+              </a:ext>
+            </a:extLst>
+          </p:cNvPr>
+          <p:cNvPicPr>
+            <a:picLocks noChangeAspect="1"/>
+          </p:cNvPicPr>
+          <p:nvPr/>
+        </p:nvPicPr>
+        <p:blipFill>
+          <a:blip r:embed="rId2">
+            <a:extLst>
+              <a:ext uri="{28A0092B-C50C-407E-A947-70E740481C1C}">
+                <a14:useLocalDpi xmlns:a14="http://schemas.microsoft.com/office/drawing/2010/main" val="0"/>
+              </a:ext>
+            </a:extLst>
+          </a:blip>
+          <a:stretch>
+            <a:fillRect/>
+          </a:stretch>
+        </p:blipFill>
+        <p:spPr>
+          <a:xfrm>
+            <a:off x="2281881" y="913147"/>
+            <a:ext cx="5651157" cy="4567155"/>
+          </a:xfrm>
+          <a:prstGeom prst="rect">
+            <a:avLst/>
+          </a:prstGeom>
+        </p:spPr>
+      </p:pic>
+      <p:sp>
+        <p:nvSpPr>
+          <p:cNvPr id="17" name="Rectangle 14">
+            <a:extLst>
+              <a:ext uri="{FF2B5EF4-FFF2-40B4-BE49-F238E27FC236}">
+                <a16:creationId xmlns:a16="http://schemas.microsoft.com/office/drawing/2014/main" id="{5FD13D6E-C67F-3A56-EFD2-DD7B92E6255E}"/>
+              </a:ext>
+            </a:extLst>
+          </p:cNvPr>
+          <p:cNvSpPr>
+            <a:spLocks noChangeArrowheads="1"/>
+          </p:cNvSpPr>
+          <p:nvPr/>
+        </p:nvSpPr>
+        <p:spPr bwMode="auto">
+          <a:xfrm>
+            <a:off x="1334530" y="5250244"/>
+            <a:ext cx="582831732" cy="1477328"/>
+          </a:xfrm>
+          <a:prstGeom prst="rect">
+            <a:avLst/>
+          </a:prstGeom>
+          <a:noFill/>
+          <a:ln>
+            <a:noFill/>
+          </a:ln>
+          <a:effectLst/>
+          <a:extLst>
+            <a:ext uri="{909E8E84-426E-40DD-AFC4-6F175D3DCCD1}">
+              <a14:hiddenFill xmlns:a14="http://schemas.microsoft.com/office/drawing/2010/main">
+                <a:solidFill>
+                  <a:schemeClr val="accent1"/>
+                </a:solidFill>
+              </a14:hiddenFill>
+            </a:ext>
+            <a:ext uri="{91240B29-F687-4F45-9708-019B960494DF}">
+              <a14:hiddenLine xmlns:a14="http://schemas.microsoft.com/office/drawing/2010/main" w="9525">
+                <a:solidFill>
+                  <a:schemeClr val="tx1"/>
+                </a:solidFill>
+                <a:miter lim="800000"/>
+                <a:headEnd/>
+                <a:tailEnd/>
+              </a14:hiddenLine>
+            </a:ext>
+            <a:ext uri="{AF507438-7753-43E0-B8FC-AC1667EBCBE1}">
+              <a14:hiddenEffects xmlns:a14="http://schemas.microsoft.com/office/drawing/2010/main">
+                <a:effectLst>
+                  <a:outerShdw dist="35921" dir="2700000" algn="ctr" rotWithShape="0">
+                    <a:schemeClr val="bg2"/>
+                  </a:outerShdw>
+                </a:effectLst>
+              </a14:hiddenEffects>
+            </a:ext>
+          </a:extLst>
+        </p:spPr>
+        <p:txBody>
+          <a:bodyPr vert="horz" wrap="square" lIns="91440" tIns="45720" rIns="91440" bIns="45720" numCol="1" anchor="ctr" anchorCtr="0" compatLnSpc="1">
+            <a:prstTxWarp prst="textNoShape">
+              <a:avLst/>
+            </a:prstTxWarp>
+            <a:spAutoFit/>
+          </a:bodyPr>
+          <a:lstStyle/>
+          <a:p>
+            <a:pPr marL="0" marR="0" lvl="0" indent="0" algn="l" defTabSz="914400" rtl="0" eaLnBrk="0" fontAlgn="base" latinLnBrk="0" hangingPunct="0">
+              <a:lnSpc>
+                <a:spcPct val="100000"/>
+              </a:lnSpc>
+              <a:spcBef>
+                <a:spcPct val="0"/>
+              </a:spcBef>
+              <a:spcAft>
+                <a:spcPct val="0"/>
+              </a:spcAft>
+              <a:buClrTx/>
+              <a:buSzTx/>
+              <a:buFontTx/>
+              <a:buNone/>
+              <a:tabLst/>
+            </a:pPr>
+            <a:endParaRPr kumimoji="0" lang="LID4096" altLang="LID4096" sz="1800" b="0" i="0" u="none" strike="noStrike" cap="none" normalizeH="0" baseline="0">
+              <a:ln>
+                <a:noFill/>
+              </a:ln>
+              <a:solidFill>
+                <a:schemeClr val="tx1"/>
+              </a:solidFill>
+              <a:effectLst/>
+              <a:latin typeface="Arial" panose="020B0604020202020204" pitchFamily="34" charset="0"/>
+            </a:endParaRPr>
+          </a:p>
+          <a:p>
+            <a:pPr marL="0" marR="0" lvl="0" indent="0" algn="l" defTabSz="914400" rtl="0" eaLnBrk="0" fontAlgn="base" latinLnBrk="0" hangingPunct="0">
+              <a:lnSpc>
+                <a:spcPct val="100000"/>
+              </a:lnSpc>
+              <a:spcBef>
+                <a:spcPct val="0"/>
+              </a:spcBef>
+              <a:spcAft>
+                <a:spcPct val="0"/>
+              </a:spcAft>
+              <a:buClrTx/>
+              <a:buSzTx/>
+              <a:buFontTx/>
+              <a:buChar char="•"/>
+              <a:tabLst/>
+            </a:pPr>
+            <a:r>
+              <a:rPr kumimoji="0" lang="LID4096" altLang="LID4096" sz="1800" b="0" i="0" u="none" strike="noStrike" cap="none" normalizeH="0" baseline="0">
+                <a:ln>
+                  <a:noFill/>
+                </a:ln>
+                <a:solidFill>
+                  <a:schemeClr val="tx1"/>
+                </a:solidFill>
+                <a:effectLst/>
+                <a:latin typeface="Arial" panose="020B0604020202020204" pitchFamily="34" charset="0"/>
+              </a:rPr>
+              <a:t>Measures diffusion of water in order to model tissue microstructure </a:t>
+            </a:r>
+          </a:p>
+          <a:p>
+            <a:pPr marL="0" marR="0" lvl="0" indent="0" algn="l" defTabSz="914400" rtl="0" eaLnBrk="0" fontAlgn="base" latinLnBrk="0" hangingPunct="0">
+              <a:lnSpc>
+                <a:spcPct val="100000"/>
+              </a:lnSpc>
+              <a:spcBef>
+                <a:spcPct val="0"/>
+              </a:spcBef>
+              <a:spcAft>
+                <a:spcPct val="0"/>
+              </a:spcAft>
+              <a:buClrTx/>
+              <a:buSzTx/>
+              <a:buFontTx/>
+              <a:buChar char="•"/>
+              <a:tabLst/>
+            </a:pPr>
+            <a:r>
+              <a:rPr kumimoji="0" lang="LID4096" altLang="LID4096" sz="1800" b="0" i="0" u="none" strike="noStrike" cap="none" normalizeH="0" baseline="0">
+                <a:ln>
+                  <a:noFill/>
+                </a:ln>
+                <a:solidFill>
+                  <a:schemeClr val="tx1"/>
+                </a:solidFill>
+                <a:effectLst/>
+                <a:latin typeface="Arial" panose="020B0604020202020204" pitchFamily="34" charset="0"/>
+              </a:rPr>
+              <a:t>Four dimensional images (x, y, z + direction of diffusion) </a:t>
+            </a:r>
+          </a:p>
+          <a:p>
+            <a:pPr marL="0" marR="0" lvl="0" indent="0" algn="l" defTabSz="914400" rtl="0" eaLnBrk="0" fontAlgn="base" latinLnBrk="0" hangingPunct="0">
+              <a:lnSpc>
+                <a:spcPct val="100000"/>
+              </a:lnSpc>
+              <a:spcBef>
+                <a:spcPct val="0"/>
+              </a:spcBef>
+              <a:spcAft>
+                <a:spcPct val="0"/>
+              </a:spcAft>
+              <a:buClrTx/>
+              <a:buSzTx/>
+              <a:buFontTx/>
+              <a:buChar char="•"/>
+              <a:tabLst/>
+            </a:pPr>
+            <a:r>
+              <a:rPr kumimoji="0" lang="LID4096" altLang="LID4096" sz="1800" b="0" i="0" u="none" strike="noStrike" cap="none" normalizeH="0" baseline="0">
+                <a:ln>
+                  <a:noFill/>
+                </a:ln>
+                <a:solidFill>
+                  <a:schemeClr val="tx1"/>
+                </a:solidFill>
+                <a:effectLst/>
+                <a:latin typeface="Arial" panose="020B0604020202020204" pitchFamily="34" charset="0"/>
+              </a:rPr>
+              <a:t>Has parameters about the strength of the diffusion “gradient” and its direction in </a:t>
+            </a:r>
+            <a:r>
+              <a:rPr kumimoji="0" lang="LID4096" altLang="LID4096" sz="1000" b="0" i="0" u="none" strike="noStrike" cap="none" normalizeH="0" baseline="0">
+                <a:ln>
+                  <a:noFill/>
+                </a:ln>
+                <a:solidFill>
+                  <a:schemeClr val="tx1"/>
+                </a:solidFill>
+                <a:effectLst/>
+                <a:latin typeface="Arial Unicode MS"/>
+              </a:rPr>
+              <a:t>.bval</a:t>
+            </a:r>
+            <a:r>
+              <a:rPr kumimoji="0" lang="LID4096" altLang="LID4096" sz="800" b="0" i="0" u="none" strike="noStrike" cap="none" normalizeH="0" baseline="0">
+                <a:ln>
+                  <a:noFill/>
+                </a:ln>
+                <a:solidFill>
+                  <a:schemeClr val="tx1"/>
+                </a:solidFill>
+                <a:effectLst/>
+              </a:rPr>
+              <a:t> and </a:t>
+            </a:r>
+            <a:r>
+              <a:rPr kumimoji="0" lang="LID4096" altLang="LID4096" sz="1000" b="0" i="0" u="none" strike="noStrike" cap="none" normalizeH="0" baseline="0">
+                <a:ln>
+                  <a:noFill/>
+                </a:ln>
+                <a:solidFill>
+                  <a:schemeClr val="tx1"/>
+                </a:solidFill>
+                <a:effectLst/>
+                <a:latin typeface="Arial Unicode MS"/>
+              </a:rPr>
+              <a:t>.bvec</a:t>
+            </a:r>
+            <a:r>
+              <a:rPr kumimoji="0" lang="LID4096" altLang="LID4096" sz="800" b="0" i="0" u="none" strike="noStrike" cap="none" normalizeH="0" baseline="0">
+                <a:ln>
+                  <a:noFill/>
+                </a:ln>
+                <a:solidFill>
+                  <a:schemeClr val="tx1"/>
+                </a:solidFill>
+                <a:effectLst/>
+              </a:rPr>
+              <a:t> files</a:t>
+            </a:r>
+            <a:r>
+              <a:rPr kumimoji="0" lang="LID4096" altLang="LID4096" sz="1800" b="0" i="0" u="none" strike="noStrike" cap="none" normalizeH="0" baseline="0">
+                <a:ln>
+                  <a:noFill/>
+                </a:ln>
+                <a:solidFill>
+                  <a:schemeClr val="tx1"/>
+                </a:solidFill>
+                <a:effectLst/>
+                <a:latin typeface="Arial" panose="020B0604020202020204" pitchFamily="34" charset="0"/>
+              </a:rPr>
+              <a:t> </a:t>
+            </a:r>
+          </a:p>
+          <a:p>
+            <a:pPr marL="0" marR="0" lvl="0" indent="0" algn="l" defTabSz="914400" rtl="0" eaLnBrk="0" fontAlgn="base" latinLnBrk="0" hangingPunct="0">
+              <a:lnSpc>
+                <a:spcPct val="100000"/>
+              </a:lnSpc>
+              <a:spcBef>
+                <a:spcPct val="0"/>
+              </a:spcBef>
+              <a:spcAft>
+                <a:spcPct val="0"/>
+              </a:spcAft>
+              <a:buClrTx/>
+              <a:buSzTx/>
+              <a:buFontTx/>
+              <a:buNone/>
+              <a:tabLst/>
+            </a:pPr>
+            <a:endParaRPr kumimoji="0" lang="LID4096" altLang="LID4096" sz="1800" b="0" i="0" u="none" strike="noStrike" cap="none" normalizeH="0" baseline="0">
+              <a:ln>
+                <a:noFill/>
+              </a:ln>
+              <a:solidFill>
+                <a:schemeClr val="tx1"/>
+              </a:solidFill>
+              <a:effectLst/>
+              <a:latin typeface="Arial" panose="020B0604020202020204" pitchFamily="34" charset="0"/>
+            </a:endParaRPr>
+          </a:p>
+        </p:txBody>
+      </p:sp>
+    </p:spTree>
+    <p:extLst>
+      <p:ext uri="{BB962C8B-B14F-4D97-AF65-F5344CB8AC3E}">
+        <p14:creationId xmlns:p14="http://schemas.microsoft.com/office/powerpoint/2010/main" val="4193196166"/>
+      </p:ext>
+    </p:extLst>
+  </p:cSld>
+  <p:clrMapOvr>
+    <a:masterClrMapping/>
+  </p:clrMapOvr>
+</p:sld>
+</file>
+
+<file path=ppt/slides/slide17.xml><?xml version="1.0" encoding="utf-8"?>
+<p:sld xmlns:a="http://schemas.openxmlformats.org/drawingml/2006/main" xmlns:r="http://schemas.openxmlformats.org/officeDocument/2006/relationships" xmlns:p="http://schemas.openxmlformats.org/presentationml/2006/main">
+  <p:cSld>
+    <p:spTree>
+      <p:nvGrpSpPr>
+        <p:cNvPr id="1" name=""/>
+        <p:cNvGrpSpPr/>
+        <p:nvPr/>
+      </p:nvGrpSpPr>
+      <p:grpSpPr>
+        <a:xfrm>
+          <a:off x="0" y="0"/>
+          <a:ext cx="0" cy="0"/>
+          <a:chOff x="0" y="0"/>
+          <a:chExt cx="0" cy="0"/>
+        </a:xfrm>
+      </p:grpSpPr>
+      <p:sp>
+        <p:nvSpPr>
+          <p:cNvPr id="11" name="Title 1">
+            <a:extLst>
+              <a:ext uri="{FF2B5EF4-FFF2-40B4-BE49-F238E27FC236}">
+                <a16:creationId xmlns:a16="http://schemas.microsoft.com/office/drawing/2014/main" id="{B2A99C44-0FF0-7D73-9F27-6EEA0C5C5DDC}"/>
+              </a:ext>
+            </a:extLst>
+          </p:cNvPr>
+          <p:cNvSpPr>
+            <a:spLocks noGrp="1"/>
+          </p:cNvSpPr>
+          <p:nvPr>
+            <p:ph type="title"/>
+          </p:nvPr>
+        </p:nvSpPr>
+        <p:spPr>
+          <a:xfrm>
+            <a:off x="2503926" y="0"/>
+            <a:ext cx="10972440" cy="1144800"/>
+          </a:xfrm>
+        </p:spPr>
+        <p:txBody>
+          <a:bodyPr/>
+          <a:lstStyle/>
+          <a:p>
+            <a:r>
+              <a:rPr lang="en-US" dirty="0"/>
+              <a:t>MRI: more and more</a:t>
             </a:r>
             <a:endParaRPr lang="LID4096" dirty="0"/>
           </a:p>
@@ -16890,33 +19089,29 @@
               </a:spcAft>
               <a:buClrTx/>
               <a:buSzTx/>
+              <a:buFontTx/>
+              <a:buChar char="•"/>
               <a:tabLst/>
             </a:pPr>
             <a:r>
-              <a:rPr lang="en-US" altLang="LID4096" dirty="0">
+              <a:rPr kumimoji="0" lang="en-US" altLang="LID4096" sz="1800" b="0" i="0" u="none" strike="noStrike" cap="none" normalizeH="0" baseline="0" dirty="0">
+                <a:ln>
+                  <a:noFill/>
+                </a:ln>
+                <a:solidFill>
+                  <a:schemeClr val="tx1"/>
+                </a:solidFill>
+                <a:effectLst/>
                 <a:latin typeface="Arial" panose="020B0604020202020204" pitchFamily="34" charset="0"/>
               </a:rPr>
-              <a:t>Online materials at </a:t>
-            </a:r>
-            <a:r>
-              <a:rPr lang="en-US" altLang="LID4096" dirty="0">
-                <a:solidFill>
-                  <a:schemeClr val="accent1">
-                    <a:lumMod val="75000"/>
-                  </a:schemeClr>
-                </a:solidFill>
-                <a:latin typeface="Arial" panose="020B0604020202020204" pitchFamily="34" charset="0"/>
-              </a:rPr>
-              <a:t>https://esciencecenter-digital-skills.github.io/medical-image-processing/mri.html</a:t>
+              <a:t>MRA, TOF, Perfusion sequences, new sequences…and spectroscopy</a:t>
             </a:r>
             <a:endParaRPr kumimoji="0" lang="LID4096" altLang="LID4096" sz="1800" b="0" i="0" u="none" strike="noStrike" cap="none" normalizeH="0" baseline="0" dirty="0">
               <a:ln>
                 <a:noFill/>
               </a:ln>
               <a:solidFill>
-                <a:schemeClr val="accent1">
-                  <a:lumMod val="75000"/>
-                </a:schemeClr>
+                <a:schemeClr val="tx1"/>
               </a:solidFill>
               <a:effectLst/>
               <a:latin typeface="Arial" panose="020B0604020202020204" pitchFamily="34" charset="0"/>
@@ -16954,10 +19149,10 @@
       </p:sp>
       <p:pic>
         <p:nvPicPr>
-          <p:cNvPr id="4" name="Picture 3">
+          <p:cNvPr id="3" name="Graphic 2" descr="Infinity with solid fill">
             <a:extLst>
               <a:ext uri="{FF2B5EF4-FFF2-40B4-BE49-F238E27FC236}">
-                <a16:creationId xmlns:a16="http://schemas.microsoft.com/office/drawing/2014/main" id="{102A5496-CECF-F590-1A9D-043C7F55D8A3}"/>
+                <a16:creationId xmlns:a16="http://schemas.microsoft.com/office/drawing/2014/main" id="{99F1FBFF-00FA-017E-C340-562B0EF96BCC}"/>
               </a:ext>
             </a:extLst>
           </p:cNvPr>
@@ -16967,15 +19162,21 @@
           <p:nvPr/>
         </p:nvPicPr>
         <p:blipFill>
-          <a:blip r:embed="rId2"/>
+          <a:blip r:embed="rId2">
+            <a:extLst>
+              <a:ext uri="{96DAC541-7B7A-43D3-8B79-37D633B846F1}">
+                <asvg:svgBlip xmlns:asvg="http://schemas.microsoft.com/office/drawing/2016/SVG/main" r:embed="rId3"/>
+              </a:ext>
+            </a:extLst>
+          </a:blip>
           <a:stretch>
             <a:fillRect/>
           </a:stretch>
         </p:blipFill>
         <p:spPr>
           <a:xfrm>
-            <a:off x="2682889" y="1381125"/>
-            <a:ext cx="6659298" cy="3752850"/>
+            <a:off x="2503926" y="284551"/>
+            <a:ext cx="6166022" cy="6166022"/>
           </a:xfrm>
           <a:prstGeom prst="rect">
             <a:avLst/>
@@ -16985,7 +19186,7 @@
     </p:spTree>
     <p:extLst>
       <p:ext uri="{BB962C8B-B14F-4D97-AF65-F5344CB8AC3E}">
-        <p14:creationId xmlns:p14="http://schemas.microsoft.com/office/powerpoint/2010/main" val="695071872"/>
+        <p14:creationId xmlns:p14="http://schemas.microsoft.com/office/powerpoint/2010/main" val="2883795682"/>
       </p:ext>
     </p:extLst>
   </p:cSld>
@@ -16995,7 +19196,398 @@
 </p:sld>
 </file>
 
-<file path=ppt/slides/slide12.xml><?xml version="1.0" encoding="utf-8"?>
+<file path=ppt/slides/slide18.xml><?xml version="1.0" encoding="utf-8"?>
+<p:sld xmlns:a="http://schemas.openxmlformats.org/drawingml/2006/main" xmlns:r="http://schemas.openxmlformats.org/officeDocument/2006/relationships" xmlns:p="http://schemas.openxmlformats.org/presentationml/2006/main">
+  <p:cSld>
+    <p:spTree>
+      <p:nvGrpSpPr>
+        <p:cNvPr id="1" name=""/>
+        <p:cNvGrpSpPr/>
+        <p:nvPr/>
+      </p:nvGrpSpPr>
+      <p:grpSpPr>
+        <a:xfrm>
+          <a:off x="0" y="0"/>
+          <a:ext cx="0" cy="0"/>
+          <a:chOff x="0" y="0"/>
+          <a:chExt cx="0" cy="0"/>
+        </a:xfrm>
+      </p:grpSpPr>
+      <p:sp>
+        <p:nvSpPr>
+          <p:cNvPr id="11" name="Title 1">
+            <a:extLst>
+              <a:ext uri="{FF2B5EF4-FFF2-40B4-BE49-F238E27FC236}">
+                <a16:creationId xmlns:a16="http://schemas.microsoft.com/office/drawing/2014/main" id="{B2A99C44-0FF0-7D73-9F27-6EEA0C5C5DDC}"/>
+              </a:ext>
+            </a:extLst>
+          </p:cNvPr>
+          <p:cNvSpPr>
+            <a:spLocks noGrp="1"/>
+          </p:cNvSpPr>
+          <p:nvPr>
+            <p:ph type="title"/>
+          </p:nvPr>
+        </p:nvSpPr>
+        <p:spPr>
+          <a:xfrm>
+            <a:off x="2503926" y="0"/>
+            <a:ext cx="10972440" cy="1144800"/>
+          </a:xfrm>
+        </p:spPr>
+        <p:txBody>
+          <a:bodyPr/>
+          <a:lstStyle/>
+          <a:p>
+            <a:r>
+              <a:rPr lang="en-US" dirty="0"/>
+              <a:t>MRI: take home points</a:t>
+            </a:r>
+            <a:endParaRPr lang="LID4096" dirty="0"/>
+          </a:p>
+        </p:txBody>
+      </p:sp>
+      <p:sp>
+        <p:nvSpPr>
+          <p:cNvPr id="4" name="TextBox 3">
+            <a:extLst>
+              <a:ext uri="{FF2B5EF4-FFF2-40B4-BE49-F238E27FC236}">
+                <a16:creationId xmlns:a16="http://schemas.microsoft.com/office/drawing/2014/main" id="{928B50C5-1A44-997A-91E2-09EBA077B4F7}"/>
+              </a:ext>
+            </a:extLst>
+          </p:cNvPr>
+          <p:cNvSpPr txBox="1"/>
+          <p:nvPr/>
+        </p:nvSpPr>
+        <p:spPr>
+          <a:xfrm>
+            <a:off x="146042449" y="1861399"/>
+            <a:ext cx="292084896" cy="3139321"/>
+          </a:xfrm>
+          <a:prstGeom prst="rect">
+            <a:avLst/>
+          </a:prstGeom>
+          <a:noFill/>
+        </p:spPr>
+        <p:txBody>
+          <a:bodyPr wrap="square">
+            <a:spAutoFit/>
+          </a:bodyPr>
+          <a:lstStyle/>
+          <a:p>
+            <a:r>
+              <a:rPr lang="en-US" b="1" dirty="0"/>
+              <a:t>Key Points</a:t>
+            </a:r>
+          </a:p>
+          <a:p>
+            <a:pPr>
+              <a:buFont typeface="Arial" panose="020B0604020202020204" pitchFamily="34" charset="0"/>
+              <a:buChar char="•"/>
+            </a:pPr>
+            <a:r>
+              <a:rPr lang="en-US" dirty="0"/>
+              <a:t>Imaging MRIs commonly used for research can be anatomical, functional or diffusion</a:t>
+            </a:r>
+          </a:p>
+          <a:p>
+            <a:pPr>
+              <a:buFont typeface="Arial" panose="020B0604020202020204" pitchFamily="34" charset="0"/>
+              <a:buChar char="•"/>
+            </a:pPr>
+            <a:r>
+              <a:rPr lang="en-US" dirty="0"/>
+              <a:t>MRIs can be converted from DICOMs to </a:t>
+            </a:r>
+            <a:r>
+              <a:rPr lang="en-US" dirty="0" err="1"/>
+              <a:t>NIfTIs</a:t>
+            </a:r>
+            <a:endParaRPr lang="en-US" dirty="0"/>
+          </a:p>
+          <a:p>
+            <a:pPr>
+              <a:buFont typeface="Arial" panose="020B0604020202020204" pitchFamily="34" charset="0"/>
+              <a:buChar char="•"/>
+            </a:pPr>
+            <a:r>
+              <a:rPr lang="en-US" dirty="0"/>
+              <a:t>BIDS is a standard about organizing neuroimaging data</a:t>
+            </a:r>
+          </a:p>
+          <a:p>
+            <a:pPr>
+              <a:buFont typeface="Arial" panose="020B0604020202020204" pitchFamily="34" charset="0"/>
+              <a:buChar char="•"/>
+            </a:pPr>
+            <a:r>
+              <a:rPr lang="en-US" dirty="0" err="1"/>
+              <a:t>NIfTI</a:t>
+            </a:r>
+            <a:r>
+              <a:rPr lang="en-US" dirty="0"/>
+              <a:t> images contain a header, which describes the contents, and the data</a:t>
+            </a:r>
+          </a:p>
+          <a:p>
+            <a:pPr>
+              <a:buFont typeface="Arial" panose="020B0604020202020204" pitchFamily="34" charset="0"/>
+              <a:buChar char="•"/>
+            </a:pPr>
+            <a:r>
+              <a:rPr lang="en-US" dirty="0"/>
+              <a:t>The position of the </a:t>
+            </a:r>
+            <a:r>
+              <a:rPr lang="en-US" dirty="0" err="1"/>
+              <a:t>NIfTI</a:t>
+            </a:r>
+            <a:r>
+              <a:rPr lang="en-US" dirty="0"/>
+              <a:t> data in space is determined by the affine matrix</a:t>
+            </a:r>
+          </a:p>
+          <a:p>
+            <a:pPr>
+              <a:buFont typeface="Arial" panose="020B0604020202020204" pitchFamily="34" charset="0"/>
+              <a:buChar char="•"/>
+            </a:pPr>
+            <a:r>
+              <a:rPr lang="en-US" dirty="0" err="1"/>
+              <a:t>NIfTI</a:t>
+            </a:r>
+            <a:r>
+              <a:rPr lang="en-US" dirty="0"/>
+              <a:t> data is a multi-dimensional array of values</a:t>
+            </a:r>
+          </a:p>
+          <a:p>
+            <a:pPr>
+              <a:buFont typeface="Arial" panose="020B0604020202020204" pitchFamily="34" charset="0"/>
+              <a:buChar char="•"/>
+            </a:pPr>
+            <a:r>
+              <a:rPr lang="en-US" dirty="0"/>
+              <a:t>Functional MRIs and Diffusion MRIs require heavy (pre)processing</a:t>
+            </a:r>
+          </a:p>
+          <a:p>
+            <a:pPr>
+              <a:buFont typeface="Arial" panose="020B0604020202020204" pitchFamily="34" charset="0"/>
+              <a:buChar char="•"/>
+            </a:pPr>
+            <a:r>
+              <a:rPr lang="en-US" dirty="0"/>
+              <a:t>Functional MRIs have time dimension</a:t>
+            </a:r>
+          </a:p>
+          <a:p>
+            <a:pPr>
+              <a:buFont typeface="Arial" panose="020B0604020202020204" pitchFamily="34" charset="0"/>
+              <a:buChar char="•"/>
+            </a:pPr>
+            <a:r>
+              <a:rPr lang="en-US" dirty="0"/>
+              <a:t>Diffusion MRI has b-values and b-vectors</a:t>
+            </a:r>
+          </a:p>
+          <a:p>
+            <a:pPr>
+              <a:buFont typeface="Arial" panose="020B0604020202020204" pitchFamily="34" charset="0"/>
+              <a:buChar char="•"/>
+            </a:pPr>
+            <a:r>
+              <a:rPr lang="en-US" dirty="0"/>
+              <a:t>There are many various tractography methods, each with imperfections</a:t>
+            </a:r>
+          </a:p>
+        </p:txBody>
+      </p:sp>
+      <p:sp>
+        <p:nvSpPr>
+          <p:cNvPr id="5" name="TextBox 4">
+            <a:extLst>
+              <a:ext uri="{FF2B5EF4-FFF2-40B4-BE49-F238E27FC236}">
+                <a16:creationId xmlns:a16="http://schemas.microsoft.com/office/drawing/2014/main" id="{9CD0711F-2E5C-74A3-53FB-5C61A80E5D85}"/>
+              </a:ext>
+            </a:extLst>
+          </p:cNvPr>
+          <p:cNvSpPr txBox="1"/>
+          <p:nvPr/>
+        </p:nvSpPr>
+        <p:spPr>
+          <a:xfrm>
+            <a:off x="708454" y="1202724"/>
+            <a:ext cx="11079891" cy="4862870"/>
+          </a:xfrm>
+          <a:prstGeom prst="rect">
+            <a:avLst/>
+          </a:prstGeom>
+          <a:noFill/>
+        </p:spPr>
+        <p:txBody>
+          <a:bodyPr wrap="square" rtlCol="0">
+            <a:spAutoFit/>
+          </a:bodyPr>
+          <a:lstStyle/>
+          <a:p>
+            <a:endParaRPr lang="en-US" sz="2400" b="1" dirty="0"/>
+          </a:p>
+          <a:p>
+            <a:pPr>
+              <a:buFont typeface="Arial" panose="020B0604020202020204" pitchFamily="34" charset="0"/>
+              <a:buChar char="•"/>
+            </a:pPr>
+            <a:r>
+              <a:rPr lang="en-US" sz="2200" dirty="0"/>
+              <a:t>Imaging MRIs commonly used for research can be anatomical, functional or diffusion</a:t>
+            </a:r>
+          </a:p>
+          <a:p>
+            <a:pPr>
+              <a:buFont typeface="Arial" panose="020B0604020202020204" pitchFamily="34" charset="0"/>
+              <a:buChar char="•"/>
+            </a:pPr>
+            <a:r>
+              <a:rPr lang="en-US" sz="2400" dirty="0"/>
+              <a:t>MRIs can be converted from DICOMs to </a:t>
+            </a:r>
+            <a:r>
+              <a:rPr lang="en-US" sz="2400" dirty="0" err="1"/>
+              <a:t>NIfTIs</a:t>
+            </a:r>
+            <a:endParaRPr lang="en-US" sz="2400" dirty="0"/>
+          </a:p>
+          <a:p>
+            <a:pPr>
+              <a:buFont typeface="Arial" panose="020B0604020202020204" pitchFamily="34" charset="0"/>
+              <a:buChar char="•"/>
+            </a:pPr>
+            <a:r>
+              <a:rPr lang="en-US" sz="2400" dirty="0"/>
+              <a:t>BIDS is a standard about organizing neuroimaging data</a:t>
+            </a:r>
+          </a:p>
+          <a:p>
+            <a:pPr>
+              <a:buFont typeface="Arial" panose="020B0604020202020204" pitchFamily="34" charset="0"/>
+              <a:buChar char="•"/>
+            </a:pPr>
+            <a:r>
+              <a:rPr lang="en-US" sz="2400" dirty="0" err="1"/>
+              <a:t>NIfTI</a:t>
+            </a:r>
+            <a:r>
+              <a:rPr lang="en-US" sz="2400" dirty="0"/>
+              <a:t> images contain a header, which describes the contents, and the data</a:t>
+            </a:r>
+          </a:p>
+          <a:p>
+            <a:pPr>
+              <a:buFont typeface="Arial" panose="020B0604020202020204" pitchFamily="34" charset="0"/>
+              <a:buChar char="•"/>
+            </a:pPr>
+            <a:r>
+              <a:rPr lang="en-US" sz="2400" dirty="0"/>
+              <a:t>The position of the </a:t>
+            </a:r>
+            <a:r>
+              <a:rPr lang="en-US" sz="2400" dirty="0" err="1"/>
+              <a:t>NIfTI</a:t>
+            </a:r>
+            <a:r>
+              <a:rPr lang="en-US" sz="2400" dirty="0"/>
+              <a:t> data in space is determined by the affine matrix</a:t>
+            </a:r>
+          </a:p>
+          <a:p>
+            <a:pPr>
+              <a:buFont typeface="Arial" panose="020B0604020202020204" pitchFamily="34" charset="0"/>
+              <a:buChar char="•"/>
+            </a:pPr>
+            <a:r>
+              <a:rPr lang="en-US" sz="2400" dirty="0" err="1"/>
+              <a:t>NIfTI</a:t>
+            </a:r>
+            <a:r>
+              <a:rPr lang="en-US" sz="2400" dirty="0"/>
+              <a:t> data is a multi-dimensional array of values</a:t>
+            </a:r>
+          </a:p>
+          <a:p>
+            <a:pPr>
+              <a:buFont typeface="Arial" panose="020B0604020202020204" pitchFamily="34" charset="0"/>
+              <a:buChar char="•"/>
+            </a:pPr>
+            <a:r>
+              <a:rPr lang="en-US" sz="2400" dirty="0"/>
+              <a:t>Functional MRIs and Diffusion MRIs require heavy (pre)processing</a:t>
+            </a:r>
+          </a:p>
+          <a:p>
+            <a:pPr>
+              <a:buFont typeface="Arial" panose="020B0604020202020204" pitchFamily="34" charset="0"/>
+              <a:buChar char="•"/>
+            </a:pPr>
+            <a:r>
+              <a:rPr lang="en-US" sz="2400" dirty="0"/>
+              <a:t>Functional MRIs have time dimension</a:t>
+            </a:r>
+          </a:p>
+          <a:p>
+            <a:pPr>
+              <a:buFont typeface="Arial" panose="020B0604020202020204" pitchFamily="34" charset="0"/>
+              <a:buChar char="•"/>
+            </a:pPr>
+            <a:r>
+              <a:rPr lang="en-US" sz="2400" dirty="0"/>
+              <a:t>Diffusion MRI has b-values and b-vectors</a:t>
+            </a:r>
+          </a:p>
+          <a:p>
+            <a:pPr>
+              <a:buFont typeface="Arial" panose="020B0604020202020204" pitchFamily="34" charset="0"/>
+              <a:buChar char="•"/>
+            </a:pPr>
+            <a:r>
+              <a:rPr lang="en-US" sz="2400" dirty="0"/>
+              <a:t>There are many various tractography methods, each with imperfections</a:t>
+            </a:r>
+          </a:p>
+          <a:p>
+            <a:pPr>
+              <a:buFont typeface="Arial" panose="020B0604020202020204" pitchFamily="34" charset="0"/>
+              <a:buChar char="•"/>
+            </a:pPr>
+            <a:r>
+              <a:rPr lang="en-US" sz="2400" dirty="0"/>
+              <a:t>Materials will update, find the </a:t>
+            </a:r>
+            <a:r>
+              <a:rPr lang="en-US" sz="2400"/>
+              <a:t>popular stuff</a:t>
+            </a:r>
+            <a:endParaRPr lang="en-US" sz="2400" dirty="0"/>
+          </a:p>
+          <a:p>
+            <a:endParaRPr lang="LID4096" sz="2400" dirty="0"/>
+          </a:p>
+        </p:txBody>
+      </p:sp>
+    </p:spTree>
+    <p:extLst>
+      <p:ext uri="{BB962C8B-B14F-4D97-AF65-F5344CB8AC3E}">
+        <p14:creationId xmlns:p14="http://schemas.microsoft.com/office/powerpoint/2010/main" val="3399366849"/>
+      </p:ext>
+    </p:extLst>
+  </p:cSld>
+  <p:clrMapOvr>
+    <a:masterClrMapping/>
+  </p:clrMapOvr>
+</p:sld>
+</file>
+
+<file path=ppt/slides/slide19.xml><?xml version="1.0" encoding="utf-8"?>
 <p:sld xmlns:a="http://schemas.openxmlformats.org/drawingml/2006/main" xmlns:r="http://schemas.openxmlformats.org/officeDocument/2006/relationships" xmlns:p="http://schemas.openxmlformats.org/presentationml/2006/main">
   <p:cSld>
     <p:spTree>
@@ -18680,6 +21272,267 @@
           <a:chExt cx="0" cy="0"/>
         </a:xfrm>
       </p:grpSpPr>
+      <p:sp>
+        <p:nvSpPr>
+          <p:cNvPr id="11" name="Title 1">
+            <a:extLst>
+              <a:ext uri="{FF2B5EF4-FFF2-40B4-BE49-F238E27FC236}">
+                <a16:creationId xmlns:a16="http://schemas.microsoft.com/office/drawing/2014/main" id="{B2A99C44-0FF0-7D73-9F27-6EEA0C5C5DDC}"/>
+              </a:ext>
+            </a:extLst>
+          </p:cNvPr>
+          <p:cNvSpPr>
+            <a:spLocks noGrp="1"/>
+          </p:cNvSpPr>
+          <p:nvPr>
+            <p:ph type="title"/>
+          </p:nvPr>
+        </p:nvSpPr>
+        <p:spPr>
+          <a:xfrm>
+            <a:off x="2503926" y="0"/>
+            <a:ext cx="10972440" cy="1144800"/>
+          </a:xfrm>
+        </p:spPr>
+        <p:txBody>
+          <a:bodyPr/>
+          <a:lstStyle/>
+          <a:p>
+            <a:r>
+              <a:rPr lang="en-US" dirty="0"/>
+              <a:t>MRI: coding along</a:t>
+            </a:r>
+            <a:endParaRPr lang="LID4096" dirty="0"/>
+          </a:p>
+        </p:txBody>
+      </p:sp>
+      <p:sp>
+        <p:nvSpPr>
+          <p:cNvPr id="17" name="Rectangle 14">
+            <a:extLst>
+              <a:ext uri="{FF2B5EF4-FFF2-40B4-BE49-F238E27FC236}">
+                <a16:creationId xmlns:a16="http://schemas.microsoft.com/office/drawing/2014/main" id="{5FD13D6E-C67F-3A56-EFD2-DD7B92E6255E}"/>
+              </a:ext>
+            </a:extLst>
+          </p:cNvPr>
+          <p:cNvSpPr>
+            <a:spLocks noChangeArrowheads="1"/>
+          </p:cNvSpPr>
+          <p:nvPr/>
+        </p:nvSpPr>
+        <p:spPr bwMode="auto">
+          <a:xfrm>
+            <a:off x="1334530" y="5527243"/>
+            <a:ext cx="582831732" cy="923330"/>
+          </a:xfrm>
+          <a:prstGeom prst="rect">
+            <a:avLst/>
+          </a:prstGeom>
+          <a:noFill/>
+          <a:ln>
+            <a:noFill/>
+          </a:ln>
+          <a:effectLst/>
+          <a:extLst>
+            <a:ext uri="{909E8E84-426E-40DD-AFC4-6F175D3DCCD1}">
+              <a14:hiddenFill xmlns:a14="http://schemas.microsoft.com/office/drawing/2010/main">
+                <a:solidFill>
+                  <a:schemeClr val="accent1"/>
+                </a:solidFill>
+              </a14:hiddenFill>
+            </a:ext>
+            <a:ext uri="{91240B29-F687-4F45-9708-019B960494DF}">
+              <a14:hiddenLine xmlns:a14="http://schemas.microsoft.com/office/drawing/2010/main" w="9525">
+                <a:solidFill>
+                  <a:schemeClr val="tx1"/>
+                </a:solidFill>
+                <a:miter lim="800000"/>
+                <a:headEnd/>
+                <a:tailEnd/>
+              </a14:hiddenLine>
+            </a:ext>
+            <a:ext uri="{AF507438-7753-43E0-B8FC-AC1667EBCBE1}">
+              <a14:hiddenEffects xmlns:a14="http://schemas.microsoft.com/office/drawing/2010/main">
+                <a:effectLst>
+                  <a:outerShdw dist="35921" dir="2700000" algn="ctr" rotWithShape="0">
+                    <a:schemeClr val="bg2"/>
+                  </a:outerShdw>
+                </a:effectLst>
+              </a14:hiddenEffects>
+            </a:ext>
+          </a:extLst>
+        </p:spPr>
+        <p:txBody>
+          <a:bodyPr vert="horz" wrap="square" lIns="91440" tIns="45720" rIns="91440" bIns="45720" numCol="1" anchor="ctr" anchorCtr="0" compatLnSpc="1">
+            <a:prstTxWarp prst="textNoShape">
+              <a:avLst/>
+            </a:prstTxWarp>
+            <a:spAutoFit/>
+          </a:bodyPr>
+          <a:lstStyle/>
+          <a:p>
+            <a:pPr marL="0" marR="0" lvl="0" indent="0" algn="l" defTabSz="914400" rtl="0" eaLnBrk="0" fontAlgn="base" latinLnBrk="0" hangingPunct="0">
+              <a:lnSpc>
+                <a:spcPct val="100000"/>
+              </a:lnSpc>
+              <a:spcBef>
+                <a:spcPct val="0"/>
+              </a:spcBef>
+              <a:spcAft>
+                <a:spcPct val="0"/>
+              </a:spcAft>
+              <a:buClrTx/>
+              <a:buSzTx/>
+              <a:buFontTx/>
+              <a:buNone/>
+              <a:tabLst/>
+            </a:pPr>
+            <a:endParaRPr kumimoji="0" lang="LID4096" altLang="LID4096" sz="1800" b="0" i="0" u="none" strike="noStrike" cap="none" normalizeH="0" baseline="0" dirty="0">
+              <a:ln>
+                <a:noFill/>
+              </a:ln>
+              <a:solidFill>
+                <a:schemeClr val="tx1"/>
+              </a:solidFill>
+              <a:effectLst/>
+              <a:latin typeface="Arial" panose="020B0604020202020204" pitchFamily="34" charset="0"/>
+            </a:endParaRPr>
+          </a:p>
+          <a:p>
+            <a:pPr marL="0" marR="0" lvl="0" indent="0" algn="l" defTabSz="914400" rtl="0" eaLnBrk="0" fontAlgn="base" latinLnBrk="0" hangingPunct="0">
+              <a:lnSpc>
+                <a:spcPct val="100000"/>
+              </a:lnSpc>
+              <a:spcBef>
+                <a:spcPct val="0"/>
+              </a:spcBef>
+              <a:spcAft>
+                <a:spcPct val="0"/>
+              </a:spcAft>
+              <a:buClrTx/>
+              <a:buSzTx/>
+              <a:tabLst/>
+            </a:pPr>
+            <a:r>
+              <a:rPr lang="en-US" altLang="LID4096" dirty="0">
+                <a:latin typeface="Arial" panose="020B0604020202020204" pitchFamily="34" charset="0"/>
+              </a:rPr>
+              <a:t>Online materials at </a:t>
+            </a:r>
+            <a:r>
+              <a:rPr lang="en-US" altLang="LID4096" dirty="0">
+                <a:solidFill>
+                  <a:schemeClr val="accent1">
+                    <a:lumMod val="75000"/>
+                  </a:schemeClr>
+                </a:solidFill>
+                <a:latin typeface="Arial" panose="020B0604020202020204" pitchFamily="34" charset="0"/>
+              </a:rPr>
+              <a:t>https://esciencecenter-digital-skills.github.io/medical-image-processing/mri.html</a:t>
+            </a:r>
+            <a:endParaRPr kumimoji="0" lang="LID4096" altLang="LID4096" sz="1800" b="0" i="0" u="none" strike="noStrike" cap="none" normalizeH="0" baseline="0" dirty="0">
+              <a:ln>
+                <a:noFill/>
+              </a:ln>
+              <a:solidFill>
+                <a:schemeClr val="accent1">
+                  <a:lumMod val="75000"/>
+                </a:schemeClr>
+              </a:solidFill>
+              <a:effectLst/>
+              <a:latin typeface="Arial" panose="020B0604020202020204" pitchFamily="34" charset="0"/>
+            </a:endParaRPr>
+          </a:p>
+          <a:p>
+            <a:pPr marL="0" marR="0" lvl="0" indent="0" algn="l" defTabSz="914400" rtl="0" eaLnBrk="0" fontAlgn="base" latinLnBrk="0" hangingPunct="0">
+              <a:lnSpc>
+                <a:spcPct val="100000"/>
+              </a:lnSpc>
+              <a:spcBef>
+                <a:spcPct val="0"/>
+              </a:spcBef>
+              <a:spcAft>
+                <a:spcPct val="0"/>
+              </a:spcAft>
+              <a:buClrTx/>
+              <a:buSzTx/>
+              <a:buFontTx/>
+              <a:buNone/>
+              <a:tabLst/>
+            </a:pPr>
+            <a:endParaRPr kumimoji="0" lang="LID4096" altLang="LID4096" sz="1800" b="0" i="0" u="none" strike="noStrike" cap="none" normalizeH="0" baseline="0" dirty="0">
+              <a:ln>
+                <a:noFill/>
+              </a:ln>
+              <a:solidFill>
+                <a:schemeClr val="tx1"/>
+              </a:solidFill>
+              <a:effectLst/>
+              <a:latin typeface="Arial" panose="020B0604020202020204" pitchFamily="34" charset="0"/>
+            </a:endParaRPr>
+          </a:p>
+        </p:txBody>
+      </p:sp>
+      <p:pic>
+        <p:nvPicPr>
+          <p:cNvPr id="4" name="Picture 3">
+            <a:extLst>
+              <a:ext uri="{FF2B5EF4-FFF2-40B4-BE49-F238E27FC236}">
+                <a16:creationId xmlns:a16="http://schemas.microsoft.com/office/drawing/2014/main" id="{102A5496-CECF-F590-1A9D-043C7F55D8A3}"/>
+              </a:ext>
+            </a:extLst>
+          </p:cNvPr>
+          <p:cNvPicPr>
+            <a:picLocks noChangeAspect="1"/>
+          </p:cNvPicPr>
+          <p:nvPr/>
+        </p:nvPicPr>
+        <p:blipFill>
+          <a:blip r:embed="rId2"/>
+          <a:stretch>
+            <a:fillRect/>
+          </a:stretch>
+        </p:blipFill>
+        <p:spPr>
+          <a:xfrm>
+            <a:off x="2682889" y="1381125"/>
+            <a:ext cx="6659298" cy="3752850"/>
+          </a:xfrm>
+          <a:prstGeom prst="rect">
+            <a:avLst/>
+          </a:prstGeom>
+        </p:spPr>
+      </p:pic>
+    </p:spTree>
+    <p:extLst>
+      <p:ext uri="{BB962C8B-B14F-4D97-AF65-F5344CB8AC3E}">
+        <p14:creationId xmlns:p14="http://schemas.microsoft.com/office/powerpoint/2010/main" val="695071872"/>
+      </p:ext>
+    </p:extLst>
+  </p:cSld>
+  <p:clrMapOvr>
+    <a:masterClrMapping/>
+  </p:clrMapOvr>
+</p:sld>
+</file>
+
+<file path=ppt/slides/slide4.xml><?xml version="1.0" encoding="utf-8"?>
+<p:sld xmlns:a="http://schemas.openxmlformats.org/drawingml/2006/main" xmlns:r="http://schemas.openxmlformats.org/officeDocument/2006/relationships" xmlns:p="http://schemas.openxmlformats.org/presentationml/2006/main">
+  <p:cSld>
+    <p:spTree>
+      <p:nvGrpSpPr>
+        <p:cNvPr id="1" name=""/>
+        <p:cNvGrpSpPr/>
+        <p:nvPr/>
+      </p:nvGrpSpPr>
+      <p:grpSpPr>
+        <a:xfrm>
+          <a:off x="0" y="0"/>
+          <a:ext cx="0" cy="0"/>
+          <a:chOff x="0" y="0"/>
+          <a:chExt cx="0" cy="0"/>
+        </a:xfrm>
+      </p:grpSpPr>
       <p:pic>
         <p:nvPicPr>
           <p:cNvPr id="1028" name="Picture 4" descr="FLAIR brain">
@@ -18812,7 +21665,7 @@
 </p:sld>
 </file>
 
-<file path=ppt/slides/slide4.xml><?xml version="1.0" encoding="utf-8"?>
+<file path=ppt/slides/slide5.xml><?xml version="1.0" encoding="utf-8"?>
 <p:sld xmlns:a="http://schemas.openxmlformats.org/drawingml/2006/main" xmlns:r="http://schemas.openxmlformats.org/officeDocument/2006/relationships" xmlns:p="http://schemas.openxmlformats.org/presentationml/2006/main">
   <p:cSld>
     <p:spTree>
@@ -18831,6 +21684,1227 @@
       </p:grpSpPr>
       <p:sp>
         <p:nvSpPr>
+          <p:cNvPr id="8" name="TextBox 7">
+            <a:extLst>
+              <a:ext uri="{FF2B5EF4-FFF2-40B4-BE49-F238E27FC236}">
+                <a16:creationId xmlns:a16="http://schemas.microsoft.com/office/drawing/2014/main" id="{7711A88B-5173-7DF7-C3C6-E2C6E2D153F4}"/>
+              </a:ext>
+            </a:extLst>
+          </p:cNvPr>
+          <p:cNvSpPr txBox="1"/>
+          <p:nvPr/>
+        </p:nvSpPr>
+        <p:spPr>
+          <a:xfrm>
+            <a:off x="2169042" y="574158"/>
+            <a:ext cx="7494359" cy="646331"/>
+          </a:xfrm>
+          <a:prstGeom prst="rect">
+            <a:avLst/>
+          </a:prstGeom>
+          <a:noFill/>
+        </p:spPr>
+        <p:txBody>
+          <a:bodyPr wrap="none" rtlCol="0">
+            <a:spAutoFit/>
+          </a:bodyPr>
+          <a:lstStyle/>
+          <a:p>
+            <a:r>
+              <a:rPr lang="en-US" sz="3600" dirty="0"/>
+              <a:t>Basic sequences in anatomical MRI</a:t>
+            </a:r>
+            <a:endParaRPr lang="LID4096" sz="3600" dirty="0"/>
+          </a:p>
+        </p:txBody>
+      </p:sp>
+      <p:sp>
+        <p:nvSpPr>
+          <p:cNvPr id="2" name="TextBox 1">
+            <a:extLst>
+              <a:ext uri="{FF2B5EF4-FFF2-40B4-BE49-F238E27FC236}">
+                <a16:creationId xmlns:a16="http://schemas.microsoft.com/office/drawing/2014/main" id="{2737C14B-E6DB-6222-553D-4536618DF34F}"/>
+              </a:ext>
+            </a:extLst>
+          </p:cNvPr>
+          <p:cNvSpPr txBox="1"/>
+          <p:nvPr/>
+        </p:nvSpPr>
+        <p:spPr>
+          <a:xfrm>
+            <a:off x="505325" y="1427749"/>
+            <a:ext cx="9477249" cy="3108543"/>
+          </a:xfrm>
+          <a:prstGeom prst="rect">
+            <a:avLst/>
+          </a:prstGeom>
+          <a:noFill/>
+        </p:spPr>
+        <p:txBody>
+          <a:bodyPr wrap="square" rtlCol="0">
+            <a:spAutoFit/>
+          </a:bodyPr>
+          <a:lstStyle/>
+          <a:p>
+            <a:r>
+              <a:rPr lang="en-US" sz="1400" dirty="0"/>
+              <a:t>The abundant hydrogen atoms are aligned with B0 (or main magnetic field)</a:t>
+            </a:r>
+          </a:p>
+          <a:p>
+            <a:endParaRPr lang="en-US" sz="1400" dirty="0"/>
+          </a:p>
+          <a:p>
+            <a:r>
+              <a:rPr lang="en-US" sz="1400" dirty="0"/>
+              <a:t>Radiofrequency induce synchronization of the spins, and a change in their angle (flip angle)</a:t>
+            </a:r>
+          </a:p>
+          <a:p>
+            <a:endParaRPr lang="en-US" sz="1400" dirty="0"/>
+          </a:p>
+          <a:p>
+            <a:r>
+              <a:rPr lang="en-US" sz="1400" dirty="0"/>
+              <a:t>T1 signal = time until proton/spins are back into the aligned (with B0) angle</a:t>
+            </a:r>
+          </a:p>
+          <a:p>
+            <a:endParaRPr lang="en-US" sz="1400" dirty="0"/>
+          </a:p>
+          <a:p>
+            <a:r>
+              <a:rPr lang="en-US" sz="1400" dirty="0"/>
+              <a:t>FID/T2* signal = time until proton/spins are out of sync again</a:t>
+            </a:r>
+          </a:p>
+          <a:p>
+            <a:endParaRPr lang="en-US" sz="1400" dirty="0"/>
+          </a:p>
+          <a:p>
+            <a:r>
+              <a:rPr lang="en-US" sz="1400" dirty="0"/>
+              <a:t>We then ‘listen in’ or get the peak signal at the time of echo</a:t>
+            </a:r>
+          </a:p>
+          <a:p>
+            <a:endParaRPr lang="en-US" sz="1400" dirty="0"/>
+          </a:p>
+          <a:p>
+            <a:r>
+              <a:rPr lang="en-US" sz="1400" dirty="0"/>
+              <a:t>We repeat the process at time of repetition</a:t>
+            </a:r>
+          </a:p>
+          <a:p>
+            <a:r>
+              <a:rPr lang="en-US" sz="1400" dirty="0"/>
+              <a:t>Changing time of echo and time of repetition gives us a different signal</a:t>
+            </a:r>
+          </a:p>
+          <a:p>
+            <a:endParaRPr lang="en-US" sz="1400" dirty="0"/>
+          </a:p>
+          <a:p>
+            <a:endParaRPr lang="LID4096" sz="1400" dirty="0"/>
+          </a:p>
+        </p:txBody>
+      </p:sp>
+      <p:graphicFrame>
+        <p:nvGraphicFramePr>
+          <p:cNvPr id="3" name="Table 2">
+            <a:extLst>
+              <a:ext uri="{FF2B5EF4-FFF2-40B4-BE49-F238E27FC236}">
+                <a16:creationId xmlns:a16="http://schemas.microsoft.com/office/drawing/2014/main" id="{4C03298B-E653-81AB-4D74-E3F53FCC81D6}"/>
+              </a:ext>
+            </a:extLst>
+          </p:cNvPr>
+          <p:cNvGraphicFramePr>
+            <a:graphicFrameLocks noGrp="1"/>
+          </p:cNvGraphicFramePr>
+          <p:nvPr>
+            <p:extLst>
+              <p:ext uri="{D42A27DB-BD31-4B8C-83A1-F6EECF244321}">
+                <p14:modId xmlns:p14="http://schemas.microsoft.com/office/powerpoint/2010/main" val="214346176"/>
+              </p:ext>
+            </p:extLst>
+          </p:nvPr>
+        </p:nvGraphicFramePr>
+        <p:xfrm>
+          <a:off x="1090863" y="4355431"/>
+          <a:ext cx="8487920" cy="2338672"/>
+        </p:xfrm>
+        <a:graphic>
+          <a:graphicData uri="http://schemas.openxmlformats.org/drawingml/2006/table">
+            <a:tbl>
+              <a:tblPr firstRow="1" bandRow="1">
+                <a:tableStyleId>{7DF18680-E054-41AD-8BC1-D1AEF772440D}</a:tableStyleId>
+              </a:tblPr>
+              <a:tblGrid>
+                <a:gridCol w="2121980">
+                  <a:extLst>
+                    <a:ext uri="{9D8B030D-6E8A-4147-A177-3AD203B41FA5}">
+                      <a16:colId xmlns:a16="http://schemas.microsoft.com/office/drawing/2014/main" val="329038861"/>
+                    </a:ext>
+                  </a:extLst>
+                </a:gridCol>
+                <a:gridCol w="2121980">
+                  <a:extLst>
+                    <a:ext uri="{9D8B030D-6E8A-4147-A177-3AD203B41FA5}">
+                      <a16:colId xmlns:a16="http://schemas.microsoft.com/office/drawing/2014/main" val="3187439621"/>
+                    </a:ext>
+                  </a:extLst>
+                </a:gridCol>
+                <a:gridCol w="2121980">
+                  <a:extLst>
+                    <a:ext uri="{9D8B030D-6E8A-4147-A177-3AD203B41FA5}">
+                      <a16:colId xmlns:a16="http://schemas.microsoft.com/office/drawing/2014/main" val="79778880"/>
+                    </a:ext>
+                  </a:extLst>
+                </a:gridCol>
+                <a:gridCol w="2121980">
+                  <a:extLst>
+                    <a:ext uri="{9D8B030D-6E8A-4147-A177-3AD203B41FA5}">
+                      <a16:colId xmlns:a16="http://schemas.microsoft.com/office/drawing/2014/main" val="194602236"/>
+                    </a:ext>
+                  </a:extLst>
+                </a:gridCol>
+              </a:tblGrid>
+              <a:tr h="428952">
+                <a:tc>
+                  <a:txBody>
+                    <a:bodyPr/>
+                    <a:lstStyle/>
+                    <a:p>
+                      <a:endParaRPr lang="LID4096" dirty="0"/>
+                    </a:p>
+                  </a:txBody>
+                  <a:tcPr>
+                    <a:lnL w="12700" cap="flat" cmpd="sng" algn="ctr">
+                      <a:solidFill>
+                        <a:schemeClr val="tx1"/>
+                      </a:solidFill>
+                      <a:prstDash val="solid"/>
+                      <a:round/>
+                      <a:headEnd type="none" w="med" len="med"/>
+                      <a:tailEnd type="none" w="med" len="med"/>
+                    </a:lnL>
+                    <a:lnR w="12700" cap="flat" cmpd="sng" algn="ctr">
+                      <a:solidFill>
+                        <a:schemeClr val="tx1"/>
+                      </a:solidFill>
+                      <a:prstDash val="solid"/>
+                      <a:round/>
+                      <a:headEnd type="none" w="med" len="med"/>
+                      <a:tailEnd type="none" w="med" len="med"/>
+                    </a:lnR>
+                    <a:lnT w="12700" cap="flat" cmpd="sng" algn="ctr">
+                      <a:solidFill>
+                        <a:schemeClr val="tx1"/>
+                      </a:solidFill>
+                      <a:prstDash val="solid"/>
+                      <a:round/>
+                      <a:headEnd type="none" w="med" len="med"/>
+                      <a:tailEnd type="none" w="med" len="med"/>
+                    </a:lnT>
+                    <a:lnB w="12700" cap="flat" cmpd="sng" algn="ctr">
+                      <a:solidFill>
+                        <a:schemeClr val="tx1"/>
+                      </a:solidFill>
+                      <a:prstDash val="solid"/>
+                      <a:round/>
+                      <a:headEnd type="none" w="med" len="med"/>
+                      <a:tailEnd type="none" w="med" len="med"/>
+                    </a:lnB>
+                  </a:tcPr>
+                </a:tc>
+                <a:tc>
+                  <a:txBody>
+                    <a:bodyPr/>
+                    <a:lstStyle/>
+                    <a:p>
+                      <a:r>
+                        <a:rPr lang="en-US" dirty="0">
+                          <a:solidFill>
+                            <a:schemeClr val="tx1"/>
+                          </a:solidFill>
+                        </a:rPr>
+                        <a:t>T1</a:t>
+                      </a:r>
+                      <a:endParaRPr lang="LID4096" dirty="0">
+                        <a:solidFill>
+                          <a:schemeClr val="tx1"/>
+                        </a:solidFill>
+                      </a:endParaRPr>
+                    </a:p>
+                  </a:txBody>
+                  <a:tcPr>
+                    <a:lnL w="12700" cap="flat" cmpd="sng" algn="ctr">
+                      <a:solidFill>
+                        <a:schemeClr val="tx1"/>
+                      </a:solidFill>
+                      <a:prstDash val="solid"/>
+                      <a:round/>
+                      <a:headEnd type="none" w="med" len="med"/>
+                      <a:tailEnd type="none" w="med" len="med"/>
+                    </a:lnL>
+                    <a:lnR w="12700" cap="flat" cmpd="sng" algn="ctr">
+                      <a:solidFill>
+                        <a:schemeClr val="tx1"/>
+                      </a:solidFill>
+                      <a:prstDash val="solid"/>
+                      <a:round/>
+                      <a:headEnd type="none" w="med" len="med"/>
+                      <a:tailEnd type="none" w="med" len="med"/>
+                    </a:lnR>
+                    <a:lnT w="12700" cap="flat" cmpd="sng" algn="ctr">
+                      <a:solidFill>
+                        <a:schemeClr val="tx1"/>
+                      </a:solidFill>
+                      <a:prstDash val="solid"/>
+                      <a:round/>
+                      <a:headEnd type="none" w="med" len="med"/>
+                      <a:tailEnd type="none" w="med" len="med"/>
+                    </a:lnT>
+                    <a:lnB w="12700" cap="flat" cmpd="sng" algn="ctr">
+                      <a:solidFill>
+                        <a:schemeClr val="tx1"/>
+                      </a:solidFill>
+                      <a:prstDash val="solid"/>
+                      <a:round/>
+                      <a:headEnd type="none" w="med" len="med"/>
+                      <a:tailEnd type="none" w="med" len="med"/>
+                    </a:lnB>
+                  </a:tcPr>
+                </a:tc>
+                <a:tc>
+                  <a:txBody>
+                    <a:bodyPr/>
+                    <a:lstStyle/>
+                    <a:p>
+                      <a:r>
+                        <a:rPr lang="en-US" dirty="0">
+                          <a:solidFill>
+                            <a:schemeClr val="tx1"/>
+                          </a:solidFill>
+                        </a:rPr>
+                        <a:t>T2</a:t>
+                      </a:r>
+                      <a:endParaRPr lang="LID4096" dirty="0">
+                        <a:solidFill>
+                          <a:schemeClr val="tx1"/>
+                        </a:solidFill>
+                      </a:endParaRPr>
+                    </a:p>
+                  </a:txBody>
+                  <a:tcPr>
+                    <a:lnL w="12700" cap="flat" cmpd="sng" algn="ctr">
+                      <a:solidFill>
+                        <a:schemeClr val="tx1"/>
+                      </a:solidFill>
+                      <a:prstDash val="solid"/>
+                      <a:round/>
+                      <a:headEnd type="none" w="med" len="med"/>
+                      <a:tailEnd type="none" w="med" len="med"/>
+                    </a:lnL>
+                    <a:lnR w="12700" cap="flat" cmpd="sng" algn="ctr">
+                      <a:solidFill>
+                        <a:schemeClr val="tx1"/>
+                      </a:solidFill>
+                      <a:prstDash val="solid"/>
+                      <a:round/>
+                      <a:headEnd type="none" w="med" len="med"/>
+                      <a:tailEnd type="none" w="med" len="med"/>
+                    </a:lnR>
+                    <a:lnT w="12700" cap="flat" cmpd="sng" algn="ctr">
+                      <a:solidFill>
+                        <a:schemeClr val="tx1"/>
+                      </a:solidFill>
+                      <a:prstDash val="solid"/>
+                      <a:round/>
+                      <a:headEnd type="none" w="med" len="med"/>
+                      <a:tailEnd type="none" w="med" len="med"/>
+                    </a:lnT>
+                    <a:lnB w="12700" cap="flat" cmpd="sng" algn="ctr">
+                      <a:solidFill>
+                        <a:schemeClr val="tx1"/>
+                      </a:solidFill>
+                      <a:prstDash val="solid"/>
+                      <a:round/>
+                      <a:headEnd type="none" w="med" len="med"/>
+                      <a:tailEnd type="none" w="med" len="med"/>
+                    </a:lnB>
+                  </a:tcPr>
+                </a:tc>
+                <a:tc>
+                  <a:txBody>
+                    <a:bodyPr/>
+                    <a:lstStyle/>
+                    <a:p>
+                      <a:r>
+                        <a:rPr lang="en-US" dirty="0">
+                          <a:solidFill>
+                            <a:schemeClr val="tx1"/>
+                          </a:solidFill>
+                        </a:rPr>
+                        <a:t>PD</a:t>
+                      </a:r>
+                      <a:endParaRPr lang="LID4096" dirty="0">
+                        <a:solidFill>
+                          <a:schemeClr val="tx1"/>
+                        </a:solidFill>
+                      </a:endParaRPr>
+                    </a:p>
+                  </a:txBody>
+                  <a:tcPr>
+                    <a:lnL w="12700" cap="flat" cmpd="sng" algn="ctr">
+                      <a:solidFill>
+                        <a:schemeClr val="tx1"/>
+                      </a:solidFill>
+                      <a:prstDash val="solid"/>
+                      <a:round/>
+                      <a:headEnd type="none" w="med" len="med"/>
+                      <a:tailEnd type="none" w="med" len="med"/>
+                    </a:lnL>
+                    <a:lnR w="12700" cap="flat" cmpd="sng" algn="ctr">
+                      <a:solidFill>
+                        <a:schemeClr val="tx1"/>
+                      </a:solidFill>
+                      <a:prstDash val="solid"/>
+                      <a:round/>
+                      <a:headEnd type="none" w="med" len="med"/>
+                      <a:tailEnd type="none" w="med" len="med"/>
+                    </a:lnR>
+                    <a:lnT w="12700" cap="flat" cmpd="sng" algn="ctr">
+                      <a:solidFill>
+                        <a:schemeClr val="tx1"/>
+                      </a:solidFill>
+                      <a:prstDash val="solid"/>
+                      <a:round/>
+                      <a:headEnd type="none" w="med" len="med"/>
+                      <a:tailEnd type="none" w="med" len="med"/>
+                    </a:lnT>
+                    <a:lnB w="12700" cap="flat" cmpd="sng" algn="ctr">
+                      <a:solidFill>
+                        <a:schemeClr val="tx1"/>
+                      </a:solidFill>
+                      <a:prstDash val="solid"/>
+                      <a:round/>
+                      <a:headEnd type="none" w="med" len="med"/>
+                      <a:tailEnd type="none" w="med" len="med"/>
+                    </a:lnB>
+                  </a:tcPr>
+                </a:tc>
+                <a:extLst>
+                  <a:ext uri="{0D108BD9-81ED-4DB2-BD59-A6C34878D82A}">
+                    <a16:rowId xmlns:a16="http://schemas.microsoft.com/office/drawing/2014/main" val="2617655199"/>
+                  </a:ext>
+                </a:extLst>
+              </a:tr>
+              <a:tr h="428952">
+                <a:tc>
+                  <a:txBody>
+                    <a:bodyPr/>
+                    <a:lstStyle/>
+                    <a:p>
+                      <a:r>
+                        <a:rPr lang="en-US" dirty="0"/>
+                        <a:t>Time of echo</a:t>
+                      </a:r>
+                      <a:endParaRPr lang="LID4096" dirty="0"/>
+                    </a:p>
+                  </a:txBody>
+                  <a:tcPr>
+                    <a:lnL w="12700" cap="flat" cmpd="sng" algn="ctr">
+                      <a:solidFill>
+                        <a:schemeClr val="tx1"/>
+                      </a:solidFill>
+                      <a:prstDash val="solid"/>
+                      <a:round/>
+                      <a:headEnd type="none" w="med" len="med"/>
+                      <a:tailEnd type="none" w="med" len="med"/>
+                    </a:lnL>
+                    <a:lnR w="12700" cap="flat" cmpd="sng" algn="ctr">
+                      <a:solidFill>
+                        <a:schemeClr val="tx1"/>
+                      </a:solidFill>
+                      <a:prstDash val="solid"/>
+                      <a:round/>
+                      <a:headEnd type="none" w="med" len="med"/>
+                      <a:tailEnd type="none" w="med" len="med"/>
+                    </a:lnR>
+                    <a:lnT w="12700" cap="flat" cmpd="sng" algn="ctr">
+                      <a:solidFill>
+                        <a:schemeClr val="tx1"/>
+                      </a:solidFill>
+                      <a:prstDash val="solid"/>
+                      <a:round/>
+                      <a:headEnd type="none" w="med" len="med"/>
+                      <a:tailEnd type="none" w="med" len="med"/>
+                    </a:lnT>
+                    <a:lnB w="12700" cap="flat" cmpd="sng" algn="ctr">
+                      <a:solidFill>
+                        <a:schemeClr val="tx1"/>
+                      </a:solidFill>
+                      <a:prstDash val="solid"/>
+                      <a:round/>
+                      <a:headEnd type="none" w="med" len="med"/>
+                      <a:tailEnd type="none" w="med" len="med"/>
+                    </a:lnB>
+                  </a:tcPr>
+                </a:tc>
+                <a:tc>
+                  <a:txBody>
+                    <a:bodyPr/>
+                    <a:lstStyle/>
+                    <a:p>
+                      <a:r>
+                        <a:rPr lang="en-US" dirty="0">
+                          <a:solidFill>
+                            <a:schemeClr val="tx1"/>
+                          </a:solidFill>
+                        </a:rPr>
+                        <a:t>Short (10-30ms)</a:t>
+                      </a:r>
+                      <a:endParaRPr lang="LID4096" dirty="0">
+                        <a:solidFill>
+                          <a:schemeClr val="tx1"/>
+                        </a:solidFill>
+                      </a:endParaRPr>
+                    </a:p>
+                  </a:txBody>
+                  <a:tcPr>
+                    <a:lnL w="12700" cap="flat" cmpd="sng" algn="ctr">
+                      <a:solidFill>
+                        <a:schemeClr val="tx1"/>
+                      </a:solidFill>
+                      <a:prstDash val="solid"/>
+                      <a:round/>
+                      <a:headEnd type="none" w="med" len="med"/>
+                      <a:tailEnd type="none" w="med" len="med"/>
+                    </a:lnL>
+                    <a:lnR w="12700" cap="flat" cmpd="sng" algn="ctr">
+                      <a:solidFill>
+                        <a:schemeClr val="tx1"/>
+                      </a:solidFill>
+                      <a:prstDash val="solid"/>
+                      <a:round/>
+                      <a:headEnd type="none" w="med" len="med"/>
+                      <a:tailEnd type="none" w="med" len="med"/>
+                    </a:lnR>
+                    <a:lnT w="12700" cap="flat" cmpd="sng" algn="ctr">
+                      <a:solidFill>
+                        <a:schemeClr val="tx1"/>
+                      </a:solidFill>
+                      <a:prstDash val="solid"/>
+                      <a:round/>
+                      <a:headEnd type="none" w="med" len="med"/>
+                      <a:tailEnd type="none" w="med" len="med"/>
+                    </a:lnT>
+                    <a:lnB w="12700" cap="flat" cmpd="sng" algn="ctr">
+                      <a:solidFill>
+                        <a:schemeClr val="tx1"/>
+                      </a:solidFill>
+                      <a:prstDash val="solid"/>
+                      <a:round/>
+                      <a:headEnd type="none" w="med" len="med"/>
+                      <a:tailEnd type="none" w="med" len="med"/>
+                    </a:lnB>
+                  </a:tcPr>
+                </a:tc>
+                <a:tc>
+                  <a:txBody>
+                    <a:bodyPr/>
+                    <a:lstStyle/>
+                    <a:p>
+                      <a:r>
+                        <a:rPr lang="en-US" dirty="0">
+                          <a:solidFill>
+                            <a:schemeClr val="tx1"/>
+                          </a:solidFill>
+                        </a:rPr>
+                        <a:t>Long (90-140ms)</a:t>
+                      </a:r>
+                      <a:endParaRPr lang="LID4096" dirty="0">
+                        <a:solidFill>
+                          <a:schemeClr val="tx1"/>
+                        </a:solidFill>
+                      </a:endParaRPr>
+                    </a:p>
+                  </a:txBody>
+                  <a:tcPr>
+                    <a:lnL w="12700" cap="flat" cmpd="sng" algn="ctr">
+                      <a:solidFill>
+                        <a:schemeClr val="tx1"/>
+                      </a:solidFill>
+                      <a:prstDash val="solid"/>
+                      <a:round/>
+                      <a:headEnd type="none" w="med" len="med"/>
+                      <a:tailEnd type="none" w="med" len="med"/>
+                    </a:lnL>
+                    <a:lnR w="12700" cap="flat" cmpd="sng" algn="ctr">
+                      <a:solidFill>
+                        <a:schemeClr val="tx1"/>
+                      </a:solidFill>
+                      <a:prstDash val="solid"/>
+                      <a:round/>
+                      <a:headEnd type="none" w="med" len="med"/>
+                      <a:tailEnd type="none" w="med" len="med"/>
+                    </a:lnR>
+                    <a:lnT w="12700" cap="flat" cmpd="sng" algn="ctr">
+                      <a:solidFill>
+                        <a:schemeClr val="tx1"/>
+                      </a:solidFill>
+                      <a:prstDash val="solid"/>
+                      <a:round/>
+                      <a:headEnd type="none" w="med" len="med"/>
+                      <a:tailEnd type="none" w="med" len="med"/>
+                    </a:lnT>
+                    <a:lnB w="12700" cap="flat" cmpd="sng" algn="ctr">
+                      <a:solidFill>
+                        <a:schemeClr val="tx1"/>
+                      </a:solidFill>
+                      <a:prstDash val="solid"/>
+                      <a:round/>
+                      <a:headEnd type="none" w="med" len="med"/>
+                      <a:tailEnd type="none" w="med" len="med"/>
+                    </a:lnB>
+                  </a:tcPr>
+                </a:tc>
+                <a:tc>
+                  <a:txBody>
+                    <a:bodyPr/>
+                    <a:lstStyle/>
+                    <a:p>
+                      <a:r>
+                        <a:rPr lang="en-US" dirty="0">
+                          <a:solidFill>
+                            <a:schemeClr val="tx1"/>
+                          </a:solidFill>
+                        </a:rPr>
+                        <a:t>Short (15 </a:t>
+                      </a:r>
+                      <a:r>
+                        <a:rPr lang="en-US" dirty="0" err="1">
+                          <a:solidFill>
+                            <a:schemeClr val="tx1"/>
+                          </a:solidFill>
+                        </a:rPr>
+                        <a:t>ms</a:t>
+                      </a:r>
+                      <a:r>
+                        <a:rPr lang="en-US" dirty="0">
+                          <a:solidFill>
+                            <a:schemeClr val="tx1"/>
+                          </a:solidFill>
+                        </a:rPr>
+                        <a:t>)</a:t>
+                      </a:r>
+                      <a:endParaRPr lang="LID4096" dirty="0">
+                        <a:solidFill>
+                          <a:schemeClr val="tx1"/>
+                        </a:solidFill>
+                      </a:endParaRPr>
+                    </a:p>
+                  </a:txBody>
+                  <a:tcPr>
+                    <a:lnL w="12700" cap="flat" cmpd="sng" algn="ctr">
+                      <a:solidFill>
+                        <a:schemeClr val="tx1"/>
+                      </a:solidFill>
+                      <a:prstDash val="solid"/>
+                      <a:round/>
+                      <a:headEnd type="none" w="med" len="med"/>
+                      <a:tailEnd type="none" w="med" len="med"/>
+                    </a:lnL>
+                    <a:lnR w="12700" cap="flat" cmpd="sng" algn="ctr">
+                      <a:solidFill>
+                        <a:schemeClr val="tx1"/>
+                      </a:solidFill>
+                      <a:prstDash val="solid"/>
+                      <a:round/>
+                      <a:headEnd type="none" w="med" len="med"/>
+                      <a:tailEnd type="none" w="med" len="med"/>
+                    </a:lnR>
+                    <a:lnT w="12700" cap="flat" cmpd="sng" algn="ctr">
+                      <a:solidFill>
+                        <a:schemeClr val="tx1"/>
+                      </a:solidFill>
+                      <a:prstDash val="solid"/>
+                      <a:round/>
+                      <a:headEnd type="none" w="med" len="med"/>
+                      <a:tailEnd type="none" w="med" len="med"/>
+                    </a:lnT>
+                    <a:lnB w="12700" cap="flat" cmpd="sng" algn="ctr">
+                      <a:solidFill>
+                        <a:schemeClr val="tx1"/>
+                      </a:solidFill>
+                      <a:prstDash val="solid"/>
+                      <a:round/>
+                      <a:headEnd type="none" w="med" len="med"/>
+                      <a:tailEnd type="none" w="med" len="med"/>
+                    </a:lnB>
+                  </a:tcPr>
+                </a:tc>
+                <a:extLst>
+                  <a:ext uri="{0D108BD9-81ED-4DB2-BD59-A6C34878D82A}">
+                    <a16:rowId xmlns:a16="http://schemas.microsoft.com/office/drawing/2014/main" val="4124724719"/>
+                  </a:ext>
+                </a:extLst>
+              </a:tr>
+              <a:tr h="740384">
+                <a:tc>
+                  <a:txBody>
+                    <a:bodyPr/>
+                    <a:lstStyle/>
+                    <a:p>
+                      <a:r>
+                        <a:rPr lang="en-US" dirty="0"/>
+                        <a:t>Time of repetition</a:t>
+                      </a:r>
+                      <a:endParaRPr lang="LID4096" dirty="0"/>
+                    </a:p>
+                  </a:txBody>
+                  <a:tcPr>
+                    <a:lnL w="12700" cap="flat" cmpd="sng" algn="ctr">
+                      <a:solidFill>
+                        <a:schemeClr val="tx1"/>
+                      </a:solidFill>
+                      <a:prstDash val="solid"/>
+                      <a:round/>
+                      <a:headEnd type="none" w="med" len="med"/>
+                      <a:tailEnd type="none" w="med" len="med"/>
+                    </a:lnL>
+                    <a:lnR w="12700" cap="flat" cmpd="sng" algn="ctr">
+                      <a:solidFill>
+                        <a:schemeClr val="tx1"/>
+                      </a:solidFill>
+                      <a:prstDash val="solid"/>
+                      <a:round/>
+                      <a:headEnd type="none" w="med" len="med"/>
+                      <a:tailEnd type="none" w="med" len="med"/>
+                    </a:lnR>
+                    <a:lnT w="12700" cap="flat" cmpd="sng" algn="ctr">
+                      <a:solidFill>
+                        <a:schemeClr val="tx1"/>
+                      </a:solidFill>
+                      <a:prstDash val="solid"/>
+                      <a:round/>
+                      <a:headEnd type="none" w="med" len="med"/>
+                      <a:tailEnd type="none" w="med" len="med"/>
+                    </a:lnT>
+                    <a:lnB w="12700" cap="flat" cmpd="sng" algn="ctr">
+                      <a:solidFill>
+                        <a:schemeClr val="tx1"/>
+                      </a:solidFill>
+                      <a:prstDash val="solid"/>
+                      <a:round/>
+                      <a:headEnd type="none" w="med" len="med"/>
+                      <a:tailEnd type="none" w="med" len="med"/>
+                    </a:lnB>
+                  </a:tcPr>
+                </a:tc>
+                <a:tc>
+                  <a:txBody>
+                    <a:bodyPr/>
+                    <a:lstStyle/>
+                    <a:p>
+                      <a:r>
+                        <a:rPr lang="en-US" dirty="0">
+                          <a:solidFill>
+                            <a:schemeClr val="tx1"/>
+                          </a:solidFill>
+                        </a:rPr>
+                        <a:t>Short (300-600ms)</a:t>
+                      </a:r>
+                      <a:endParaRPr lang="LID4096" dirty="0">
+                        <a:solidFill>
+                          <a:schemeClr val="tx1"/>
+                        </a:solidFill>
+                      </a:endParaRPr>
+                    </a:p>
+                  </a:txBody>
+                  <a:tcPr>
+                    <a:lnL w="12700" cap="flat" cmpd="sng" algn="ctr">
+                      <a:solidFill>
+                        <a:schemeClr val="tx1"/>
+                      </a:solidFill>
+                      <a:prstDash val="solid"/>
+                      <a:round/>
+                      <a:headEnd type="none" w="med" len="med"/>
+                      <a:tailEnd type="none" w="med" len="med"/>
+                    </a:lnL>
+                    <a:lnR w="12700" cap="flat" cmpd="sng" algn="ctr">
+                      <a:solidFill>
+                        <a:schemeClr val="tx1"/>
+                      </a:solidFill>
+                      <a:prstDash val="solid"/>
+                      <a:round/>
+                      <a:headEnd type="none" w="med" len="med"/>
+                      <a:tailEnd type="none" w="med" len="med"/>
+                    </a:lnR>
+                    <a:lnT w="12700" cap="flat" cmpd="sng" algn="ctr">
+                      <a:solidFill>
+                        <a:schemeClr val="tx1"/>
+                      </a:solidFill>
+                      <a:prstDash val="solid"/>
+                      <a:round/>
+                      <a:headEnd type="none" w="med" len="med"/>
+                      <a:tailEnd type="none" w="med" len="med"/>
+                    </a:lnT>
+                    <a:lnB w="12700" cap="flat" cmpd="sng" algn="ctr">
+                      <a:solidFill>
+                        <a:schemeClr val="tx1"/>
+                      </a:solidFill>
+                      <a:prstDash val="solid"/>
+                      <a:round/>
+                      <a:headEnd type="none" w="med" len="med"/>
+                      <a:tailEnd type="none" w="med" len="med"/>
+                    </a:lnB>
+                  </a:tcPr>
+                </a:tc>
+                <a:tc>
+                  <a:txBody>
+                    <a:bodyPr/>
+                    <a:lstStyle/>
+                    <a:p>
+                      <a:r>
+                        <a:rPr lang="en-US" dirty="0">
+                          <a:solidFill>
+                            <a:schemeClr val="tx1"/>
+                          </a:solidFill>
+                        </a:rPr>
+                        <a:t>Long(2000ms)</a:t>
+                      </a:r>
+                      <a:endParaRPr lang="LID4096" dirty="0">
+                        <a:solidFill>
+                          <a:schemeClr val="tx1"/>
+                        </a:solidFill>
+                      </a:endParaRPr>
+                    </a:p>
+                  </a:txBody>
+                  <a:tcPr>
+                    <a:lnL w="12700" cap="flat" cmpd="sng" algn="ctr">
+                      <a:solidFill>
+                        <a:schemeClr val="tx1"/>
+                      </a:solidFill>
+                      <a:prstDash val="solid"/>
+                      <a:round/>
+                      <a:headEnd type="none" w="med" len="med"/>
+                      <a:tailEnd type="none" w="med" len="med"/>
+                    </a:lnL>
+                    <a:lnR w="12700" cap="flat" cmpd="sng" algn="ctr">
+                      <a:solidFill>
+                        <a:schemeClr val="tx1"/>
+                      </a:solidFill>
+                      <a:prstDash val="solid"/>
+                      <a:round/>
+                      <a:headEnd type="none" w="med" len="med"/>
+                      <a:tailEnd type="none" w="med" len="med"/>
+                    </a:lnR>
+                    <a:lnT w="12700" cap="flat" cmpd="sng" algn="ctr">
+                      <a:solidFill>
+                        <a:schemeClr val="tx1"/>
+                      </a:solidFill>
+                      <a:prstDash val="solid"/>
+                      <a:round/>
+                      <a:headEnd type="none" w="med" len="med"/>
+                      <a:tailEnd type="none" w="med" len="med"/>
+                    </a:lnT>
+                    <a:lnB w="12700" cap="flat" cmpd="sng" algn="ctr">
+                      <a:solidFill>
+                        <a:schemeClr val="tx1"/>
+                      </a:solidFill>
+                      <a:prstDash val="solid"/>
+                      <a:round/>
+                      <a:headEnd type="none" w="med" len="med"/>
+                      <a:tailEnd type="none" w="med" len="med"/>
+                    </a:lnB>
+                  </a:tcPr>
+                </a:tc>
+                <a:tc>
+                  <a:txBody>
+                    <a:bodyPr/>
+                    <a:lstStyle/>
+                    <a:p>
+                      <a:r>
+                        <a:rPr lang="en-US" dirty="0">
+                          <a:solidFill>
+                            <a:schemeClr val="tx1"/>
+                          </a:solidFill>
+                        </a:rPr>
+                        <a:t>Long(1000-3000ms)</a:t>
+                      </a:r>
+                      <a:endParaRPr lang="LID4096" dirty="0">
+                        <a:solidFill>
+                          <a:schemeClr val="tx1"/>
+                        </a:solidFill>
+                      </a:endParaRPr>
+                    </a:p>
+                  </a:txBody>
+                  <a:tcPr>
+                    <a:lnL w="12700" cap="flat" cmpd="sng" algn="ctr">
+                      <a:solidFill>
+                        <a:schemeClr val="tx1"/>
+                      </a:solidFill>
+                      <a:prstDash val="solid"/>
+                      <a:round/>
+                      <a:headEnd type="none" w="med" len="med"/>
+                      <a:tailEnd type="none" w="med" len="med"/>
+                    </a:lnL>
+                    <a:lnR w="12700" cap="flat" cmpd="sng" algn="ctr">
+                      <a:solidFill>
+                        <a:schemeClr val="tx1"/>
+                      </a:solidFill>
+                      <a:prstDash val="solid"/>
+                      <a:round/>
+                      <a:headEnd type="none" w="med" len="med"/>
+                      <a:tailEnd type="none" w="med" len="med"/>
+                    </a:lnR>
+                    <a:lnT w="12700" cap="flat" cmpd="sng" algn="ctr">
+                      <a:solidFill>
+                        <a:schemeClr val="tx1"/>
+                      </a:solidFill>
+                      <a:prstDash val="solid"/>
+                      <a:round/>
+                      <a:headEnd type="none" w="med" len="med"/>
+                      <a:tailEnd type="none" w="med" len="med"/>
+                    </a:lnT>
+                    <a:lnB w="12700" cap="flat" cmpd="sng" algn="ctr">
+                      <a:solidFill>
+                        <a:schemeClr val="tx1"/>
+                      </a:solidFill>
+                      <a:prstDash val="solid"/>
+                      <a:round/>
+                      <a:headEnd type="none" w="med" len="med"/>
+                      <a:tailEnd type="none" w="med" len="med"/>
+                    </a:lnB>
+                  </a:tcPr>
+                </a:tc>
+                <a:extLst>
+                  <a:ext uri="{0D108BD9-81ED-4DB2-BD59-A6C34878D82A}">
+                    <a16:rowId xmlns:a16="http://schemas.microsoft.com/office/drawing/2014/main" val="2845994641"/>
+                  </a:ext>
+                </a:extLst>
+              </a:tr>
+              <a:tr h="740384">
+                <a:tc>
+                  <a:txBody>
+                    <a:bodyPr/>
+                    <a:lstStyle/>
+                    <a:p>
+                      <a:r>
+                        <a:rPr lang="en-US" dirty="0"/>
+                        <a:t>Water</a:t>
+                      </a:r>
+                      <a:endParaRPr lang="LID4096" dirty="0"/>
+                    </a:p>
+                  </a:txBody>
+                  <a:tcPr>
+                    <a:lnL w="12700" cap="flat" cmpd="sng" algn="ctr">
+                      <a:solidFill>
+                        <a:schemeClr val="tx1"/>
+                      </a:solidFill>
+                      <a:prstDash val="solid"/>
+                      <a:round/>
+                      <a:headEnd type="none" w="med" len="med"/>
+                      <a:tailEnd type="none" w="med" len="med"/>
+                    </a:lnL>
+                    <a:lnR w="12700" cap="flat" cmpd="sng" algn="ctr">
+                      <a:solidFill>
+                        <a:schemeClr val="tx1"/>
+                      </a:solidFill>
+                      <a:prstDash val="solid"/>
+                      <a:round/>
+                      <a:headEnd type="none" w="med" len="med"/>
+                      <a:tailEnd type="none" w="med" len="med"/>
+                    </a:lnR>
+                    <a:lnT w="12700" cap="flat" cmpd="sng" algn="ctr">
+                      <a:solidFill>
+                        <a:schemeClr val="tx1"/>
+                      </a:solidFill>
+                      <a:prstDash val="solid"/>
+                      <a:round/>
+                      <a:headEnd type="none" w="med" len="med"/>
+                      <a:tailEnd type="none" w="med" len="med"/>
+                    </a:lnT>
+                    <a:lnB w="12700" cap="flat" cmpd="sng" algn="ctr">
+                      <a:solidFill>
+                        <a:schemeClr val="tx1"/>
+                      </a:solidFill>
+                      <a:prstDash val="solid"/>
+                      <a:round/>
+                      <a:headEnd type="none" w="med" len="med"/>
+                      <a:tailEnd type="none" w="med" len="med"/>
+                    </a:lnB>
+                  </a:tcPr>
+                </a:tc>
+                <a:tc>
+                  <a:txBody>
+                    <a:bodyPr/>
+                    <a:lstStyle/>
+                    <a:p>
+                      <a:r>
+                        <a:rPr lang="en-US" dirty="0">
+                          <a:solidFill>
+                            <a:schemeClr val="tx1"/>
+                          </a:solidFill>
+                        </a:rPr>
+                        <a:t>Low = black</a:t>
+                      </a:r>
+                      <a:endParaRPr lang="LID4096" dirty="0">
+                        <a:solidFill>
+                          <a:schemeClr val="tx1"/>
+                        </a:solidFill>
+                      </a:endParaRPr>
+                    </a:p>
+                  </a:txBody>
+                  <a:tcPr>
+                    <a:lnL w="12700" cap="flat" cmpd="sng" algn="ctr">
+                      <a:solidFill>
+                        <a:schemeClr val="tx1"/>
+                      </a:solidFill>
+                      <a:prstDash val="solid"/>
+                      <a:round/>
+                      <a:headEnd type="none" w="med" len="med"/>
+                      <a:tailEnd type="none" w="med" len="med"/>
+                    </a:lnL>
+                    <a:lnR w="12700" cap="flat" cmpd="sng" algn="ctr">
+                      <a:solidFill>
+                        <a:schemeClr val="tx1"/>
+                      </a:solidFill>
+                      <a:prstDash val="solid"/>
+                      <a:round/>
+                      <a:headEnd type="none" w="med" len="med"/>
+                      <a:tailEnd type="none" w="med" len="med"/>
+                    </a:lnR>
+                    <a:lnT w="12700" cap="flat" cmpd="sng" algn="ctr">
+                      <a:solidFill>
+                        <a:schemeClr val="tx1"/>
+                      </a:solidFill>
+                      <a:prstDash val="solid"/>
+                      <a:round/>
+                      <a:headEnd type="none" w="med" len="med"/>
+                      <a:tailEnd type="none" w="med" len="med"/>
+                    </a:lnT>
+                    <a:lnB w="12700" cap="flat" cmpd="sng" algn="ctr">
+                      <a:solidFill>
+                        <a:schemeClr val="tx1"/>
+                      </a:solidFill>
+                      <a:prstDash val="solid"/>
+                      <a:round/>
+                      <a:headEnd type="none" w="med" len="med"/>
+                      <a:tailEnd type="none" w="med" len="med"/>
+                    </a:lnB>
+                  </a:tcPr>
+                </a:tc>
+                <a:tc>
+                  <a:txBody>
+                    <a:bodyPr/>
+                    <a:lstStyle/>
+                    <a:p>
+                      <a:r>
+                        <a:rPr lang="en-US" dirty="0">
+                          <a:solidFill>
+                            <a:schemeClr val="tx1"/>
+                          </a:solidFill>
+                        </a:rPr>
+                        <a:t>High = bright/white</a:t>
+                      </a:r>
+                      <a:endParaRPr lang="LID4096" dirty="0">
+                        <a:solidFill>
+                          <a:schemeClr val="tx1"/>
+                        </a:solidFill>
+                      </a:endParaRPr>
+                    </a:p>
+                  </a:txBody>
+                  <a:tcPr>
+                    <a:lnL w="12700" cap="flat" cmpd="sng" algn="ctr">
+                      <a:solidFill>
+                        <a:schemeClr val="tx1"/>
+                      </a:solidFill>
+                      <a:prstDash val="solid"/>
+                      <a:round/>
+                      <a:headEnd type="none" w="med" len="med"/>
+                      <a:tailEnd type="none" w="med" len="med"/>
+                    </a:lnL>
+                    <a:lnR w="12700" cap="flat" cmpd="sng" algn="ctr">
+                      <a:solidFill>
+                        <a:schemeClr val="tx1"/>
+                      </a:solidFill>
+                      <a:prstDash val="solid"/>
+                      <a:round/>
+                      <a:headEnd type="none" w="med" len="med"/>
+                      <a:tailEnd type="none" w="med" len="med"/>
+                    </a:lnR>
+                    <a:lnT w="12700" cap="flat" cmpd="sng" algn="ctr">
+                      <a:solidFill>
+                        <a:schemeClr val="tx1"/>
+                      </a:solidFill>
+                      <a:prstDash val="solid"/>
+                      <a:round/>
+                      <a:headEnd type="none" w="med" len="med"/>
+                      <a:tailEnd type="none" w="med" len="med"/>
+                    </a:lnT>
+                    <a:lnB w="12700" cap="flat" cmpd="sng" algn="ctr">
+                      <a:solidFill>
+                        <a:schemeClr val="tx1"/>
+                      </a:solidFill>
+                      <a:prstDash val="solid"/>
+                      <a:round/>
+                      <a:headEnd type="none" w="med" len="med"/>
+                      <a:tailEnd type="none" w="med" len="med"/>
+                    </a:lnB>
+                  </a:tcPr>
+                </a:tc>
+                <a:tc>
+                  <a:txBody>
+                    <a:bodyPr/>
+                    <a:lstStyle/>
+                    <a:p>
+                      <a:r>
+                        <a:rPr lang="en-US" dirty="0">
+                          <a:solidFill>
+                            <a:schemeClr val="tx1"/>
+                          </a:solidFill>
+                        </a:rPr>
+                        <a:t>Middle= grey</a:t>
+                      </a:r>
+                      <a:endParaRPr lang="LID4096" dirty="0">
+                        <a:solidFill>
+                          <a:schemeClr val="tx1"/>
+                        </a:solidFill>
+                      </a:endParaRPr>
+                    </a:p>
+                  </a:txBody>
+                  <a:tcPr>
+                    <a:lnL w="12700" cap="flat" cmpd="sng" algn="ctr">
+                      <a:solidFill>
+                        <a:schemeClr val="tx1"/>
+                      </a:solidFill>
+                      <a:prstDash val="solid"/>
+                      <a:round/>
+                      <a:headEnd type="none" w="med" len="med"/>
+                      <a:tailEnd type="none" w="med" len="med"/>
+                    </a:lnL>
+                    <a:lnR w="12700" cap="flat" cmpd="sng" algn="ctr">
+                      <a:solidFill>
+                        <a:schemeClr val="tx1"/>
+                      </a:solidFill>
+                      <a:prstDash val="solid"/>
+                      <a:round/>
+                      <a:headEnd type="none" w="med" len="med"/>
+                      <a:tailEnd type="none" w="med" len="med"/>
+                    </a:lnR>
+                    <a:lnT w="12700" cap="flat" cmpd="sng" algn="ctr">
+                      <a:solidFill>
+                        <a:schemeClr val="tx1"/>
+                      </a:solidFill>
+                      <a:prstDash val="solid"/>
+                      <a:round/>
+                      <a:headEnd type="none" w="med" len="med"/>
+                      <a:tailEnd type="none" w="med" len="med"/>
+                    </a:lnT>
+                    <a:lnB w="12700" cap="flat" cmpd="sng" algn="ctr">
+                      <a:solidFill>
+                        <a:schemeClr val="tx1"/>
+                      </a:solidFill>
+                      <a:prstDash val="solid"/>
+                      <a:round/>
+                      <a:headEnd type="none" w="med" len="med"/>
+                      <a:tailEnd type="none" w="med" len="med"/>
+                    </a:lnB>
+                  </a:tcPr>
+                </a:tc>
+                <a:extLst>
+                  <a:ext uri="{0D108BD9-81ED-4DB2-BD59-A6C34878D82A}">
+                    <a16:rowId xmlns:a16="http://schemas.microsoft.com/office/drawing/2014/main" val="1447824457"/>
+                  </a:ext>
+                </a:extLst>
+              </a:tr>
+            </a:tbl>
+          </a:graphicData>
+        </a:graphic>
+      </p:graphicFrame>
+      <p:pic>
+        <p:nvPicPr>
+          <p:cNvPr id="4" name="Picture 4" descr="FLAIR brain">
+            <a:extLst>
+              <a:ext uri="{FF2B5EF4-FFF2-40B4-BE49-F238E27FC236}">
+                <a16:creationId xmlns:a16="http://schemas.microsoft.com/office/drawing/2014/main" id="{2A313C02-4C5A-754C-78D1-6ABD8EB5B66D}"/>
+              </a:ext>
+            </a:extLst>
+          </p:cNvPr>
+          <p:cNvPicPr>
+            <a:picLocks noChangeAspect="1" noChangeArrowheads="1"/>
+          </p:cNvPicPr>
+          <p:nvPr/>
+        </p:nvPicPr>
+        <p:blipFill>
+          <a:blip r:embed="rId2">
+            <a:extLst>
+              <a:ext uri="{28A0092B-C50C-407E-A947-70E740481C1C}">
+                <a14:useLocalDpi xmlns:a14="http://schemas.microsoft.com/office/drawing/2010/main" val="0"/>
+              </a:ext>
+            </a:extLst>
+          </a:blip>
+          <a:srcRect/>
+          <a:stretch>
+            <a:fillRect/>
+          </a:stretch>
+        </p:blipFill>
+        <p:spPr bwMode="auto">
+          <a:xfrm>
+            <a:off x="7781925" y="2416274"/>
+            <a:ext cx="3634983" cy="1529265"/>
+          </a:xfrm>
+          <a:prstGeom prst="rect">
+            <a:avLst/>
+          </a:prstGeom>
+          <a:noFill/>
+          <a:extLst>
+            <a:ext uri="{909E8E84-426E-40DD-AFC4-6F175D3DCCD1}">
+              <a14:hiddenFill xmlns:a14="http://schemas.microsoft.com/office/drawing/2010/main">
+                <a:solidFill>
+                  <a:srgbClr val="FFFFFF"/>
+                </a:solidFill>
+              </a14:hiddenFill>
+            </a:ext>
+          </a:extLst>
+        </p:spPr>
+      </p:pic>
+    </p:spTree>
+    <p:extLst>
+      <p:ext uri="{BB962C8B-B14F-4D97-AF65-F5344CB8AC3E}">
+        <p14:creationId xmlns:p14="http://schemas.microsoft.com/office/powerpoint/2010/main" val="638842607"/>
+      </p:ext>
+    </p:extLst>
+  </p:cSld>
+  <p:clrMapOvr>
+    <a:masterClrMapping/>
+  </p:clrMapOvr>
+</p:sld>
+</file>
+
+<file path=ppt/slides/slide6.xml><?xml version="1.0" encoding="utf-8"?>
+<p:sld xmlns:a="http://schemas.openxmlformats.org/drawingml/2006/main" xmlns:r="http://schemas.openxmlformats.org/officeDocument/2006/relationships" xmlns:p="http://schemas.openxmlformats.org/presentationml/2006/main">
+  <p:cSld>
+    <p:spTree>
+      <p:nvGrpSpPr>
+        <p:cNvPr id="1" name=""/>
+        <p:cNvGrpSpPr/>
+        <p:nvPr/>
+      </p:nvGrpSpPr>
+      <p:grpSpPr>
+        <a:xfrm>
+          <a:off x="0" y="0"/>
+          <a:ext cx="0" cy="0"/>
+          <a:chOff x="0" y="0"/>
+          <a:chExt cx="0" cy="0"/>
+        </a:xfrm>
+      </p:grpSpPr>
+      <p:sp>
+        <p:nvSpPr>
           <p:cNvPr id="2" name="Title 1">
             <a:extLst>
               <a:ext uri="{FF2B5EF4-FFF2-40B4-BE49-F238E27FC236}">
@@ -18859,31 +22933,6 @@
               <a:rPr lang="en-US" dirty="0"/>
               <a:t>MRI: anatomical</a:t>
             </a:r>
-            <a:endParaRPr lang="LID4096" dirty="0"/>
-          </a:p>
-        </p:txBody>
-      </p:sp>
-      <p:sp>
-        <p:nvSpPr>
-          <p:cNvPr id="3" name="Subtitle 2">
-            <a:extLst>
-              <a:ext uri="{FF2B5EF4-FFF2-40B4-BE49-F238E27FC236}">
-                <a16:creationId xmlns:a16="http://schemas.microsoft.com/office/drawing/2014/main" id="{FAB8DBAC-B3BF-704C-D981-47F95BB52D1C}"/>
-              </a:ext>
-            </a:extLst>
-          </p:cNvPr>
-          <p:cNvSpPr>
-            <a:spLocks noGrp="1"/>
-          </p:cNvSpPr>
-          <p:nvPr>
-            <p:ph type="subTitle"/>
-          </p:nvPr>
-        </p:nvSpPr>
-        <p:spPr/>
-        <p:txBody>
-          <a:bodyPr/>
-          <a:lstStyle/>
-          <a:p>
             <a:endParaRPr lang="LID4096" dirty="0"/>
           </a:p>
         </p:txBody>
@@ -19152,840 +23201,6 @@
 </p:sld>
 </file>
 
-<file path=ppt/slides/slide5.xml><?xml version="1.0" encoding="utf-8"?>
-<p:sld xmlns:a="http://schemas.openxmlformats.org/drawingml/2006/main" xmlns:r="http://schemas.openxmlformats.org/officeDocument/2006/relationships" xmlns:p="http://schemas.openxmlformats.org/presentationml/2006/main">
-  <p:cSld>
-    <p:spTree>
-      <p:nvGrpSpPr>
-        <p:cNvPr id="1" name=""/>
-        <p:cNvGrpSpPr/>
-        <p:nvPr/>
-      </p:nvGrpSpPr>
-      <p:grpSpPr>
-        <a:xfrm>
-          <a:off x="0" y="0"/>
-          <a:ext cx="0" cy="0"/>
-          <a:chOff x="0" y="0"/>
-          <a:chExt cx="0" cy="0"/>
-        </a:xfrm>
-      </p:grpSpPr>
-      <p:sp>
-        <p:nvSpPr>
-          <p:cNvPr id="11" name="Title 1">
-            <a:extLst>
-              <a:ext uri="{FF2B5EF4-FFF2-40B4-BE49-F238E27FC236}">
-                <a16:creationId xmlns:a16="http://schemas.microsoft.com/office/drawing/2014/main" id="{B2A99C44-0FF0-7D73-9F27-6EEA0C5C5DDC}"/>
-              </a:ext>
-            </a:extLst>
-          </p:cNvPr>
-          <p:cNvSpPr>
-            <a:spLocks noGrp="1"/>
-          </p:cNvSpPr>
-          <p:nvPr>
-            <p:ph type="title"/>
-          </p:nvPr>
-        </p:nvSpPr>
-        <p:spPr>
-          <a:xfrm>
-            <a:off x="2682829" y="241702"/>
-            <a:ext cx="10972440" cy="1144800"/>
-          </a:xfrm>
-        </p:spPr>
-        <p:txBody>
-          <a:bodyPr/>
-          <a:lstStyle/>
-          <a:p>
-            <a:r>
-              <a:rPr lang="en-US" dirty="0"/>
-              <a:t>MRI: functional</a:t>
-            </a:r>
-            <a:endParaRPr lang="LID4096" dirty="0"/>
-          </a:p>
-        </p:txBody>
-      </p:sp>
-      <p:sp>
-        <p:nvSpPr>
-          <p:cNvPr id="13" name="Rectangle 11">
-            <a:extLst>
-              <a:ext uri="{FF2B5EF4-FFF2-40B4-BE49-F238E27FC236}">
-                <a16:creationId xmlns:a16="http://schemas.microsoft.com/office/drawing/2014/main" id="{5A0CA4F9-B3E7-6D70-52C2-E4145CA52BF0}"/>
-              </a:ext>
-            </a:extLst>
-          </p:cNvPr>
-          <p:cNvSpPr>
-            <a:spLocks noChangeArrowheads="1"/>
-          </p:cNvSpPr>
-          <p:nvPr/>
-        </p:nvSpPr>
-        <p:spPr bwMode="auto">
-          <a:xfrm>
-            <a:off x="1787612" y="1521009"/>
-            <a:ext cx="8618065" cy="3939540"/>
-          </a:xfrm>
-          <a:prstGeom prst="rect">
-            <a:avLst/>
-          </a:prstGeom>
-          <a:noFill/>
-          <a:ln>
-            <a:noFill/>
-          </a:ln>
-          <a:effectLst/>
-          <a:extLst>
-            <a:ext uri="{909E8E84-426E-40DD-AFC4-6F175D3DCCD1}">
-              <a14:hiddenFill xmlns:a14="http://schemas.microsoft.com/office/drawing/2010/main">
-                <a:solidFill>
-                  <a:schemeClr val="accent1"/>
-                </a:solidFill>
-              </a14:hiddenFill>
-            </a:ext>
-            <a:ext uri="{91240B29-F687-4F45-9708-019B960494DF}">
-              <a14:hiddenLine xmlns:a14="http://schemas.microsoft.com/office/drawing/2010/main" w="9525">
-                <a:solidFill>
-                  <a:schemeClr val="tx1"/>
-                </a:solidFill>
-                <a:miter lim="800000"/>
-                <a:headEnd/>
-                <a:tailEnd/>
-              </a14:hiddenLine>
-            </a:ext>
-            <a:ext uri="{AF507438-7753-43E0-B8FC-AC1667EBCBE1}">
-              <a14:hiddenEffects xmlns:a14="http://schemas.microsoft.com/office/drawing/2010/main">
-                <a:effectLst>
-                  <a:outerShdw dist="35921" dir="2700000" algn="ctr" rotWithShape="0">
-                    <a:schemeClr val="bg2"/>
-                  </a:outerShdw>
-                </a:effectLst>
-              </a14:hiddenEffects>
-            </a:ext>
-          </a:extLst>
-        </p:spPr>
-        <p:txBody>
-          <a:bodyPr vert="horz" wrap="none" lIns="91440" tIns="45720" rIns="91440" bIns="45720" numCol="1" anchor="ctr" anchorCtr="0" compatLnSpc="1">
-            <a:prstTxWarp prst="textNoShape">
-              <a:avLst/>
-            </a:prstTxWarp>
-            <a:spAutoFit/>
-          </a:bodyPr>
-          <a:lstStyle/>
-          <a:p>
-            <a:pPr marL="0" marR="0" lvl="0" indent="0" algn="l" defTabSz="914400" rtl="0" eaLnBrk="0" fontAlgn="base" latinLnBrk="0" hangingPunct="0">
-              <a:lnSpc>
-                <a:spcPct val="100000"/>
-              </a:lnSpc>
-              <a:spcBef>
-                <a:spcPct val="0"/>
-              </a:spcBef>
-              <a:spcAft>
-                <a:spcPct val="0"/>
-              </a:spcAft>
-              <a:buClrTx/>
-              <a:buSzTx/>
-              <a:buFontTx/>
-              <a:buNone/>
-              <a:tabLst/>
-            </a:pPr>
-            <a:r>
-              <a:rPr kumimoji="0" lang="LID4096" altLang="LID4096" sz="900" b="1" i="0" u="none" strike="noStrike" cap="none" normalizeH="0" baseline="0" dirty="0">
-                <a:ln>
-                  <a:noFill/>
-                </a:ln>
-                <a:solidFill>
-                  <a:schemeClr val="tx1"/>
-                </a:solidFill>
-                <a:effectLst/>
-                <a:latin typeface="Arial" panose="020B0604020202020204" pitchFamily="34" charset="0"/>
-              </a:rPr>
-              <a:t>Functional</a:t>
-            </a:r>
-          </a:p>
-          <a:p>
-            <a:pPr marL="0" marR="0" lvl="0" indent="0" algn="l" defTabSz="914400" rtl="0" eaLnBrk="0" fontAlgn="base" latinLnBrk="0" hangingPunct="0">
-              <a:lnSpc>
-                <a:spcPct val="100000"/>
-              </a:lnSpc>
-              <a:spcBef>
-                <a:spcPct val="0"/>
-              </a:spcBef>
-              <a:spcAft>
-                <a:spcPct val="0"/>
-              </a:spcAft>
-              <a:buClrTx/>
-              <a:buSzTx/>
-              <a:buFontTx/>
-              <a:buNone/>
-              <a:tabLst/>
-            </a:pPr>
-            <a:r>
-              <a:rPr kumimoji="0" lang="LID4096" altLang="LID4096" sz="800" b="0" i="0" u="none" strike="noStrike" cap="none" normalizeH="0" baseline="0" dirty="0">
-                <a:ln>
-                  <a:noFill/>
-                </a:ln>
-                <a:solidFill>
-                  <a:schemeClr val="tx1"/>
-                </a:solidFill>
-                <a:effectLst/>
-                <a:latin typeface="Arial" panose="020B0604020202020204" pitchFamily="34" charset="0"/>
-              </a:rPr>
-              <a:t>  </a:t>
-            </a:r>
-            <a:r>
-              <a:rPr kumimoji="0" lang="LID4096" altLang="LID4096" sz="12300" b="0" i="0" u="none" strike="noStrike" cap="none" normalizeH="0" baseline="0" dirty="0">
-                <a:ln>
-                  <a:noFill/>
-                </a:ln>
-                <a:solidFill>
-                  <a:schemeClr val="tx1"/>
-                </a:solidFill>
-                <a:effectLst/>
-                <a:latin typeface="Arial" panose="020B0604020202020204" pitchFamily="34" charset="0"/>
-              </a:rPr>
-              <a:t>         </a:t>
-            </a:r>
-            <a:r>
-              <a:rPr kumimoji="0" lang="LID4096" altLang="LID4096" sz="1800" b="0" i="0" u="none" strike="noStrike" cap="none" normalizeH="0" baseline="0" dirty="0">
-                <a:ln>
-                  <a:noFill/>
-                </a:ln>
-                <a:solidFill>
-                  <a:schemeClr val="tx1"/>
-                </a:solidFill>
-                <a:effectLst/>
-                <a:latin typeface="Arial" panose="020B0604020202020204" pitchFamily="34" charset="0"/>
-              </a:rPr>
-              <a:t>  </a:t>
-            </a:r>
-            <a:r>
-              <a:rPr kumimoji="0" lang="LID4096" altLang="LID4096" sz="15100" b="0" i="0" u="none" strike="noStrike" cap="none" normalizeH="0" baseline="0" dirty="0">
-                <a:ln>
-                  <a:noFill/>
-                </a:ln>
-                <a:solidFill>
-                  <a:schemeClr val="tx1"/>
-                </a:solidFill>
-                <a:effectLst/>
-                <a:latin typeface="Arial" panose="020B0604020202020204" pitchFamily="34" charset="0"/>
-              </a:rPr>
-              <a:t>        </a:t>
-            </a:r>
-            <a:endParaRPr kumimoji="0" lang="LID4096" altLang="LID4096" sz="1800" b="0" i="0" u="none" strike="noStrike" cap="none" normalizeH="0" baseline="0" dirty="0">
-              <a:ln>
-                <a:noFill/>
-              </a:ln>
-              <a:solidFill>
-                <a:schemeClr val="tx1"/>
-              </a:solidFill>
-              <a:effectLst/>
-              <a:latin typeface="Arial" panose="020B0604020202020204" pitchFamily="34" charset="0"/>
-            </a:endParaRPr>
-          </a:p>
-          <a:p>
-            <a:pPr marL="0" marR="0" lvl="0" indent="0" algn="l" defTabSz="914400" rtl="0" eaLnBrk="0" fontAlgn="base" latinLnBrk="0" hangingPunct="0">
-              <a:lnSpc>
-                <a:spcPct val="100000"/>
-              </a:lnSpc>
-              <a:spcBef>
-                <a:spcPct val="0"/>
-              </a:spcBef>
-              <a:spcAft>
-                <a:spcPct val="0"/>
-              </a:spcAft>
-              <a:buClrTx/>
-              <a:buSzTx/>
-              <a:buFontTx/>
-              <a:buNone/>
-              <a:tabLst/>
-            </a:pPr>
-            <a:r>
-              <a:rPr kumimoji="0" lang="LID4096" altLang="LID4096" sz="1400" b="0" i="1" u="none" strike="noStrike" cap="none" normalizeH="0" baseline="0" dirty="0">
-                <a:ln>
-                  <a:noFill/>
-                </a:ln>
-                <a:solidFill>
-                  <a:schemeClr val="tx1"/>
-                </a:solidFill>
-                <a:effectLst/>
-                <a:latin typeface="Arial" panose="020B0604020202020204" pitchFamily="34" charset="0"/>
-              </a:rPr>
-              <a:t>Sourced from Wagner and Lindquist,</a:t>
-            </a:r>
-            <a:r>
-              <a:rPr kumimoji="0" lang="en-US" altLang="LID4096" sz="1400" b="0" i="1" u="none" strike="noStrike" cap="none" normalizeH="0" baseline="0" dirty="0">
-                <a:ln>
-                  <a:noFill/>
-                </a:ln>
-                <a:solidFill>
-                  <a:schemeClr val="tx1"/>
-                </a:solidFill>
-                <a:effectLst/>
-                <a:latin typeface="Arial" panose="020B0604020202020204" pitchFamily="34" charset="0"/>
-              </a:rPr>
-              <a:t>2015</a:t>
-            </a:r>
-          </a:p>
-          <a:p>
-            <a:pPr marL="0" marR="0" lvl="0" indent="0" algn="l" defTabSz="914400" rtl="0" eaLnBrk="0" fontAlgn="base" latinLnBrk="0" hangingPunct="0">
-              <a:lnSpc>
-                <a:spcPct val="100000"/>
-              </a:lnSpc>
-              <a:spcBef>
-                <a:spcPct val="0"/>
-              </a:spcBef>
-              <a:spcAft>
-                <a:spcPct val="0"/>
-              </a:spcAft>
-              <a:buClrTx/>
-              <a:buSzTx/>
-              <a:buFontTx/>
-              <a:buNone/>
-              <a:tabLst/>
-            </a:pPr>
-            <a:endParaRPr lang="en-US" altLang="LID4096" i="1" dirty="0">
-              <a:latin typeface="Arial" panose="020B0604020202020204" pitchFamily="34" charset="0"/>
-            </a:endParaRPr>
-          </a:p>
-          <a:p>
-            <a:pPr>
-              <a:buFont typeface="Arial" panose="020B0604020202020204" pitchFamily="34" charset="0"/>
-              <a:buChar char="•"/>
-            </a:pPr>
-            <a:r>
-              <a:rPr lang="en-US" dirty="0"/>
-              <a:t>Reveals blood oxygen level-</a:t>
-            </a:r>
-            <a:r>
-              <a:rPr lang="en-US" dirty="0" err="1"/>
-              <a:t>dependant</a:t>
-            </a:r>
-            <a:r>
-              <a:rPr lang="en-US" dirty="0"/>
-              <a:t> (BOLD) signal</a:t>
-            </a:r>
-          </a:p>
-          <a:p>
-            <a:pPr>
-              <a:buFont typeface="Arial" panose="020B0604020202020204" pitchFamily="34" charset="0"/>
-              <a:buChar char="•"/>
-            </a:pPr>
-            <a:r>
-              <a:rPr lang="en-US" dirty="0"/>
-              <a:t>Four dimensional image (x, y, z and time)</a:t>
-            </a:r>
-          </a:p>
-          <a:p>
-            <a:pPr marL="0" marR="0" lvl="0" indent="0" algn="l" defTabSz="914400" rtl="0" eaLnBrk="0" fontAlgn="base" latinLnBrk="0" hangingPunct="0">
-              <a:lnSpc>
-                <a:spcPct val="100000"/>
-              </a:lnSpc>
-              <a:spcBef>
-                <a:spcPct val="0"/>
-              </a:spcBef>
-              <a:spcAft>
-                <a:spcPct val="0"/>
-              </a:spcAft>
-              <a:buClrTx/>
-              <a:buSzTx/>
-              <a:buFontTx/>
-              <a:buNone/>
-              <a:tabLst/>
-            </a:pPr>
-            <a:endParaRPr kumimoji="0" lang="LID4096" altLang="LID4096" sz="1800" b="0" i="0" u="none" strike="noStrike" cap="none" normalizeH="0" baseline="0" dirty="0">
-              <a:ln>
-                <a:noFill/>
-              </a:ln>
-              <a:solidFill>
-                <a:schemeClr val="tx1"/>
-              </a:solidFill>
-              <a:effectLst/>
-              <a:latin typeface="Arial" panose="020B0604020202020204" pitchFamily="34" charset="0"/>
-            </a:endParaRPr>
-          </a:p>
-        </p:txBody>
-      </p:sp>
-      <p:pic>
-        <p:nvPicPr>
-          <p:cNvPr id="2060" name="Picture 12" descr="FMRI">
-            <a:extLst>
-              <a:ext uri="{FF2B5EF4-FFF2-40B4-BE49-F238E27FC236}">
-                <a16:creationId xmlns:a16="http://schemas.microsoft.com/office/drawing/2014/main" id="{6A285644-E4A3-DA04-5C0A-ECA7FE15068B}"/>
-              </a:ext>
-            </a:extLst>
-          </p:cNvPr>
-          <p:cNvPicPr>
-            <a:picLocks noChangeAspect="1" noChangeArrowheads="1"/>
-          </p:cNvPicPr>
-          <p:nvPr/>
-        </p:nvPicPr>
-        <p:blipFill>
-          <a:blip r:embed="rId2">
-            <a:extLst>
-              <a:ext uri="{28A0092B-C50C-407E-A947-70E740481C1C}">
-                <a14:useLocalDpi xmlns:a14="http://schemas.microsoft.com/office/drawing/2010/main" val="0"/>
-              </a:ext>
-            </a:extLst>
-          </a:blip>
-          <a:srcRect/>
-          <a:stretch>
-            <a:fillRect/>
-          </a:stretch>
-        </p:blipFill>
-        <p:spPr bwMode="auto">
-          <a:xfrm>
-            <a:off x="1844762" y="2042978"/>
-            <a:ext cx="3524250" cy="1952625"/>
-          </a:xfrm>
-          <a:prstGeom prst="rect">
-            <a:avLst/>
-          </a:prstGeom>
-          <a:noFill/>
-          <a:extLst>
-            <a:ext uri="{909E8E84-426E-40DD-AFC4-6F175D3DCCD1}">
-              <a14:hiddenFill xmlns:a14="http://schemas.microsoft.com/office/drawing/2010/main">
-                <a:solidFill>
-                  <a:srgbClr val="FFFFFF"/>
-                </a:solidFill>
-              </a14:hiddenFill>
-            </a:ext>
-          </a:extLst>
-        </p:spPr>
-      </p:pic>
-      <p:pic>
-        <p:nvPicPr>
-          <p:cNvPr id="2061" name="Picture 13" descr="FMRI timeseries">
-            <a:extLst>
-              <a:ext uri="{FF2B5EF4-FFF2-40B4-BE49-F238E27FC236}">
-                <a16:creationId xmlns:a16="http://schemas.microsoft.com/office/drawing/2014/main" id="{BB5223A7-8843-A0AC-225F-AED2DD75F56C}"/>
-              </a:ext>
-            </a:extLst>
-          </p:cNvPr>
-          <p:cNvPicPr>
-            <a:picLocks noChangeAspect="1" noChangeArrowheads="1"/>
-          </p:cNvPicPr>
-          <p:nvPr/>
-        </p:nvPicPr>
-        <p:blipFill>
-          <a:blip r:embed="rId3">
-            <a:extLst>
-              <a:ext uri="{28A0092B-C50C-407E-A947-70E740481C1C}">
-                <a14:useLocalDpi xmlns:a14="http://schemas.microsoft.com/office/drawing/2010/main" val="0"/>
-              </a:ext>
-            </a:extLst>
-          </a:blip>
-          <a:srcRect/>
-          <a:stretch>
-            <a:fillRect/>
-          </a:stretch>
-        </p:blipFill>
-        <p:spPr bwMode="auto">
-          <a:xfrm>
-            <a:off x="5872250" y="2042978"/>
-            <a:ext cx="4048125" cy="2409825"/>
-          </a:xfrm>
-          <a:prstGeom prst="rect">
-            <a:avLst/>
-          </a:prstGeom>
-          <a:noFill/>
-          <a:extLst>
-            <a:ext uri="{909E8E84-426E-40DD-AFC4-6F175D3DCCD1}">
-              <a14:hiddenFill xmlns:a14="http://schemas.microsoft.com/office/drawing/2010/main">
-                <a:solidFill>
-                  <a:srgbClr val="FFFFFF"/>
-                </a:solidFill>
-              </a14:hiddenFill>
-            </a:ext>
-          </a:extLst>
-        </p:spPr>
-      </p:pic>
-    </p:spTree>
-    <p:extLst>
-      <p:ext uri="{BB962C8B-B14F-4D97-AF65-F5344CB8AC3E}">
-        <p14:creationId xmlns:p14="http://schemas.microsoft.com/office/powerpoint/2010/main" val="3749806890"/>
-      </p:ext>
-    </p:extLst>
-  </p:cSld>
-  <p:clrMapOvr>
-    <a:masterClrMapping/>
-  </p:clrMapOvr>
-</p:sld>
-</file>
-
-<file path=ppt/slides/slide6.xml><?xml version="1.0" encoding="utf-8"?>
-<p:sld xmlns:a="http://schemas.openxmlformats.org/drawingml/2006/main" xmlns:r="http://schemas.openxmlformats.org/officeDocument/2006/relationships" xmlns:p="http://schemas.openxmlformats.org/presentationml/2006/main">
-  <p:cSld>
-    <p:spTree>
-      <p:nvGrpSpPr>
-        <p:cNvPr id="1" name=""/>
-        <p:cNvGrpSpPr/>
-        <p:nvPr/>
-      </p:nvGrpSpPr>
-      <p:grpSpPr>
-        <a:xfrm>
-          <a:off x="0" y="0"/>
-          <a:ext cx="0" cy="0"/>
-          <a:chOff x="0" y="0"/>
-          <a:chExt cx="0" cy="0"/>
-        </a:xfrm>
-      </p:grpSpPr>
-      <p:sp>
-        <p:nvSpPr>
-          <p:cNvPr id="11" name="Title 1">
-            <a:extLst>
-              <a:ext uri="{FF2B5EF4-FFF2-40B4-BE49-F238E27FC236}">
-                <a16:creationId xmlns:a16="http://schemas.microsoft.com/office/drawing/2014/main" id="{B2A99C44-0FF0-7D73-9F27-6EEA0C5C5DDC}"/>
-              </a:ext>
-            </a:extLst>
-          </p:cNvPr>
-          <p:cNvSpPr>
-            <a:spLocks noGrp="1"/>
-          </p:cNvSpPr>
-          <p:nvPr>
-            <p:ph type="title"/>
-          </p:nvPr>
-        </p:nvSpPr>
-        <p:spPr>
-          <a:xfrm>
-            <a:off x="2503926" y="0"/>
-            <a:ext cx="10972440" cy="1144800"/>
-          </a:xfrm>
-        </p:spPr>
-        <p:txBody>
-          <a:bodyPr/>
-          <a:lstStyle/>
-          <a:p>
-            <a:r>
-              <a:rPr lang="en-US" dirty="0"/>
-              <a:t>MRI: diffusion</a:t>
-            </a:r>
-            <a:endParaRPr lang="LID4096" dirty="0"/>
-          </a:p>
-        </p:txBody>
-      </p:sp>
-      <p:pic>
-        <p:nvPicPr>
-          <p:cNvPr id="15" name="Picture 14">
-            <a:extLst>
-              <a:ext uri="{FF2B5EF4-FFF2-40B4-BE49-F238E27FC236}">
-                <a16:creationId xmlns:a16="http://schemas.microsoft.com/office/drawing/2014/main" id="{8F4F3435-CB45-3AA7-9DD9-F820283CF9F7}"/>
-              </a:ext>
-            </a:extLst>
-          </p:cNvPr>
-          <p:cNvPicPr>
-            <a:picLocks noChangeAspect="1"/>
-          </p:cNvPicPr>
-          <p:nvPr/>
-        </p:nvPicPr>
-        <p:blipFill>
-          <a:blip r:embed="rId2">
-            <a:extLst>
-              <a:ext uri="{28A0092B-C50C-407E-A947-70E740481C1C}">
-                <a14:useLocalDpi xmlns:a14="http://schemas.microsoft.com/office/drawing/2010/main" val="0"/>
-              </a:ext>
-            </a:extLst>
-          </a:blip>
-          <a:stretch>
-            <a:fillRect/>
-          </a:stretch>
-        </p:blipFill>
-        <p:spPr>
-          <a:xfrm>
-            <a:off x="2281881" y="913147"/>
-            <a:ext cx="5651157" cy="4567155"/>
-          </a:xfrm>
-          <a:prstGeom prst="rect">
-            <a:avLst/>
-          </a:prstGeom>
-        </p:spPr>
-      </p:pic>
-      <p:sp>
-        <p:nvSpPr>
-          <p:cNvPr id="17" name="Rectangle 14">
-            <a:extLst>
-              <a:ext uri="{FF2B5EF4-FFF2-40B4-BE49-F238E27FC236}">
-                <a16:creationId xmlns:a16="http://schemas.microsoft.com/office/drawing/2014/main" id="{5FD13D6E-C67F-3A56-EFD2-DD7B92E6255E}"/>
-              </a:ext>
-            </a:extLst>
-          </p:cNvPr>
-          <p:cNvSpPr>
-            <a:spLocks noChangeArrowheads="1"/>
-          </p:cNvSpPr>
-          <p:nvPr/>
-        </p:nvSpPr>
-        <p:spPr bwMode="auto">
-          <a:xfrm>
-            <a:off x="1334530" y="5250244"/>
-            <a:ext cx="582831732" cy="1477328"/>
-          </a:xfrm>
-          <a:prstGeom prst="rect">
-            <a:avLst/>
-          </a:prstGeom>
-          <a:noFill/>
-          <a:ln>
-            <a:noFill/>
-          </a:ln>
-          <a:effectLst/>
-          <a:extLst>
-            <a:ext uri="{909E8E84-426E-40DD-AFC4-6F175D3DCCD1}">
-              <a14:hiddenFill xmlns:a14="http://schemas.microsoft.com/office/drawing/2010/main">
-                <a:solidFill>
-                  <a:schemeClr val="accent1"/>
-                </a:solidFill>
-              </a14:hiddenFill>
-            </a:ext>
-            <a:ext uri="{91240B29-F687-4F45-9708-019B960494DF}">
-              <a14:hiddenLine xmlns:a14="http://schemas.microsoft.com/office/drawing/2010/main" w="9525">
-                <a:solidFill>
-                  <a:schemeClr val="tx1"/>
-                </a:solidFill>
-                <a:miter lim="800000"/>
-                <a:headEnd/>
-                <a:tailEnd/>
-              </a14:hiddenLine>
-            </a:ext>
-            <a:ext uri="{AF507438-7753-43E0-B8FC-AC1667EBCBE1}">
-              <a14:hiddenEffects xmlns:a14="http://schemas.microsoft.com/office/drawing/2010/main">
-                <a:effectLst>
-                  <a:outerShdw dist="35921" dir="2700000" algn="ctr" rotWithShape="0">
-                    <a:schemeClr val="bg2"/>
-                  </a:outerShdw>
-                </a:effectLst>
-              </a14:hiddenEffects>
-            </a:ext>
-          </a:extLst>
-        </p:spPr>
-        <p:txBody>
-          <a:bodyPr vert="horz" wrap="square" lIns="91440" tIns="45720" rIns="91440" bIns="45720" numCol="1" anchor="ctr" anchorCtr="0" compatLnSpc="1">
-            <a:prstTxWarp prst="textNoShape">
-              <a:avLst/>
-            </a:prstTxWarp>
-            <a:spAutoFit/>
-          </a:bodyPr>
-          <a:lstStyle/>
-          <a:p>
-            <a:pPr marL="0" marR="0" lvl="0" indent="0" algn="l" defTabSz="914400" rtl="0" eaLnBrk="0" fontAlgn="base" latinLnBrk="0" hangingPunct="0">
-              <a:lnSpc>
-                <a:spcPct val="100000"/>
-              </a:lnSpc>
-              <a:spcBef>
-                <a:spcPct val="0"/>
-              </a:spcBef>
-              <a:spcAft>
-                <a:spcPct val="0"/>
-              </a:spcAft>
-              <a:buClrTx/>
-              <a:buSzTx/>
-              <a:buFontTx/>
-              <a:buNone/>
-              <a:tabLst/>
-            </a:pPr>
-            <a:endParaRPr kumimoji="0" lang="LID4096" altLang="LID4096" sz="1800" b="0" i="0" u="none" strike="noStrike" cap="none" normalizeH="0" baseline="0">
-              <a:ln>
-                <a:noFill/>
-              </a:ln>
-              <a:solidFill>
-                <a:schemeClr val="tx1"/>
-              </a:solidFill>
-              <a:effectLst/>
-              <a:latin typeface="Arial" panose="020B0604020202020204" pitchFamily="34" charset="0"/>
-            </a:endParaRPr>
-          </a:p>
-          <a:p>
-            <a:pPr marL="0" marR="0" lvl="0" indent="0" algn="l" defTabSz="914400" rtl="0" eaLnBrk="0" fontAlgn="base" latinLnBrk="0" hangingPunct="0">
-              <a:lnSpc>
-                <a:spcPct val="100000"/>
-              </a:lnSpc>
-              <a:spcBef>
-                <a:spcPct val="0"/>
-              </a:spcBef>
-              <a:spcAft>
-                <a:spcPct val="0"/>
-              </a:spcAft>
-              <a:buClrTx/>
-              <a:buSzTx/>
-              <a:buFontTx/>
-              <a:buChar char="•"/>
-              <a:tabLst/>
-            </a:pPr>
-            <a:r>
-              <a:rPr kumimoji="0" lang="LID4096" altLang="LID4096" sz="1800" b="0" i="0" u="none" strike="noStrike" cap="none" normalizeH="0" baseline="0">
-                <a:ln>
-                  <a:noFill/>
-                </a:ln>
-                <a:solidFill>
-                  <a:schemeClr val="tx1"/>
-                </a:solidFill>
-                <a:effectLst/>
-                <a:latin typeface="Arial" panose="020B0604020202020204" pitchFamily="34" charset="0"/>
-              </a:rPr>
-              <a:t>Measures diffusion of water in order to model tissue microstructure </a:t>
-            </a:r>
-          </a:p>
-          <a:p>
-            <a:pPr marL="0" marR="0" lvl="0" indent="0" algn="l" defTabSz="914400" rtl="0" eaLnBrk="0" fontAlgn="base" latinLnBrk="0" hangingPunct="0">
-              <a:lnSpc>
-                <a:spcPct val="100000"/>
-              </a:lnSpc>
-              <a:spcBef>
-                <a:spcPct val="0"/>
-              </a:spcBef>
-              <a:spcAft>
-                <a:spcPct val="0"/>
-              </a:spcAft>
-              <a:buClrTx/>
-              <a:buSzTx/>
-              <a:buFontTx/>
-              <a:buChar char="•"/>
-              <a:tabLst/>
-            </a:pPr>
-            <a:r>
-              <a:rPr kumimoji="0" lang="LID4096" altLang="LID4096" sz="1800" b="0" i="0" u="none" strike="noStrike" cap="none" normalizeH="0" baseline="0">
-                <a:ln>
-                  <a:noFill/>
-                </a:ln>
-                <a:solidFill>
-                  <a:schemeClr val="tx1"/>
-                </a:solidFill>
-                <a:effectLst/>
-                <a:latin typeface="Arial" panose="020B0604020202020204" pitchFamily="34" charset="0"/>
-              </a:rPr>
-              <a:t>Four dimensional images (x, y, z + direction of diffusion) </a:t>
-            </a:r>
-          </a:p>
-          <a:p>
-            <a:pPr marL="0" marR="0" lvl="0" indent="0" algn="l" defTabSz="914400" rtl="0" eaLnBrk="0" fontAlgn="base" latinLnBrk="0" hangingPunct="0">
-              <a:lnSpc>
-                <a:spcPct val="100000"/>
-              </a:lnSpc>
-              <a:spcBef>
-                <a:spcPct val="0"/>
-              </a:spcBef>
-              <a:spcAft>
-                <a:spcPct val="0"/>
-              </a:spcAft>
-              <a:buClrTx/>
-              <a:buSzTx/>
-              <a:buFontTx/>
-              <a:buChar char="•"/>
-              <a:tabLst/>
-            </a:pPr>
-            <a:r>
-              <a:rPr kumimoji="0" lang="LID4096" altLang="LID4096" sz="1800" b="0" i="0" u="none" strike="noStrike" cap="none" normalizeH="0" baseline="0">
-                <a:ln>
-                  <a:noFill/>
-                </a:ln>
-                <a:solidFill>
-                  <a:schemeClr val="tx1"/>
-                </a:solidFill>
-                <a:effectLst/>
-                <a:latin typeface="Arial" panose="020B0604020202020204" pitchFamily="34" charset="0"/>
-              </a:rPr>
-              <a:t>Has parameters about the strength of the diffusion “gradient” and its direction in </a:t>
-            </a:r>
-            <a:r>
-              <a:rPr kumimoji="0" lang="LID4096" altLang="LID4096" sz="1000" b="0" i="0" u="none" strike="noStrike" cap="none" normalizeH="0" baseline="0">
-                <a:ln>
-                  <a:noFill/>
-                </a:ln>
-                <a:solidFill>
-                  <a:schemeClr val="tx1"/>
-                </a:solidFill>
-                <a:effectLst/>
-                <a:latin typeface="Arial Unicode MS"/>
-              </a:rPr>
-              <a:t>.bval</a:t>
-            </a:r>
-            <a:r>
-              <a:rPr kumimoji="0" lang="LID4096" altLang="LID4096" sz="800" b="0" i="0" u="none" strike="noStrike" cap="none" normalizeH="0" baseline="0">
-                <a:ln>
-                  <a:noFill/>
-                </a:ln>
-                <a:solidFill>
-                  <a:schemeClr val="tx1"/>
-                </a:solidFill>
-                <a:effectLst/>
-              </a:rPr>
-              <a:t> and </a:t>
-            </a:r>
-            <a:r>
-              <a:rPr kumimoji="0" lang="LID4096" altLang="LID4096" sz="1000" b="0" i="0" u="none" strike="noStrike" cap="none" normalizeH="0" baseline="0">
-                <a:ln>
-                  <a:noFill/>
-                </a:ln>
-                <a:solidFill>
-                  <a:schemeClr val="tx1"/>
-                </a:solidFill>
-                <a:effectLst/>
-                <a:latin typeface="Arial Unicode MS"/>
-              </a:rPr>
-              <a:t>.bvec</a:t>
-            </a:r>
-            <a:r>
-              <a:rPr kumimoji="0" lang="LID4096" altLang="LID4096" sz="800" b="0" i="0" u="none" strike="noStrike" cap="none" normalizeH="0" baseline="0">
-                <a:ln>
-                  <a:noFill/>
-                </a:ln>
-                <a:solidFill>
-                  <a:schemeClr val="tx1"/>
-                </a:solidFill>
-                <a:effectLst/>
-              </a:rPr>
-              <a:t> files</a:t>
-            </a:r>
-            <a:r>
-              <a:rPr kumimoji="0" lang="LID4096" altLang="LID4096" sz="1800" b="0" i="0" u="none" strike="noStrike" cap="none" normalizeH="0" baseline="0">
-                <a:ln>
-                  <a:noFill/>
-                </a:ln>
-                <a:solidFill>
-                  <a:schemeClr val="tx1"/>
-                </a:solidFill>
-                <a:effectLst/>
-                <a:latin typeface="Arial" panose="020B0604020202020204" pitchFamily="34" charset="0"/>
-              </a:rPr>
-              <a:t> </a:t>
-            </a:r>
-          </a:p>
-          <a:p>
-            <a:pPr marL="0" marR="0" lvl="0" indent="0" algn="l" defTabSz="914400" rtl="0" eaLnBrk="0" fontAlgn="base" latinLnBrk="0" hangingPunct="0">
-              <a:lnSpc>
-                <a:spcPct val="100000"/>
-              </a:lnSpc>
-              <a:spcBef>
-                <a:spcPct val="0"/>
-              </a:spcBef>
-              <a:spcAft>
-                <a:spcPct val="0"/>
-              </a:spcAft>
-              <a:buClrTx/>
-              <a:buSzTx/>
-              <a:buFontTx/>
-              <a:buNone/>
-              <a:tabLst/>
-            </a:pPr>
-            <a:endParaRPr kumimoji="0" lang="LID4096" altLang="LID4096" sz="1800" b="0" i="0" u="none" strike="noStrike" cap="none" normalizeH="0" baseline="0">
-              <a:ln>
-                <a:noFill/>
-              </a:ln>
-              <a:solidFill>
-                <a:schemeClr val="tx1"/>
-              </a:solidFill>
-              <a:effectLst/>
-              <a:latin typeface="Arial" panose="020B0604020202020204" pitchFamily="34" charset="0"/>
-            </a:endParaRPr>
-          </a:p>
-        </p:txBody>
-      </p:sp>
-    </p:spTree>
-    <p:extLst>
-      <p:ext uri="{BB962C8B-B14F-4D97-AF65-F5344CB8AC3E}">
-        <p14:creationId xmlns:p14="http://schemas.microsoft.com/office/powerpoint/2010/main" val="3021802691"/>
-      </p:ext>
-    </p:extLst>
-  </p:cSld>
-  <p:clrMapOvr>
-    <a:masterClrMapping/>
-  </p:clrMapOvr>
-</p:sld>
-</file>
-
 <file path=ppt/slides/slide7.xml><?xml version="1.0" encoding="utf-8"?>
 <p:sld xmlns:a="http://schemas.openxmlformats.org/drawingml/2006/main" xmlns:r="http://schemas.openxmlformats.org/officeDocument/2006/relationships" xmlns:p="http://schemas.openxmlformats.org/presentationml/2006/main">
   <p:cSld>
@@ -20005,10 +23220,10 @@
       </p:grpSpPr>
       <p:sp>
         <p:nvSpPr>
-          <p:cNvPr id="11" name="Title 1">
+          <p:cNvPr id="2" name="Title 1">
             <a:extLst>
               <a:ext uri="{FF2B5EF4-FFF2-40B4-BE49-F238E27FC236}">
-                <a16:creationId xmlns:a16="http://schemas.microsoft.com/office/drawing/2014/main" id="{B2A99C44-0FF0-7D73-9F27-6EEA0C5C5DDC}"/>
+                <a16:creationId xmlns:a16="http://schemas.microsoft.com/office/drawing/2014/main" id="{573F9740-341C-FEF5-6DA9-A47A5111FF37}"/>
               </a:ext>
             </a:extLst>
           </p:cNvPr>
@@ -20021,7 +23236,7 @@
         </p:nvSpPr>
         <p:spPr>
           <a:xfrm>
-            <a:off x="2503926" y="0"/>
+            <a:off x="2682829" y="241702"/>
             <a:ext cx="10972440" cy="1144800"/>
           </a:xfrm>
         </p:spPr>
@@ -20031,181 +23246,18 @@
           <a:p>
             <a:r>
               <a:rPr lang="en-US" dirty="0"/>
-              <a:t>MRI: more and more</a:t>
+              <a:t>MRI: anatomical</a:t>
             </a:r>
             <a:endParaRPr lang="LID4096" dirty="0"/>
           </a:p>
         </p:txBody>
       </p:sp>
-      <p:sp>
-        <p:nvSpPr>
-          <p:cNvPr id="17" name="Rectangle 14">
+      <p:pic>
+        <p:nvPicPr>
+          <p:cNvPr id="4" name="Picture 3">
             <a:extLst>
               <a:ext uri="{FF2B5EF4-FFF2-40B4-BE49-F238E27FC236}">
-                <a16:creationId xmlns:a16="http://schemas.microsoft.com/office/drawing/2014/main" id="{5FD13D6E-C67F-3A56-EFD2-DD7B92E6255E}"/>
-              </a:ext>
-            </a:extLst>
-          </p:cNvPr>
-          <p:cNvSpPr>
-            <a:spLocks noChangeArrowheads="1"/>
-          </p:cNvSpPr>
-          <p:nvPr/>
-        </p:nvSpPr>
-        <p:spPr bwMode="auto">
-          <a:xfrm>
-            <a:off x="1334530" y="5527243"/>
-            <a:ext cx="582831732" cy="923330"/>
-          </a:xfrm>
-          <a:prstGeom prst="rect">
-            <a:avLst/>
-          </a:prstGeom>
-          <a:noFill/>
-          <a:ln>
-            <a:noFill/>
-          </a:ln>
-          <a:effectLst/>
-          <a:extLst>
-            <a:ext uri="{909E8E84-426E-40DD-AFC4-6F175D3DCCD1}">
-              <a14:hiddenFill xmlns:a14="http://schemas.microsoft.com/office/drawing/2010/main">
-                <a:solidFill>
-                  <a:schemeClr val="accent1"/>
-                </a:solidFill>
-              </a14:hiddenFill>
-            </a:ext>
-            <a:ext uri="{91240B29-F687-4F45-9708-019B960494DF}">
-              <a14:hiddenLine xmlns:a14="http://schemas.microsoft.com/office/drawing/2010/main" w="9525">
-                <a:solidFill>
-                  <a:schemeClr val="tx1"/>
-                </a:solidFill>
-                <a:miter lim="800000"/>
-                <a:headEnd/>
-                <a:tailEnd/>
-              </a14:hiddenLine>
-            </a:ext>
-            <a:ext uri="{AF507438-7753-43E0-B8FC-AC1667EBCBE1}">
-              <a14:hiddenEffects xmlns:a14="http://schemas.microsoft.com/office/drawing/2010/main">
-                <a:effectLst>
-                  <a:outerShdw dist="35921" dir="2700000" algn="ctr" rotWithShape="0">
-                    <a:schemeClr val="bg2"/>
-                  </a:outerShdw>
-                </a:effectLst>
-              </a14:hiddenEffects>
-            </a:ext>
-          </a:extLst>
-        </p:spPr>
-        <p:txBody>
-          <a:bodyPr vert="horz" wrap="square" lIns="91440" tIns="45720" rIns="91440" bIns="45720" numCol="1" anchor="ctr" anchorCtr="0" compatLnSpc="1">
-            <a:prstTxWarp prst="textNoShape">
-              <a:avLst/>
-            </a:prstTxWarp>
-            <a:spAutoFit/>
-          </a:bodyPr>
-          <a:lstStyle/>
-          <a:p>
-            <a:pPr marL="0" marR="0" lvl="0" indent="0" algn="l" defTabSz="914400" rtl="0" eaLnBrk="0" fontAlgn="base" latinLnBrk="0" hangingPunct="0">
-              <a:lnSpc>
-                <a:spcPct val="100000"/>
-              </a:lnSpc>
-              <a:spcBef>
-                <a:spcPct val="0"/>
-              </a:spcBef>
-              <a:spcAft>
-                <a:spcPct val="0"/>
-              </a:spcAft>
-              <a:buClrTx/>
-              <a:buSzTx/>
-              <a:buFontTx/>
-              <a:buNone/>
-              <a:tabLst/>
-            </a:pPr>
-            <a:endParaRPr kumimoji="0" lang="LID4096" altLang="LID4096" sz="1800" b="0" i="0" u="none" strike="noStrike" cap="none" normalizeH="0" baseline="0" dirty="0">
-              <a:ln>
-                <a:noFill/>
-              </a:ln>
-              <a:solidFill>
-                <a:schemeClr val="tx1"/>
-              </a:solidFill>
-              <a:effectLst/>
-              <a:latin typeface="Arial" panose="020B0604020202020204" pitchFamily="34" charset="0"/>
-            </a:endParaRPr>
-          </a:p>
-          <a:p>
-            <a:pPr marL="0" marR="0" lvl="0" indent="0" algn="l" defTabSz="914400" rtl="0" eaLnBrk="0" fontAlgn="base" latinLnBrk="0" hangingPunct="0">
-              <a:lnSpc>
-                <a:spcPct val="100000"/>
-              </a:lnSpc>
-              <a:spcBef>
-                <a:spcPct val="0"/>
-              </a:spcBef>
-              <a:spcAft>
-                <a:spcPct val="0"/>
-              </a:spcAft>
-              <a:buClrTx/>
-              <a:buSzTx/>
-              <a:buFontTx/>
-              <a:buChar char="•"/>
-              <a:tabLst/>
-            </a:pPr>
-            <a:r>
-              <a:rPr kumimoji="0" lang="en-US" altLang="LID4096" sz="1800" b="0" i="0" u="none" strike="noStrike" cap="none" normalizeH="0" baseline="0" dirty="0">
-                <a:ln>
-                  <a:noFill/>
-                </a:ln>
-                <a:solidFill>
-                  <a:schemeClr val="tx1"/>
-                </a:solidFill>
-                <a:effectLst/>
-                <a:latin typeface="Arial" panose="020B0604020202020204" pitchFamily="34" charset="0"/>
-              </a:rPr>
-              <a:t>MRA, TOF, Perfusion sequences, new sequences…and spectroscopy</a:t>
-            </a:r>
-            <a:endParaRPr kumimoji="0" lang="LID4096" altLang="LID4096" sz="1800" b="0" i="0" u="none" strike="noStrike" cap="none" normalizeH="0" baseline="0" dirty="0">
-              <a:ln>
-                <a:noFill/>
-              </a:ln>
-              <a:solidFill>
-                <a:schemeClr val="tx1"/>
-              </a:solidFill>
-              <a:effectLst/>
-              <a:latin typeface="Arial" panose="020B0604020202020204" pitchFamily="34" charset="0"/>
-            </a:endParaRPr>
-          </a:p>
-          <a:p>
-            <a:pPr marL="0" marR="0" lvl="0" indent="0" algn="l" defTabSz="914400" rtl="0" eaLnBrk="0" fontAlgn="base" latinLnBrk="0" hangingPunct="0">
-              <a:lnSpc>
-                <a:spcPct val="100000"/>
-              </a:lnSpc>
-              <a:spcBef>
-                <a:spcPct val="0"/>
-              </a:spcBef>
-              <a:spcAft>
-                <a:spcPct val="0"/>
-              </a:spcAft>
-              <a:buClrTx/>
-              <a:buSzTx/>
-              <a:buFontTx/>
-              <a:buNone/>
-              <a:tabLst/>
-            </a:pPr>
-            <a:endParaRPr kumimoji="0" lang="LID4096" altLang="LID4096" sz="1800" b="0" i="0" u="none" strike="noStrike" cap="none" normalizeH="0" baseline="0" dirty="0">
-              <a:ln>
-                <a:noFill/>
-              </a:ln>
-              <a:solidFill>
-                <a:schemeClr val="tx1"/>
-              </a:solidFill>
-              <a:effectLst/>
-              <a:latin typeface="Arial" panose="020B0604020202020204" pitchFamily="34" charset="0"/>
-            </a:endParaRPr>
-          </a:p>
-        </p:txBody>
-      </p:sp>
-      <p:pic>
-        <p:nvPicPr>
-          <p:cNvPr id="3" name="Graphic 2" descr="Infinity with solid fill">
-            <a:extLst>
-              <a:ext uri="{FF2B5EF4-FFF2-40B4-BE49-F238E27FC236}">
-                <a16:creationId xmlns:a16="http://schemas.microsoft.com/office/drawing/2014/main" id="{99F1FBFF-00FA-017E-C340-562B0EF96BCC}"/>
+                <a16:creationId xmlns:a16="http://schemas.microsoft.com/office/drawing/2014/main" id="{3889A1CB-3BE9-4D0A-74DE-22634665C3DA}"/>
               </a:ext>
             </a:extLst>
           </p:cNvPr>
@@ -20215,31 +23267,216 @@
           <p:nvPr/>
         </p:nvPicPr>
         <p:blipFill>
-          <a:blip r:embed="rId2">
-            <a:extLst>
-              <a:ext uri="{96DAC541-7B7A-43D3-8B79-37D633B846F1}">
-                <asvg:svgBlip xmlns:asvg="http://schemas.microsoft.com/office/drawing/2016/SVG/main" r:embed="rId3"/>
-              </a:ext>
-            </a:extLst>
-          </a:blip>
+          <a:blip r:embed="rId2"/>
           <a:stretch>
             <a:fillRect/>
           </a:stretch>
         </p:blipFill>
         <p:spPr>
           <a:xfrm>
-            <a:off x="2503926" y="284551"/>
-            <a:ext cx="6166022" cy="6166022"/>
+            <a:off x="321156" y="1555905"/>
+            <a:ext cx="3608618" cy="2539112"/>
           </a:xfrm>
           <a:prstGeom prst="rect">
             <a:avLst/>
           </a:prstGeom>
         </p:spPr>
       </p:pic>
+      <p:sp>
+        <p:nvSpPr>
+          <p:cNvPr id="5" name="TextBox 4">
+            <a:extLst>
+              <a:ext uri="{FF2B5EF4-FFF2-40B4-BE49-F238E27FC236}">
+                <a16:creationId xmlns:a16="http://schemas.microsoft.com/office/drawing/2014/main" id="{838DD7D3-94C9-2C78-BF35-838F4C0C3D64}"/>
+              </a:ext>
+            </a:extLst>
+          </p:cNvPr>
+          <p:cNvSpPr txBox="1"/>
+          <p:nvPr/>
+        </p:nvSpPr>
+        <p:spPr>
+          <a:xfrm>
+            <a:off x="4168346" y="1555905"/>
+            <a:ext cx="6485477" cy="3293209"/>
+          </a:xfrm>
+          <a:prstGeom prst="rect">
+            <a:avLst/>
+          </a:prstGeom>
+          <a:noFill/>
+        </p:spPr>
+        <p:txBody>
+          <a:bodyPr wrap="square" rtlCol="0">
+            <a:spAutoFit/>
+          </a:bodyPr>
+          <a:lstStyle/>
+          <a:p>
+            <a:pPr algn="ctr"/>
+            <a:r>
+              <a:rPr lang="en-US" sz="1600" b="1" dirty="0"/>
+              <a:t>Two different T2</a:t>
+            </a:r>
+          </a:p>
+          <a:p>
+            <a:endParaRPr lang="en-US" sz="1600" dirty="0"/>
+          </a:p>
+          <a:p>
+            <a:r>
+              <a:rPr lang="en-US" sz="1600" dirty="0"/>
+              <a:t>BLADE = vendor specific PROPELLOR reconstruction algorithm</a:t>
+            </a:r>
+          </a:p>
+          <a:p>
+            <a:r>
+              <a:rPr lang="en-US" sz="1600" dirty="0"/>
+              <a:t>motion reduction technique (k-space sampling)</a:t>
+            </a:r>
+          </a:p>
+          <a:p>
+            <a:endParaRPr lang="en-US" sz="1600" dirty="0"/>
+          </a:p>
+          <a:p>
+            <a:endParaRPr lang="en-US" sz="1600" dirty="0"/>
+          </a:p>
+          <a:p>
+            <a:endParaRPr lang="en-US" sz="1600" dirty="0"/>
+          </a:p>
+          <a:p>
+            <a:endParaRPr lang="en-US" sz="1600" dirty="0"/>
+          </a:p>
+          <a:p>
+            <a:endParaRPr lang="en-US" sz="1600" dirty="0"/>
+          </a:p>
+          <a:p>
+            <a:r>
+              <a:rPr lang="en-US" sz="1600" dirty="0"/>
+              <a:t>HASTE= vendor specific (</a:t>
+            </a:r>
+            <a:r>
+              <a:rPr lang="en-US" sz="1600" dirty="0" err="1"/>
+              <a:t>Siemans</a:t>
+            </a:r>
+            <a:r>
+              <a:rPr lang="en-US" sz="1600" dirty="0"/>
+              <a:t>- half </a:t>
+            </a:r>
+            <a:r>
+              <a:rPr lang="en-US" sz="1600" dirty="0" err="1"/>
+              <a:t>fourier</a:t>
+            </a:r>
+            <a:r>
+              <a:rPr lang="en-US" sz="1600" dirty="0"/>
+              <a:t> single short turbo spin echo) fast, k-space data after a single pulse; great for people who move like people with abdomens</a:t>
+            </a:r>
+          </a:p>
+          <a:p>
+            <a:endParaRPr lang="LID4096" sz="1600" dirty="0"/>
+          </a:p>
+        </p:txBody>
+      </p:sp>
+      <p:sp>
+        <p:nvSpPr>
+          <p:cNvPr id="6" name="PlaceHolder 2">
+            <a:extLst>
+              <a:ext uri="{FF2B5EF4-FFF2-40B4-BE49-F238E27FC236}">
+                <a16:creationId xmlns:a16="http://schemas.microsoft.com/office/drawing/2014/main" id="{07D78F42-B313-2959-170B-CD72B1829137}"/>
+              </a:ext>
+            </a:extLst>
+          </p:cNvPr>
+          <p:cNvSpPr txBox="1">
+            <a:spLocks/>
+          </p:cNvSpPr>
+          <p:nvPr/>
+        </p:nvSpPr>
+        <p:spPr>
+          <a:xfrm>
+            <a:off x="192066" y="4264420"/>
+            <a:ext cx="3539675" cy="431148"/>
+          </a:xfrm>
+          <a:prstGeom prst="rect">
+            <a:avLst/>
+          </a:prstGeom>
+          <a:noFill/>
+          <a:ln w="0">
+            <a:noFill/>
+          </a:ln>
+        </p:spPr>
+        <p:txBody>
+          <a:bodyPr lIns="0" tIns="0" rIns="0" bIns="0" anchor="t">
+            <a:noAutofit/>
+          </a:bodyPr>
+          <a:lstStyle>
+            <a:lvl1pPr algn="l" defTabSz="914400" rtl="0" eaLnBrk="1" latinLnBrk="0" hangingPunct="1">
+              <a:lnSpc>
+                <a:spcPct val="90000"/>
+              </a:lnSpc>
+              <a:spcBef>
+                <a:spcPct val="0"/>
+              </a:spcBef>
+              <a:buNone/>
+              <a:defRPr sz="4400" kern="1200">
+                <a:solidFill>
+                  <a:schemeClr val="tx1"/>
+                </a:solidFill>
+                <a:latin typeface="+mj-lt"/>
+                <a:ea typeface="+mj-ea"/>
+                <a:cs typeface="+mj-cs"/>
+              </a:defRPr>
+            </a:lvl1pPr>
+          </a:lstStyle>
+          <a:p>
+            <a:pPr algn="ctr">
+              <a:lnSpc>
+                <a:spcPct val="100000"/>
+              </a:lnSpc>
+              <a:spcBef>
+                <a:spcPts val="1001"/>
+              </a:spcBef>
+              <a:tabLst>
+                <a:tab pos="0" algn="l"/>
+              </a:tabLst>
+            </a:pPr>
+            <a:r>
+              <a:rPr lang="nl-NL" sz="1050" spc="-1" dirty="0">
+                <a:solidFill>
+                  <a:srgbClr val="000000"/>
+                </a:solidFill>
+                <a:latin typeface="Assistant"/>
+              </a:rPr>
+              <a:t>Image </a:t>
+            </a:r>
+            <a:r>
+              <a:rPr lang="nl-NL" sz="1050" spc="-1" dirty="0" err="1">
+                <a:solidFill>
+                  <a:srgbClr val="000000"/>
+                </a:solidFill>
+                <a:latin typeface="Assistant"/>
+              </a:rPr>
+              <a:t>from</a:t>
+            </a:r>
+            <a:r>
+              <a:rPr lang="nl-NL" sz="1050" spc="-1" dirty="0">
+                <a:solidFill>
+                  <a:srgbClr val="000000"/>
+                </a:solidFill>
+                <a:latin typeface="Assistant"/>
+              </a:rPr>
+              <a:t> </a:t>
+            </a:r>
+            <a:r>
+              <a:rPr lang="en-US" sz="1050" b="1" dirty="0"/>
+              <a:t>The Feasibility of a Fast Liver MRI Protocol for Lesion Detection of Adults at 3.0-T, </a:t>
+            </a:r>
+            <a:r>
+              <a:rPr lang="en-US" sz="1050" dirty="0"/>
+              <a:t>Li et al.</a:t>
+            </a:r>
+          </a:p>
+        </p:txBody>
+      </p:sp>
     </p:spTree>
     <p:extLst>
       <p:ext uri="{BB962C8B-B14F-4D97-AF65-F5344CB8AC3E}">
-        <p14:creationId xmlns:p14="http://schemas.microsoft.com/office/powerpoint/2010/main" val="2581292785"/>
+        <p14:creationId xmlns:p14="http://schemas.microsoft.com/office/powerpoint/2010/main" val="3945028667"/>
       </p:ext>
     </p:extLst>
   </p:cSld>
@@ -21996,10 +25233,10 @@
       </p:grpSpPr>
       <p:sp>
         <p:nvSpPr>
-          <p:cNvPr id="11" name="Title 1">
+          <p:cNvPr id="2" name="Title 1">
             <a:extLst>
               <a:ext uri="{FF2B5EF4-FFF2-40B4-BE49-F238E27FC236}">
-                <a16:creationId xmlns:a16="http://schemas.microsoft.com/office/drawing/2014/main" id="{B2A99C44-0FF0-7D73-9F27-6EEA0C5C5DDC}"/>
+                <a16:creationId xmlns:a16="http://schemas.microsoft.com/office/drawing/2014/main" id="{B0F3AD32-E942-F4E7-3D98-E91CA2392B62}"/>
               </a:ext>
             </a:extLst>
           </p:cNvPr>
@@ -22012,8 +25249,8 @@
         </p:nvSpPr>
         <p:spPr>
           <a:xfrm>
-            <a:off x="2503926" y="0"/>
-            <a:ext cx="10972440" cy="1144800"/>
+            <a:off x="3067049" y="102150"/>
+            <a:ext cx="8371995" cy="1144800"/>
           </a:xfrm>
         </p:spPr>
         <p:txBody>
@@ -22022,7 +25259,7 @@
           <a:p>
             <a:r>
               <a:rPr lang="en-US" dirty="0"/>
-              <a:t>MRI: programming nomenclature</a:t>
+              <a:t>MRI : coding along</a:t>
             </a:r>
             <a:endParaRPr lang="LID4096" dirty="0"/>
           </a:p>
@@ -22030,10 +25267,10 @@
       </p:sp>
       <p:sp>
         <p:nvSpPr>
-          <p:cNvPr id="2" name="TextBox 1">
+          <p:cNvPr id="7" name="TextBox 6">
             <a:extLst>
               <a:ext uri="{FF2B5EF4-FFF2-40B4-BE49-F238E27FC236}">
-                <a16:creationId xmlns:a16="http://schemas.microsoft.com/office/drawing/2014/main" id="{DC8BA26C-E16D-053E-1BBF-4BE06714E1D3}"/>
+                <a16:creationId xmlns:a16="http://schemas.microsoft.com/office/drawing/2014/main" id="{BD7F0E49-B2A9-64CE-A140-5DCF7A39CAA5}"/>
               </a:ext>
             </a:extLst>
           </p:cNvPr>
@@ -22042,8 +25279,8 @@
         </p:nvSpPr>
         <p:spPr>
           <a:xfrm>
-            <a:off x="1043374" y="879969"/>
-            <a:ext cx="8743178" cy="923330"/>
+            <a:off x="2421668" y="1123539"/>
+            <a:ext cx="8371994" cy="5632311"/>
           </a:xfrm>
           <a:prstGeom prst="rect">
             <a:avLst/>
@@ -22056,32 +25293,106 @@
           </a:bodyPr>
           <a:lstStyle/>
           <a:p>
-            <a:r>
-              <a:rPr lang="en-US" dirty="0"/>
-              <a:t>Properties, Method  and Attributes in Python: </a:t>
-            </a:r>
-          </a:p>
-          <a:p>
-            <a:r>
-              <a:rPr lang="en-US" dirty="0"/>
-              <a:t>For precise definitions use the Python docs glossary</a:t>
-            </a:r>
-          </a:p>
-          <a:p>
-            <a:r>
-              <a:rPr lang="en-US" dirty="0"/>
-              <a:t> </a:t>
-            </a:r>
-            <a:endParaRPr lang="LID4096" dirty="0"/>
+            <a:pPr algn="ctr"/>
+            <a:r>
+              <a:rPr lang="en-US" sz="2400" dirty="0"/>
+              <a:t>Turning DICOM </a:t>
+            </a:r>
+            <a:r>
+              <a:rPr lang="en-US" sz="2400" dirty="0">
+                <a:sym typeface="Wingdings" panose="05000000000000000000" pitchFamily="2" charset="2"/>
+              </a:rPr>
+              <a:t> NIFTI can be done in </a:t>
+            </a:r>
+            <a:r>
+              <a:rPr lang="en-US" sz="2400" i="1" dirty="0">
+                <a:sym typeface="Wingdings" panose="05000000000000000000" pitchFamily="2" charset="2"/>
+              </a:rPr>
+              <a:t>many ways</a:t>
+            </a:r>
+          </a:p>
+          <a:p>
+            <a:pPr algn="ctr"/>
+            <a:endParaRPr lang="en-US" sz="2400" dirty="0">
+              <a:sym typeface="Wingdings" panose="05000000000000000000" pitchFamily="2" charset="2"/>
+            </a:endParaRPr>
+          </a:p>
+          <a:p>
+            <a:pPr algn="ctr"/>
+            <a:r>
+              <a:rPr lang="en-US" sz="2400" dirty="0"/>
+              <a:t>dcm2niix convenient for BIDS standard</a:t>
+            </a:r>
+            <a:endParaRPr lang="LID4096" sz="2400" dirty="0"/>
+          </a:p>
+          <a:p>
+            <a:pPr algn="ctr"/>
+            <a:endParaRPr lang="en-US" sz="2400" b="1" dirty="0">
+              <a:sym typeface="Wingdings" panose="05000000000000000000" pitchFamily="2" charset="2"/>
+            </a:endParaRPr>
+          </a:p>
+          <a:p>
+            <a:pPr algn="ctr"/>
+            <a:endParaRPr lang="en-US" sz="2400" b="1" dirty="0">
+              <a:sym typeface="Wingdings" panose="05000000000000000000" pitchFamily="2" charset="2"/>
+            </a:endParaRPr>
+          </a:p>
+          <a:p>
+            <a:pPr algn="ctr"/>
+            <a:endParaRPr lang="en-US" sz="2400" b="1" dirty="0">
+              <a:sym typeface="Wingdings" panose="05000000000000000000" pitchFamily="2" charset="2"/>
+            </a:endParaRPr>
+          </a:p>
+          <a:p>
+            <a:pPr algn="ctr"/>
+            <a:endParaRPr lang="en-US" sz="2400" dirty="0"/>
+          </a:p>
+          <a:p>
+            <a:pPr algn="ctr"/>
+            <a:endParaRPr lang="en-US" sz="2400" dirty="0"/>
+          </a:p>
+          <a:p>
+            <a:pPr algn="ctr"/>
+            <a:endParaRPr lang="en-US" sz="2400" dirty="0"/>
+          </a:p>
+          <a:p>
+            <a:pPr algn="ctr"/>
+            <a:endParaRPr lang="en-US" sz="2400" dirty="0"/>
+          </a:p>
+          <a:p>
+            <a:pPr algn="ctr"/>
+            <a:endParaRPr lang="en-US" sz="2400" dirty="0"/>
+          </a:p>
+          <a:p>
+            <a:pPr algn="ctr"/>
+            <a:r>
+              <a:rPr lang="en-US" sz="2400" dirty="0"/>
+              <a:t>dcm2niix –help</a:t>
+            </a:r>
+          </a:p>
+          <a:p>
+            <a:pPr algn="ctr"/>
+            <a:endParaRPr lang="en-US" sz="2400" dirty="0"/>
+          </a:p>
+          <a:p>
+            <a:pPr algn="ctr"/>
+            <a:r>
+              <a:rPr lang="en-US" sz="2400" u="sng" dirty="0"/>
+              <a:t>generally helpful hint: library –help, --help, -h</a:t>
+            </a:r>
+          </a:p>
+          <a:p>
+            <a:pPr algn="ctr"/>
+            <a:endParaRPr lang="en-US" sz="2400" dirty="0"/>
           </a:p>
         </p:txBody>
       </p:sp>
       <p:pic>
         <p:nvPicPr>
-          <p:cNvPr id="5" name="Picture 4">
+          <p:cNvPr id="6" name="Picture 5" descr="A black and white logo&#10;&#10;Description automatically generated">
             <a:extLst>
               <a:ext uri="{FF2B5EF4-FFF2-40B4-BE49-F238E27FC236}">
-                <a16:creationId xmlns:a16="http://schemas.microsoft.com/office/drawing/2014/main" id="{B18B5A29-920D-88D1-9FF3-86AF43325A52}"/>
+                <a16:creationId xmlns:a16="http://schemas.microsoft.com/office/drawing/2014/main" id="{258403C2-DCB4-49CA-6890-7D675FD7EA2D}"/>
               </a:ext>
             </a:extLst>
           </p:cNvPr>
@@ -22091,80 +25402,31 @@
           <p:nvPr/>
         </p:nvPicPr>
         <p:blipFill>
-          <a:blip r:embed="rId2"/>
+          <a:blip r:embed="rId2" cstate="print">
+            <a:extLst>
+              <a:ext uri="{28A0092B-C50C-407E-A947-70E740481C1C}">
+                <a14:useLocalDpi xmlns:a14="http://schemas.microsoft.com/office/drawing/2010/main" val="0"/>
+              </a:ext>
+            </a:extLst>
+          </a:blip>
           <a:stretch>
             <a:fillRect/>
           </a:stretch>
         </p:blipFill>
         <p:spPr>
           <a:xfrm>
-            <a:off x="1043374" y="1678648"/>
-            <a:ext cx="6332067" cy="3765534"/>
+            <a:off x="3916434" y="2719483"/>
+            <a:ext cx="5056115" cy="2195418"/>
           </a:xfrm>
           <a:prstGeom prst="rect">
             <a:avLst/>
           </a:prstGeom>
         </p:spPr>
       </p:pic>
-      <p:sp>
-        <p:nvSpPr>
-          <p:cNvPr id="6" name="TextBox 5">
-            <a:extLst>
-              <a:ext uri="{FF2B5EF4-FFF2-40B4-BE49-F238E27FC236}">
-                <a16:creationId xmlns:a16="http://schemas.microsoft.com/office/drawing/2014/main" id="{29A3C94B-7B24-50BB-0D0D-9E5529A7D662}"/>
-              </a:ext>
-            </a:extLst>
-          </p:cNvPr>
-          <p:cNvSpPr txBox="1"/>
-          <p:nvPr/>
-        </p:nvSpPr>
-        <p:spPr>
-          <a:xfrm>
-            <a:off x="1043374" y="5516365"/>
-            <a:ext cx="8743178" cy="923330"/>
-          </a:xfrm>
-          <a:prstGeom prst="rect">
-            <a:avLst/>
-          </a:prstGeom>
-          <a:noFill/>
-        </p:spPr>
-        <p:txBody>
-          <a:bodyPr wrap="square" rtlCol="0">
-            <a:spAutoFit/>
-          </a:bodyPr>
-          <a:lstStyle/>
-          <a:p>
-            <a:r>
-              <a:rPr lang="en-US" dirty="0"/>
-              <a:t>Methods can be exposed as properties i.e. array is value stored in property in </a:t>
-            </a:r>
-            <a:r>
-              <a:rPr lang="en-US" dirty="0" err="1"/>
-              <a:t>get_fdata</a:t>
-            </a:r>
-            <a:r>
-              <a:rPr lang="en-US" dirty="0"/>
-              <a:t>() method of </a:t>
-            </a:r>
-            <a:r>
-              <a:rPr lang="en-US" dirty="0" err="1"/>
-              <a:t>nibabel</a:t>
-            </a:r>
-            <a:endParaRPr lang="en-US" dirty="0"/>
-          </a:p>
-          <a:p>
-            <a:r>
-              <a:rPr lang="en-US" dirty="0"/>
-              <a:t> </a:t>
-            </a:r>
-            <a:endParaRPr lang="LID4096" dirty="0"/>
-          </a:p>
-        </p:txBody>
-      </p:sp>
     </p:spTree>
     <p:extLst>
       <p:ext uri="{BB962C8B-B14F-4D97-AF65-F5344CB8AC3E}">
-        <p14:creationId xmlns:p14="http://schemas.microsoft.com/office/powerpoint/2010/main" val="259808165"/>
+        <p14:creationId xmlns:p14="http://schemas.microsoft.com/office/powerpoint/2010/main" val="3040195665"/>
       </p:ext>
     </p:extLst>
   </p:cSld>

--- a/presentations/mri_lecture.pptx
+++ b/presentations/mri_lecture.pptx
@@ -19488,16 +19488,12 @@
               <a:buChar char="•"/>
             </a:pPr>
             <a:r>
-              <a:rPr lang="en-US" sz="2400" dirty="0"/>
-              <a:t>The position of the </a:t>
-            </a:r>
-            <a:r>
               <a:rPr lang="en-US" sz="2400" dirty="0" err="1"/>
               <a:t>NIfTI</a:t>
             </a:r>
             <a:r>
               <a:rPr lang="en-US" sz="2400" dirty="0"/>
-              <a:t> data in space is determined by the affine matrix</a:t>
+              <a:t> data is a multi-dimensional array of values</a:t>
             </a:r>
           </a:p>
           <a:p>
@@ -19506,12 +19502,16 @@
               <a:buChar char="•"/>
             </a:pPr>
             <a:r>
+              <a:rPr lang="en-US" sz="2400" dirty="0"/>
+              <a:t>The position of the </a:t>
+            </a:r>
+            <a:r>
               <a:rPr lang="en-US" sz="2400" dirty="0" err="1"/>
               <a:t>NIfTI</a:t>
             </a:r>
             <a:r>
               <a:rPr lang="en-US" sz="2400" dirty="0"/>
-              <a:t> data is a multi-dimensional array of values</a:t>
+              <a:t> data in space is determined by the affine matrix</a:t>
             </a:r>
           </a:p>
           <a:p>
@@ -19561,13 +19561,8 @@
             </a:pPr>
             <a:r>
               <a:rPr lang="en-US" sz="2400" dirty="0"/>
-              <a:t>Materials will update, find the </a:t>
-            </a:r>
-            <a:r>
-              <a:rPr lang="en-US" sz="2400"/>
-              <a:t>popular stuff</a:t>
-            </a:r>
-            <a:endParaRPr lang="en-US" sz="2400" dirty="0"/>
+              <a:t>Materials will update, find the popular stuff</a:t>
+            </a:r>
           </a:p>
           <a:p>
             <a:endParaRPr lang="LID4096" sz="2400" dirty="0"/>

--- a/presentations/mri_lecture.pptx
+++ b/presentations/mri_lecture.pptx
@@ -7070,7 +7070,7 @@
           </a:lstStyle>
           <a:p>
             <a:fld id="{69732D9D-C667-489A-831F-0E01110209EA}" type="datetimeFigureOut">
-              <a:t>09/12/2024</a:t>
+              <a:t>09/14/2024</a:t>
             </a:fld>
             <a:endParaRPr lang="en-US"/>
           </a:p>
@@ -7583,7 +7583,7 @@
           <a:p>
             <a:fld id="{846CE7D5-CF57-46EF-B807-FDD0502418D4}" type="datetimeFigureOut">
               <a:rPr lang="en-US" smtClean="0"/>
-              <a:t>9/12/2024</a:t>
+              <a:t>9/14/2024</a:t>
             </a:fld>
             <a:endParaRPr lang="en-US"/>
           </a:p>
@@ -7753,7 +7753,7 @@
           <a:p>
             <a:fld id="{846CE7D5-CF57-46EF-B807-FDD0502418D4}" type="datetimeFigureOut">
               <a:rPr lang="en-US" smtClean="0"/>
-              <a:t>9/12/2024</a:t>
+              <a:t>9/14/2024</a:t>
             </a:fld>
             <a:endParaRPr lang="en-US"/>
           </a:p>
@@ -7933,7 +7933,7 @@
           <a:p>
             <a:fld id="{846CE7D5-CF57-46EF-B807-FDD0502418D4}" type="datetimeFigureOut">
               <a:rPr lang="en-US" smtClean="0"/>
-              <a:t>9/12/2024</a:t>
+              <a:t>9/14/2024</a:t>
             </a:fld>
             <a:endParaRPr lang="en-US"/>
           </a:p>
@@ -9418,7 +9418,7 @@
           <a:p>
             <a:fld id="{846CE7D5-CF57-46EF-B807-FDD0502418D4}" type="datetimeFigureOut">
               <a:rPr lang="en-US" smtClean="0"/>
-              <a:t>9/12/2024</a:t>
+              <a:t>9/14/2024</a:t>
             </a:fld>
             <a:endParaRPr lang="en-US"/>
           </a:p>
@@ -11544,7 +11544,7 @@
           <a:p>
             <a:fld id="{846CE7D5-CF57-46EF-B807-FDD0502418D4}" type="datetimeFigureOut">
               <a:rPr lang="en-US" smtClean="0"/>
-              <a:t>9/12/2024</a:t>
+              <a:t>9/14/2024</a:t>
             </a:fld>
             <a:endParaRPr lang="en-US"/>
           </a:p>
@@ -13261,7 +13261,7 @@
           <a:p>
             <a:fld id="{846CE7D5-CF57-46EF-B807-FDD0502418D4}" type="datetimeFigureOut">
               <a:rPr lang="en-US" smtClean="0"/>
-              <a:t>9/12/2024</a:t>
+              <a:t>9/14/2024</a:t>
             </a:fld>
             <a:endParaRPr lang="en-US"/>
           </a:p>
@@ -13628,7 +13628,7 @@
           <a:p>
             <a:fld id="{846CE7D5-CF57-46EF-B807-FDD0502418D4}" type="datetimeFigureOut">
               <a:rPr lang="en-US" smtClean="0"/>
-              <a:t>9/12/2024</a:t>
+              <a:t>9/14/2024</a:t>
             </a:fld>
             <a:endParaRPr lang="en-US"/>
           </a:p>
@@ -13746,7 +13746,7 @@
           <a:p>
             <a:fld id="{846CE7D5-CF57-46EF-B807-FDD0502418D4}" type="datetimeFigureOut">
               <a:rPr lang="en-US" smtClean="0"/>
-              <a:t>9/12/2024</a:t>
+              <a:t>9/14/2024</a:t>
             </a:fld>
             <a:endParaRPr lang="en-US"/>
           </a:p>
@@ -13841,7 +13841,7 @@
           <a:p>
             <a:fld id="{846CE7D5-CF57-46EF-B807-FDD0502418D4}" type="datetimeFigureOut">
               <a:rPr lang="en-US" smtClean="0"/>
-              <a:t>9/12/2024</a:t>
+              <a:t>9/14/2024</a:t>
             </a:fld>
             <a:endParaRPr lang="en-US"/>
           </a:p>
@@ -14118,7 +14118,7 @@
           <a:p>
             <a:fld id="{846CE7D5-CF57-46EF-B807-FDD0502418D4}" type="datetimeFigureOut">
               <a:rPr lang="en-US" smtClean="0"/>
-              <a:t>9/12/2024</a:t>
+              <a:t>9/14/2024</a:t>
             </a:fld>
             <a:endParaRPr lang="en-US"/>
           </a:p>
@@ -14375,7 +14375,7 @@
           <a:p>
             <a:fld id="{846CE7D5-CF57-46EF-B807-FDD0502418D4}" type="datetimeFigureOut">
               <a:rPr lang="en-US" smtClean="0"/>
-              <a:t>9/12/2024</a:t>
+              <a:t>9/14/2024</a:t>
             </a:fld>
             <a:endParaRPr lang="en-US"/>
           </a:p>
@@ -14588,7 +14588,7 @@
           <a:p>
             <a:fld id="{846CE7D5-CF57-46EF-B807-FDD0502418D4}" type="datetimeFigureOut">
               <a:rPr lang="en-US" smtClean="0"/>
-              <a:t>9/12/2024</a:t>
+              <a:t>9/14/2024</a:t>
             </a:fld>
             <a:endParaRPr lang="en-US"/>
           </a:p>
@@ -17074,280 +17074,6 @@
           </a:prstGeom>
         </p:spPr>
       </p:pic>
-      <p:sp>
-        <p:nvSpPr>
-          <p:cNvPr id="3" name="Rectangle 1">
-            <a:extLst>
-              <a:ext uri="{FF2B5EF4-FFF2-40B4-BE49-F238E27FC236}">
-                <a16:creationId xmlns:a16="http://schemas.microsoft.com/office/drawing/2014/main" id="{3974E471-D103-F1DB-2813-37829B8C77A4}"/>
-              </a:ext>
-            </a:extLst>
-          </p:cNvPr>
-          <p:cNvSpPr>
-            <a:spLocks noChangeArrowheads="1"/>
-          </p:cNvSpPr>
-          <p:nvPr/>
-        </p:nvSpPr>
-        <p:spPr bwMode="auto">
-          <a:xfrm>
-            <a:off x="0" y="0"/>
-            <a:ext cx="12192000" cy="457200"/>
-          </a:xfrm>
-          <a:prstGeom prst="rect">
-            <a:avLst/>
-          </a:prstGeom>
-          <a:solidFill>
-            <a:srgbClr val="FFFFFF"/>
-          </a:solidFill>
-          <a:ln>
-            <a:noFill/>
-          </a:ln>
-          <a:effectLst/>
-          <a:extLst>
-            <a:ext uri="{91240B29-F687-4F45-9708-019B960494DF}">
-              <a14:hiddenLine xmlns:a14="http://schemas.microsoft.com/office/drawing/2010/main" w="9525">
-                <a:solidFill>
-                  <a:schemeClr val="tx1"/>
-                </a:solidFill>
-                <a:miter lim="800000"/>
-                <a:headEnd/>
-                <a:tailEnd/>
-              </a14:hiddenLine>
-            </a:ext>
-            <a:ext uri="{AF507438-7753-43E0-B8FC-AC1667EBCBE1}">
-              <a14:hiddenEffects xmlns:a14="http://schemas.microsoft.com/office/drawing/2010/main">
-                <a:effectLst>
-                  <a:outerShdw dist="35921" dir="2700000" algn="ctr" rotWithShape="0">
-                    <a:schemeClr val="bg2"/>
-                  </a:outerShdw>
-                </a:effectLst>
-              </a14:hiddenEffects>
-            </a:ext>
-          </a:extLst>
-        </p:spPr>
-        <p:txBody>
-          <a:bodyPr vert="horz" wrap="none" lIns="91440" tIns="0" rIns="91440" bIns="45720" numCol="1" anchor="ctr" anchorCtr="0" compatLnSpc="1">
-            <a:prstTxWarp prst="textNoShape">
-              <a:avLst/>
-            </a:prstTxWarp>
-            <a:spAutoFit/>
-          </a:bodyPr>
-          <a:lstStyle/>
-          <a:p>
-            <a:pPr marL="0" marR="0" lvl="0" indent="0" algn="l" defTabSz="914400" rtl="0" eaLnBrk="0" fontAlgn="base" latinLnBrk="0" hangingPunct="0">
-              <a:lnSpc>
-                <a:spcPct val="100000"/>
-              </a:lnSpc>
-              <a:spcBef>
-                <a:spcPct val="0"/>
-              </a:spcBef>
-              <a:spcAft>
-                <a:spcPct val="0"/>
-              </a:spcAft>
-              <a:buClrTx/>
-              <a:buSzTx/>
-              <a:buFontTx/>
-              <a:buNone/>
-              <a:tabLst/>
-            </a:pPr>
-            <a:r>
-              <a:rPr kumimoji="0" lang="LID4096" altLang="LID4096" sz="1200" b="0" i="0" u="none" strike="noStrike" cap="none" normalizeH="0" baseline="0">
-                <a:ln>
-                  <a:noFill/>
-                </a:ln>
-                <a:solidFill>
-                  <a:srgbClr val="383838"/>
-                </a:solidFill>
-                <a:effectLst/>
-                <a:latin typeface="Mulish"/>
-              </a:rPr>
-              <a:t>NIfTI images, by definition, have an affine with the voxel coordinates relating to the real world coordinates in RAS+ encoded space. So here the affine matrix we’ll be using will be encoded in </a:t>
-            </a:r>
-            <a:r>
-              <a:rPr kumimoji="0" lang="LID4096" altLang="LID4096" sz="1200" b="1" i="0" u="none" strike="noStrike" cap="none" normalizeH="0" baseline="0">
-                <a:ln>
-                  <a:noFill/>
-                </a:ln>
-                <a:solidFill>
-                  <a:srgbClr val="383838"/>
-                </a:solidFill>
-                <a:effectLst/>
-                <a:latin typeface="Mulish"/>
-              </a:rPr>
-              <a:t>RAS</a:t>
-            </a:r>
-            <a:r>
-              <a:rPr kumimoji="0" lang="LID4096" altLang="LID4096" sz="1200" b="0" i="0" u="none" strike="noStrike" cap="none" normalizeH="0" baseline="0">
-                <a:ln>
-                  <a:noFill/>
-                </a:ln>
-                <a:solidFill>
-                  <a:srgbClr val="383838"/>
-                </a:solidFill>
-                <a:effectLst/>
-                <a:latin typeface="Mulish"/>
-              </a:rPr>
-              <a:t>. That means once we apply the matrix our coordinates are </a:t>
-            </a:r>
-            <a:r>
-              <a:rPr kumimoji="0" lang="LID4096" altLang="LID4096" sz="1000" b="0" i="0" u="none" strike="noStrike" cap="none" normalizeH="0" baseline="0">
-                <a:ln>
-                  <a:noFill/>
-                </a:ln>
-                <a:solidFill>
-                  <a:srgbClr val="000000"/>
-                </a:solidFill>
-                <a:effectLst/>
-                <a:latin typeface="Source Code Pro" panose="020B0509030403020204" pitchFamily="49" charset="0"/>
-              </a:rPr>
-              <a:t>(Right, Anterior, Superior)</a:t>
-            </a:r>
-            <a:r>
-              <a:rPr kumimoji="0" lang="LID4096" altLang="LID4096" sz="1200" b="0" i="0" u="none" strike="noStrike" cap="none" normalizeH="0" baseline="0">
-                <a:ln>
-                  <a:noFill/>
-                </a:ln>
-                <a:solidFill>
-                  <a:srgbClr val="383838"/>
-                </a:solidFill>
-                <a:effectLst/>
-                <a:latin typeface="Mulish"/>
-              </a:rPr>
-              <a:t>.</a:t>
-            </a:r>
-            <a:endParaRPr kumimoji="0" lang="LID4096" altLang="LID4096" sz="800" b="0" i="0" u="none" strike="noStrike" cap="none" normalizeH="0" baseline="0">
-              <a:ln>
-                <a:noFill/>
-              </a:ln>
-              <a:solidFill>
-                <a:schemeClr val="tx1"/>
-              </a:solidFill>
-              <a:effectLst/>
-            </a:endParaRPr>
-          </a:p>
-          <a:p>
-            <a:pPr marL="0" marR="0" lvl="0" indent="0" algn="l" defTabSz="914400" rtl="0" eaLnBrk="0" fontAlgn="base" latinLnBrk="0" hangingPunct="0">
-              <a:lnSpc>
-                <a:spcPct val="100000"/>
-              </a:lnSpc>
-              <a:spcBef>
-                <a:spcPct val="0"/>
-              </a:spcBef>
-              <a:spcAft>
-                <a:spcPct val="0"/>
-              </a:spcAft>
-              <a:buClrTx/>
-              <a:buSzTx/>
-              <a:buFontTx/>
-              <a:buChar char="•"/>
-              <a:tabLst/>
-            </a:pPr>
-            <a:r>
-              <a:rPr kumimoji="0" lang="LID4096" altLang="LID4096" sz="1200" b="0" i="0" u="none" strike="noStrike" cap="none" normalizeH="0" baseline="0">
-                <a:ln>
-                  <a:noFill/>
-                </a:ln>
-                <a:solidFill>
-                  <a:srgbClr val="212529"/>
-                </a:solidFill>
-                <a:effectLst/>
-                <a:latin typeface="Mulish"/>
-              </a:rPr>
-              <a:t>In the R axis, positive values mean move right, negative values mean move left</a:t>
-            </a:r>
-          </a:p>
-          <a:p>
-            <a:pPr marL="0" marR="0" lvl="0" indent="0" algn="l" defTabSz="914400" rtl="0" eaLnBrk="0" fontAlgn="base" latinLnBrk="0" hangingPunct="0">
-              <a:lnSpc>
-                <a:spcPct val="100000"/>
-              </a:lnSpc>
-              <a:spcBef>
-                <a:spcPct val="0"/>
-              </a:spcBef>
-              <a:spcAft>
-                <a:spcPct val="0"/>
-              </a:spcAft>
-              <a:buClrTx/>
-              <a:buSzTx/>
-              <a:buFontTx/>
-              <a:buChar char="•"/>
-              <a:tabLst/>
-            </a:pPr>
-            <a:r>
-              <a:rPr kumimoji="0" lang="LID4096" altLang="LID4096" sz="1200" b="0" i="0" u="none" strike="noStrike" cap="none" normalizeH="0" baseline="0">
-                <a:ln>
-                  <a:noFill/>
-                </a:ln>
-                <a:solidFill>
-                  <a:srgbClr val="212529"/>
-                </a:solidFill>
-                <a:effectLst/>
-                <a:latin typeface="Mulish"/>
-              </a:rPr>
-              <a:t>In the A axis, positive values mean move forward, negative values mean move posterior</a:t>
-            </a:r>
-          </a:p>
-          <a:p>
-            <a:pPr marL="0" marR="0" lvl="0" indent="0" algn="l" defTabSz="914400" rtl="0" eaLnBrk="0" fontAlgn="base" latinLnBrk="0" hangingPunct="0">
-              <a:lnSpc>
-                <a:spcPct val="100000"/>
-              </a:lnSpc>
-              <a:spcBef>
-                <a:spcPct val="0"/>
-              </a:spcBef>
-              <a:spcAft>
-                <a:spcPct val="0"/>
-              </a:spcAft>
-              <a:buClrTx/>
-              <a:buSzTx/>
-              <a:buFontTx/>
-              <a:buChar char="•"/>
-              <a:tabLst/>
-            </a:pPr>
-            <a:r>
-              <a:rPr kumimoji="0" lang="LID4096" altLang="LID4096" sz="1200" b="0" i="0" u="none" strike="noStrike" cap="none" normalizeH="0" baseline="0">
-                <a:ln>
-                  <a:noFill/>
-                </a:ln>
-                <a:solidFill>
-                  <a:srgbClr val="212529"/>
-                </a:solidFill>
-                <a:effectLst/>
-                <a:latin typeface="Mulish"/>
-              </a:rPr>
-              <a:t>In the S axis, positive values mean move up, negative values mean move inferior</a:t>
-            </a:r>
-          </a:p>
-          <a:p>
-            <a:pPr marL="0" marR="0" lvl="0" indent="0" algn="l" defTabSz="914400" rtl="0" eaLnBrk="0" fontAlgn="base" latinLnBrk="0" hangingPunct="0">
-              <a:lnSpc>
-                <a:spcPct val="100000"/>
-              </a:lnSpc>
-              <a:spcBef>
-                <a:spcPct val="0"/>
-              </a:spcBef>
-              <a:spcAft>
-                <a:spcPct val="0"/>
-              </a:spcAft>
-              <a:buClrTx/>
-              <a:buSzTx/>
-              <a:buFontTx/>
-              <a:buNone/>
-              <a:tabLst/>
-            </a:pPr>
-            <a:endParaRPr kumimoji="0" lang="LID4096" altLang="LID4096" sz="1800" b="0" i="0" u="none" strike="noStrike" cap="none" normalizeH="0" baseline="0">
-              <a:ln>
-                <a:noFill/>
-              </a:ln>
-              <a:solidFill>
-                <a:schemeClr val="tx1"/>
-              </a:solidFill>
-              <a:effectLst/>
-              <a:latin typeface="Arial" panose="020B0604020202020204" pitchFamily="34" charset="0"/>
-            </a:endParaRPr>
-          </a:p>
-        </p:txBody>
-      </p:sp>
     </p:spTree>
     <p:extLst>
       <p:ext uri="{BB962C8B-B14F-4D97-AF65-F5344CB8AC3E}">
@@ -21743,7 +21469,7 @@
           <a:p>
             <a:r>
               <a:rPr lang="en-US" sz="1400" dirty="0"/>
-              <a:t>The abundant hydrogen atoms are aligned with B0 (or main magnetic field)</a:t>
+              <a:t>The abundant hydrogen atoms (aka protons, spins) are aligned with B0 (or main magnetic field)</a:t>
             </a:r>
           </a:p>
           <a:p>
@@ -22850,8 +22576,8 @@
         </p:blipFill>
         <p:spPr bwMode="auto">
           <a:xfrm>
-            <a:off x="7781925" y="2416274"/>
-            <a:ext cx="3634983" cy="1529265"/>
+            <a:off x="7582787" y="2332496"/>
+            <a:ext cx="3834121" cy="1613044"/>
           </a:xfrm>
           <a:prstGeom prst="rect">
             <a:avLst/>
@@ -22868,6 +22594,60 @@
           </a:extLst>
         </p:spPr>
       </p:pic>
+      <p:sp>
+        <p:nvSpPr>
+          <p:cNvPr id="5" name="Rectangle 4">
+            <a:extLst>
+              <a:ext uri="{FF2B5EF4-FFF2-40B4-BE49-F238E27FC236}">
+                <a16:creationId xmlns:a16="http://schemas.microsoft.com/office/drawing/2014/main" id="{AC7A452C-0715-3CD1-DCE3-4D0956FEC3AF}"/>
+              </a:ext>
+            </a:extLst>
+          </p:cNvPr>
+          <p:cNvSpPr/>
+          <p:nvPr/>
+        </p:nvSpPr>
+        <p:spPr>
+          <a:xfrm>
+            <a:off x="10221132" y="2231755"/>
+            <a:ext cx="1263112" cy="1883044"/>
+          </a:xfrm>
+          <a:prstGeom prst="rect">
+            <a:avLst/>
+          </a:prstGeom>
+          <a:solidFill>
+            <a:schemeClr val="bg1"/>
+          </a:solidFill>
+          <a:ln>
+            <a:solidFill>
+              <a:schemeClr val="bg1"/>
+            </a:solidFill>
+          </a:ln>
+        </p:spPr>
+        <p:style>
+          <a:lnRef idx="2">
+            <a:schemeClr val="accent1">
+              <a:shade val="15000"/>
+            </a:schemeClr>
+          </a:lnRef>
+          <a:fillRef idx="1">
+            <a:schemeClr val="accent1"/>
+          </a:fillRef>
+          <a:effectRef idx="0">
+            <a:schemeClr val="accent1"/>
+          </a:effectRef>
+          <a:fontRef idx="minor">
+            <a:schemeClr val="lt1"/>
+          </a:fontRef>
+        </p:style>
+        <p:txBody>
+          <a:bodyPr rtlCol="0" anchor="ctr"/>
+          <a:lstStyle/>
+          <a:p>
+            <a:pPr algn="ctr"/>
+            <a:endParaRPr lang="LID4096"/>
+          </a:p>
+        </p:txBody>
+      </p:sp>
     </p:spTree>
     <p:extLst>
       <p:ext uri="{BB962C8B-B14F-4D97-AF65-F5344CB8AC3E}">
@@ -23269,8 +23049,8 @@
         </p:blipFill>
         <p:spPr>
           <a:xfrm>
-            <a:off x="321156" y="1555905"/>
-            <a:ext cx="3608618" cy="2539112"/>
+            <a:off x="209187" y="1555905"/>
+            <a:ext cx="3658760" cy="2574393"/>
           </a:xfrm>
           <a:prstGeom prst="rect">
             <a:avLst/>
@@ -23292,7 +23072,7 @@
         <p:spPr>
           <a:xfrm>
             <a:off x="4168346" y="1555905"/>
-            <a:ext cx="6485477" cy="3293209"/>
+            <a:ext cx="6485477" cy="5262979"/>
           </a:xfrm>
           <a:prstGeom prst="rect">
             <a:avLst/>
@@ -23330,18 +23110,6 @@
             <a:endParaRPr lang="en-US" sz="1600" dirty="0"/>
           </a:p>
           <a:p>
-            <a:endParaRPr lang="en-US" sz="1600" dirty="0"/>
-          </a:p>
-          <a:p>
-            <a:endParaRPr lang="en-US" sz="1600" dirty="0"/>
-          </a:p>
-          <a:p>
-            <a:endParaRPr lang="en-US" sz="1600" dirty="0"/>
-          </a:p>
-          <a:p>
-            <a:endParaRPr lang="en-US" sz="1600" dirty="0"/>
-          </a:p>
-          <a:p>
             <a:r>
               <a:rPr lang="en-US" sz="1600" dirty="0"/>
               <a:t>HASTE= vendor specific (</a:t>
@@ -23361,6 +23129,46 @@
             <a:r>
               <a:rPr lang="en-US" sz="1600" dirty="0"/>
               <a:t> single short turbo spin echo) fast, k-space data after a single pulse; great for people who move like people with abdomens</a:t>
+            </a:r>
+          </a:p>
+          <a:p>
+            <a:endParaRPr lang="en-US" sz="1600" dirty="0"/>
+          </a:p>
+          <a:p>
+            <a:endParaRPr lang="en-US" sz="1600" dirty="0"/>
+          </a:p>
+          <a:p>
+            <a:endParaRPr lang="en-US" sz="1600" dirty="0"/>
+          </a:p>
+          <a:p>
+            <a:endParaRPr lang="en-US" sz="1600" dirty="0"/>
+          </a:p>
+          <a:p>
+            <a:endParaRPr lang="en-US" sz="1600" dirty="0"/>
+          </a:p>
+          <a:p>
+            <a:endParaRPr lang="en-US" sz="1600" dirty="0"/>
+          </a:p>
+          <a:p>
+            <a:endParaRPr lang="en-US" sz="1600" dirty="0"/>
+          </a:p>
+          <a:p>
+            <a:endParaRPr lang="en-US" sz="1600" dirty="0"/>
+          </a:p>
+          <a:p>
+            <a:endParaRPr lang="en-US" sz="1600" dirty="0"/>
+          </a:p>
+          <a:p>
+            <a:endParaRPr lang="en-US" sz="1600" dirty="0"/>
+          </a:p>
+          <a:p>
+            <a:r>
+              <a:rPr lang="en-US" sz="1600" b="1" dirty="0"/>
+              <a:t>BEYOND T2: </a:t>
+            </a:r>
+            <a:r>
+              <a:rPr lang="en-US" sz="1600" dirty="0"/>
+              <a:t>FLAIR (inversion set to null water signal) is an example of inversion recovery sequences (suppress water or fat), SWI,…</a:t>
             </a:r>
           </a:p>
           <a:p>
@@ -23468,6 +23276,36 @@
           </a:p>
         </p:txBody>
       </p:sp>
+      <p:pic>
+        <p:nvPicPr>
+          <p:cNvPr id="7" name="Picture 6">
+            <a:extLst>
+              <a:ext uri="{FF2B5EF4-FFF2-40B4-BE49-F238E27FC236}">
+                <a16:creationId xmlns:a16="http://schemas.microsoft.com/office/drawing/2014/main" id="{955808FF-B03D-CDCE-CB21-216DABDB1E0A}"/>
+              </a:ext>
+            </a:extLst>
+          </p:cNvPr>
+          <p:cNvPicPr>
+            <a:picLocks noChangeAspect="1"/>
+          </p:cNvPicPr>
+          <p:nvPr/>
+        </p:nvPicPr>
+        <p:blipFill>
+          <a:blip r:embed="rId3"/>
+          <a:stretch>
+            <a:fillRect/>
+          </a:stretch>
+        </p:blipFill>
+        <p:spPr>
+          <a:xfrm>
+            <a:off x="4350165" y="3734773"/>
+            <a:ext cx="5789969" cy="1921589"/>
+          </a:xfrm>
+          <a:prstGeom prst="rect">
+            <a:avLst/>
+          </a:prstGeom>
+        </p:spPr>
+      </p:pic>
     </p:spTree>
     <p:extLst>
       <p:ext uri="{BB962C8B-B14F-4D97-AF65-F5344CB8AC3E}">

--- a/presentations/mri_lecture.pptx
+++ b/presentations/mri_lecture.pptx
@@ -16628,7 +16628,7 @@
           <p:nvPr>
             <p:extLst>
               <p:ext uri="{D42A27DB-BD31-4B8C-83A1-F6EECF244321}">
-                <p14:modId xmlns:p14="http://schemas.microsoft.com/office/powerpoint/2010/main" val="1716153603"/>
+                <p14:modId xmlns:p14="http://schemas.microsoft.com/office/powerpoint/2010/main" val="2263165760"/>
               </p:ext>
             </p:extLst>
           </p:nvPr>
@@ -17604,11 +17604,14 @@
                         </a:rPr>
                         <a:t>nii</a:t>
                       </a:r>
-                      <a:endParaRPr lang="en-US" sz="1200" dirty="0">
-                        <a:solidFill>
-                          <a:schemeClr val="tx1"/>
-                        </a:solidFill>
-                      </a:endParaRPr>
+                      <a:r>
+                        <a:rPr lang="en-US" sz="1200" dirty="0">
+                          <a:solidFill>
+                            <a:schemeClr val="tx1"/>
+                          </a:solidFill>
+                        </a:rPr>
+                        <a:t>, or nii.gz</a:t>
+                      </a:r>
                     </a:p>
                   </a:txBody>
                   <a:tcPr marL="55232" marR="55232" marT="27616" marB="27616" anchor="ctr">
@@ -23304,7 +23307,7 @@
         <p:spPr>
           <a:xfrm>
             <a:off x="1839433" y="4954772"/>
-            <a:ext cx="9144000" cy="369332"/>
+            <a:ext cx="9144000" cy="646331"/>
           </a:xfrm>
           <a:prstGeom prst="rect">
             <a:avLst/>
@@ -23319,7 +23322,13 @@
           <a:p>
             <a:r>
               <a:rPr lang="en-US" dirty="0"/>
-              <a:t>Different sequences produce different intensities for various phenomena and tissues</a:t>
+              <a:t>Different sequences produce different intensities for various phenomena and tissues -&gt;</a:t>
+            </a:r>
+          </a:p>
+          <a:p>
+            <a:r>
+              <a:rPr lang="en-US" dirty="0"/>
+              <a:t>Voxels of different intensity values</a:t>
             </a:r>
             <a:endParaRPr lang="LID4096" dirty="0"/>
           </a:p>
@@ -23369,8 +23378,8 @@
         </p:nvSpPr>
         <p:spPr>
           <a:xfrm>
-            <a:off x="2192290" y="163897"/>
-            <a:ext cx="7314823" cy="646331"/>
+            <a:off x="1983950" y="163897"/>
+            <a:ext cx="7523163" cy="646331"/>
           </a:xfrm>
           <a:prstGeom prst="rect">
             <a:avLst/>
@@ -23378,7 +23387,7 @@
           <a:noFill/>
         </p:spPr>
         <p:txBody>
-          <a:bodyPr wrap="none" rtlCol="0">
+          <a:bodyPr wrap="square" rtlCol="0">
             <a:spAutoFit/>
           </a:bodyPr>
           <a:lstStyle/>
@@ -23405,8 +23414,8 @@
         </p:nvSpPr>
         <p:spPr>
           <a:xfrm>
-            <a:off x="418455" y="991893"/>
-            <a:ext cx="9616698" cy="523220"/>
+            <a:off x="144554" y="991893"/>
+            <a:ext cx="9890599" cy="523220"/>
           </a:xfrm>
           <a:prstGeom prst="rect">
             <a:avLst/>
@@ -23440,8 +23449,8 @@
         </p:nvSpPr>
         <p:spPr>
           <a:xfrm>
-            <a:off x="2247254" y="4316278"/>
-            <a:ext cx="185980" cy="201478"/>
+            <a:off x="2241957" y="4316277"/>
+            <a:ext cx="191277" cy="277247"/>
           </a:xfrm>
           <a:prstGeom prst="ellipse">
             <a:avLst/>
@@ -23486,8 +23495,8 @@
         </p:nvSpPr>
         <p:spPr>
           <a:xfrm>
-            <a:off x="2154264" y="4822556"/>
-            <a:ext cx="185980" cy="201478"/>
+            <a:off x="2148967" y="4822555"/>
+            <a:ext cx="191277" cy="277247"/>
           </a:xfrm>
           <a:prstGeom prst="ellipse">
             <a:avLst/>
@@ -23532,8 +23541,8 @@
         </p:nvSpPr>
         <p:spPr>
           <a:xfrm>
-            <a:off x="2704454" y="4773478"/>
-            <a:ext cx="185980" cy="201478"/>
+            <a:off x="2699157" y="4773477"/>
+            <a:ext cx="191277" cy="277247"/>
           </a:xfrm>
           <a:prstGeom prst="ellipse">
             <a:avLst/>
@@ -23578,8 +23587,8 @@
         </p:nvSpPr>
         <p:spPr>
           <a:xfrm>
-            <a:off x="4693408" y="4468678"/>
-            <a:ext cx="185980" cy="201478"/>
+            <a:off x="4688111" y="4468677"/>
+            <a:ext cx="191277" cy="277247"/>
           </a:xfrm>
           <a:prstGeom prst="ellipse">
             <a:avLst/>
@@ -23624,8 +23633,8 @@
         </p:nvSpPr>
         <p:spPr>
           <a:xfrm>
-            <a:off x="4600418" y="4974956"/>
-            <a:ext cx="185980" cy="201478"/>
+            <a:off x="4595121" y="4974955"/>
+            <a:ext cx="191277" cy="277247"/>
           </a:xfrm>
           <a:prstGeom prst="ellipse">
             <a:avLst/>
@@ -23670,8 +23679,8 @@
         </p:nvSpPr>
         <p:spPr>
           <a:xfrm>
-            <a:off x="5150608" y="4925878"/>
-            <a:ext cx="185980" cy="201478"/>
+            <a:off x="5145311" y="4925877"/>
+            <a:ext cx="191277" cy="277247"/>
           </a:xfrm>
           <a:prstGeom prst="ellipse">
             <a:avLst/>
@@ -23716,8 +23725,8 @@
         </p:nvSpPr>
         <p:spPr>
           <a:xfrm>
-            <a:off x="8660981" y="4468678"/>
-            <a:ext cx="185980" cy="201478"/>
+            <a:off x="8655684" y="4468677"/>
+            <a:ext cx="191277" cy="277247"/>
           </a:xfrm>
           <a:prstGeom prst="ellipse">
             <a:avLst/>
@@ -23762,8 +23771,8 @@
         </p:nvSpPr>
         <p:spPr>
           <a:xfrm>
-            <a:off x="8567991" y="4974956"/>
-            <a:ext cx="185980" cy="201478"/>
+            <a:off x="8562694" y="4974955"/>
+            <a:ext cx="191277" cy="277247"/>
           </a:xfrm>
           <a:prstGeom prst="ellipse">
             <a:avLst/>
@@ -23808,8 +23817,8 @@
         </p:nvSpPr>
         <p:spPr>
           <a:xfrm>
-            <a:off x="9118181" y="4925878"/>
-            <a:ext cx="185980" cy="201478"/>
+            <a:off x="9112884" y="4925877"/>
+            <a:ext cx="191277" cy="277247"/>
           </a:xfrm>
           <a:prstGeom prst="ellipse">
             <a:avLst/>
@@ -23854,8 +23863,8 @@
         </p:nvSpPr>
         <p:spPr>
           <a:xfrm>
-            <a:off x="6568714" y="4468678"/>
-            <a:ext cx="185980" cy="201478"/>
+            <a:off x="6563417" y="4484719"/>
+            <a:ext cx="191277" cy="277247"/>
           </a:xfrm>
           <a:prstGeom prst="ellipse">
             <a:avLst/>
@@ -23900,8 +23909,8 @@
         </p:nvSpPr>
         <p:spPr>
           <a:xfrm>
-            <a:off x="6475724" y="4974956"/>
-            <a:ext cx="185980" cy="201478"/>
+            <a:off x="6470427" y="4990997"/>
+            <a:ext cx="191277" cy="277247"/>
           </a:xfrm>
           <a:prstGeom prst="ellipse">
             <a:avLst/>
@@ -23946,8 +23955,8 @@
         </p:nvSpPr>
         <p:spPr>
           <a:xfrm>
-            <a:off x="7025914" y="4925878"/>
-            <a:ext cx="185980" cy="201478"/>
+            <a:off x="7020617" y="4941919"/>
+            <a:ext cx="191277" cy="277247"/>
           </a:xfrm>
           <a:prstGeom prst="ellipse">
             <a:avLst/>
@@ -23987,7 +23996,9 @@
               </a:ext>
             </a:extLst>
           </p:cNvPr>
-          <p:cNvCxnSpPr/>
+          <p:cNvCxnSpPr>
+            <a:cxnSpLocks/>
+          </p:cNvCxnSpPr>
           <p:nvPr/>
         </p:nvCxnSpPr>
         <p:spPr>
@@ -24026,7 +24037,9 @@
               </a:ext>
             </a:extLst>
           </p:cNvPr>
-          <p:cNvCxnSpPr/>
+          <p:cNvCxnSpPr>
+            <a:cxnSpLocks/>
+          </p:cNvCxnSpPr>
           <p:nvPr/>
         </p:nvCxnSpPr>
         <p:spPr>
@@ -24065,13 +24078,15 @@
               </a:ext>
             </a:extLst>
           </p:cNvPr>
-          <p:cNvCxnSpPr/>
+          <p:cNvCxnSpPr>
+            <a:cxnSpLocks/>
+          </p:cNvCxnSpPr>
           <p:nvPr/>
         </p:nvCxnSpPr>
         <p:spPr>
           <a:xfrm>
             <a:off x="5226802" y="4959454"/>
-            <a:ext cx="185980" cy="446868"/>
+            <a:ext cx="272928" cy="326081"/>
           </a:xfrm>
           <a:prstGeom prst="straightConnector1">
             <a:avLst/>
@@ -24104,13 +24119,15 @@
               </a:ext>
             </a:extLst>
           </p:cNvPr>
-          <p:cNvCxnSpPr/>
+          <p:cNvCxnSpPr>
+            <a:cxnSpLocks/>
+          </p:cNvCxnSpPr>
           <p:nvPr/>
         </p:nvCxnSpPr>
         <p:spPr>
           <a:xfrm>
             <a:off x="4667567" y="4998201"/>
-            <a:ext cx="185980" cy="446868"/>
+            <a:ext cx="118202" cy="491996"/>
           </a:xfrm>
           <a:prstGeom prst="straightConnector1">
             <a:avLst/>
@@ -24143,7 +24160,9 @@
               </a:ext>
             </a:extLst>
           </p:cNvPr>
-          <p:cNvCxnSpPr/>
+          <p:cNvCxnSpPr>
+            <a:cxnSpLocks/>
+          </p:cNvCxnSpPr>
           <p:nvPr/>
         </p:nvCxnSpPr>
         <p:spPr>
@@ -24187,8 +24206,8 @@
         </p:nvSpPr>
         <p:spPr>
           <a:xfrm>
-            <a:off x="5393147" y="5713631"/>
-            <a:ext cx="377026" cy="369332"/>
+            <a:off x="5382409" y="5713630"/>
+            <a:ext cx="387764" cy="646331"/>
           </a:xfrm>
           <a:prstGeom prst="rect">
             <a:avLst/>
@@ -24196,22 +24215,23 @@
           <a:noFill/>
         </p:spPr>
         <p:txBody>
-          <a:bodyPr wrap="none" rtlCol="0">
+          <a:bodyPr wrap="square" rtlCol="0">
             <a:spAutoFit/>
           </a:bodyPr>
           <a:lstStyle/>
           <a:p>
             <a:r>
-              <a:rPr lang="en-US" dirty="0">
+              <a:rPr lang="en-US" b="1" dirty="0">
                 <a:solidFill>
                   <a:schemeClr val="accent1">
-                    <a:lumMod val="60000"/>
-                    <a:lumOff val="40000"/>
+                    <a:lumMod val="75000"/>
                   </a:schemeClr>
                 </a:solidFill>
               </a:rPr>
-              <a:t>m</a:t>
+              <a:t>µ</a:t>
             </a:r>
+          </a:p>
+          <a:p>
             <a:endParaRPr lang="LID4096" dirty="0">
               <a:solidFill>
                 <a:schemeClr val="accent1">
@@ -24232,7 +24252,9 @@
               </a:ext>
             </a:extLst>
           </p:cNvPr>
-          <p:cNvCxnSpPr/>
+          <p:cNvCxnSpPr>
+            <a:cxnSpLocks/>
+          </p:cNvCxnSpPr>
           <p:nvPr/>
         </p:nvCxnSpPr>
         <p:spPr>
@@ -24312,7 +24334,9 @@
               </a:ext>
             </a:extLst>
           </p:cNvPr>
-          <p:cNvCxnSpPr/>
+          <p:cNvCxnSpPr>
+            <a:cxnSpLocks/>
+          </p:cNvCxnSpPr>
           <p:nvPr/>
         </p:nvCxnSpPr>
         <p:spPr>
@@ -24351,7 +24375,9 @@
               </a:ext>
             </a:extLst>
           </p:cNvPr>
-          <p:cNvCxnSpPr/>
+          <p:cNvCxnSpPr>
+            <a:cxnSpLocks/>
+          </p:cNvCxnSpPr>
           <p:nvPr/>
         </p:nvCxnSpPr>
         <p:spPr>
@@ -24390,7 +24416,9 @@
               </a:ext>
             </a:extLst>
           </p:cNvPr>
-          <p:cNvCxnSpPr/>
+          <p:cNvCxnSpPr>
+            <a:cxnSpLocks/>
+          </p:cNvCxnSpPr>
           <p:nvPr/>
         </p:nvCxnSpPr>
         <p:spPr>
@@ -24429,7 +24457,9 @@
               </a:ext>
             </a:extLst>
           </p:cNvPr>
-          <p:cNvCxnSpPr/>
+          <p:cNvCxnSpPr>
+            <a:cxnSpLocks/>
+          </p:cNvCxnSpPr>
           <p:nvPr/>
         </p:nvCxnSpPr>
         <p:spPr>
@@ -24476,8 +24506,8 @@
         </p:nvSpPr>
         <p:spPr>
           <a:xfrm>
-            <a:off x="4029570" y="4792205"/>
-            <a:ext cx="312906" cy="369332"/>
+            <a:off x="4020657" y="4792204"/>
+            <a:ext cx="781117" cy="369332"/>
           </a:xfrm>
           <a:prstGeom prst="rect">
             <a:avLst/>
@@ -24485,7 +24515,7 @@
           <a:noFill/>
         </p:spPr>
         <p:txBody>
-          <a:bodyPr wrap="none" rtlCol="0">
+          <a:bodyPr wrap="square" rtlCol="0">
             <a:spAutoFit/>
           </a:bodyPr>
           <a:lstStyle/>
@@ -24496,7 +24526,7 @@
                   <a:srgbClr val="00B050"/>
                 </a:solidFill>
               </a:rPr>
-              <a:t>b</a:t>
+              <a:t>Bo</a:t>
             </a:r>
             <a:endParaRPr lang="LID4096" dirty="0">
               <a:solidFill>
@@ -24520,8 +24550,8 @@
         </p:nvSpPr>
         <p:spPr>
           <a:xfrm>
-            <a:off x="6044339" y="3967566"/>
-            <a:ext cx="596685" cy="652163"/>
+            <a:off x="6027345" y="3983608"/>
+            <a:ext cx="613680" cy="897418"/>
           </a:xfrm>
           <a:custGeom>
             <a:avLst/>
@@ -24981,8 +25011,8 @@
         </p:nvSpPr>
         <p:spPr>
           <a:xfrm>
-            <a:off x="9385526" y="4884549"/>
-            <a:ext cx="401653" cy="326081"/>
+            <a:off x="9362688" y="5031780"/>
+            <a:ext cx="413093" cy="448708"/>
           </a:xfrm>
           <a:custGeom>
             <a:avLst/>
@@ -25442,8 +25472,8 @@
         </p:nvSpPr>
         <p:spPr>
           <a:xfrm>
-            <a:off x="8387182" y="4270071"/>
-            <a:ext cx="401653" cy="326081"/>
+            <a:off x="8411621" y="4129808"/>
+            <a:ext cx="413093" cy="448708"/>
           </a:xfrm>
           <a:custGeom>
             <a:avLst/>
@@ -25903,8 +25933,8 @@
         </p:nvSpPr>
         <p:spPr>
           <a:xfrm>
-            <a:off x="8153406" y="4959454"/>
-            <a:ext cx="401653" cy="326081"/>
+            <a:off x="8141966" y="4959454"/>
+            <a:ext cx="413093" cy="448708"/>
           </a:xfrm>
           <a:custGeom>
             <a:avLst/>
@@ -26364,8 +26394,8 @@
         </p:nvSpPr>
         <p:spPr>
           <a:xfrm>
-            <a:off x="5684447" y="3812637"/>
-            <a:ext cx="492443" cy="369332"/>
+            <a:off x="6750207" y="4078401"/>
+            <a:ext cx="506469" cy="369332"/>
           </a:xfrm>
           <a:prstGeom prst="rect">
             <a:avLst/>
@@ -26373,7 +26403,7 @@
           <a:noFill/>
         </p:spPr>
         <p:txBody>
-          <a:bodyPr wrap="none" rtlCol="0">
+          <a:bodyPr wrap="square" rtlCol="0">
             <a:spAutoFit/>
           </a:bodyPr>
           <a:lstStyle/>
@@ -26454,9 +26484,9 @@
           <p:nvPr/>
         </p:nvCxnSpPr>
         <p:spPr>
-          <a:xfrm flipV="1">
-            <a:off x="7118907" y="4792205"/>
-            <a:ext cx="360952" cy="248616"/>
+          <a:xfrm flipH="1">
+            <a:off x="6818103" y="5040821"/>
+            <a:ext cx="300804" cy="367341"/>
           </a:xfrm>
           <a:prstGeom prst="straightConnector1">
             <a:avLst/>
@@ -26496,7 +26526,7 @@
         </p:nvCxnSpPr>
         <p:spPr>
           <a:xfrm flipH="1">
-            <a:off x="6354294" y="5079568"/>
+            <a:off x="6270935" y="5226984"/>
             <a:ext cx="205378" cy="205967"/>
           </a:xfrm>
           <a:prstGeom prst="straightConnector1">
@@ -26535,8 +26565,8 @@
         </p:nvSpPr>
         <p:spPr>
           <a:xfrm>
-            <a:off x="1130735" y="1720535"/>
-            <a:ext cx="10238700" cy="1200329"/>
+            <a:off x="736169" y="1014934"/>
+            <a:ext cx="10633266" cy="2862322"/>
           </a:xfrm>
           <a:prstGeom prst="rect">
             <a:avLst/>
@@ -26544,30 +26574,373 @@
           <a:noFill/>
         </p:spPr>
         <p:txBody>
-          <a:bodyPr wrap="none" rtlCol="0">
+          <a:bodyPr wrap="square" rtlCol="0">
             <a:spAutoFit/>
           </a:bodyPr>
           <a:lstStyle/>
           <a:p>
             <a:r>
               <a:rPr lang="en-US" sz="1800" dirty="0"/>
-              <a:t>The abundant hydrogen atoms (aka protons, spins) are aligned with B0 (or main magnetic field)</a:t>
+              <a:t>Reality is quantum, quantum is confusing (we will use classical models)</a:t>
             </a:r>
           </a:p>
           <a:p>
-            <a:endParaRPr lang="en-US" sz="1800" dirty="0"/>
+            <a:endParaRPr lang="en-US" dirty="0"/>
           </a:p>
           <a:p>
             <a:r>
               <a:rPr lang="en-US" sz="1800" dirty="0"/>
-              <a:t>Radiofrequency pulses induce synchronization of the spins, and a change in their angle (flip angle)</a:t>
+              <a:t>The abundant hydrogen atoms (aka protons, spins) are aligned with B (or main magnetic field)</a:t>
             </a:r>
+          </a:p>
+          <a:p>
+            <a:endParaRPr lang="en-US" sz="1800" dirty="0"/>
+          </a:p>
+          <a:p>
+            <a:r>
+              <a:rPr lang="en-US" sz="1800" dirty="0"/>
+              <a:t>Radiofrequency pulses </a:t>
+            </a:r>
+          </a:p>
+          <a:p>
+            <a:endParaRPr lang="en-US" sz="1800" dirty="0"/>
+          </a:p>
+          <a:p>
+            <a:pPr marL="742950" lvl="1" indent="-285750">
+              <a:buFont typeface="Arial" panose="020B0604020202020204" pitchFamily="34" charset="0"/>
+              <a:buChar char="•"/>
+            </a:pPr>
+            <a:r>
+              <a:rPr lang="en-US" dirty="0"/>
+              <a:t>induce </a:t>
+            </a:r>
+            <a:r>
+              <a:rPr lang="en-US" dirty="0" err="1"/>
+              <a:t>precessional</a:t>
+            </a:r>
+            <a:r>
+              <a:rPr lang="en-US" dirty="0"/>
+              <a:t> synchronization of the spins</a:t>
+            </a:r>
+          </a:p>
+          <a:p>
+            <a:pPr marL="742950" lvl="1" indent="-285750">
+              <a:buFont typeface="Arial" panose="020B0604020202020204" pitchFamily="34" charset="0"/>
+              <a:buChar char="•"/>
+            </a:pPr>
+            <a:r>
+              <a:rPr lang="en-US" dirty="0"/>
+              <a:t>change in their angle (flip angle)</a:t>
+            </a:r>
+          </a:p>
+          <a:p>
+            <a:pPr marL="742950" lvl="1" indent="-285750">
+              <a:buFont typeface="Arial" panose="020B0604020202020204" pitchFamily="34" charset="0"/>
+              <a:buChar char="•"/>
+            </a:pPr>
+            <a:r>
+              <a:rPr lang="en-US" dirty="0"/>
+              <a:t>when off </a:t>
+            </a:r>
+            <a:r>
+              <a:rPr lang="en-US"/>
+              <a:t>-&gt; relaxations: dephasing, angle change</a:t>
+            </a:r>
+            <a:endParaRPr lang="en-US" dirty="0"/>
           </a:p>
           <a:p>
             <a:endParaRPr lang="LID4096" dirty="0"/>
           </a:p>
         </p:txBody>
       </p:sp>
+      <p:sp>
+        <p:nvSpPr>
+          <p:cNvPr id="85" name="Rectangle 84">
+            <a:extLst>
+              <a:ext uri="{FF2B5EF4-FFF2-40B4-BE49-F238E27FC236}">
+                <a16:creationId xmlns:a16="http://schemas.microsoft.com/office/drawing/2014/main" id="{97B8DF79-CD40-65A2-79AC-CAD278B01AE6}"/>
+              </a:ext>
+            </a:extLst>
+          </p:cNvPr>
+          <p:cNvSpPr/>
+          <p:nvPr/>
+        </p:nvSpPr>
+        <p:spPr>
+          <a:xfrm>
+            <a:off x="1309607" y="3967566"/>
+            <a:ext cx="2202123" cy="2100020"/>
+          </a:xfrm>
+          <a:prstGeom prst="rect">
+            <a:avLst/>
+          </a:prstGeom>
+          <a:noFill/>
+          <a:ln>
+            <a:solidFill>
+              <a:schemeClr val="tx1"/>
+            </a:solidFill>
+          </a:ln>
+        </p:spPr>
+        <p:style>
+          <a:lnRef idx="2">
+            <a:schemeClr val="dk1"/>
+          </a:lnRef>
+          <a:fillRef idx="1">
+            <a:schemeClr val="lt1"/>
+          </a:fillRef>
+          <a:effectRef idx="0">
+            <a:schemeClr val="dk1"/>
+          </a:effectRef>
+          <a:fontRef idx="minor">
+            <a:schemeClr val="dk1"/>
+          </a:fontRef>
+        </p:style>
+        <p:txBody>
+          <a:bodyPr rtlCol="0" anchor="ctr"/>
+          <a:lstStyle/>
+          <a:p>
+            <a:pPr algn="ctr"/>
+            <a:endParaRPr lang="LID4096"/>
+          </a:p>
+        </p:txBody>
+      </p:sp>
+      <p:sp>
+        <p:nvSpPr>
+          <p:cNvPr id="86" name="Rectangle 85">
+            <a:extLst>
+              <a:ext uri="{FF2B5EF4-FFF2-40B4-BE49-F238E27FC236}">
+                <a16:creationId xmlns:a16="http://schemas.microsoft.com/office/drawing/2014/main" id="{806965DB-7BBF-AFA7-5ADA-EF04518EBFDB}"/>
+              </a:ext>
+            </a:extLst>
+          </p:cNvPr>
+          <p:cNvSpPr/>
+          <p:nvPr/>
+        </p:nvSpPr>
+        <p:spPr>
+          <a:xfrm>
+            <a:off x="3526351" y="3959969"/>
+            <a:ext cx="2202123" cy="2100020"/>
+          </a:xfrm>
+          <a:prstGeom prst="rect">
+            <a:avLst/>
+          </a:prstGeom>
+          <a:noFill/>
+          <a:ln>
+            <a:solidFill>
+              <a:schemeClr val="tx1"/>
+            </a:solidFill>
+          </a:ln>
+        </p:spPr>
+        <p:style>
+          <a:lnRef idx="2">
+            <a:schemeClr val="dk1"/>
+          </a:lnRef>
+          <a:fillRef idx="1">
+            <a:schemeClr val="lt1"/>
+          </a:fillRef>
+          <a:effectRef idx="0">
+            <a:schemeClr val="dk1"/>
+          </a:effectRef>
+          <a:fontRef idx="minor">
+            <a:schemeClr val="dk1"/>
+          </a:fontRef>
+        </p:style>
+        <p:txBody>
+          <a:bodyPr rtlCol="0" anchor="ctr"/>
+          <a:lstStyle/>
+          <a:p>
+            <a:pPr algn="ctr"/>
+            <a:endParaRPr lang="LID4096"/>
+          </a:p>
+        </p:txBody>
+      </p:sp>
+      <p:sp>
+        <p:nvSpPr>
+          <p:cNvPr id="87" name="Rectangle 86">
+            <a:extLst>
+              <a:ext uri="{FF2B5EF4-FFF2-40B4-BE49-F238E27FC236}">
+                <a16:creationId xmlns:a16="http://schemas.microsoft.com/office/drawing/2014/main" id="{565F916F-9006-B6E7-13E2-60E98F474139}"/>
+              </a:ext>
+            </a:extLst>
+          </p:cNvPr>
+          <p:cNvSpPr/>
+          <p:nvPr/>
+        </p:nvSpPr>
+        <p:spPr>
+          <a:xfrm>
+            <a:off x="5711371" y="3959969"/>
+            <a:ext cx="2202123" cy="2100020"/>
+          </a:xfrm>
+          <a:prstGeom prst="rect">
+            <a:avLst/>
+          </a:prstGeom>
+          <a:noFill/>
+          <a:ln>
+            <a:solidFill>
+              <a:schemeClr val="tx1"/>
+            </a:solidFill>
+          </a:ln>
+        </p:spPr>
+        <p:style>
+          <a:lnRef idx="2">
+            <a:schemeClr val="dk1"/>
+          </a:lnRef>
+          <a:fillRef idx="1">
+            <a:schemeClr val="lt1"/>
+          </a:fillRef>
+          <a:effectRef idx="0">
+            <a:schemeClr val="dk1"/>
+          </a:effectRef>
+          <a:fontRef idx="minor">
+            <a:schemeClr val="dk1"/>
+          </a:fontRef>
+        </p:style>
+        <p:txBody>
+          <a:bodyPr rtlCol="0" anchor="ctr"/>
+          <a:lstStyle/>
+          <a:p>
+            <a:pPr algn="ctr"/>
+            <a:endParaRPr lang="LID4096"/>
+          </a:p>
+        </p:txBody>
+      </p:sp>
+      <p:sp>
+        <p:nvSpPr>
+          <p:cNvPr id="88" name="Rectangle 87">
+            <a:extLst>
+              <a:ext uri="{FF2B5EF4-FFF2-40B4-BE49-F238E27FC236}">
+                <a16:creationId xmlns:a16="http://schemas.microsoft.com/office/drawing/2014/main" id="{53F550A4-27EE-CD09-8790-AA375AF1C308}"/>
+              </a:ext>
+            </a:extLst>
+          </p:cNvPr>
+          <p:cNvSpPr/>
+          <p:nvPr/>
+        </p:nvSpPr>
+        <p:spPr>
+          <a:xfrm>
+            <a:off x="7929296" y="3957707"/>
+            <a:ext cx="2202123" cy="2100020"/>
+          </a:xfrm>
+          <a:prstGeom prst="rect">
+            <a:avLst/>
+          </a:prstGeom>
+          <a:noFill/>
+          <a:ln>
+            <a:solidFill>
+              <a:schemeClr val="tx1"/>
+            </a:solidFill>
+          </a:ln>
+        </p:spPr>
+        <p:style>
+          <a:lnRef idx="2">
+            <a:schemeClr val="dk1"/>
+          </a:lnRef>
+          <a:fillRef idx="1">
+            <a:schemeClr val="lt1"/>
+          </a:fillRef>
+          <a:effectRef idx="0">
+            <a:schemeClr val="dk1"/>
+          </a:effectRef>
+          <a:fontRef idx="minor">
+            <a:schemeClr val="dk1"/>
+          </a:fontRef>
+        </p:style>
+        <p:txBody>
+          <a:bodyPr rtlCol="0" anchor="ctr"/>
+          <a:lstStyle/>
+          <a:p>
+            <a:pPr algn="ctr"/>
+            <a:endParaRPr lang="LID4096"/>
+          </a:p>
+        </p:txBody>
+      </p:sp>
+      <p:cxnSp>
+        <p:nvCxnSpPr>
+          <p:cNvPr id="89" name="Straight Arrow Connector 88">
+            <a:extLst>
+              <a:ext uri="{FF2B5EF4-FFF2-40B4-BE49-F238E27FC236}">
+                <a16:creationId xmlns:a16="http://schemas.microsoft.com/office/drawing/2014/main" id="{D80EC317-FDD9-E97E-F2B2-05530A2106C0}"/>
+              </a:ext>
+            </a:extLst>
+          </p:cNvPr>
+          <p:cNvCxnSpPr>
+            <a:cxnSpLocks/>
+          </p:cNvCxnSpPr>
+          <p:nvPr/>
+        </p:nvCxnSpPr>
+        <p:spPr>
+          <a:xfrm>
+            <a:off x="5776814" y="4632270"/>
+            <a:ext cx="765112" cy="1410345"/>
+          </a:xfrm>
+          <a:prstGeom prst="straightConnector1">
+            <a:avLst/>
+          </a:prstGeom>
+          <a:ln>
+            <a:solidFill>
+              <a:srgbClr val="00B050"/>
+            </a:solidFill>
+            <a:tailEnd type="triangle"/>
+          </a:ln>
+        </p:spPr>
+        <p:style>
+          <a:lnRef idx="3">
+            <a:schemeClr val="accent1"/>
+          </a:lnRef>
+          <a:fillRef idx="0">
+            <a:schemeClr val="accent1"/>
+          </a:fillRef>
+          <a:effectRef idx="2">
+            <a:schemeClr val="accent1"/>
+          </a:effectRef>
+          <a:fontRef idx="minor">
+            <a:schemeClr val="tx1"/>
+          </a:fontRef>
+        </p:style>
+      </p:cxnSp>
+      <p:cxnSp>
+        <p:nvCxnSpPr>
+          <p:cNvPr id="91" name="Straight Arrow Connector 90">
+            <a:extLst>
+              <a:ext uri="{FF2B5EF4-FFF2-40B4-BE49-F238E27FC236}">
+                <a16:creationId xmlns:a16="http://schemas.microsoft.com/office/drawing/2014/main" id="{4504BA7B-404F-DFF0-B75C-A1B06C5BCDA7}"/>
+              </a:ext>
+            </a:extLst>
+          </p:cNvPr>
+          <p:cNvCxnSpPr>
+            <a:cxnSpLocks/>
+          </p:cNvCxnSpPr>
+          <p:nvPr/>
+        </p:nvCxnSpPr>
+        <p:spPr>
+          <a:xfrm>
+            <a:off x="7930446" y="4647382"/>
+            <a:ext cx="765112" cy="1410345"/>
+          </a:xfrm>
+          <a:prstGeom prst="straightConnector1">
+            <a:avLst/>
+          </a:prstGeom>
+          <a:ln>
+            <a:solidFill>
+              <a:srgbClr val="00B050"/>
+            </a:solidFill>
+            <a:tailEnd type="triangle"/>
+          </a:ln>
+        </p:spPr>
+        <p:style>
+          <a:lnRef idx="3">
+            <a:schemeClr val="accent1"/>
+          </a:lnRef>
+          <a:fillRef idx="0">
+            <a:schemeClr val="accent1"/>
+          </a:fillRef>
+          <a:effectRef idx="2">
+            <a:schemeClr val="accent1"/>
+          </a:effectRef>
+          <a:fontRef idx="minor">
+            <a:schemeClr val="tx1"/>
+          </a:fontRef>
+        </p:style>
+      </p:cxnSp>
     </p:spTree>
     <p:extLst>
       <p:ext uri="{BB962C8B-B14F-4D97-AF65-F5344CB8AC3E}">
@@ -26754,7 +27127,7 @@
           <p:nvPr>
             <p:extLst>
               <p:ext uri="{D42A27DB-BD31-4B8C-83A1-F6EECF244321}">
-                <p14:modId xmlns:p14="http://schemas.microsoft.com/office/powerpoint/2010/main" val="1337890837"/>
+                <p14:modId xmlns:p14="http://schemas.microsoft.com/office/powerpoint/2010/main" val="4036740680"/>
               </p:ext>
             </p:extLst>
           </p:nvPr>
@@ -27524,7 +27897,7 @@
                     <a:p>
                       <a:r>
                         <a:rPr lang="en-US" dirty="0"/>
-                        <a:t>Water</a:t>
+                        <a:t>Water </a:t>
                       </a:r>
                       <a:endParaRPr lang="LID4096" dirty="0"/>
                     </a:p>

--- a/presentations/mri_lecture.pptx
+++ b/presentations/mri_lecture.pptx
@@ -7,7 +7,7 @@
     <p:sldMasterId id="2147483776" r:id="rId3"/>
   </p:sldMasterIdLst>
   <p:notesMasterIdLst>
-    <p:notesMasterId r:id="rId25"/>
+    <p:notesMasterId r:id="rId26"/>
   </p:notesMasterIdLst>
   <p:sldIdLst>
     <p:sldId id="257" r:id="rId4"/>
@@ -26,11 +26,12 @@
     <p:sldId id="317" r:id="rId17"/>
     <p:sldId id="318" r:id="rId18"/>
     <p:sldId id="309" r:id="rId19"/>
-    <p:sldId id="320" r:id="rId20"/>
-    <p:sldId id="306" r:id="rId21"/>
-    <p:sldId id="310" r:id="rId22"/>
-    <p:sldId id="319" r:id="rId23"/>
-    <p:sldId id="302" r:id="rId24"/>
+    <p:sldId id="323" r:id="rId20"/>
+    <p:sldId id="320" r:id="rId21"/>
+    <p:sldId id="306" r:id="rId22"/>
+    <p:sldId id="310" r:id="rId23"/>
+    <p:sldId id="319" r:id="rId24"/>
+    <p:sldId id="302" r:id="rId25"/>
   </p:sldIdLst>
   <p:sldSz cx="12192000" cy="6858000"/>
   <p:notesSz cx="6858000" cy="9144000"/>
@@ -7072,7 +7073,7 @@
           </a:lstStyle>
           <a:p>
             <a:fld id="{69732D9D-C667-489A-831F-0E01110209EA}" type="datetimeFigureOut">
-              <a:t>09/15/2024</a:t>
+              <a:t>09/17/2024</a:t>
             </a:fld>
             <a:endParaRPr lang="en-US"/>
           </a:p>
@@ -7585,7 +7586,7 @@
           <a:p>
             <a:fld id="{846CE7D5-CF57-46EF-B807-FDD0502418D4}" type="datetimeFigureOut">
               <a:rPr lang="en-US" smtClean="0"/>
-              <a:t>9/15/2024</a:t>
+              <a:t>9/17/2024</a:t>
             </a:fld>
             <a:endParaRPr lang="en-US"/>
           </a:p>
@@ -7755,7 +7756,7 @@
           <a:p>
             <a:fld id="{846CE7D5-CF57-46EF-B807-FDD0502418D4}" type="datetimeFigureOut">
               <a:rPr lang="en-US" smtClean="0"/>
-              <a:t>9/15/2024</a:t>
+              <a:t>9/17/2024</a:t>
             </a:fld>
             <a:endParaRPr lang="en-US"/>
           </a:p>
@@ -7935,7 +7936,7 @@
           <a:p>
             <a:fld id="{846CE7D5-CF57-46EF-B807-FDD0502418D4}" type="datetimeFigureOut">
               <a:rPr lang="en-US" smtClean="0"/>
-              <a:t>9/15/2024</a:t>
+              <a:t>9/17/2024</a:t>
             </a:fld>
             <a:endParaRPr lang="en-US"/>
           </a:p>
@@ -9420,7 +9421,7 @@
           <a:p>
             <a:fld id="{846CE7D5-CF57-46EF-B807-FDD0502418D4}" type="datetimeFigureOut">
               <a:rPr lang="en-US" smtClean="0"/>
-              <a:t>9/15/2024</a:t>
+              <a:t>9/17/2024</a:t>
             </a:fld>
             <a:endParaRPr lang="en-US"/>
           </a:p>
@@ -11546,7 +11547,7 @@
           <a:p>
             <a:fld id="{846CE7D5-CF57-46EF-B807-FDD0502418D4}" type="datetimeFigureOut">
               <a:rPr lang="en-US" smtClean="0"/>
-              <a:t>9/15/2024</a:t>
+              <a:t>9/17/2024</a:t>
             </a:fld>
             <a:endParaRPr lang="en-US"/>
           </a:p>
@@ -13263,7 +13264,7 @@
           <a:p>
             <a:fld id="{846CE7D5-CF57-46EF-B807-FDD0502418D4}" type="datetimeFigureOut">
               <a:rPr lang="en-US" smtClean="0"/>
-              <a:t>9/15/2024</a:t>
+              <a:t>9/17/2024</a:t>
             </a:fld>
             <a:endParaRPr lang="en-US"/>
           </a:p>
@@ -13630,7 +13631,7 @@
           <a:p>
             <a:fld id="{846CE7D5-CF57-46EF-B807-FDD0502418D4}" type="datetimeFigureOut">
               <a:rPr lang="en-US" smtClean="0"/>
-              <a:t>9/15/2024</a:t>
+              <a:t>9/17/2024</a:t>
             </a:fld>
             <a:endParaRPr lang="en-US"/>
           </a:p>
@@ -13748,7 +13749,7 @@
           <a:p>
             <a:fld id="{846CE7D5-CF57-46EF-B807-FDD0502418D4}" type="datetimeFigureOut">
               <a:rPr lang="en-US" smtClean="0"/>
-              <a:t>9/15/2024</a:t>
+              <a:t>9/17/2024</a:t>
             </a:fld>
             <a:endParaRPr lang="en-US"/>
           </a:p>
@@ -13843,7 +13844,7 @@
           <a:p>
             <a:fld id="{846CE7D5-CF57-46EF-B807-FDD0502418D4}" type="datetimeFigureOut">
               <a:rPr lang="en-US" smtClean="0"/>
-              <a:t>9/15/2024</a:t>
+              <a:t>9/17/2024</a:t>
             </a:fld>
             <a:endParaRPr lang="en-US"/>
           </a:p>
@@ -14120,7 +14121,7 @@
           <a:p>
             <a:fld id="{846CE7D5-CF57-46EF-B807-FDD0502418D4}" type="datetimeFigureOut">
               <a:rPr lang="en-US" smtClean="0"/>
-              <a:t>9/15/2024</a:t>
+              <a:t>9/17/2024</a:t>
             </a:fld>
             <a:endParaRPr lang="en-US"/>
           </a:p>
@@ -14377,7 +14378,7 @@
           <a:p>
             <a:fld id="{846CE7D5-CF57-46EF-B807-FDD0502418D4}" type="datetimeFigureOut">
               <a:rPr lang="en-US" smtClean="0"/>
-              <a:t>9/15/2024</a:t>
+              <a:t>9/17/2024</a:t>
             </a:fld>
             <a:endParaRPr lang="en-US"/>
           </a:p>
@@ -14590,7 +14591,7 @@
           <a:p>
             <a:fld id="{846CE7D5-CF57-46EF-B807-FDD0502418D4}" type="datetimeFigureOut">
               <a:rPr lang="en-US" smtClean="0"/>
-              <a:t>9/15/2024</a:t>
+              <a:t>9/17/2024</a:t>
             </a:fld>
             <a:endParaRPr lang="en-US"/>
           </a:p>
@@ -19157,8 +19158,8 @@
         </p:nvSpPr>
         <p:spPr bwMode="auto">
           <a:xfrm>
-            <a:off x="494270" y="1335300"/>
-            <a:ext cx="10552670" cy="3123932"/>
+            <a:off x="494270" y="1489188"/>
+            <a:ext cx="10552670" cy="2816156"/>
           </a:xfrm>
           <a:prstGeom prst="rect">
             <a:avLst/>
@@ -19349,7 +19350,81 @@
                 <a:effectLst/>
                 <a:latin typeface="Mulish"/>
               </a:rPr>
-              <a:t> be encoded in </a:t>
+              <a:t> </a:t>
+            </a:r>
+            <a:r>
+              <a:rPr lang="en-US" altLang="LID4096" sz="2000" dirty="0">
+                <a:solidFill>
+                  <a:srgbClr val="383838"/>
+                </a:solidFill>
+                <a:latin typeface="Mulish"/>
+              </a:rPr>
+              <a:t>is</a:t>
+            </a:r>
+            <a:r>
+              <a:rPr kumimoji="0" lang="LID4096" altLang="LID4096" sz="2000" b="0" i="0" u="none" strike="noStrike" cap="none" normalizeH="0" baseline="0" dirty="0">
+                <a:ln>
+                  <a:noFill/>
+                </a:ln>
+                <a:solidFill>
+                  <a:srgbClr val="383838"/>
+                </a:solidFill>
+                <a:effectLst/>
+                <a:latin typeface="Mulish"/>
+              </a:rPr>
+              <a:t> </a:t>
+            </a:r>
+            <a:r>
+              <a:rPr kumimoji="0" lang="en-US" altLang="LID4096" sz="2000" b="0" i="0" u="none" strike="noStrike" cap="none" normalizeH="0" baseline="0" dirty="0">
+                <a:ln>
+                  <a:noFill/>
+                </a:ln>
+                <a:solidFill>
+                  <a:srgbClr val="383838"/>
+                </a:solidFill>
+                <a:effectLst/>
+                <a:latin typeface="Mulish"/>
+              </a:rPr>
+              <a:t>going to (</a:t>
+            </a:r>
+            <a:r>
+              <a:rPr kumimoji="0" lang="LID4096" altLang="LID4096" sz="2000" b="0" i="0" u="none" strike="noStrike" cap="none" normalizeH="0" baseline="0" dirty="0">
+                <a:ln>
+                  <a:noFill/>
+                </a:ln>
+                <a:solidFill>
+                  <a:srgbClr val="383838"/>
+                </a:solidFill>
+                <a:effectLst/>
+                <a:latin typeface="Mulish"/>
+              </a:rPr>
+              <a:t>once we apply the matrix</a:t>
+            </a:r>
+            <a:r>
+              <a:rPr kumimoji="0" lang="en-US" altLang="LID4096" sz="2000" b="0" i="0" u="none" strike="noStrike" cap="none" normalizeH="0" baseline="0" dirty="0">
+                <a:ln>
+                  <a:noFill/>
+                </a:ln>
+                <a:solidFill>
+                  <a:srgbClr val="383838"/>
+                </a:solidFill>
+                <a:effectLst/>
+                <a:latin typeface="Mulish"/>
+              </a:rPr>
+              <a:t>) put out image</a:t>
+            </a:r>
+            <a:r>
+              <a:rPr kumimoji="0" lang="LID4096" altLang="LID4096" sz="2000" b="0" i="0" u="none" strike="noStrike" cap="none" normalizeH="0" baseline="0" dirty="0">
+                <a:ln>
+                  <a:noFill/>
+                </a:ln>
+                <a:solidFill>
+                  <a:srgbClr val="383838"/>
+                </a:solidFill>
+                <a:effectLst/>
+                <a:latin typeface="Mulish"/>
+              </a:rPr>
+              <a:t> in </a:t>
             </a:r>
             <a:r>
               <a:rPr kumimoji="0" lang="LID4096" altLang="LID4096" sz="2000" b="1" i="0" u="none" strike="noStrike" cap="none" normalizeH="0" baseline="0" dirty="0">
@@ -19375,33 +19450,7 @@
                 <a:effectLst/>
                 <a:latin typeface="Mulish"/>
               </a:rPr>
-              <a:t>. That means once we apply the matrix our coordinates are </a:t>
-            </a:r>
-            <a:r>
-              <a:rPr kumimoji="0" lang="LID4096" altLang="LID4096" sz="2000" b="0" i="0" u="none" strike="noStrike" cap="none" normalizeH="0" baseline="0" dirty="0">
-                <a:ln>
-                  <a:noFill/>
-                </a:ln>
-                <a:solidFill>
-                  <a:srgbClr val="000000"/>
-                </a:solidFill>
-                <a:effectLst/>
-                <a:latin typeface="Source Code Pro" panose="020B0509030403020204" pitchFamily="49" charset="0"/>
-              </a:rPr>
-              <a:t>(Right, Anterior, Superior)</a:t>
-            </a:r>
-            <a:r>
-              <a:rPr kumimoji="0" lang="LID4096" altLang="LID4096" sz="2000" b="0" i="0" u="none" strike="noStrike" cap="none" normalizeH="0" baseline="0" dirty="0">
-                <a:ln>
-                  <a:noFill/>
-                </a:ln>
-                <a:solidFill>
-                  <a:srgbClr val="383838"/>
-                </a:solidFill>
-                <a:effectLst/>
-                <a:latin typeface="Mulish"/>
-              </a:rPr>
-              <a:t>.</a:t>
+              <a:t>. </a:t>
             </a:r>
             <a:endParaRPr kumimoji="0" lang="en-US" altLang="LID4096" sz="2000" b="0" i="0" u="none" strike="noStrike" cap="none" normalizeH="0" baseline="0" dirty="0">
               <a:ln>
@@ -19937,32 +19986,9 @@
             </a:r>
             <a:r>
               <a:rPr lang="en-US" i="1" dirty="0"/>
-              <a:t>the battle </a:t>
-            </a:r>
-            <a:r>
-              <a:rPr lang="en-US" dirty="0" err="1"/>
-              <a:t>fMRIprep</a:t>
-            </a:r>
-            <a:r>
-              <a:rPr lang="en-US" dirty="0"/>
-              <a:t> , then </a:t>
-            </a:r>
-            <a:r>
-              <a:rPr lang="en-US" dirty="0" err="1"/>
-              <a:t>nilearn</a:t>
-            </a:r>
-            <a:r>
-              <a:rPr lang="en-US" dirty="0"/>
-              <a:t> (</a:t>
-            </a:r>
-            <a:r>
-              <a:rPr lang="en-US" dirty="0" err="1"/>
-              <a:t>nipreps</a:t>
-            </a:r>
-            <a:r>
-              <a:rPr lang="en-US" dirty="0"/>
-              <a:t>)</a:t>
-            </a:r>
+              <a:t>the battle</a:t>
+            </a:r>
+            <a:endParaRPr lang="en-US" dirty="0"/>
           </a:p>
           <a:p>
             <a:pPr marL="0" marR="0" lvl="0" indent="0" algn="l" defTabSz="914400" rtl="0" eaLnBrk="0" fontAlgn="base" latinLnBrk="0" hangingPunct="0">
@@ -20023,7 +20049,7 @@
         </p:blipFill>
         <p:spPr bwMode="auto">
           <a:xfrm>
-            <a:off x="1844762" y="2042978"/>
+            <a:off x="1844762" y="1804078"/>
             <a:ext cx="3524250" cy="1952625"/>
           </a:xfrm>
           <a:prstGeom prst="rect">
@@ -20136,6 +20162,299 @@
         </p:nvSpPr>
         <p:spPr>
           <a:xfrm>
+            <a:off x="2542786" y="0"/>
+            <a:ext cx="10972440" cy="1144800"/>
+          </a:xfrm>
+        </p:spPr>
+        <p:txBody>
+          <a:bodyPr/>
+          <a:lstStyle/>
+          <a:p>
+            <a:r>
+              <a:rPr lang="en-US" dirty="0"/>
+              <a:t>MRI: functional</a:t>
+            </a:r>
+            <a:endParaRPr lang="LID4096" dirty="0"/>
+          </a:p>
+        </p:txBody>
+      </p:sp>
+      <p:sp>
+        <p:nvSpPr>
+          <p:cNvPr id="2" name="TextBox 1">
+            <a:extLst>
+              <a:ext uri="{FF2B5EF4-FFF2-40B4-BE49-F238E27FC236}">
+                <a16:creationId xmlns:a16="http://schemas.microsoft.com/office/drawing/2014/main" id="{2E1C092E-AE7B-64FA-8121-674323E8EB3B}"/>
+              </a:ext>
+            </a:extLst>
+          </p:cNvPr>
+          <p:cNvSpPr txBox="1"/>
+          <p:nvPr/>
+        </p:nvSpPr>
+        <p:spPr>
+          <a:xfrm>
+            <a:off x="1037968" y="889688"/>
+            <a:ext cx="8905102" cy="5878532"/>
+          </a:xfrm>
+          <a:prstGeom prst="rect">
+            <a:avLst/>
+          </a:prstGeom>
+          <a:noFill/>
+        </p:spPr>
+        <p:txBody>
+          <a:bodyPr wrap="square" rtlCol="0">
+            <a:spAutoFit/>
+          </a:bodyPr>
+          <a:lstStyle/>
+          <a:p>
+            <a:r>
+              <a:rPr lang="en-US" dirty="0"/>
+              <a:t>Fundamental tasks in fMRI preparation</a:t>
+            </a:r>
+          </a:p>
+          <a:p>
+            <a:endParaRPr lang="en-US" dirty="0"/>
+          </a:p>
+          <a:p>
+            <a:pPr marL="342900" indent="-342900">
+              <a:buAutoNum type="arabicPeriod"/>
+            </a:pPr>
+            <a:r>
+              <a:rPr lang="en-US" sz="1400" dirty="0"/>
+              <a:t>Strip off non-brain tissue</a:t>
+            </a:r>
+          </a:p>
+          <a:p>
+            <a:pPr marL="342900" indent="-342900">
+              <a:buAutoNum type="arabicPeriod"/>
+            </a:pPr>
+            <a:r>
+              <a:rPr lang="en-US" sz="1400" dirty="0"/>
+              <a:t>Correct for motion over time (geography)</a:t>
+            </a:r>
+          </a:p>
+          <a:p>
+            <a:pPr marL="342900" indent="-342900">
+              <a:buAutoNum type="arabicPeriod"/>
+            </a:pPr>
+            <a:r>
+              <a:rPr lang="en-US" sz="1400" dirty="0"/>
+              <a:t>Get rid of motion signal artifacts</a:t>
+            </a:r>
+          </a:p>
+          <a:p>
+            <a:pPr marL="342900" indent="-342900">
+              <a:buAutoNum type="arabicPeriod"/>
+            </a:pPr>
+            <a:r>
+              <a:rPr lang="en-US" sz="1400" dirty="0"/>
+              <a:t>Correct for magnetic field inhomogeneities</a:t>
+            </a:r>
+          </a:p>
+          <a:p>
+            <a:pPr marL="342900" indent="-342900">
+              <a:buAutoNum type="arabicPeriod"/>
+            </a:pPr>
+            <a:r>
+              <a:rPr lang="en-US" sz="1400" dirty="0"/>
+              <a:t>Align to a T1 image</a:t>
+            </a:r>
+          </a:p>
+          <a:p>
+            <a:pPr marL="342900" indent="-342900">
+              <a:buAutoNum type="arabicPeriod"/>
+            </a:pPr>
+            <a:endParaRPr lang="en-US" dirty="0"/>
+          </a:p>
+          <a:p>
+            <a:r>
+              <a:rPr lang="en-US" dirty="0"/>
+              <a:t>Processing suites with GUI:</a:t>
+            </a:r>
+          </a:p>
+          <a:p>
+            <a:pPr marL="285750" indent="-285750">
+              <a:buFont typeface="Arial" panose="020B0604020202020204" pitchFamily="34" charset="0"/>
+              <a:buChar char="•"/>
+            </a:pPr>
+            <a:r>
+              <a:rPr lang="en-US" dirty="0"/>
+              <a:t>FSL</a:t>
+            </a:r>
+          </a:p>
+          <a:p>
+            <a:pPr marL="285750" indent="-285750">
+              <a:buFont typeface="Arial" panose="020B0604020202020204" pitchFamily="34" charset="0"/>
+              <a:buChar char="•"/>
+            </a:pPr>
+            <a:r>
+              <a:rPr lang="en-US" dirty="0"/>
+              <a:t>commercial options: </a:t>
+            </a:r>
+            <a:r>
+              <a:rPr lang="en-US" dirty="0" err="1"/>
+              <a:t>Brainlab</a:t>
+            </a:r>
+            <a:r>
+              <a:rPr lang="en-US" dirty="0"/>
+              <a:t>, </a:t>
+            </a:r>
+            <a:r>
+              <a:rPr lang="en-US" dirty="0" err="1"/>
+              <a:t>Dynasite</a:t>
+            </a:r>
+            <a:endParaRPr lang="en-US" dirty="0"/>
+          </a:p>
+          <a:p>
+            <a:pPr marL="285750" indent="-285750">
+              <a:buFont typeface="Arial" panose="020B0604020202020204" pitchFamily="34" charset="0"/>
+              <a:buChar char="•"/>
+            </a:pPr>
+            <a:endParaRPr lang="en-US" dirty="0"/>
+          </a:p>
+          <a:p>
+            <a:r>
+              <a:rPr lang="en-US" dirty="0"/>
+              <a:t>Pipeline of pipelines:</a:t>
+            </a:r>
+          </a:p>
+          <a:p>
+            <a:endParaRPr lang="en-US" dirty="0"/>
+          </a:p>
+          <a:p>
+            <a:pPr marL="285750" indent="-285750">
+              <a:buFont typeface="Arial" panose="020B0604020202020204" pitchFamily="34" charset="0"/>
+              <a:buChar char="•"/>
+            </a:pPr>
+            <a:r>
+              <a:rPr lang="en-US" dirty="0"/>
+              <a:t>Add ANTS + other pipelines + python glue</a:t>
+            </a:r>
+          </a:p>
+          <a:p>
+            <a:endParaRPr lang="en-US" dirty="0"/>
+          </a:p>
+          <a:p>
+            <a:r>
+              <a:rPr lang="en-US" dirty="0"/>
+              <a:t>AFNI or </a:t>
+            </a:r>
+            <a:r>
+              <a:rPr lang="en-US" dirty="0" err="1"/>
+              <a:t>fMRIprep</a:t>
+            </a:r>
+            <a:endParaRPr lang="en-US" dirty="0"/>
+          </a:p>
+          <a:p>
+            <a:endParaRPr lang="en-US" dirty="0"/>
+          </a:p>
+          <a:p>
+            <a:pPr marL="285750" indent="-285750">
+              <a:buFont typeface="Arial" panose="020B0604020202020204" pitchFamily="34" charset="0"/>
+              <a:buChar char="•"/>
+            </a:pPr>
+            <a:r>
+              <a:rPr lang="en-US" dirty="0"/>
+              <a:t>AFNI is </a:t>
+            </a:r>
+            <a:r>
+              <a:rPr lang="en-US"/>
+              <a:t>more complete, </a:t>
+            </a:r>
+            <a:r>
+              <a:rPr lang="en-US" dirty="0"/>
+              <a:t>but fMRI preprocesses from BIDS</a:t>
+            </a:r>
+          </a:p>
+          <a:p>
+            <a:pPr marL="285750" indent="-285750">
+              <a:buFont typeface="Arial" panose="020B0604020202020204" pitchFamily="34" charset="0"/>
+              <a:buChar char="•"/>
+            </a:pPr>
+            <a:endParaRPr lang="en-US" dirty="0"/>
+          </a:p>
+          <a:p>
+            <a:endParaRPr lang="en-US" dirty="0"/>
+          </a:p>
+          <a:p>
+            <a:r>
+              <a:rPr lang="en-US" dirty="0"/>
+              <a:t>See carpentries material (</a:t>
+            </a:r>
+            <a:r>
+              <a:rPr lang="en-US" dirty="0" err="1"/>
+              <a:t>fMRIprep</a:t>
+            </a:r>
+            <a:r>
+              <a:rPr lang="en-US" dirty="0"/>
+              <a:t>, </a:t>
+            </a:r>
+            <a:r>
+              <a:rPr lang="en-US" dirty="0" err="1"/>
+              <a:t>nibabel</a:t>
+            </a:r>
+            <a:r>
+              <a:rPr lang="en-US" dirty="0"/>
+              <a:t>, </a:t>
+            </a:r>
+            <a:r>
+              <a:rPr lang="en-US" dirty="0" err="1"/>
+              <a:t>nilearn</a:t>
+            </a:r>
+            <a:r>
+              <a:rPr lang="en-US" dirty="0"/>
+              <a:t>) beware brain book</a:t>
+            </a:r>
+          </a:p>
+        </p:txBody>
+      </p:sp>
+    </p:spTree>
+    <p:extLst>
+      <p:ext uri="{BB962C8B-B14F-4D97-AF65-F5344CB8AC3E}">
+        <p14:creationId xmlns:p14="http://schemas.microsoft.com/office/powerpoint/2010/main" val="3336443070"/>
+      </p:ext>
+    </p:extLst>
+  </p:cSld>
+  <p:clrMapOvr>
+    <a:masterClrMapping/>
+  </p:clrMapOvr>
+</p:sld>
+</file>
+
+<file path=ppt/slides/slide18.xml><?xml version="1.0" encoding="utf-8"?>
+<p:sld xmlns:a="http://schemas.openxmlformats.org/drawingml/2006/main" xmlns:r="http://schemas.openxmlformats.org/officeDocument/2006/relationships" xmlns:p="http://schemas.openxmlformats.org/presentationml/2006/main">
+  <p:cSld>
+    <p:spTree>
+      <p:nvGrpSpPr>
+        <p:cNvPr id="1" name=""/>
+        <p:cNvGrpSpPr/>
+        <p:nvPr/>
+      </p:nvGrpSpPr>
+      <p:grpSpPr>
+        <a:xfrm>
+          <a:off x="0" y="0"/>
+          <a:ext cx="0" cy="0"/>
+          <a:chOff x="0" y="0"/>
+          <a:chExt cx="0" cy="0"/>
+        </a:xfrm>
+      </p:grpSpPr>
+      <p:sp>
+        <p:nvSpPr>
+          <p:cNvPr id="11" name="Title 1">
+            <a:extLst>
+              <a:ext uri="{FF2B5EF4-FFF2-40B4-BE49-F238E27FC236}">
+                <a16:creationId xmlns:a16="http://schemas.microsoft.com/office/drawing/2014/main" id="{B2A99C44-0FF0-7D73-9F27-6EEA0C5C5DDC}"/>
+              </a:ext>
+            </a:extLst>
+          </p:cNvPr>
+          <p:cNvSpPr>
+            <a:spLocks noGrp="1"/>
+          </p:cNvSpPr>
+          <p:nvPr>
+            <p:ph type="title"/>
+          </p:nvPr>
+        </p:nvSpPr>
+        <p:spPr>
+          <a:xfrm>
             <a:off x="2077453" y="328862"/>
             <a:ext cx="3507801" cy="5021180"/>
           </a:xfrm>
@@ -20236,7 +20555,7 @@
 </p:sld>
 </file>
 
-<file path=ppt/slides/slide18.xml><?xml version="1.0" encoding="utf-8"?>
+<file path=ppt/slides/slide19.xml><?xml version="1.0" encoding="utf-8"?>
 <p:sld xmlns:a="http://schemas.openxmlformats.org/drawingml/2006/main" xmlns:r="http://schemas.openxmlformats.org/officeDocument/2006/relationships" xmlns:p="http://schemas.openxmlformats.org/presentationml/2006/main">
   <p:cSld>
     <p:spTree>
@@ -20605,269 +20924,6 @@
     <p:extLst>
       <p:ext uri="{BB962C8B-B14F-4D97-AF65-F5344CB8AC3E}">
         <p14:creationId xmlns:p14="http://schemas.microsoft.com/office/powerpoint/2010/main" val="4193196166"/>
-      </p:ext>
-    </p:extLst>
-  </p:cSld>
-  <p:clrMapOvr>
-    <a:masterClrMapping/>
-  </p:clrMapOvr>
-</p:sld>
-</file>
-
-<file path=ppt/slides/slide19.xml><?xml version="1.0" encoding="utf-8"?>
-<p:sld xmlns:a="http://schemas.openxmlformats.org/drawingml/2006/main" xmlns:r="http://schemas.openxmlformats.org/officeDocument/2006/relationships" xmlns:p="http://schemas.openxmlformats.org/presentationml/2006/main">
-  <p:cSld>
-    <p:spTree>
-      <p:nvGrpSpPr>
-        <p:cNvPr id="1" name=""/>
-        <p:cNvGrpSpPr/>
-        <p:nvPr/>
-      </p:nvGrpSpPr>
-      <p:grpSpPr>
-        <a:xfrm>
-          <a:off x="0" y="0"/>
-          <a:ext cx="0" cy="0"/>
-          <a:chOff x="0" y="0"/>
-          <a:chExt cx="0" cy="0"/>
-        </a:xfrm>
-      </p:grpSpPr>
-      <p:sp>
-        <p:nvSpPr>
-          <p:cNvPr id="11" name="Title 1">
-            <a:extLst>
-              <a:ext uri="{FF2B5EF4-FFF2-40B4-BE49-F238E27FC236}">
-                <a16:creationId xmlns:a16="http://schemas.microsoft.com/office/drawing/2014/main" id="{B2A99C44-0FF0-7D73-9F27-6EEA0C5C5DDC}"/>
-              </a:ext>
-            </a:extLst>
-          </p:cNvPr>
-          <p:cNvSpPr>
-            <a:spLocks noGrp="1"/>
-          </p:cNvSpPr>
-          <p:nvPr>
-            <p:ph type="title"/>
-          </p:nvPr>
-        </p:nvSpPr>
-        <p:spPr>
-          <a:xfrm>
-            <a:off x="2503926" y="0"/>
-            <a:ext cx="10972440" cy="1144800"/>
-          </a:xfrm>
-        </p:spPr>
-        <p:txBody>
-          <a:bodyPr/>
-          <a:lstStyle/>
-          <a:p>
-            <a:r>
-              <a:rPr lang="en-US" dirty="0"/>
-              <a:t>MRI: more and more</a:t>
-            </a:r>
-            <a:endParaRPr lang="LID4096" dirty="0"/>
-          </a:p>
-        </p:txBody>
-      </p:sp>
-      <p:sp>
-        <p:nvSpPr>
-          <p:cNvPr id="17" name="Rectangle 14">
-            <a:extLst>
-              <a:ext uri="{FF2B5EF4-FFF2-40B4-BE49-F238E27FC236}">
-                <a16:creationId xmlns:a16="http://schemas.microsoft.com/office/drawing/2014/main" id="{5FD13D6E-C67F-3A56-EFD2-DD7B92E6255E}"/>
-              </a:ext>
-            </a:extLst>
-          </p:cNvPr>
-          <p:cNvSpPr>
-            <a:spLocks noChangeArrowheads="1"/>
-          </p:cNvSpPr>
-          <p:nvPr/>
-        </p:nvSpPr>
-        <p:spPr bwMode="auto">
-          <a:xfrm>
-            <a:off x="1334530" y="5527243"/>
-            <a:ext cx="582831732" cy="923330"/>
-          </a:xfrm>
-          <a:prstGeom prst="rect">
-            <a:avLst/>
-          </a:prstGeom>
-          <a:noFill/>
-          <a:ln>
-            <a:noFill/>
-          </a:ln>
-          <a:effectLst/>
-          <a:extLst>
-            <a:ext uri="{909E8E84-426E-40DD-AFC4-6F175D3DCCD1}">
-              <a14:hiddenFill xmlns:a14="http://schemas.microsoft.com/office/drawing/2010/main">
-                <a:solidFill>
-                  <a:schemeClr val="accent1"/>
-                </a:solidFill>
-              </a14:hiddenFill>
-            </a:ext>
-            <a:ext uri="{91240B29-F687-4F45-9708-019B960494DF}">
-              <a14:hiddenLine xmlns:a14="http://schemas.microsoft.com/office/drawing/2010/main" w="9525">
-                <a:solidFill>
-                  <a:schemeClr val="tx1"/>
-                </a:solidFill>
-                <a:miter lim="800000"/>
-                <a:headEnd/>
-                <a:tailEnd/>
-              </a14:hiddenLine>
-            </a:ext>
-            <a:ext uri="{AF507438-7753-43E0-B8FC-AC1667EBCBE1}">
-              <a14:hiddenEffects xmlns:a14="http://schemas.microsoft.com/office/drawing/2010/main">
-                <a:effectLst>
-                  <a:outerShdw dist="35921" dir="2700000" algn="ctr" rotWithShape="0">
-                    <a:schemeClr val="bg2"/>
-                  </a:outerShdw>
-                </a:effectLst>
-              </a14:hiddenEffects>
-            </a:ext>
-          </a:extLst>
-        </p:spPr>
-        <p:txBody>
-          <a:bodyPr vert="horz" wrap="square" lIns="91440" tIns="45720" rIns="91440" bIns="45720" numCol="1" anchor="ctr" anchorCtr="0" compatLnSpc="1">
-            <a:prstTxWarp prst="textNoShape">
-              <a:avLst/>
-            </a:prstTxWarp>
-            <a:spAutoFit/>
-          </a:bodyPr>
-          <a:lstStyle/>
-          <a:p>
-            <a:pPr marL="0" marR="0" lvl="0" indent="0" algn="l" defTabSz="914400" rtl="0" eaLnBrk="0" fontAlgn="base" latinLnBrk="0" hangingPunct="0">
-              <a:lnSpc>
-                <a:spcPct val="100000"/>
-              </a:lnSpc>
-              <a:spcBef>
-                <a:spcPct val="0"/>
-              </a:spcBef>
-              <a:spcAft>
-                <a:spcPct val="0"/>
-              </a:spcAft>
-              <a:buClrTx/>
-              <a:buSzTx/>
-              <a:buFontTx/>
-              <a:buNone/>
-              <a:tabLst/>
-            </a:pPr>
-            <a:endParaRPr kumimoji="0" lang="LID4096" altLang="LID4096" sz="1800" b="0" i="0" u="none" strike="noStrike" cap="none" normalizeH="0" baseline="0" dirty="0">
-              <a:ln>
-                <a:noFill/>
-              </a:ln>
-              <a:solidFill>
-                <a:schemeClr val="tx1"/>
-              </a:solidFill>
-              <a:effectLst/>
-              <a:latin typeface="Arial" panose="020B0604020202020204" pitchFamily="34" charset="0"/>
-            </a:endParaRPr>
-          </a:p>
-          <a:p>
-            <a:pPr marL="0" marR="0" lvl="0" indent="0" algn="l" defTabSz="914400" rtl="0" eaLnBrk="0" fontAlgn="base" latinLnBrk="0" hangingPunct="0">
-              <a:lnSpc>
-                <a:spcPct val="100000"/>
-              </a:lnSpc>
-              <a:spcBef>
-                <a:spcPct val="0"/>
-              </a:spcBef>
-              <a:spcAft>
-                <a:spcPct val="0"/>
-              </a:spcAft>
-              <a:buClrTx/>
-              <a:buSzTx/>
-              <a:buFontTx/>
-              <a:buChar char="•"/>
-              <a:tabLst/>
-            </a:pPr>
-            <a:r>
-              <a:rPr kumimoji="0" lang="en-US" altLang="LID4096" sz="1800" b="0" i="0" u="none" strike="noStrike" cap="none" normalizeH="0" baseline="0" dirty="0">
-                <a:ln>
-                  <a:noFill/>
-                </a:ln>
-                <a:solidFill>
-                  <a:schemeClr val="tx1"/>
-                </a:solidFill>
-                <a:effectLst/>
-                <a:latin typeface="Arial" panose="020B0604020202020204" pitchFamily="34" charset="0"/>
-              </a:rPr>
-              <a:t>MRA, TOF, Perfusion sequences, new sequences…and spectroscopy</a:t>
-            </a:r>
-            <a:endParaRPr kumimoji="0" lang="LID4096" altLang="LID4096" sz="1800" b="0" i="0" u="none" strike="noStrike" cap="none" normalizeH="0" baseline="0" dirty="0">
-              <a:ln>
-                <a:noFill/>
-              </a:ln>
-              <a:solidFill>
-                <a:schemeClr val="tx1"/>
-              </a:solidFill>
-              <a:effectLst/>
-              <a:latin typeface="Arial" panose="020B0604020202020204" pitchFamily="34" charset="0"/>
-            </a:endParaRPr>
-          </a:p>
-          <a:p>
-            <a:pPr marL="0" marR="0" lvl="0" indent="0" algn="l" defTabSz="914400" rtl="0" eaLnBrk="0" fontAlgn="base" latinLnBrk="0" hangingPunct="0">
-              <a:lnSpc>
-                <a:spcPct val="100000"/>
-              </a:lnSpc>
-              <a:spcBef>
-                <a:spcPct val="0"/>
-              </a:spcBef>
-              <a:spcAft>
-                <a:spcPct val="0"/>
-              </a:spcAft>
-              <a:buClrTx/>
-              <a:buSzTx/>
-              <a:buFontTx/>
-              <a:buNone/>
-              <a:tabLst/>
-            </a:pPr>
-            <a:endParaRPr kumimoji="0" lang="LID4096" altLang="LID4096" sz="1800" b="0" i="0" u="none" strike="noStrike" cap="none" normalizeH="0" baseline="0" dirty="0">
-              <a:ln>
-                <a:noFill/>
-              </a:ln>
-              <a:solidFill>
-                <a:schemeClr val="tx1"/>
-              </a:solidFill>
-              <a:effectLst/>
-              <a:latin typeface="Arial" panose="020B0604020202020204" pitchFamily="34" charset="0"/>
-            </a:endParaRPr>
-          </a:p>
-        </p:txBody>
-      </p:sp>
-      <p:pic>
-        <p:nvPicPr>
-          <p:cNvPr id="3" name="Graphic 2" descr="Infinity with solid fill">
-            <a:extLst>
-              <a:ext uri="{FF2B5EF4-FFF2-40B4-BE49-F238E27FC236}">
-                <a16:creationId xmlns:a16="http://schemas.microsoft.com/office/drawing/2014/main" id="{99F1FBFF-00FA-017E-C340-562B0EF96BCC}"/>
-              </a:ext>
-            </a:extLst>
-          </p:cNvPr>
-          <p:cNvPicPr>
-            <a:picLocks noChangeAspect="1"/>
-          </p:cNvPicPr>
-          <p:nvPr/>
-        </p:nvPicPr>
-        <p:blipFill>
-          <a:blip r:embed="rId2">
-            <a:extLst>
-              <a:ext uri="{96DAC541-7B7A-43D3-8B79-37D633B846F1}">
-                <asvg:svgBlip xmlns:asvg="http://schemas.microsoft.com/office/drawing/2016/SVG/main" r:embed="rId3"/>
-              </a:ext>
-            </a:extLst>
-          </a:blip>
-          <a:stretch>
-            <a:fillRect/>
-          </a:stretch>
-        </p:blipFill>
-        <p:spPr>
-          <a:xfrm>
-            <a:off x="2503926" y="284551"/>
-            <a:ext cx="6166022" cy="6166022"/>
-          </a:xfrm>
-          <a:prstGeom prst="rect">
-            <a:avLst/>
-          </a:prstGeom>
-        </p:spPr>
-      </p:pic>
-    </p:spTree>
-    <p:extLst>
-      <p:ext uri="{BB962C8B-B14F-4D97-AF65-F5344CB8AC3E}">
-        <p14:creationId xmlns:p14="http://schemas.microsoft.com/office/powerpoint/2010/main" val="2883795682"/>
       </p:ext>
     </p:extLst>
   </p:cSld>
@@ -21244,6 +21300,269 @@
           <a:p>
             <a:r>
               <a:rPr lang="en-US" dirty="0"/>
+              <a:t>MRI: more and more</a:t>
+            </a:r>
+            <a:endParaRPr lang="LID4096" dirty="0"/>
+          </a:p>
+        </p:txBody>
+      </p:sp>
+      <p:sp>
+        <p:nvSpPr>
+          <p:cNvPr id="17" name="Rectangle 14">
+            <a:extLst>
+              <a:ext uri="{FF2B5EF4-FFF2-40B4-BE49-F238E27FC236}">
+                <a16:creationId xmlns:a16="http://schemas.microsoft.com/office/drawing/2014/main" id="{5FD13D6E-C67F-3A56-EFD2-DD7B92E6255E}"/>
+              </a:ext>
+            </a:extLst>
+          </p:cNvPr>
+          <p:cNvSpPr>
+            <a:spLocks noChangeArrowheads="1"/>
+          </p:cNvSpPr>
+          <p:nvPr/>
+        </p:nvSpPr>
+        <p:spPr bwMode="auto">
+          <a:xfrm>
+            <a:off x="1334530" y="5527243"/>
+            <a:ext cx="582831732" cy="923330"/>
+          </a:xfrm>
+          <a:prstGeom prst="rect">
+            <a:avLst/>
+          </a:prstGeom>
+          <a:noFill/>
+          <a:ln>
+            <a:noFill/>
+          </a:ln>
+          <a:effectLst/>
+          <a:extLst>
+            <a:ext uri="{909E8E84-426E-40DD-AFC4-6F175D3DCCD1}">
+              <a14:hiddenFill xmlns:a14="http://schemas.microsoft.com/office/drawing/2010/main">
+                <a:solidFill>
+                  <a:schemeClr val="accent1"/>
+                </a:solidFill>
+              </a14:hiddenFill>
+            </a:ext>
+            <a:ext uri="{91240B29-F687-4F45-9708-019B960494DF}">
+              <a14:hiddenLine xmlns:a14="http://schemas.microsoft.com/office/drawing/2010/main" w="9525">
+                <a:solidFill>
+                  <a:schemeClr val="tx1"/>
+                </a:solidFill>
+                <a:miter lim="800000"/>
+                <a:headEnd/>
+                <a:tailEnd/>
+              </a14:hiddenLine>
+            </a:ext>
+            <a:ext uri="{AF507438-7753-43E0-B8FC-AC1667EBCBE1}">
+              <a14:hiddenEffects xmlns:a14="http://schemas.microsoft.com/office/drawing/2010/main">
+                <a:effectLst>
+                  <a:outerShdw dist="35921" dir="2700000" algn="ctr" rotWithShape="0">
+                    <a:schemeClr val="bg2"/>
+                  </a:outerShdw>
+                </a:effectLst>
+              </a14:hiddenEffects>
+            </a:ext>
+          </a:extLst>
+        </p:spPr>
+        <p:txBody>
+          <a:bodyPr vert="horz" wrap="square" lIns="91440" tIns="45720" rIns="91440" bIns="45720" numCol="1" anchor="ctr" anchorCtr="0" compatLnSpc="1">
+            <a:prstTxWarp prst="textNoShape">
+              <a:avLst/>
+            </a:prstTxWarp>
+            <a:spAutoFit/>
+          </a:bodyPr>
+          <a:lstStyle/>
+          <a:p>
+            <a:pPr marL="0" marR="0" lvl="0" indent="0" algn="l" defTabSz="914400" rtl="0" eaLnBrk="0" fontAlgn="base" latinLnBrk="0" hangingPunct="0">
+              <a:lnSpc>
+                <a:spcPct val="100000"/>
+              </a:lnSpc>
+              <a:spcBef>
+                <a:spcPct val="0"/>
+              </a:spcBef>
+              <a:spcAft>
+                <a:spcPct val="0"/>
+              </a:spcAft>
+              <a:buClrTx/>
+              <a:buSzTx/>
+              <a:buFontTx/>
+              <a:buNone/>
+              <a:tabLst/>
+            </a:pPr>
+            <a:endParaRPr kumimoji="0" lang="LID4096" altLang="LID4096" sz="1800" b="0" i="0" u="none" strike="noStrike" cap="none" normalizeH="0" baseline="0" dirty="0">
+              <a:ln>
+                <a:noFill/>
+              </a:ln>
+              <a:solidFill>
+                <a:schemeClr val="tx1"/>
+              </a:solidFill>
+              <a:effectLst/>
+              <a:latin typeface="Arial" panose="020B0604020202020204" pitchFamily="34" charset="0"/>
+            </a:endParaRPr>
+          </a:p>
+          <a:p>
+            <a:pPr marL="0" marR="0" lvl="0" indent="0" algn="l" defTabSz="914400" rtl="0" eaLnBrk="0" fontAlgn="base" latinLnBrk="0" hangingPunct="0">
+              <a:lnSpc>
+                <a:spcPct val="100000"/>
+              </a:lnSpc>
+              <a:spcBef>
+                <a:spcPct val="0"/>
+              </a:spcBef>
+              <a:spcAft>
+                <a:spcPct val="0"/>
+              </a:spcAft>
+              <a:buClrTx/>
+              <a:buSzTx/>
+              <a:buFontTx/>
+              <a:buChar char="•"/>
+              <a:tabLst/>
+            </a:pPr>
+            <a:r>
+              <a:rPr kumimoji="0" lang="en-US" altLang="LID4096" sz="1800" b="0" i="0" u="none" strike="noStrike" cap="none" normalizeH="0" baseline="0" dirty="0">
+                <a:ln>
+                  <a:noFill/>
+                </a:ln>
+                <a:solidFill>
+                  <a:schemeClr val="tx1"/>
+                </a:solidFill>
+                <a:effectLst/>
+                <a:latin typeface="Arial" panose="020B0604020202020204" pitchFamily="34" charset="0"/>
+              </a:rPr>
+              <a:t>MRA, TOF, Perfusion sequences, new sequences…and spectroscopy</a:t>
+            </a:r>
+            <a:endParaRPr kumimoji="0" lang="LID4096" altLang="LID4096" sz="1800" b="0" i="0" u="none" strike="noStrike" cap="none" normalizeH="0" baseline="0" dirty="0">
+              <a:ln>
+                <a:noFill/>
+              </a:ln>
+              <a:solidFill>
+                <a:schemeClr val="tx1"/>
+              </a:solidFill>
+              <a:effectLst/>
+              <a:latin typeface="Arial" panose="020B0604020202020204" pitchFamily="34" charset="0"/>
+            </a:endParaRPr>
+          </a:p>
+          <a:p>
+            <a:pPr marL="0" marR="0" lvl="0" indent="0" algn="l" defTabSz="914400" rtl="0" eaLnBrk="0" fontAlgn="base" latinLnBrk="0" hangingPunct="0">
+              <a:lnSpc>
+                <a:spcPct val="100000"/>
+              </a:lnSpc>
+              <a:spcBef>
+                <a:spcPct val="0"/>
+              </a:spcBef>
+              <a:spcAft>
+                <a:spcPct val="0"/>
+              </a:spcAft>
+              <a:buClrTx/>
+              <a:buSzTx/>
+              <a:buFontTx/>
+              <a:buNone/>
+              <a:tabLst/>
+            </a:pPr>
+            <a:endParaRPr kumimoji="0" lang="LID4096" altLang="LID4096" sz="1800" b="0" i="0" u="none" strike="noStrike" cap="none" normalizeH="0" baseline="0" dirty="0">
+              <a:ln>
+                <a:noFill/>
+              </a:ln>
+              <a:solidFill>
+                <a:schemeClr val="tx1"/>
+              </a:solidFill>
+              <a:effectLst/>
+              <a:latin typeface="Arial" panose="020B0604020202020204" pitchFamily="34" charset="0"/>
+            </a:endParaRPr>
+          </a:p>
+        </p:txBody>
+      </p:sp>
+      <p:pic>
+        <p:nvPicPr>
+          <p:cNvPr id="3" name="Graphic 2" descr="Infinity with solid fill">
+            <a:extLst>
+              <a:ext uri="{FF2B5EF4-FFF2-40B4-BE49-F238E27FC236}">
+                <a16:creationId xmlns:a16="http://schemas.microsoft.com/office/drawing/2014/main" id="{99F1FBFF-00FA-017E-C340-562B0EF96BCC}"/>
+              </a:ext>
+            </a:extLst>
+          </p:cNvPr>
+          <p:cNvPicPr>
+            <a:picLocks noChangeAspect="1"/>
+          </p:cNvPicPr>
+          <p:nvPr/>
+        </p:nvPicPr>
+        <p:blipFill>
+          <a:blip r:embed="rId2">
+            <a:extLst>
+              <a:ext uri="{96DAC541-7B7A-43D3-8B79-37D633B846F1}">
+                <asvg:svgBlip xmlns:asvg="http://schemas.microsoft.com/office/drawing/2016/SVG/main" r:embed="rId3"/>
+              </a:ext>
+            </a:extLst>
+          </a:blip>
+          <a:stretch>
+            <a:fillRect/>
+          </a:stretch>
+        </p:blipFill>
+        <p:spPr>
+          <a:xfrm>
+            <a:off x="2503926" y="284551"/>
+            <a:ext cx="6166022" cy="6166022"/>
+          </a:xfrm>
+          <a:prstGeom prst="rect">
+            <a:avLst/>
+          </a:prstGeom>
+        </p:spPr>
+      </p:pic>
+    </p:spTree>
+    <p:extLst>
+      <p:ext uri="{BB962C8B-B14F-4D97-AF65-F5344CB8AC3E}">
+        <p14:creationId xmlns:p14="http://schemas.microsoft.com/office/powerpoint/2010/main" val="2883795682"/>
+      </p:ext>
+    </p:extLst>
+  </p:cSld>
+  <p:clrMapOvr>
+    <a:masterClrMapping/>
+  </p:clrMapOvr>
+</p:sld>
+</file>
+
+<file path=ppt/slides/slide21.xml><?xml version="1.0" encoding="utf-8"?>
+<p:sld xmlns:a="http://schemas.openxmlformats.org/drawingml/2006/main" xmlns:r="http://schemas.openxmlformats.org/officeDocument/2006/relationships" xmlns:p="http://schemas.openxmlformats.org/presentationml/2006/main">
+  <p:cSld>
+    <p:spTree>
+      <p:nvGrpSpPr>
+        <p:cNvPr id="1" name=""/>
+        <p:cNvGrpSpPr/>
+        <p:nvPr/>
+      </p:nvGrpSpPr>
+      <p:grpSpPr>
+        <a:xfrm>
+          <a:off x="0" y="0"/>
+          <a:ext cx="0" cy="0"/>
+          <a:chOff x="0" y="0"/>
+          <a:chExt cx="0" cy="0"/>
+        </a:xfrm>
+      </p:grpSpPr>
+      <p:sp>
+        <p:nvSpPr>
+          <p:cNvPr id="11" name="Title 1">
+            <a:extLst>
+              <a:ext uri="{FF2B5EF4-FFF2-40B4-BE49-F238E27FC236}">
+                <a16:creationId xmlns:a16="http://schemas.microsoft.com/office/drawing/2014/main" id="{B2A99C44-0FF0-7D73-9F27-6EEA0C5C5DDC}"/>
+              </a:ext>
+            </a:extLst>
+          </p:cNvPr>
+          <p:cNvSpPr>
+            <a:spLocks noGrp="1"/>
+          </p:cNvSpPr>
+          <p:nvPr>
+            <p:ph type="title"/>
+          </p:nvPr>
+        </p:nvSpPr>
+        <p:spPr>
+          <a:xfrm>
+            <a:off x="2503926" y="0"/>
+            <a:ext cx="10972440" cy="1144800"/>
+          </a:xfrm>
+        </p:spPr>
+        <p:txBody>
+          <a:bodyPr/>
+          <a:lstStyle/>
+          <a:p>
+            <a:r>
+              <a:rPr lang="en-US" dirty="0"/>
               <a:t>MRI: take home points</a:t>
             </a:r>
             <a:endParaRPr lang="LID4096" dirty="0"/>
@@ -21585,7 +21904,7 @@
 </p:sld>
 </file>
 
-<file path=ppt/slides/slide21.xml><?xml version="1.0" encoding="utf-8"?>
+<file path=ppt/slides/slide22.xml><?xml version="1.0" encoding="utf-8"?>
 <p:sld xmlns:a="http://schemas.openxmlformats.org/drawingml/2006/main" xmlns:r="http://schemas.openxmlformats.org/officeDocument/2006/relationships" xmlns:p="http://schemas.openxmlformats.org/presentationml/2006/main">
   <p:cSld>
     <p:spTree>

--- a/presentations/mri_lecture.pptx
+++ b/presentations/mri_lecture.pptx
@@ -7,7 +7,7 @@
     <p:sldMasterId id="2147483776" r:id="rId3"/>
   </p:sldMasterIdLst>
   <p:notesMasterIdLst>
-    <p:notesMasterId r:id="rId26"/>
+    <p:notesMasterId r:id="rId27"/>
   </p:notesMasterIdLst>
   <p:sldIdLst>
     <p:sldId id="257" r:id="rId4"/>
@@ -25,13 +25,14 @@
     <p:sldId id="313" r:id="rId16"/>
     <p:sldId id="317" r:id="rId17"/>
     <p:sldId id="318" r:id="rId18"/>
-    <p:sldId id="309" r:id="rId19"/>
-    <p:sldId id="323" r:id="rId20"/>
-    <p:sldId id="320" r:id="rId21"/>
-    <p:sldId id="306" r:id="rId22"/>
-    <p:sldId id="310" r:id="rId23"/>
-    <p:sldId id="319" r:id="rId24"/>
-    <p:sldId id="302" r:id="rId25"/>
+    <p:sldId id="324" r:id="rId19"/>
+    <p:sldId id="309" r:id="rId20"/>
+    <p:sldId id="323" r:id="rId21"/>
+    <p:sldId id="320" r:id="rId22"/>
+    <p:sldId id="306" r:id="rId23"/>
+    <p:sldId id="310" r:id="rId24"/>
+    <p:sldId id="319" r:id="rId25"/>
+    <p:sldId id="302" r:id="rId26"/>
   </p:sldIdLst>
   <p:sldSz cx="12192000" cy="6858000"/>
   <p:notesSz cx="6858000" cy="9144000"/>
@@ -7073,7 +7074,7 @@
           </a:lstStyle>
           <a:p>
             <a:fld id="{69732D9D-C667-489A-831F-0E01110209EA}" type="datetimeFigureOut">
-              <a:t>09/17/2024</a:t>
+              <a:t>09/18/2024</a:t>
             </a:fld>
             <a:endParaRPr lang="en-US"/>
           </a:p>
@@ -7586,7 +7587,7 @@
           <a:p>
             <a:fld id="{846CE7D5-CF57-46EF-B807-FDD0502418D4}" type="datetimeFigureOut">
               <a:rPr lang="en-US" smtClean="0"/>
-              <a:t>9/17/2024</a:t>
+              <a:t>9/18/2024</a:t>
             </a:fld>
             <a:endParaRPr lang="en-US"/>
           </a:p>
@@ -7756,7 +7757,7 @@
           <a:p>
             <a:fld id="{846CE7D5-CF57-46EF-B807-FDD0502418D4}" type="datetimeFigureOut">
               <a:rPr lang="en-US" smtClean="0"/>
-              <a:t>9/17/2024</a:t>
+              <a:t>9/18/2024</a:t>
             </a:fld>
             <a:endParaRPr lang="en-US"/>
           </a:p>
@@ -7936,7 +7937,7 @@
           <a:p>
             <a:fld id="{846CE7D5-CF57-46EF-B807-FDD0502418D4}" type="datetimeFigureOut">
               <a:rPr lang="en-US" smtClean="0"/>
-              <a:t>9/17/2024</a:t>
+              <a:t>9/18/2024</a:t>
             </a:fld>
             <a:endParaRPr lang="en-US"/>
           </a:p>
@@ -9421,7 +9422,7 @@
           <a:p>
             <a:fld id="{846CE7D5-CF57-46EF-B807-FDD0502418D4}" type="datetimeFigureOut">
               <a:rPr lang="en-US" smtClean="0"/>
-              <a:t>9/17/2024</a:t>
+              <a:t>9/18/2024</a:t>
             </a:fld>
             <a:endParaRPr lang="en-US"/>
           </a:p>
@@ -11547,7 +11548,7 @@
           <a:p>
             <a:fld id="{846CE7D5-CF57-46EF-B807-FDD0502418D4}" type="datetimeFigureOut">
               <a:rPr lang="en-US" smtClean="0"/>
-              <a:t>9/17/2024</a:t>
+              <a:t>9/18/2024</a:t>
             </a:fld>
             <a:endParaRPr lang="en-US"/>
           </a:p>
@@ -13264,7 +13265,7 @@
           <a:p>
             <a:fld id="{846CE7D5-CF57-46EF-B807-FDD0502418D4}" type="datetimeFigureOut">
               <a:rPr lang="en-US" smtClean="0"/>
-              <a:t>9/17/2024</a:t>
+              <a:t>9/18/2024</a:t>
             </a:fld>
             <a:endParaRPr lang="en-US"/>
           </a:p>
@@ -13631,7 +13632,7 @@
           <a:p>
             <a:fld id="{846CE7D5-CF57-46EF-B807-FDD0502418D4}" type="datetimeFigureOut">
               <a:rPr lang="en-US" smtClean="0"/>
-              <a:t>9/17/2024</a:t>
+              <a:t>9/18/2024</a:t>
             </a:fld>
             <a:endParaRPr lang="en-US"/>
           </a:p>
@@ -13749,7 +13750,7 @@
           <a:p>
             <a:fld id="{846CE7D5-CF57-46EF-B807-FDD0502418D4}" type="datetimeFigureOut">
               <a:rPr lang="en-US" smtClean="0"/>
-              <a:t>9/17/2024</a:t>
+              <a:t>9/18/2024</a:t>
             </a:fld>
             <a:endParaRPr lang="en-US"/>
           </a:p>
@@ -13844,7 +13845,7 @@
           <a:p>
             <a:fld id="{846CE7D5-CF57-46EF-B807-FDD0502418D4}" type="datetimeFigureOut">
               <a:rPr lang="en-US" smtClean="0"/>
-              <a:t>9/17/2024</a:t>
+              <a:t>9/18/2024</a:t>
             </a:fld>
             <a:endParaRPr lang="en-US"/>
           </a:p>
@@ -14121,7 +14122,7 @@
           <a:p>
             <a:fld id="{846CE7D5-CF57-46EF-B807-FDD0502418D4}" type="datetimeFigureOut">
               <a:rPr lang="en-US" smtClean="0"/>
-              <a:t>9/17/2024</a:t>
+              <a:t>9/18/2024</a:t>
             </a:fld>
             <a:endParaRPr lang="en-US"/>
           </a:p>
@@ -14378,7 +14379,7 @@
           <a:p>
             <a:fld id="{846CE7D5-CF57-46EF-B807-FDD0502418D4}" type="datetimeFigureOut">
               <a:rPr lang="en-US" smtClean="0"/>
-              <a:t>9/17/2024</a:t>
+              <a:t>9/18/2024</a:t>
             </a:fld>
             <a:endParaRPr lang="en-US"/>
           </a:p>
@@ -14591,7 +14592,7 @@
           <a:p>
             <a:fld id="{846CE7D5-CF57-46EF-B807-FDD0502418D4}" type="datetimeFigureOut">
               <a:rPr lang="en-US" smtClean="0"/>
-              <a:t>9/17/2024</a:t>
+              <a:t>9/18/2024</a:t>
             </a:fld>
             <a:endParaRPr lang="en-US"/>
           </a:p>
@@ -19691,6 +19692,435 @@
         </p:nvSpPr>
         <p:spPr>
           <a:xfrm>
+            <a:off x="2324106" y="190500"/>
+            <a:ext cx="10972440" cy="1144800"/>
+          </a:xfrm>
+        </p:spPr>
+        <p:txBody>
+          <a:bodyPr/>
+          <a:lstStyle/>
+          <a:p>
+            <a:r>
+              <a:rPr lang="en-US" dirty="0"/>
+              <a:t>MRI:  RAS+ reality</a:t>
+            </a:r>
+            <a:endParaRPr lang="LID4096" dirty="0"/>
+          </a:p>
+        </p:txBody>
+      </p:sp>
+      <p:sp>
+        <p:nvSpPr>
+          <p:cNvPr id="2" name="TextBox 1">
+            <a:extLst>
+              <a:ext uri="{FF2B5EF4-FFF2-40B4-BE49-F238E27FC236}">
+                <a16:creationId xmlns:a16="http://schemas.microsoft.com/office/drawing/2014/main" id="{DC8BA26C-E16D-053E-1BBF-4BE06714E1D3}"/>
+              </a:ext>
+            </a:extLst>
+          </p:cNvPr>
+          <p:cNvSpPr txBox="1"/>
+          <p:nvPr/>
+        </p:nvSpPr>
+        <p:spPr>
+          <a:xfrm>
+            <a:off x="1043374" y="1184585"/>
+            <a:ext cx="8743178" cy="1477328"/>
+          </a:xfrm>
+          <a:prstGeom prst="rect">
+            <a:avLst/>
+          </a:prstGeom>
+          <a:noFill/>
+        </p:spPr>
+        <p:txBody>
+          <a:bodyPr wrap="square" rtlCol="0">
+            <a:spAutoFit/>
+          </a:bodyPr>
+          <a:lstStyle/>
+          <a:p>
+            <a:endParaRPr lang="en-US" dirty="0"/>
+          </a:p>
+          <a:p>
+            <a:endParaRPr lang="en-US" dirty="0"/>
+          </a:p>
+          <a:p>
+            <a:endParaRPr lang="en-US" dirty="0"/>
+          </a:p>
+          <a:p>
+            <a:endParaRPr lang="en-US" dirty="0"/>
+          </a:p>
+          <a:p>
+            <a:r>
+              <a:rPr lang="en-US" dirty="0"/>
+              <a:t> </a:t>
+            </a:r>
+            <a:endParaRPr lang="LID4096" dirty="0"/>
+          </a:p>
+        </p:txBody>
+      </p:sp>
+      <p:sp>
+        <p:nvSpPr>
+          <p:cNvPr id="3" name="Rectangle 1">
+            <a:extLst>
+              <a:ext uri="{FF2B5EF4-FFF2-40B4-BE49-F238E27FC236}">
+                <a16:creationId xmlns:a16="http://schemas.microsoft.com/office/drawing/2014/main" id="{3974E471-D103-F1DB-2813-37829B8C77A4}"/>
+              </a:ext>
+            </a:extLst>
+          </p:cNvPr>
+          <p:cNvSpPr>
+            <a:spLocks noChangeArrowheads="1"/>
+          </p:cNvSpPr>
+          <p:nvPr/>
+        </p:nvSpPr>
+        <p:spPr bwMode="auto">
+          <a:xfrm>
+            <a:off x="510746" y="1184585"/>
+            <a:ext cx="10552670" cy="1892826"/>
+          </a:xfrm>
+          <a:prstGeom prst="rect">
+            <a:avLst/>
+          </a:prstGeom>
+          <a:solidFill>
+            <a:srgbClr val="FFFFFF"/>
+          </a:solidFill>
+          <a:ln>
+            <a:noFill/>
+          </a:ln>
+          <a:effectLst/>
+          <a:extLst>
+            <a:ext uri="{91240B29-F687-4F45-9708-019B960494DF}">
+              <a14:hiddenLine xmlns:a14="http://schemas.microsoft.com/office/drawing/2010/main" w="9525">
+                <a:solidFill>
+                  <a:schemeClr val="tx1"/>
+                </a:solidFill>
+                <a:miter lim="800000"/>
+                <a:headEnd/>
+                <a:tailEnd/>
+              </a14:hiddenLine>
+            </a:ext>
+            <a:ext uri="{AF507438-7753-43E0-B8FC-AC1667EBCBE1}">
+              <a14:hiddenEffects xmlns:a14="http://schemas.microsoft.com/office/drawing/2010/main">
+                <a:effectLst>
+                  <a:outerShdw dist="35921" dir="2700000" algn="ctr" rotWithShape="0">
+                    <a:schemeClr val="bg2"/>
+                  </a:outerShdw>
+                </a:effectLst>
+              </a14:hiddenEffects>
+            </a:ext>
+          </a:extLst>
+        </p:spPr>
+        <p:txBody>
+          <a:bodyPr vert="horz" wrap="square" lIns="91440" tIns="0" rIns="91440" bIns="45720" numCol="1" anchor="ctr" anchorCtr="0" compatLnSpc="1">
+            <a:prstTxWarp prst="textNoShape">
+              <a:avLst/>
+            </a:prstTxWarp>
+            <a:spAutoFit/>
+          </a:bodyPr>
+          <a:lstStyle/>
+          <a:p>
+            <a:pPr marL="0" marR="0" lvl="0" indent="0" algn="l" defTabSz="914400" rtl="0" eaLnBrk="0" fontAlgn="base" latinLnBrk="0" hangingPunct="0">
+              <a:lnSpc>
+                <a:spcPct val="100000"/>
+              </a:lnSpc>
+              <a:spcBef>
+                <a:spcPct val="0"/>
+              </a:spcBef>
+              <a:spcAft>
+                <a:spcPct val="0"/>
+              </a:spcAft>
+              <a:buClrTx/>
+              <a:buSzTx/>
+              <a:buFontTx/>
+              <a:buNone/>
+              <a:tabLst/>
+            </a:pPr>
+            <a:r>
+              <a:rPr kumimoji="0" lang="en-US" altLang="LID4096" sz="2000" b="0" i="0" u="none" strike="noStrike" cap="none" normalizeH="0" baseline="0" dirty="0">
+                <a:ln>
+                  <a:noFill/>
+                </a:ln>
+                <a:solidFill>
+                  <a:srgbClr val="383838"/>
+                </a:solidFill>
+                <a:effectLst/>
+                <a:latin typeface="Mulish"/>
+              </a:rPr>
+              <a:t>Different people have different conventions for how they want images displayed</a:t>
+            </a:r>
+          </a:p>
+          <a:p>
+            <a:pPr marL="0" marR="0" lvl="0" indent="0" algn="l" defTabSz="914400" rtl="0" eaLnBrk="0" fontAlgn="base" latinLnBrk="0" hangingPunct="0">
+              <a:lnSpc>
+                <a:spcPct val="100000"/>
+              </a:lnSpc>
+              <a:spcBef>
+                <a:spcPct val="0"/>
+              </a:spcBef>
+              <a:spcAft>
+                <a:spcPct val="0"/>
+              </a:spcAft>
+              <a:buClrTx/>
+              <a:buSzTx/>
+              <a:buFontTx/>
+              <a:buNone/>
+              <a:tabLst/>
+            </a:pPr>
+            <a:endParaRPr kumimoji="0" lang="en-US" altLang="LID4096" sz="2000" b="0" i="0" u="none" strike="noStrike" cap="none" normalizeH="0" baseline="0" dirty="0">
+              <a:ln>
+                <a:noFill/>
+              </a:ln>
+              <a:solidFill>
+                <a:srgbClr val="383838"/>
+              </a:solidFill>
+              <a:effectLst/>
+              <a:latin typeface="Mulish"/>
+            </a:endParaRPr>
+          </a:p>
+          <a:p>
+            <a:pPr marL="0" marR="0" lvl="0" indent="0" algn="l" defTabSz="914400" rtl="0" eaLnBrk="0" fontAlgn="base" latinLnBrk="0" hangingPunct="0">
+              <a:lnSpc>
+                <a:spcPct val="100000"/>
+              </a:lnSpc>
+              <a:spcBef>
+                <a:spcPct val="0"/>
+              </a:spcBef>
+              <a:spcAft>
+                <a:spcPct val="0"/>
+              </a:spcAft>
+              <a:buClrTx/>
+              <a:buSzTx/>
+              <a:buFontTx/>
+              <a:buNone/>
+              <a:tabLst/>
+            </a:pPr>
+            <a:r>
+              <a:rPr lang="en-US" altLang="LID4096" sz="2000" dirty="0">
+                <a:solidFill>
+                  <a:srgbClr val="383838"/>
+                </a:solidFill>
+                <a:latin typeface="Mulish"/>
+              </a:rPr>
+              <a:t>Neuroscientists versus radiologists</a:t>
+            </a:r>
+            <a:r>
+              <a:rPr kumimoji="0" lang="LID4096" altLang="LID4096" sz="2000" b="0" i="0" u="none" strike="noStrike" cap="none" normalizeH="0" baseline="0" dirty="0">
+                <a:ln>
+                  <a:noFill/>
+                </a:ln>
+                <a:solidFill>
+                  <a:srgbClr val="383838"/>
+                </a:solidFill>
+                <a:effectLst/>
+                <a:latin typeface="Mulish"/>
+              </a:rPr>
+              <a:t> </a:t>
+            </a:r>
+            <a:endParaRPr kumimoji="0" lang="en-US" altLang="LID4096" sz="2000" b="0" i="0" u="none" strike="noStrike" cap="none" normalizeH="0" baseline="0" dirty="0">
+              <a:ln>
+                <a:noFill/>
+              </a:ln>
+              <a:solidFill>
+                <a:srgbClr val="383838"/>
+              </a:solidFill>
+              <a:effectLst/>
+              <a:latin typeface="Mulish"/>
+            </a:endParaRPr>
+          </a:p>
+          <a:p>
+            <a:pPr marL="0" marR="0" lvl="0" indent="0" algn="l" defTabSz="914400" rtl="0" eaLnBrk="0" fontAlgn="base" latinLnBrk="0" hangingPunct="0">
+              <a:lnSpc>
+                <a:spcPct val="100000"/>
+              </a:lnSpc>
+              <a:spcBef>
+                <a:spcPct val="0"/>
+              </a:spcBef>
+              <a:spcAft>
+                <a:spcPct val="0"/>
+              </a:spcAft>
+              <a:buClrTx/>
+              <a:buSzTx/>
+              <a:buFontTx/>
+              <a:buNone/>
+              <a:tabLst/>
+            </a:pPr>
+            <a:endParaRPr kumimoji="0" lang="LID4096" altLang="LID4096" sz="2000" b="0" i="0" u="none" strike="noStrike" cap="none" normalizeH="0" baseline="0" dirty="0">
+              <a:ln>
+                <a:noFill/>
+              </a:ln>
+              <a:solidFill>
+                <a:schemeClr val="tx1"/>
+              </a:solidFill>
+              <a:effectLst/>
+            </a:endParaRPr>
+          </a:p>
+          <a:p>
+            <a:pPr marL="0" marR="0" lvl="0" indent="0" algn="l" defTabSz="914400" rtl="0" eaLnBrk="0" fontAlgn="base" latinLnBrk="0" hangingPunct="0">
+              <a:lnSpc>
+                <a:spcPct val="100000"/>
+              </a:lnSpc>
+              <a:spcBef>
+                <a:spcPct val="0"/>
+              </a:spcBef>
+              <a:spcAft>
+                <a:spcPct val="0"/>
+              </a:spcAft>
+              <a:buClrTx/>
+              <a:buSzTx/>
+              <a:tabLst/>
+            </a:pPr>
+            <a:endParaRPr kumimoji="0" lang="LID4096" altLang="LID4096" sz="2000" b="0" i="0" u="none" strike="noStrike" cap="none" normalizeH="0" baseline="0" dirty="0">
+              <a:ln>
+                <a:noFill/>
+              </a:ln>
+              <a:solidFill>
+                <a:srgbClr val="212529"/>
+              </a:solidFill>
+              <a:effectLst/>
+              <a:latin typeface="Mulish"/>
+            </a:endParaRPr>
+          </a:p>
+          <a:p>
+            <a:pPr marL="0" marR="0" lvl="0" indent="0" algn="l" defTabSz="914400" rtl="0" eaLnBrk="0" fontAlgn="base" latinLnBrk="0" hangingPunct="0">
+              <a:lnSpc>
+                <a:spcPct val="100000"/>
+              </a:lnSpc>
+              <a:spcBef>
+                <a:spcPct val="0"/>
+              </a:spcBef>
+              <a:spcAft>
+                <a:spcPct val="0"/>
+              </a:spcAft>
+              <a:buClrTx/>
+              <a:buSzTx/>
+              <a:buFontTx/>
+              <a:buNone/>
+              <a:tabLst/>
+            </a:pPr>
+            <a:endParaRPr kumimoji="0" lang="LID4096" altLang="LID4096" sz="2000" b="0" i="0" u="none" strike="noStrike" cap="none" normalizeH="0" baseline="0" dirty="0">
+              <a:ln>
+                <a:noFill/>
+              </a:ln>
+              <a:solidFill>
+                <a:schemeClr val="tx1"/>
+              </a:solidFill>
+              <a:effectLst/>
+              <a:latin typeface="Arial" panose="020B0604020202020204" pitchFamily="34" charset="0"/>
+            </a:endParaRPr>
+          </a:p>
+        </p:txBody>
+      </p:sp>
+      <p:pic>
+        <p:nvPicPr>
+          <p:cNvPr id="5" name="Picture 4">
+            <a:extLst>
+              <a:ext uri="{FF2B5EF4-FFF2-40B4-BE49-F238E27FC236}">
+                <a16:creationId xmlns:a16="http://schemas.microsoft.com/office/drawing/2014/main" id="{32E14DD3-2790-E9F1-DBCD-BFEF1A23160D}"/>
+              </a:ext>
+            </a:extLst>
+          </p:cNvPr>
+          <p:cNvPicPr>
+            <a:picLocks noChangeAspect="1"/>
+          </p:cNvPicPr>
+          <p:nvPr/>
+        </p:nvPicPr>
+        <p:blipFill>
+          <a:blip r:embed="rId2"/>
+          <a:stretch>
+            <a:fillRect/>
+          </a:stretch>
+        </p:blipFill>
+        <p:spPr>
+          <a:xfrm>
+            <a:off x="3531073" y="2241889"/>
+            <a:ext cx="2943867" cy="3498815"/>
+          </a:xfrm>
+          <a:prstGeom prst="rect">
+            <a:avLst/>
+          </a:prstGeom>
+        </p:spPr>
+      </p:pic>
+      <p:sp>
+        <p:nvSpPr>
+          <p:cNvPr id="7" name="TextBox 6">
+            <a:extLst>
+              <a:ext uri="{FF2B5EF4-FFF2-40B4-BE49-F238E27FC236}">
+                <a16:creationId xmlns:a16="http://schemas.microsoft.com/office/drawing/2014/main" id="{796FDAF8-E8E1-9692-E19F-E1281AE1448C}"/>
+              </a:ext>
+            </a:extLst>
+          </p:cNvPr>
+          <p:cNvSpPr txBox="1"/>
+          <p:nvPr/>
+        </p:nvSpPr>
+        <p:spPr>
+          <a:xfrm>
+            <a:off x="3482683" y="5955957"/>
+            <a:ext cx="3130378" cy="577081"/>
+          </a:xfrm>
+          <a:prstGeom prst="rect">
+            <a:avLst/>
+          </a:prstGeom>
+          <a:noFill/>
+        </p:spPr>
+        <p:txBody>
+          <a:bodyPr wrap="square" rtlCol="0">
+            <a:spAutoFit/>
+          </a:bodyPr>
+          <a:lstStyle/>
+          <a:p>
+            <a:r>
+              <a:rPr lang="en-US" sz="1050" dirty="0"/>
+              <a:t>Rodrigues M, Basal ganglia hemorrhage. Case study, Radiopaedia.org (Accessed on 18 Sep 2024) https://doi.org/10.53347/rID-58775</a:t>
+            </a:r>
+            <a:endParaRPr lang="LID4096" sz="1050" dirty="0"/>
+          </a:p>
+        </p:txBody>
+      </p:sp>
+    </p:spTree>
+    <p:extLst>
+      <p:ext uri="{BB962C8B-B14F-4D97-AF65-F5344CB8AC3E}">
+        <p14:creationId xmlns:p14="http://schemas.microsoft.com/office/powerpoint/2010/main" val="1266614354"/>
+      </p:ext>
+    </p:extLst>
+  </p:cSld>
+  <p:clrMapOvr>
+    <a:masterClrMapping/>
+  </p:clrMapOvr>
+</p:sld>
+</file>
+
+<file path=ppt/slides/slide17.xml><?xml version="1.0" encoding="utf-8"?>
+<p:sld xmlns:a="http://schemas.openxmlformats.org/drawingml/2006/main" xmlns:r="http://schemas.openxmlformats.org/officeDocument/2006/relationships" xmlns:p="http://schemas.openxmlformats.org/presentationml/2006/main">
+  <p:cSld>
+    <p:spTree>
+      <p:nvGrpSpPr>
+        <p:cNvPr id="1" name=""/>
+        <p:cNvGrpSpPr/>
+        <p:nvPr/>
+      </p:nvGrpSpPr>
+      <p:grpSpPr>
+        <a:xfrm>
+          <a:off x="0" y="0"/>
+          <a:ext cx="0" cy="0"/>
+          <a:chOff x="0" y="0"/>
+          <a:chExt cx="0" cy="0"/>
+        </a:xfrm>
+      </p:grpSpPr>
+      <p:sp>
+        <p:nvSpPr>
+          <p:cNvPr id="11" name="Title 1">
+            <a:extLst>
+              <a:ext uri="{FF2B5EF4-FFF2-40B4-BE49-F238E27FC236}">
+                <a16:creationId xmlns:a16="http://schemas.microsoft.com/office/drawing/2014/main" id="{B2A99C44-0FF0-7D73-9F27-6EEA0C5C5DDC}"/>
+              </a:ext>
+            </a:extLst>
+          </p:cNvPr>
+          <p:cNvSpPr>
+            <a:spLocks noGrp="1"/>
+          </p:cNvSpPr>
+          <p:nvPr>
+            <p:ph type="title"/>
+          </p:nvPr>
+        </p:nvSpPr>
+        <p:spPr>
+          <a:xfrm>
             <a:off x="2682829" y="241702"/>
             <a:ext cx="10972440" cy="1144800"/>
           </a:xfrm>
@@ -20127,7 +20557,7 @@
 </p:sld>
 </file>
 
-<file path=ppt/slides/slide17.xml><?xml version="1.0" encoding="utf-8"?>
+<file path=ppt/slides/slide18.xml><?xml version="1.0" encoding="utf-8"?>
 <p:sld xmlns:a="http://schemas.openxmlformats.org/drawingml/2006/main" xmlns:r="http://schemas.openxmlformats.org/officeDocument/2006/relationships" xmlns:p="http://schemas.openxmlformats.org/presentationml/2006/main">
   <p:cSld>
     <p:spTree>
@@ -20411,141 +20841,6 @@
     <p:extLst>
       <p:ext uri="{BB962C8B-B14F-4D97-AF65-F5344CB8AC3E}">
         <p14:creationId xmlns:p14="http://schemas.microsoft.com/office/powerpoint/2010/main" val="3336443070"/>
-      </p:ext>
-    </p:extLst>
-  </p:cSld>
-  <p:clrMapOvr>
-    <a:masterClrMapping/>
-  </p:clrMapOvr>
-</p:sld>
-</file>
-
-<file path=ppt/slides/slide18.xml><?xml version="1.0" encoding="utf-8"?>
-<p:sld xmlns:a="http://schemas.openxmlformats.org/drawingml/2006/main" xmlns:r="http://schemas.openxmlformats.org/officeDocument/2006/relationships" xmlns:p="http://schemas.openxmlformats.org/presentationml/2006/main">
-  <p:cSld>
-    <p:spTree>
-      <p:nvGrpSpPr>
-        <p:cNvPr id="1" name=""/>
-        <p:cNvGrpSpPr/>
-        <p:nvPr/>
-      </p:nvGrpSpPr>
-      <p:grpSpPr>
-        <a:xfrm>
-          <a:off x="0" y="0"/>
-          <a:ext cx="0" cy="0"/>
-          <a:chOff x="0" y="0"/>
-          <a:chExt cx="0" cy="0"/>
-        </a:xfrm>
-      </p:grpSpPr>
-      <p:sp>
-        <p:nvSpPr>
-          <p:cNvPr id="11" name="Title 1">
-            <a:extLst>
-              <a:ext uri="{FF2B5EF4-FFF2-40B4-BE49-F238E27FC236}">
-                <a16:creationId xmlns:a16="http://schemas.microsoft.com/office/drawing/2014/main" id="{B2A99C44-0FF0-7D73-9F27-6EEA0C5C5DDC}"/>
-              </a:ext>
-            </a:extLst>
-          </p:cNvPr>
-          <p:cNvSpPr>
-            <a:spLocks noGrp="1"/>
-          </p:cNvSpPr>
-          <p:nvPr>
-            <p:ph type="title"/>
-          </p:nvPr>
-        </p:nvSpPr>
-        <p:spPr>
-          <a:xfrm>
-            <a:off x="2077453" y="328862"/>
-            <a:ext cx="3507801" cy="5021180"/>
-          </a:xfrm>
-        </p:spPr>
-        <p:txBody>
-          <a:bodyPr/>
-          <a:lstStyle/>
-          <a:p>
-            <a:r>
-              <a:rPr lang="en-US" dirty="0"/>
-              <a:t>MRI:</a:t>
-            </a:r>
-            <a:br>
-              <a:rPr lang="en-US" dirty="0"/>
-            </a:br>
-            <a:br>
-              <a:rPr lang="en-US" dirty="0"/>
-            </a:br>
-            <a:r>
-              <a:rPr lang="en-US" dirty="0"/>
-              <a:t>In code</a:t>
-            </a:r>
-            <a:br>
-              <a:rPr lang="en-US" dirty="0"/>
-            </a:br>
-            <a:r>
-              <a:rPr lang="en-US" dirty="0"/>
-              <a:t>go* with</a:t>
-            </a:r>
-            <a:br>
-              <a:rPr lang="en-US" dirty="0"/>
-            </a:br>
-            <a:br>
-              <a:rPr lang="en-US" dirty="0"/>
-            </a:br>
-            <a:r>
-              <a:rPr lang="en-US" dirty="0"/>
-              <a:t>functional</a:t>
-            </a:r>
-            <a:br>
-              <a:rPr lang="en-US" dirty="0"/>
-            </a:br>
-            <a:r>
-              <a:rPr lang="en-US" dirty="0"/>
-              <a:t>maintained </a:t>
-            </a:r>
-            <a:br>
-              <a:rPr lang="en-US" dirty="0"/>
-            </a:br>
-            <a:r>
-              <a:rPr lang="en-US" dirty="0"/>
-              <a:t>popular</a:t>
-            </a:r>
-            <a:endParaRPr lang="LID4096" dirty="0"/>
-          </a:p>
-        </p:txBody>
-      </p:sp>
-      <p:pic>
-        <p:nvPicPr>
-          <p:cNvPr id="3" name="Picture 2">
-            <a:extLst>
-              <a:ext uri="{FF2B5EF4-FFF2-40B4-BE49-F238E27FC236}">
-                <a16:creationId xmlns:a16="http://schemas.microsoft.com/office/drawing/2014/main" id="{6CA2CD71-7977-849D-B70F-32C40093A21D}"/>
-              </a:ext>
-            </a:extLst>
-          </p:cNvPr>
-          <p:cNvPicPr>
-            <a:picLocks noChangeAspect="1"/>
-          </p:cNvPicPr>
-          <p:nvPr/>
-        </p:nvPicPr>
-        <p:blipFill>
-          <a:blip r:embed="rId2"/>
-          <a:stretch>
-            <a:fillRect/>
-          </a:stretch>
-        </p:blipFill>
-        <p:spPr>
-          <a:xfrm>
-            <a:off x="5870112" y="1070918"/>
-            <a:ext cx="5151739" cy="5276335"/>
-          </a:xfrm>
-          <a:prstGeom prst="rect">
-            <a:avLst/>
-          </a:prstGeom>
-        </p:spPr>
-      </p:pic>
-    </p:spTree>
-    <p:extLst>
-      <p:ext uri="{BB962C8B-B14F-4D97-AF65-F5344CB8AC3E}">
-        <p14:creationId xmlns:p14="http://schemas.microsoft.com/office/powerpoint/2010/main" val="2245872120"/>
       </p:ext>
     </p:extLst>
   </p:cSld>
@@ -20590,8 +20885,8 @@
         </p:nvSpPr>
         <p:spPr>
           <a:xfrm>
-            <a:off x="2503926" y="0"/>
-            <a:ext cx="10972440" cy="1144800"/>
+            <a:off x="2077453" y="328862"/>
+            <a:ext cx="3507801" cy="5021180"/>
           </a:xfrm>
         </p:spPr>
         <p:txBody>
@@ -20600,7 +20895,48 @@
           <a:p>
             <a:r>
               <a:rPr lang="en-US" dirty="0"/>
-              <a:t>MRI: diffusion</a:t>
+              <a:t>MRI:</a:t>
+            </a:r>
+            <a:br>
+              <a:rPr lang="en-US" dirty="0"/>
+            </a:br>
+            <a:br>
+              <a:rPr lang="en-US" dirty="0"/>
+            </a:br>
+            <a:r>
+              <a:rPr lang="en-US" dirty="0"/>
+              <a:t>In code</a:t>
+            </a:r>
+            <a:br>
+              <a:rPr lang="en-US" dirty="0"/>
+            </a:br>
+            <a:r>
+              <a:rPr lang="en-US" dirty="0"/>
+              <a:t>go* with</a:t>
+            </a:r>
+            <a:br>
+              <a:rPr lang="en-US" dirty="0"/>
+            </a:br>
+            <a:br>
+              <a:rPr lang="en-US" dirty="0"/>
+            </a:br>
+            <a:r>
+              <a:rPr lang="en-US" dirty="0"/>
+              <a:t>functional</a:t>
+            </a:r>
+            <a:br>
+              <a:rPr lang="en-US" dirty="0"/>
+            </a:br>
+            <a:r>
+              <a:rPr lang="en-US" dirty="0"/>
+              <a:t>maintained </a:t>
+            </a:r>
+            <a:br>
+              <a:rPr lang="en-US" dirty="0"/>
+            </a:br>
+            <a:r>
+              <a:rPr lang="en-US" dirty="0"/>
+              <a:t>popular</a:t>
             </a:r>
             <a:endParaRPr lang="LID4096" dirty="0"/>
           </a:p>
@@ -20608,10 +20944,10 @@
       </p:sp>
       <p:pic>
         <p:nvPicPr>
-          <p:cNvPr id="15" name="Picture 14">
+          <p:cNvPr id="3" name="Picture 2">
             <a:extLst>
               <a:ext uri="{FF2B5EF4-FFF2-40B4-BE49-F238E27FC236}">
-                <a16:creationId xmlns:a16="http://schemas.microsoft.com/office/drawing/2014/main" id="{8F4F3435-CB45-3AA7-9DD9-F820283CF9F7}"/>
+                <a16:creationId xmlns:a16="http://schemas.microsoft.com/office/drawing/2014/main" id="{6CA2CD71-7977-849D-B70F-32C40093A21D}"/>
               </a:ext>
             </a:extLst>
           </p:cNvPr>
@@ -20621,309 +20957,25 @@
           <p:nvPr/>
         </p:nvPicPr>
         <p:blipFill>
-          <a:blip r:embed="rId2">
-            <a:extLst>
-              <a:ext uri="{28A0092B-C50C-407E-A947-70E740481C1C}">
-                <a14:useLocalDpi xmlns:a14="http://schemas.microsoft.com/office/drawing/2010/main" val="0"/>
-              </a:ext>
-            </a:extLst>
-          </a:blip>
+          <a:blip r:embed="rId2"/>
           <a:stretch>
             <a:fillRect/>
           </a:stretch>
         </p:blipFill>
         <p:spPr>
           <a:xfrm>
-            <a:off x="2281881" y="913147"/>
-            <a:ext cx="5651157" cy="4567155"/>
+            <a:off x="5870112" y="1070918"/>
+            <a:ext cx="5151739" cy="5276335"/>
           </a:xfrm>
           <a:prstGeom prst="rect">
             <a:avLst/>
           </a:prstGeom>
         </p:spPr>
       </p:pic>
-      <p:sp>
-        <p:nvSpPr>
-          <p:cNvPr id="17" name="Rectangle 14">
-            <a:extLst>
-              <a:ext uri="{FF2B5EF4-FFF2-40B4-BE49-F238E27FC236}">
-                <a16:creationId xmlns:a16="http://schemas.microsoft.com/office/drawing/2014/main" id="{5FD13D6E-C67F-3A56-EFD2-DD7B92E6255E}"/>
-              </a:ext>
-            </a:extLst>
-          </p:cNvPr>
-          <p:cNvSpPr>
-            <a:spLocks noChangeArrowheads="1"/>
-          </p:cNvSpPr>
-          <p:nvPr/>
-        </p:nvSpPr>
-        <p:spPr bwMode="auto">
-          <a:xfrm>
-            <a:off x="1334530" y="5250244"/>
-            <a:ext cx="582831732" cy="1477328"/>
-          </a:xfrm>
-          <a:prstGeom prst="rect">
-            <a:avLst/>
-          </a:prstGeom>
-          <a:noFill/>
-          <a:ln>
-            <a:noFill/>
-          </a:ln>
-          <a:effectLst/>
-          <a:extLst>
-            <a:ext uri="{909E8E84-426E-40DD-AFC4-6F175D3DCCD1}">
-              <a14:hiddenFill xmlns:a14="http://schemas.microsoft.com/office/drawing/2010/main">
-                <a:solidFill>
-                  <a:schemeClr val="accent1"/>
-                </a:solidFill>
-              </a14:hiddenFill>
-            </a:ext>
-            <a:ext uri="{91240B29-F687-4F45-9708-019B960494DF}">
-              <a14:hiddenLine xmlns:a14="http://schemas.microsoft.com/office/drawing/2010/main" w="9525">
-                <a:solidFill>
-                  <a:schemeClr val="tx1"/>
-                </a:solidFill>
-                <a:miter lim="800000"/>
-                <a:headEnd/>
-                <a:tailEnd/>
-              </a14:hiddenLine>
-            </a:ext>
-            <a:ext uri="{AF507438-7753-43E0-B8FC-AC1667EBCBE1}">
-              <a14:hiddenEffects xmlns:a14="http://schemas.microsoft.com/office/drawing/2010/main">
-                <a:effectLst>
-                  <a:outerShdw dist="35921" dir="2700000" algn="ctr" rotWithShape="0">
-                    <a:schemeClr val="bg2"/>
-                  </a:outerShdw>
-                </a:effectLst>
-              </a14:hiddenEffects>
-            </a:ext>
-          </a:extLst>
-        </p:spPr>
-        <p:txBody>
-          <a:bodyPr vert="horz" wrap="square" lIns="91440" tIns="45720" rIns="91440" bIns="45720" numCol="1" anchor="ctr" anchorCtr="0" compatLnSpc="1">
-            <a:prstTxWarp prst="textNoShape">
-              <a:avLst/>
-            </a:prstTxWarp>
-            <a:spAutoFit/>
-          </a:bodyPr>
-          <a:lstStyle/>
-          <a:p>
-            <a:pPr marL="0" marR="0" lvl="0" indent="0" algn="l" defTabSz="914400" rtl="0" eaLnBrk="0" fontAlgn="base" latinLnBrk="0" hangingPunct="0">
-              <a:lnSpc>
-                <a:spcPct val="100000"/>
-              </a:lnSpc>
-              <a:spcBef>
-                <a:spcPct val="0"/>
-              </a:spcBef>
-              <a:spcAft>
-                <a:spcPct val="0"/>
-              </a:spcAft>
-              <a:buClrTx/>
-              <a:buSzTx/>
-              <a:buFontTx/>
-              <a:buNone/>
-              <a:tabLst/>
-            </a:pPr>
-            <a:endParaRPr kumimoji="0" lang="LID4096" altLang="LID4096" sz="1800" b="0" i="0" u="none" strike="noStrike" cap="none" normalizeH="0" baseline="0">
-              <a:ln>
-                <a:noFill/>
-              </a:ln>
-              <a:solidFill>
-                <a:schemeClr val="tx1"/>
-              </a:solidFill>
-              <a:effectLst/>
-              <a:latin typeface="Arial" panose="020B0604020202020204" pitchFamily="34" charset="0"/>
-            </a:endParaRPr>
-          </a:p>
-          <a:p>
-            <a:pPr marL="0" marR="0" lvl="0" indent="0" algn="l" defTabSz="914400" rtl="0" eaLnBrk="0" fontAlgn="base" latinLnBrk="0" hangingPunct="0">
-              <a:lnSpc>
-                <a:spcPct val="100000"/>
-              </a:lnSpc>
-              <a:spcBef>
-                <a:spcPct val="0"/>
-              </a:spcBef>
-              <a:spcAft>
-                <a:spcPct val="0"/>
-              </a:spcAft>
-              <a:buClrTx/>
-              <a:buSzTx/>
-              <a:buFontTx/>
-              <a:buChar char="•"/>
-              <a:tabLst/>
-            </a:pPr>
-            <a:r>
-              <a:rPr kumimoji="0" lang="LID4096" altLang="LID4096" sz="1800" b="0" i="0" u="none" strike="noStrike" cap="none" normalizeH="0" baseline="0">
-                <a:ln>
-                  <a:noFill/>
-                </a:ln>
-                <a:solidFill>
-                  <a:schemeClr val="tx1"/>
-                </a:solidFill>
-                <a:effectLst/>
-                <a:latin typeface="Arial" panose="020B0604020202020204" pitchFamily="34" charset="0"/>
-              </a:rPr>
-              <a:t>Measures diffusion of water in order to model tissue microstructure </a:t>
-            </a:r>
-          </a:p>
-          <a:p>
-            <a:pPr marL="0" marR="0" lvl="0" indent="0" algn="l" defTabSz="914400" rtl="0" eaLnBrk="0" fontAlgn="base" latinLnBrk="0" hangingPunct="0">
-              <a:lnSpc>
-                <a:spcPct val="100000"/>
-              </a:lnSpc>
-              <a:spcBef>
-                <a:spcPct val="0"/>
-              </a:spcBef>
-              <a:spcAft>
-                <a:spcPct val="0"/>
-              </a:spcAft>
-              <a:buClrTx/>
-              <a:buSzTx/>
-              <a:buFontTx/>
-              <a:buChar char="•"/>
-              <a:tabLst/>
-            </a:pPr>
-            <a:r>
-              <a:rPr kumimoji="0" lang="LID4096" altLang="LID4096" sz="1800" b="0" i="0" u="none" strike="noStrike" cap="none" normalizeH="0" baseline="0">
-                <a:ln>
-                  <a:noFill/>
-                </a:ln>
-                <a:solidFill>
-                  <a:schemeClr val="tx1"/>
-                </a:solidFill>
-                <a:effectLst/>
-                <a:latin typeface="Arial" panose="020B0604020202020204" pitchFamily="34" charset="0"/>
-              </a:rPr>
-              <a:t>Four dimensional images (x, y, z + direction of diffusion) </a:t>
-            </a:r>
-          </a:p>
-          <a:p>
-            <a:pPr marL="0" marR="0" lvl="0" indent="0" algn="l" defTabSz="914400" rtl="0" eaLnBrk="0" fontAlgn="base" latinLnBrk="0" hangingPunct="0">
-              <a:lnSpc>
-                <a:spcPct val="100000"/>
-              </a:lnSpc>
-              <a:spcBef>
-                <a:spcPct val="0"/>
-              </a:spcBef>
-              <a:spcAft>
-                <a:spcPct val="0"/>
-              </a:spcAft>
-              <a:buClrTx/>
-              <a:buSzTx/>
-              <a:buFontTx/>
-              <a:buChar char="•"/>
-              <a:tabLst/>
-            </a:pPr>
-            <a:r>
-              <a:rPr kumimoji="0" lang="LID4096" altLang="LID4096" sz="1800" b="0" i="0" u="none" strike="noStrike" cap="none" normalizeH="0" baseline="0">
-                <a:ln>
-                  <a:noFill/>
-                </a:ln>
-                <a:solidFill>
-                  <a:schemeClr val="tx1"/>
-                </a:solidFill>
-                <a:effectLst/>
-                <a:latin typeface="Arial" panose="020B0604020202020204" pitchFamily="34" charset="0"/>
-              </a:rPr>
-              <a:t>Has parameters about the strength of the diffusion “gradient” and its direction in </a:t>
-            </a:r>
-            <a:r>
-              <a:rPr kumimoji="0" lang="LID4096" altLang="LID4096" sz="1000" b="0" i="0" u="none" strike="noStrike" cap="none" normalizeH="0" baseline="0">
-                <a:ln>
-                  <a:noFill/>
-                </a:ln>
-                <a:solidFill>
-                  <a:schemeClr val="tx1"/>
-                </a:solidFill>
-                <a:effectLst/>
-                <a:latin typeface="Arial Unicode MS"/>
-              </a:rPr>
-              <a:t>.bval</a:t>
-            </a:r>
-            <a:r>
-              <a:rPr kumimoji="0" lang="LID4096" altLang="LID4096" sz="800" b="0" i="0" u="none" strike="noStrike" cap="none" normalizeH="0" baseline="0">
-                <a:ln>
-                  <a:noFill/>
-                </a:ln>
-                <a:solidFill>
-                  <a:schemeClr val="tx1"/>
-                </a:solidFill>
-                <a:effectLst/>
-              </a:rPr>
-              <a:t> and </a:t>
-            </a:r>
-            <a:r>
-              <a:rPr kumimoji="0" lang="LID4096" altLang="LID4096" sz="1000" b="0" i="0" u="none" strike="noStrike" cap="none" normalizeH="0" baseline="0">
-                <a:ln>
-                  <a:noFill/>
-                </a:ln>
-                <a:solidFill>
-                  <a:schemeClr val="tx1"/>
-                </a:solidFill>
-                <a:effectLst/>
-                <a:latin typeface="Arial Unicode MS"/>
-              </a:rPr>
-              <a:t>.bvec</a:t>
-            </a:r>
-            <a:r>
-              <a:rPr kumimoji="0" lang="LID4096" altLang="LID4096" sz="800" b="0" i="0" u="none" strike="noStrike" cap="none" normalizeH="0" baseline="0">
-                <a:ln>
-                  <a:noFill/>
-                </a:ln>
-                <a:solidFill>
-                  <a:schemeClr val="tx1"/>
-                </a:solidFill>
-                <a:effectLst/>
-              </a:rPr>
-              <a:t> files</a:t>
-            </a:r>
-            <a:r>
-              <a:rPr kumimoji="0" lang="LID4096" altLang="LID4096" sz="1800" b="0" i="0" u="none" strike="noStrike" cap="none" normalizeH="0" baseline="0">
-                <a:ln>
-                  <a:noFill/>
-                </a:ln>
-                <a:solidFill>
-                  <a:schemeClr val="tx1"/>
-                </a:solidFill>
-                <a:effectLst/>
-                <a:latin typeface="Arial" panose="020B0604020202020204" pitchFamily="34" charset="0"/>
-              </a:rPr>
-              <a:t> </a:t>
-            </a:r>
-          </a:p>
-          <a:p>
-            <a:pPr marL="0" marR="0" lvl="0" indent="0" algn="l" defTabSz="914400" rtl="0" eaLnBrk="0" fontAlgn="base" latinLnBrk="0" hangingPunct="0">
-              <a:lnSpc>
-                <a:spcPct val="100000"/>
-              </a:lnSpc>
-              <a:spcBef>
-                <a:spcPct val="0"/>
-              </a:spcBef>
-              <a:spcAft>
-                <a:spcPct val="0"/>
-              </a:spcAft>
-              <a:buClrTx/>
-              <a:buSzTx/>
-              <a:buFontTx/>
-              <a:buNone/>
-              <a:tabLst/>
-            </a:pPr>
-            <a:endParaRPr kumimoji="0" lang="LID4096" altLang="LID4096" sz="1800" b="0" i="0" u="none" strike="noStrike" cap="none" normalizeH="0" baseline="0">
-              <a:ln>
-                <a:noFill/>
-              </a:ln>
-              <a:solidFill>
-                <a:schemeClr val="tx1"/>
-              </a:solidFill>
-              <a:effectLst/>
-              <a:latin typeface="Arial" panose="020B0604020202020204" pitchFamily="34" charset="0"/>
-            </a:endParaRPr>
-          </a:p>
-        </p:txBody>
-      </p:sp>
     </p:spTree>
     <p:extLst>
       <p:ext uri="{BB962C8B-B14F-4D97-AF65-F5344CB8AC3E}">
-        <p14:creationId xmlns:p14="http://schemas.microsoft.com/office/powerpoint/2010/main" val="4193196166"/>
+        <p14:creationId xmlns:p14="http://schemas.microsoft.com/office/powerpoint/2010/main" val="2245872120"/>
       </p:ext>
     </p:extLst>
   </p:cSld>
@@ -21300,6 +21352,384 @@
           <a:p>
             <a:r>
               <a:rPr lang="en-US" dirty="0"/>
+              <a:t>MRI: diffusion</a:t>
+            </a:r>
+            <a:endParaRPr lang="LID4096" dirty="0"/>
+          </a:p>
+        </p:txBody>
+      </p:sp>
+      <p:pic>
+        <p:nvPicPr>
+          <p:cNvPr id="15" name="Picture 14">
+            <a:extLst>
+              <a:ext uri="{FF2B5EF4-FFF2-40B4-BE49-F238E27FC236}">
+                <a16:creationId xmlns:a16="http://schemas.microsoft.com/office/drawing/2014/main" id="{8F4F3435-CB45-3AA7-9DD9-F820283CF9F7}"/>
+              </a:ext>
+            </a:extLst>
+          </p:cNvPr>
+          <p:cNvPicPr>
+            <a:picLocks noChangeAspect="1"/>
+          </p:cNvPicPr>
+          <p:nvPr/>
+        </p:nvPicPr>
+        <p:blipFill>
+          <a:blip r:embed="rId2">
+            <a:extLst>
+              <a:ext uri="{28A0092B-C50C-407E-A947-70E740481C1C}">
+                <a14:useLocalDpi xmlns:a14="http://schemas.microsoft.com/office/drawing/2010/main" val="0"/>
+              </a:ext>
+            </a:extLst>
+          </a:blip>
+          <a:stretch>
+            <a:fillRect/>
+          </a:stretch>
+        </p:blipFill>
+        <p:spPr>
+          <a:xfrm>
+            <a:off x="2281881" y="913147"/>
+            <a:ext cx="5651157" cy="4567155"/>
+          </a:xfrm>
+          <a:prstGeom prst="rect">
+            <a:avLst/>
+          </a:prstGeom>
+        </p:spPr>
+      </p:pic>
+      <p:sp>
+        <p:nvSpPr>
+          <p:cNvPr id="17" name="Rectangle 14">
+            <a:extLst>
+              <a:ext uri="{FF2B5EF4-FFF2-40B4-BE49-F238E27FC236}">
+                <a16:creationId xmlns:a16="http://schemas.microsoft.com/office/drawing/2014/main" id="{5FD13D6E-C67F-3A56-EFD2-DD7B92E6255E}"/>
+              </a:ext>
+            </a:extLst>
+          </p:cNvPr>
+          <p:cNvSpPr>
+            <a:spLocks noChangeArrowheads="1"/>
+          </p:cNvSpPr>
+          <p:nvPr/>
+        </p:nvSpPr>
+        <p:spPr bwMode="auto">
+          <a:xfrm>
+            <a:off x="1334530" y="5250244"/>
+            <a:ext cx="582831732" cy="1477328"/>
+          </a:xfrm>
+          <a:prstGeom prst="rect">
+            <a:avLst/>
+          </a:prstGeom>
+          <a:noFill/>
+          <a:ln>
+            <a:noFill/>
+          </a:ln>
+          <a:effectLst/>
+          <a:extLst>
+            <a:ext uri="{909E8E84-426E-40DD-AFC4-6F175D3DCCD1}">
+              <a14:hiddenFill xmlns:a14="http://schemas.microsoft.com/office/drawing/2010/main">
+                <a:solidFill>
+                  <a:schemeClr val="accent1"/>
+                </a:solidFill>
+              </a14:hiddenFill>
+            </a:ext>
+            <a:ext uri="{91240B29-F687-4F45-9708-019B960494DF}">
+              <a14:hiddenLine xmlns:a14="http://schemas.microsoft.com/office/drawing/2010/main" w="9525">
+                <a:solidFill>
+                  <a:schemeClr val="tx1"/>
+                </a:solidFill>
+                <a:miter lim="800000"/>
+                <a:headEnd/>
+                <a:tailEnd/>
+              </a14:hiddenLine>
+            </a:ext>
+            <a:ext uri="{AF507438-7753-43E0-B8FC-AC1667EBCBE1}">
+              <a14:hiddenEffects xmlns:a14="http://schemas.microsoft.com/office/drawing/2010/main">
+                <a:effectLst>
+                  <a:outerShdw dist="35921" dir="2700000" algn="ctr" rotWithShape="0">
+                    <a:schemeClr val="bg2"/>
+                  </a:outerShdw>
+                </a:effectLst>
+              </a14:hiddenEffects>
+            </a:ext>
+          </a:extLst>
+        </p:spPr>
+        <p:txBody>
+          <a:bodyPr vert="horz" wrap="square" lIns="91440" tIns="45720" rIns="91440" bIns="45720" numCol="1" anchor="ctr" anchorCtr="0" compatLnSpc="1">
+            <a:prstTxWarp prst="textNoShape">
+              <a:avLst/>
+            </a:prstTxWarp>
+            <a:spAutoFit/>
+          </a:bodyPr>
+          <a:lstStyle/>
+          <a:p>
+            <a:pPr marL="0" marR="0" lvl="0" indent="0" algn="l" defTabSz="914400" rtl="0" eaLnBrk="0" fontAlgn="base" latinLnBrk="0" hangingPunct="0">
+              <a:lnSpc>
+                <a:spcPct val="100000"/>
+              </a:lnSpc>
+              <a:spcBef>
+                <a:spcPct val="0"/>
+              </a:spcBef>
+              <a:spcAft>
+                <a:spcPct val="0"/>
+              </a:spcAft>
+              <a:buClrTx/>
+              <a:buSzTx/>
+              <a:buFontTx/>
+              <a:buNone/>
+              <a:tabLst/>
+            </a:pPr>
+            <a:endParaRPr kumimoji="0" lang="LID4096" altLang="LID4096" sz="1800" b="0" i="0" u="none" strike="noStrike" cap="none" normalizeH="0" baseline="0">
+              <a:ln>
+                <a:noFill/>
+              </a:ln>
+              <a:solidFill>
+                <a:schemeClr val="tx1"/>
+              </a:solidFill>
+              <a:effectLst/>
+              <a:latin typeface="Arial" panose="020B0604020202020204" pitchFamily="34" charset="0"/>
+            </a:endParaRPr>
+          </a:p>
+          <a:p>
+            <a:pPr marL="0" marR="0" lvl="0" indent="0" algn="l" defTabSz="914400" rtl="0" eaLnBrk="0" fontAlgn="base" latinLnBrk="0" hangingPunct="0">
+              <a:lnSpc>
+                <a:spcPct val="100000"/>
+              </a:lnSpc>
+              <a:spcBef>
+                <a:spcPct val="0"/>
+              </a:spcBef>
+              <a:spcAft>
+                <a:spcPct val="0"/>
+              </a:spcAft>
+              <a:buClrTx/>
+              <a:buSzTx/>
+              <a:buFontTx/>
+              <a:buChar char="•"/>
+              <a:tabLst/>
+            </a:pPr>
+            <a:r>
+              <a:rPr kumimoji="0" lang="LID4096" altLang="LID4096" sz="1800" b="0" i="0" u="none" strike="noStrike" cap="none" normalizeH="0" baseline="0">
+                <a:ln>
+                  <a:noFill/>
+                </a:ln>
+                <a:solidFill>
+                  <a:schemeClr val="tx1"/>
+                </a:solidFill>
+                <a:effectLst/>
+                <a:latin typeface="Arial" panose="020B0604020202020204" pitchFamily="34" charset="0"/>
+              </a:rPr>
+              <a:t>Measures diffusion of water in order to model tissue microstructure </a:t>
+            </a:r>
+          </a:p>
+          <a:p>
+            <a:pPr marL="0" marR="0" lvl="0" indent="0" algn="l" defTabSz="914400" rtl="0" eaLnBrk="0" fontAlgn="base" latinLnBrk="0" hangingPunct="0">
+              <a:lnSpc>
+                <a:spcPct val="100000"/>
+              </a:lnSpc>
+              <a:spcBef>
+                <a:spcPct val="0"/>
+              </a:spcBef>
+              <a:spcAft>
+                <a:spcPct val="0"/>
+              </a:spcAft>
+              <a:buClrTx/>
+              <a:buSzTx/>
+              <a:buFontTx/>
+              <a:buChar char="•"/>
+              <a:tabLst/>
+            </a:pPr>
+            <a:r>
+              <a:rPr kumimoji="0" lang="LID4096" altLang="LID4096" sz="1800" b="0" i="0" u="none" strike="noStrike" cap="none" normalizeH="0" baseline="0">
+                <a:ln>
+                  <a:noFill/>
+                </a:ln>
+                <a:solidFill>
+                  <a:schemeClr val="tx1"/>
+                </a:solidFill>
+                <a:effectLst/>
+                <a:latin typeface="Arial" panose="020B0604020202020204" pitchFamily="34" charset="0"/>
+              </a:rPr>
+              <a:t>Four dimensional images (x, y, z + direction of diffusion) </a:t>
+            </a:r>
+          </a:p>
+          <a:p>
+            <a:pPr marL="0" marR="0" lvl="0" indent="0" algn="l" defTabSz="914400" rtl="0" eaLnBrk="0" fontAlgn="base" latinLnBrk="0" hangingPunct="0">
+              <a:lnSpc>
+                <a:spcPct val="100000"/>
+              </a:lnSpc>
+              <a:spcBef>
+                <a:spcPct val="0"/>
+              </a:spcBef>
+              <a:spcAft>
+                <a:spcPct val="0"/>
+              </a:spcAft>
+              <a:buClrTx/>
+              <a:buSzTx/>
+              <a:buFontTx/>
+              <a:buChar char="•"/>
+              <a:tabLst/>
+            </a:pPr>
+            <a:r>
+              <a:rPr kumimoji="0" lang="LID4096" altLang="LID4096" sz="1800" b="0" i="0" u="none" strike="noStrike" cap="none" normalizeH="0" baseline="0">
+                <a:ln>
+                  <a:noFill/>
+                </a:ln>
+                <a:solidFill>
+                  <a:schemeClr val="tx1"/>
+                </a:solidFill>
+                <a:effectLst/>
+                <a:latin typeface="Arial" panose="020B0604020202020204" pitchFamily="34" charset="0"/>
+              </a:rPr>
+              <a:t>Has parameters about the strength of the diffusion “gradient” and its direction in </a:t>
+            </a:r>
+            <a:r>
+              <a:rPr kumimoji="0" lang="LID4096" altLang="LID4096" sz="1000" b="0" i="0" u="none" strike="noStrike" cap="none" normalizeH="0" baseline="0">
+                <a:ln>
+                  <a:noFill/>
+                </a:ln>
+                <a:solidFill>
+                  <a:schemeClr val="tx1"/>
+                </a:solidFill>
+                <a:effectLst/>
+                <a:latin typeface="Arial Unicode MS"/>
+              </a:rPr>
+              <a:t>.bval</a:t>
+            </a:r>
+            <a:r>
+              <a:rPr kumimoji="0" lang="LID4096" altLang="LID4096" sz="800" b="0" i="0" u="none" strike="noStrike" cap="none" normalizeH="0" baseline="0">
+                <a:ln>
+                  <a:noFill/>
+                </a:ln>
+                <a:solidFill>
+                  <a:schemeClr val="tx1"/>
+                </a:solidFill>
+                <a:effectLst/>
+              </a:rPr>
+              <a:t> and </a:t>
+            </a:r>
+            <a:r>
+              <a:rPr kumimoji="0" lang="LID4096" altLang="LID4096" sz="1000" b="0" i="0" u="none" strike="noStrike" cap="none" normalizeH="0" baseline="0">
+                <a:ln>
+                  <a:noFill/>
+                </a:ln>
+                <a:solidFill>
+                  <a:schemeClr val="tx1"/>
+                </a:solidFill>
+                <a:effectLst/>
+                <a:latin typeface="Arial Unicode MS"/>
+              </a:rPr>
+              <a:t>.bvec</a:t>
+            </a:r>
+            <a:r>
+              <a:rPr kumimoji="0" lang="LID4096" altLang="LID4096" sz="800" b="0" i="0" u="none" strike="noStrike" cap="none" normalizeH="0" baseline="0">
+                <a:ln>
+                  <a:noFill/>
+                </a:ln>
+                <a:solidFill>
+                  <a:schemeClr val="tx1"/>
+                </a:solidFill>
+                <a:effectLst/>
+              </a:rPr>
+              <a:t> files</a:t>
+            </a:r>
+            <a:r>
+              <a:rPr kumimoji="0" lang="LID4096" altLang="LID4096" sz="1800" b="0" i="0" u="none" strike="noStrike" cap="none" normalizeH="0" baseline="0">
+                <a:ln>
+                  <a:noFill/>
+                </a:ln>
+                <a:solidFill>
+                  <a:schemeClr val="tx1"/>
+                </a:solidFill>
+                <a:effectLst/>
+                <a:latin typeface="Arial" panose="020B0604020202020204" pitchFamily="34" charset="0"/>
+              </a:rPr>
+              <a:t> </a:t>
+            </a:r>
+          </a:p>
+          <a:p>
+            <a:pPr marL="0" marR="0" lvl="0" indent="0" algn="l" defTabSz="914400" rtl="0" eaLnBrk="0" fontAlgn="base" latinLnBrk="0" hangingPunct="0">
+              <a:lnSpc>
+                <a:spcPct val="100000"/>
+              </a:lnSpc>
+              <a:spcBef>
+                <a:spcPct val="0"/>
+              </a:spcBef>
+              <a:spcAft>
+                <a:spcPct val="0"/>
+              </a:spcAft>
+              <a:buClrTx/>
+              <a:buSzTx/>
+              <a:buFontTx/>
+              <a:buNone/>
+              <a:tabLst/>
+            </a:pPr>
+            <a:endParaRPr kumimoji="0" lang="LID4096" altLang="LID4096" sz="1800" b="0" i="0" u="none" strike="noStrike" cap="none" normalizeH="0" baseline="0">
+              <a:ln>
+                <a:noFill/>
+              </a:ln>
+              <a:solidFill>
+                <a:schemeClr val="tx1"/>
+              </a:solidFill>
+              <a:effectLst/>
+              <a:latin typeface="Arial" panose="020B0604020202020204" pitchFamily="34" charset="0"/>
+            </a:endParaRPr>
+          </a:p>
+        </p:txBody>
+      </p:sp>
+    </p:spTree>
+    <p:extLst>
+      <p:ext uri="{BB962C8B-B14F-4D97-AF65-F5344CB8AC3E}">
+        <p14:creationId xmlns:p14="http://schemas.microsoft.com/office/powerpoint/2010/main" val="4193196166"/>
+      </p:ext>
+    </p:extLst>
+  </p:cSld>
+  <p:clrMapOvr>
+    <a:masterClrMapping/>
+  </p:clrMapOvr>
+</p:sld>
+</file>
+
+<file path=ppt/slides/slide21.xml><?xml version="1.0" encoding="utf-8"?>
+<p:sld xmlns:a="http://schemas.openxmlformats.org/drawingml/2006/main" xmlns:r="http://schemas.openxmlformats.org/officeDocument/2006/relationships" xmlns:p="http://schemas.openxmlformats.org/presentationml/2006/main">
+  <p:cSld>
+    <p:spTree>
+      <p:nvGrpSpPr>
+        <p:cNvPr id="1" name=""/>
+        <p:cNvGrpSpPr/>
+        <p:nvPr/>
+      </p:nvGrpSpPr>
+      <p:grpSpPr>
+        <a:xfrm>
+          <a:off x="0" y="0"/>
+          <a:ext cx="0" cy="0"/>
+          <a:chOff x="0" y="0"/>
+          <a:chExt cx="0" cy="0"/>
+        </a:xfrm>
+      </p:grpSpPr>
+      <p:sp>
+        <p:nvSpPr>
+          <p:cNvPr id="11" name="Title 1">
+            <a:extLst>
+              <a:ext uri="{FF2B5EF4-FFF2-40B4-BE49-F238E27FC236}">
+                <a16:creationId xmlns:a16="http://schemas.microsoft.com/office/drawing/2014/main" id="{B2A99C44-0FF0-7D73-9F27-6EEA0C5C5DDC}"/>
+              </a:ext>
+            </a:extLst>
+          </p:cNvPr>
+          <p:cNvSpPr>
+            <a:spLocks noGrp="1"/>
+          </p:cNvSpPr>
+          <p:nvPr>
+            <p:ph type="title"/>
+          </p:nvPr>
+        </p:nvSpPr>
+        <p:spPr>
+          <a:xfrm>
+            <a:off x="2503926" y="0"/>
+            <a:ext cx="10972440" cy="1144800"/>
+          </a:xfrm>
+        </p:spPr>
+        <p:txBody>
+          <a:bodyPr/>
+          <a:lstStyle/>
+          <a:p>
+            <a:r>
+              <a:rPr lang="en-US" dirty="0"/>
               <a:t>MRI: more and more</a:t>
             </a:r>
             <a:endParaRPr lang="LID4096" dirty="0"/>
@@ -21518,7 +21948,7 @@
 </p:sld>
 </file>
 
-<file path=ppt/slides/slide21.xml><?xml version="1.0" encoding="utf-8"?>
+<file path=ppt/slides/slide22.xml><?xml version="1.0" encoding="utf-8"?>
 <p:sld xmlns:a="http://schemas.openxmlformats.org/drawingml/2006/main" xmlns:r="http://schemas.openxmlformats.org/officeDocument/2006/relationships" xmlns:p="http://schemas.openxmlformats.org/presentationml/2006/main">
   <p:cSld>
     <p:spTree>
@@ -21904,7 +22334,7 @@
 </p:sld>
 </file>
 
-<file path=ppt/slides/slide22.xml><?xml version="1.0" encoding="utf-8"?>
+<file path=ppt/slides/slide23.xml><?xml version="1.0" encoding="utf-8"?>
 <p:sld xmlns:a="http://schemas.openxmlformats.org/drawingml/2006/main" xmlns:r="http://schemas.openxmlformats.org/officeDocument/2006/relationships" xmlns:p="http://schemas.openxmlformats.org/presentationml/2006/main">
   <p:cSld>
     <p:spTree>
